--- a/study-note/자바/2022-10-06 내용정리.pptx
+++ b/study-note/자바/2022-10-06 내용정리.pptx
@@ -5,7 +5,7 @@
     <p:sldMasterId id="2147483648" r:id="rId1"/>
   </p:sldMasterIdLst>
   <p:notesMasterIdLst>
-    <p:notesMasterId r:id="rId27"/>
+    <p:notesMasterId r:id="rId29"/>
   </p:notesMasterIdLst>
   <p:sldIdLst>
     <p:sldId id="256" r:id="rId2"/>
@@ -33,6 +33,8 @@
     <p:sldId id="278" r:id="rId24"/>
     <p:sldId id="279" r:id="rId25"/>
     <p:sldId id="280" r:id="rId26"/>
+    <p:sldId id="281" r:id="rId27"/>
+    <p:sldId id="282" r:id="rId28"/>
   </p:sldIdLst>
   <p:sldSz cx="12192000" cy="6858000"/>
   <p:notesSz cx="6858000" cy="9144000"/>
@@ -27239,7 +27241,7 @@
               <a:t> 서버에 </a:t>
             </a:r>
             <a:r>
-              <a:rPr kumimoji="1" lang="en-US" altLang="ko-KR" sz="1200"/>
+              <a:rPr kumimoji="1" lang="en-US" altLang="ko-KR" sz="1200" dirty="0"/>
               <a:t>rollback </a:t>
             </a:r>
             <a:r>
@@ -27300,6 +27302,5550 @@
     <p:extLst>
       <p:ext uri="{BB962C8B-B14F-4D97-AF65-F5344CB8AC3E}">
         <p14:creationId xmlns:p14="http://schemas.microsoft.com/office/powerpoint/2010/main" val="163543397"/>
+      </p:ext>
+    </p:extLst>
+  </p:cSld>
+  <p:clrMapOvr>
+    <a:masterClrMapping/>
+  </p:clrMapOvr>
+</p:sld>
+</file>
+
+<file path=ppt/slides/slide26.xml><?xml version="1.0" encoding="utf-8"?>
+<p:sld xmlns:a="http://schemas.openxmlformats.org/drawingml/2006/main" xmlns:r="http://schemas.openxmlformats.org/officeDocument/2006/relationships" xmlns:p="http://schemas.openxmlformats.org/presentationml/2006/main">
+  <p:cSld>
+    <p:spTree>
+      <p:nvGrpSpPr>
+        <p:cNvPr id="1" name=""/>
+        <p:cNvGrpSpPr/>
+        <p:nvPr/>
+      </p:nvGrpSpPr>
+      <p:grpSpPr>
+        <a:xfrm>
+          <a:off x="0" y="0"/>
+          <a:ext cx="0" cy="0"/>
+          <a:chOff x="0" y="0"/>
+          <a:chExt cx="0" cy="0"/>
+        </a:xfrm>
+      </p:grpSpPr>
+      <p:sp>
+        <p:nvSpPr>
+          <p:cNvPr id="4" name="직사각형 3">
+            <a:extLst>
+              <a:ext uri="{FF2B5EF4-FFF2-40B4-BE49-F238E27FC236}">
+                <a16:creationId xmlns:a16="http://schemas.microsoft.com/office/drawing/2014/main" id="{31D9CCA3-C00D-CDA3-EAFB-AD5E76DF5C6B}"/>
+              </a:ext>
+            </a:extLst>
+          </p:cNvPr>
+          <p:cNvSpPr/>
+          <p:nvPr/>
+        </p:nvSpPr>
+        <p:spPr>
+          <a:xfrm>
+            <a:off x="1250731" y="273270"/>
+            <a:ext cx="1639614" cy="536027"/>
+          </a:xfrm>
+          <a:prstGeom prst="rect">
+            <a:avLst/>
+          </a:prstGeom>
+        </p:spPr>
+        <p:style>
+          <a:lnRef idx="2">
+            <a:schemeClr val="accent1"/>
+          </a:lnRef>
+          <a:fillRef idx="1">
+            <a:schemeClr val="lt1"/>
+          </a:fillRef>
+          <a:effectRef idx="0">
+            <a:schemeClr val="accent1"/>
+          </a:effectRef>
+          <a:fontRef idx="minor">
+            <a:schemeClr val="dk1"/>
+          </a:fontRef>
+        </p:style>
+        <p:txBody>
+          <a:bodyPr rtlCol="0" anchor="ctr"/>
+          <a:lstStyle/>
+          <a:p>
+            <a:pPr algn="ctr"/>
+            <a:r>
+              <a:rPr kumimoji="1" lang="en-US" altLang="ko-Kore-KR" sz="1600" b="1" dirty="0"/>
+              <a:t>HTTP Client</a:t>
+            </a:r>
+            <a:endParaRPr kumimoji="1" lang="ko-Kore-KR" altLang="en-US" sz="1600" b="1" dirty="0"/>
+          </a:p>
+        </p:txBody>
+      </p:sp>
+      <p:sp>
+        <p:nvSpPr>
+          <p:cNvPr id="5" name="직사각형 4">
+            <a:extLst>
+              <a:ext uri="{FF2B5EF4-FFF2-40B4-BE49-F238E27FC236}">
+                <a16:creationId xmlns:a16="http://schemas.microsoft.com/office/drawing/2014/main" id="{9D027FE1-B6BF-68E1-5C5F-2D3093B492B4}"/>
+              </a:ext>
+            </a:extLst>
+          </p:cNvPr>
+          <p:cNvSpPr/>
+          <p:nvPr/>
+        </p:nvSpPr>
+        <p:spPr>
+          <a:xfrm>
+            <a:off x="5276193" y="273269"/>
+            <a:ext cx="1639614" cy="536027"/>
+          </a:xfrm>
+          <a:prstGeom prst="rect">
+            <a:avLst/>
+          </a:prstGeom>
+        </p:spPr>
+        <p:style>
+          <a:lnRef idx="2">
+            <a:schemeClr val="accent1"/>
+          </a:lnRef>
+          <a:fillRef idx="1">
+            <a:schemeClr val="lt1"/>
+          </a:fillRef>
+          <a:effectRef idx="0">
+            <a:schemeClr val="accent1"/>
+          </a:effectRef>
+          <a:fontRef idx="minor">
+            <a:schemeClr val="dk1"/>
+          </a:fontRef>
+        </p:style>
+        <p:txBody>
+          <a:bodyPr rtlCol="0" anchor="ctr"/>
+          <a:lstStyle/>
+          <a:p>
+            <a:pPr algn="ctr"/>
+            <a:r>
+              <a:rPr kumimoji="1" lang="en-US" altLang="ko-Kore-KR" sz="1600" b="1" dirty="0"/>
+              <a:t>HTTP Server</a:t>
+            </a:r>
+            <a:endParaRPr kumimoji="1" lang="ko-Kore-KR" altLang="en-US" sz="1600" b="1" dirty="0"/>
+          </a:p>
+        </p:txBody>
+      </p:sp>
+      <p:sp>
+        <p:nvSpPr>
+          <p:cNvPr id="6" name="직사각형 5">
+            <a:extLst>
+              <a:ext uri="{FF2B5EF4-FFF2-40B4-BE49-F238E27FC236}">
+                <a16:creationId xmlns:a16="http://schemas.microsoft.com/office/drawing/2014/main" id="{4760EEEC-E235-55F7-5245-460E02395379}"/>
+              </a:ext>
+            </a:extLst>
+          </p:cNvPr>
+          <p:cNvSpPr/>
+          <p:nvPr/>
+        </p:nvSpPr>
+        <p:spPr>
+          <a:xfrm>
+            <a:off x="9301655" y="273268"/>
+            <a:ext cx="1639614" cy="536027"/>
+          </a:xfrm>
+          <a:prstGeom prst="rect">
+            <a:avLst/>
+          </a:prstGeom>
+        </p:spPr>
+        <p:style>
+          <a:lnRef idx="2">
+            <a:schemeClr val="accent1"/>
+          </a:lnRef>
+          <a:fillRef idx="1">
+            <a:schemeClr val="lt1"/>
+          </a:fillRef>
+          <a:effectRef idx="0">
+            <a:schemeClr val="accent1"/>
+          </a:effectRef>
+          <a:fontRef idx="minor">
+            <a:schemeClr val="dk1"/>
+          </a:fontRef>
+        </p:style>
+        <p:txBody>
+          <a:bodyPr rtlCol="0" anchor="ctr"/>
+          <a:lstStyle/>
+          <a:p>
+            <a:pPr algn="ctr"/>
+            <a:r>
+              <a:rPr kumimoji="1" lang="en-US" altLang="ko-Kore-KR" sz="1600" b="1" dirty="0"/>
+              <a:t>DBMS </a:t>
+            </a:r>
+            <a:r>
+              <a:rPr kumimoji="1" lang="ko-Kore-KR" altLang="en-US" sz="1600" b="1" dirty="0"/>
+              <a:t>서버</a:t>
+            </a:r>
+          </a:p>
+        </p:txBody>
+      </p:sp>
+      <p:cxnSp>
+        <p:nvCxnSpPr>
+          <p:cNvPr id="8" name="직선 연결선[R] 7">
+            <a:extLst>
+              <a:ext uri="{FF2B5EF4-FFF2-40B4-BE49-F238E27FC236}">
+                <a16:creationId xmlns:a16="http://schemas.microsoft.com/office/drawing/2014/main" id="{5BA58C06-3F7B-134F-E4B5-88F957F38E96}"/>
+              </a:ext>
+            </a:extLst>
+          </p:cNvPr>
+          <p:cNvCxnSpPr>
+            <a:cxnSpLocks/>
+          </p:cNvCxnSpPr>
+          <p:nvPr/>
+        </p:nvCxnSpPr>
+        <p:spPr>
+          <a:xfrm>
+            <a:off x="3258207" y="0"/>
+            <a:ext cx="0" cy="6858000"/>
+          </a:xfrm>
+          <a:prstGeom prst="line">
+            <a:avLst/>
+          </a:prstGeom>
+        </p:spPr>
+        <p:style>
+          <a:lnRef idx="3">
+            <a:schemeClr val="accent1"/>
+          </a:lnRef>
+          <a:fillRef idx="0">
+            <a:schemeClr val="accent1"/>
+          </a:fillRef>
+          <a:effectRef idx="2">
+            <a:schemeClr val="accent1"/>
+          </a:effectRef>
+          <a:fontRef idx="minor">
+            <a:schemeClr val="tx1"/>
+          </a:fontRef>
+        </p:style>
+      </p:cxnSp>
+      <p:cxnSp>
+        <p:nvCxnSpPr>
+          <p:cNvPr id="11" name="직선 연결선[R] 10">
+            <a:extLst>
+              <a:ext uri="{FF2B5EF4-FFF2-40B4-BE49-F238E27FC236}">
+                <a16:creationId xmlns:a16="http://schemas.microsoft.com/office/drawing/2014/main" id="{1F9A4168-6187-8E9F-D87D-F94014FED27B}"/>
+              </a:ext>
+            </a:extLst>
+          </p:cNvPr>
+          <p:cNvCxnSpPr>
+            <a:cxnSpLocks/>
+          </p:cNvCxnSpPr>
+          <p:nvPr/>
+        </p:nvCxnSpPr>
+        <p:spPr>
+          <a:xfrm>
+            <a:off x="8182304" y="0"/>
+            <a:ext cx="0" cy="6858000"/>
+          </a:xfrm>
+          <a:prstGeom prst="line">
+            <a:avLst/>
+          </a:prstGeom>
+        </p:spPr>
+        <p:style>
+          <a:lnRef idx="3">
+            <a:schemeClr val="accent1"/>
+          </a:lnRef>
+          <a:fillRef idx="0">
+            <a:schemeClr val="accent1"/>
+          </a:fillRef>
+          <a:effectRef idx="2">
+            <a:schemeClr val="accent1"/>
+          </a:effectRef>
+          <a:fontRef idx="minor">
+            <a:schemeClr val="tx1"/>
+          </a:fontRef>
+        </p:style>
+      </p:cxnSp>
+      <p:sp>
+        <p:nvSpPr>
+          <p:cNvPr id="14" name="타원 13">
+            <a:extLst>
+              <a:ext uri="{FF2B5EF4-FFF2-40B4-BE49-F238E27FC236}">
+                <a16:creationId xmlns:a16="http://schemas.microsoft.com/office/drawing/2014/main" id="{7485FA8D-D611-6F2D-5C90-AD0B69BBFD5E}"/>
+              </a:ext>
+            </a:extLst>
+          </p:cNvPr>
+          <p:cNvSpPr/>
+          <p:nvPr/>
+        </p:nvSpPr>
+        <p:spPr>
+          <a:xfrm>
+            <a:off x="1497732" y="1618593"/>
+            <a:ext cx="609598" cy="609598"/>
+          </a:xfrm>
+          <a:prstGeom prst="ellipse">
+            <a:avLst/>
+          </a:prstGeom>
+        </p:spPr>
+        <p:style>
+          <a:lnRef idx="2">
+            <a:schemeClr val="accent1">
+              <a:shade val="50000"/>
+            </a:schemeClr>
+          </a:lnRef>
+          <a:fillRef idx="1">
+            <a:schemeClr val="accent1"/>
+          </a:fillRef>
+          <a:effectRef idx="0">
+            <a:schemeClr val="accent1"/>
+          </a:effectRef>
+          <a:fontRef idx="minor">
+            <a:schemeClr val="lt1"/>
+          </a:fontRef>
+        </p:style>
+        <p:txBody>
+          <a:bodyPr rtlCol="0" anchor="ctr"/>
+          <a:lstStyle/>
+          <a:p>
+            <a:pPr algn="ctr"/>
+            <a:r>
+              <a:rPr kumimoji="1" lang="en-US" altLang="ko-Kore-KR" sz="1600" dirty="0"/>
+              <a:t>C1</a:t>
+            </a:r>
+            <a:endParaRPr kumimoji="1" lang="ko-Kore-KR" altLang="en-US" sz="1600" dirty="0"/>
+          </a:p>
+        </p:txBody>
+      </p:sp>
+      <p:sp>
+        <p:nvSpPr>
+          <p:cNvPr id="15" name="직사각형 14">
+            <a:extLst>
+              <a:ext uri="{FF2B5EF4-FFF2-40B4-BE49-F238E27FC236}">
+                <a16:creationId xmlns:a16="http://schemas.microsoft.com/office/drawing/2014/main" id="{9AF8F025-D4D4-45F4-6EE1-9FA71EC2587D}"/>
+              </a:ext>
+            </a:extLst>
+          </p:cNvPr>
+          <p:cNvSpPr/>
+          <p:nvPr/>
+        </p:nvSpPr>
+        <p:spPr>
+          <a:xfrm>
+            <a:off x="4729655" y="1692164"/>
+            <a:ext cx="620113" cy="462456"/>
+          </a:xfrm>
+          <a:prstGeom prst="rect">
+            <a:avLst/>
+          </a:prstGeom>
+        </p:spPr>
+        <p:style>
+          <a:lnRef idx="2">
+            <a:schemeClr val="accent1">
+              <a:shade val="50000"/>
+            </a:schemeClr>
+          </a:lnRef>
+          <a:fillRef idx="1">
+            <a:schemeClr val="accent1"/>
+          </a:fillRef>
+          <a:effectRef idx="0">
+            <a:schemeClr val="accent1"/>
+          </a:effectRef>
+          <a:fontRef idx="minor">
+            <a:schemeClr val="lt1"/>
+          </a:fontRef>
+        </p:style>
+        <p:txBody>
+          <a:bodyPr rtlCol="0" anchor="ctr"/>
+          <a:lstStyle/>
+          <a:p>
+            <a:pPr algn="ctr"/>
+            <a:r>
+              <a:rPr kumimoji="1" lang="en-US" altLang="ko-Kore-KR" sz="1600" dirty="0"/>
+              <a:t>Ctrl</a:t>
+            </a:r>
+            <a:endParaRPr kumimoji="1" lang="ko-Kore-KR" altLang="en-US" sz="1600" dirty="0"/>
+          </a:p>
+        </p:txBody>
+      </p:sp>
+      <p:sp>
+        <p:nvSpPr>
+          <p:cNvPr id="16" name="직사각형 15">
+            <a:extLst>
+              <a:ext uri="{FF2B5EF4-FFF2-40B4-BE49-F238E27FC236}">
+                <a16:creationId xmlns:a16="http://schemas.microsoft.com/office/drawing/2014/main" id="{0470FDD7-2988-BA2D-A2B0-B431A1714A80}"/>
+              </a:ext>
+            </a:extLst>
+          </p:cNvPr>
+          <p:cNvSpPr/>
+          <p:nvPr/>
+        </p:nvSpPr>
+        <p:spPr>
+          <a:xfrm>
+            <a:off x="5714999" y="1692164"/>
+            <a:ext cx="620112" cy="462456"/>
+          </a:xfrm>
+          <a:prstGeom prst="rect">
+            <a:avLst/>
+          </a:prstGeom>
+        </p:spPr>
+        <p:style>
+          <a:lnRef idx="2">
+            <a:schemeClr val="accent1">
+              <a:shade val="50000"/>
+            </a:schemeClr>
+          </a:lnRef>
+          <a:fillRef idx="1">
+            <a:schemeClr val="accent1"/>
+          </a:fillRef>
+          <a:effectRef idx="0">
+            <a:schemeClr val="accent1"/>
+          </a:effectRef>
+          <a:fontRef idx="minor">
+            <a:schemeClr val="lt1"/>
+          </a:fontRef>
+        </p:style>
+        <p:txBody>
+          <a:bodyPr rtlCol="0" anchor="ctr"/>
+          <a:lstStyle/>
+          <a:p>
+            <a:pPr algn="ctr"/>
+            <a:r>
+              <a:rPr kumimoji="1" lang="en-US" altLang="ko-Kore-KR" sz="1600" dirty="0"/>
+              <a:t>S</a:t>
+            </a:r>
+            <a:endParaRPr kumimoji="1" lang="ko-Kore-KR" altLang="en-US" sz="1600" dirty="0"/>
+          </a:p>
+        </p:txBody>
+      </p:sp>
+      <p:sp>
+        <p:nvSpPr>
+          <p:cNvPr id="17" name="직사각형 16">
+            <a:extLst>
+              <a:ext uri="{FF2B5EF4-FFF2-40B4-BE49-F238E27FC236}">
+                <a16:creationId xmlns:a16="http://schemas.microsoft.com/office/drawing/2014/main" id="{87DB5007-82A0-3EB0-1380-78CABD69E49A}"/>
+              </a:ext>
+            </a:extLst>
+          </p:cNvPr>
+          <p:cNvSpPr/>
+          <p:nvPr/>
+        </p:nvSpPr>
+        <p:spPr>
+          <a:xfrm>
+            <a:off x="6647789" y="1692164"/>
+            <a:ext cx="620112" cy="462456"/>
+          </a:xfrm>
+          <a:prstGeom prst="rect">
+            <a:avLst/>
+          </a:prstGeom>
+        </p:spPr>
+        <p:style>
+          <a:lnRef idx="2">
+            <a:schemeClr val="accent1">
+              <a:shade val="50000"/>
+            </a:schemeClr>
+          </a:lnRef>
+          <a:fillRef idx="1">
+            <a:schemeClr val="accent1"/>
+          </a:fillRef>
+          <a:effectRef idx="0">
+            <a:schemeClr val="accent1"/>
+          </a:effectRef>
+          <a:fontRef idx="minor">
+            <a:schemeClr val="lt1"/>
+          </a:fontRef>
+        </p:style>
+        <p:txBody>
+          <a:bodyPr rtlCol="0" anchor="ctr"/>
+          <a:lstStyle/>
+          <a:p>
+            <a:pPr algn="ctr"/>
+            <a:r>
+              <a:rPr kumimoji="1" lang="en-US" altLang="ko-Kore-KR" sz="1600" dirty="0"/>
+              <a:t>DAO</a:t>
+            </a:r>
+            <a:endParaRPr kumimoji="1" lang="ko-Kore-KR" altLang="en-US" sz="1600" dirty="0"/>
+          </a:p>
+        </p:txBody>
+      </p:sp>
+      <p:sp>
+        <p:nvSpPr>
+          <p:cNvPr id="18" name="직사각형 17">
+            <a:extLst>
+              <a:ext uri="{FF2B5EF4-FFF2-40B4-BE49-F238E27FC236}">
+                <a16:creationId xmlns:a16="http://schemas.microsoft.com/office/drawing/2014/main" id="{093CA76A-1440-6AA2-824B-36341FF6186C}"/>
+              </a:ext>
+            </a:extLst>
+          </p:cNvPr>
+          <p:cNvSpPr/>
+          <p:nvPr/>
+        </p:nvSpPr>
+        <p:spPr>
+          <a:xfrm>
+            <a:off x="7267901" y="2893638"/>
+            <a:ext cx="620112" cy="462456"/>
+          </a:xfrm>
+          <a:prstGeom prst="rect">
+            <a:avLst/>
+          </a:prstGeom>
+        </p:spPr>
+        <p:style>
+          <a:lnRef idx="2">
+            <a:schemeClr val="accent1">
+              <a:shade val="50000"/>
+            </a:schemeClr>
+          </a:lnRef>
+          <a:fillRef idx="1">
+            <a:schemeClr val="accent1"/>
+          </a:fillRef>
+          <a:effectRef idx="0">
+            <a:schemeClr val="accent1"/>
+          </a:effectRef>
+          <a:fontRef idx="minor">
+            <a:schemeClr val="lt1"/>
+          </a:fontRef>
+        </p:style>
+        <p:txBody>
+          <a:bodyPr rtlCol="0" anchor="ctr"/>
+          <a:lstStyle/>
+          <a:p>
+            <a:pPr algn="ctr"/>
+            <a:r>
+              <a:rPr kumimoji="1" lang="en-US" altLang="ko-Kore-KR" sz="1600" dirty="0"/>
+              <a:t>Con</a:t>
+            </a:r>
+            <a:endParaRPr kumimoji="1" lang="ko-Kore-KR" altLang="en-US" sz="1600" dirty="0"/>
+          </a:p>
+        </p:txBody>
+      </p:sp>
+      <p:sp>
+        <p:nvSpPr>
+          <p:cNvPr id="19" name="타원 18">
+            <a:extLst>
+              <a:ext uri="{FF2B5EF4-FFF2-40B4-BE49-F238E27FC236}">
+                <a16:creationId xmlns:a16="http://schemas.microsoft.com/office/drawing/2014/main" id="{5E3A2CD2-8DD2-D5D1-3BFA-B2B585B7C03A}"/>
+              </a:ext>
+            </a:extLst>
+          </p:cNvPr>
+          <p:cNvSpPr/>
+          <p:nvPr/>
+        </p:nvSpPr>
+        <p:spPr>
+          <a:xfrm>
+            <a:off x="9154510" y="2835824"/>
+            <a:ext cx="609598" cy="609598"/>
+          </a:xfrm>
+          <a:prstGeom prst="ellipse">
+            <a:avLst/>
+          </a:prstGeom>
+        </p:spPr>
+        <p:style>
+          <a:lnRef idx="2">
+            <a:schemeClr val="accent1">
+              <a:shade val="50000"/>
+            </a:schemeClr>
+          </a:lnRef>
+          <a:fillRef idx="1">
+            <a:schemeClr val="accent1"/>
+          </a:fillRef>
+          <a:effectRef idx="0">
+            <a:schemeClr val="accent1"/>
+          </a:effectRef>
+          <a:fontRef idx="minor">
+            <a:schemeClr val="lt1"/>
+          </a:fontRef>
+        </p:style>
+        <p:txBody>
+          <a:bodyPr rtlCol="0" anchor="ctr"/>
+          <a:lstStyle/>
+          <a:p>
+            <a:pPr algn="ctr"/>
+            <a:r>
+              <a:rPr kumimoji="1" lang="en-US" altLang="ko-Kore-KR" sz="1600" dirty="0"/>
+              <a:t>T</a:t>
+            </a:r>
+            <a:endParaRPr kumimoji="1" lang="ko-Kore-KR" altLang="en-US" sz="1600" dirty="0"/>
+          </a:p>
+        </p:txBody>
+      </p:sp>
+      <p:sp>
+        <p:nvSpPr>
+          <p:cNvPr id="20" name="직사각형 19">
+            <a:extLst>
+              <a:ext uri="{FF2B5EF4-FFF2-40B4-BE49-F238E27FC236}">
+                <a16:creationId xmlns:a16="http://schemas.microsoft.com/office/drawing/2014/main" id="{59AEBCFF-68E0-027B-42D6-6DA5B714CFD0}"/>
+              </a:ext>
+            </a:extLst>
+          </p:cNvPr>
+          <p:cNvSpPr/>
+          <p:nvPr/>
+        </p:nvSpPr>
+        <p:spPr>
+          <a:xfrm>
+            <a:off x="8877299" y="3734464"/>
+            <a:ext cx="1723693" cy="2850268"/>
+          </a:xfrm>
+          <a:prstGeom prst="rect">
+            <a:avLst/>
+          </a:prstGeom>
+        </p:spPr>
+        <p:style>
+          <a:lnRef idx="2">
+            <a:schemeClr val="accent1">
+              <a:shade val="50000"/>
+            </a:schemeClr>
+          </a:lnRef>
+          <a:fillRef idx="1">
+            <a:schemeClr val="accent1"/>
+          </a:fillRef>
+          <a:effectRef idx="0">
+            <a:schemeClr val="accent1"/>
+          </a:effectRef>
+          <a:fontRef idx="minor">
+            <a:schemeClr val="lt1"/>
+          </a:fontRef>
+        </p:style>
+        <p:txBody>
+          <a:bodyPr rtlCol="0" anchor="t"/>
+          <a:lstStyle/>
+          <a:p>
+            <a:pPr algn="ctr"/>
+            <a:r>
+              <a:rPr kumimoji="1" lang="ko-KR" altLang="en-US" sz="1400" dirty="0"/>
+              <a:t>임시데이터베이스</a:t>
+            </a:r>
+            <a:endParaRPr kumimoji="1" lang="ko-Kore-KR" altLang="en-US" sz="1400" dirty="0"/>
+          </a:p>
+        </p:txBody>
+      </p:sp>
+      <p:sp>
+        <p:nvSpPr>
+          <p:cNvPr id="21" name="직사각형 20">
+            <a:extLst>
+              <a:ext uri="{FF2B5EF4-FFF2-40B4-BE49-F238E27FC236}">
+                <a16:creationId xmlns:a16="http://schemas.microsoft.com/office/drawing/2014/main" id="{E8904F74-22B6-0686-58E0-65F4A5F1DBD2}"/>
+              </a:ext>
+            </a:extLst>
+          </p:cNvPr>
+          <p:cNvSpPr/>
+          <p:nvPr/>
+        </p:nvSpPr>
+        <p:spPr>
+          <a:xfrm>
+            <a:off x="10804630" y="1248098"/>
+            <a:ext cx="620112" cy="462456"/>
+          </a:xfrm>
+          <a:prstGeom prst="rect">
+            <a:avLst/>
+          </a:prstGeom>
+        </p:spPr>
+        <p:style>
+          <a:lnRef idx="2">
+            <a:schemeClr val="accent1">
+              <a:shade val="50000"/>
+            </a:schemeClr>
+          </a:lnRef>
+          <a:fillRef idx="1">
+            <a:schemeClr val="accent1"/>
+          </a:fillRef>
+          <a:effectRef idx="0">
+            <a:schemeClr val="accent1"/>
+          </a:effectRef>
+          <a:fontRef idx="minor">
+            <a:schemeClr val="lt1"/>
+          </a:fontRef>
+        </p:style>
+        <p:txBody>
+          <a:bodyPr rtlCol="0" anchor="ctr"/>
+          <a:lstStyle/>
+          <a:p>
+            <a:pPr algn="ctr"/>
+            <a:r>
+              <a:rPr kumimoji="1" lang="en-US" altLang="ko-Kore-KR" sz="1600" dirty="0"/>
+              <a:t>Table</a:t>
+            </a:r>
+            <a:endParaRPr kumimoji="1" lang="ko-Kore-KR" altLang="en-US" sz="1600" dirty="0"/>
+          </a:p>
+        </p:txBody>
+      </p:sp>
+      <p:sp>
+        <p:nvSpPr>
+          <p:cNvPr id="22" name="직사각형 21">
+            <a:extLst>
+              <a:ext uri="{FF2B5EF4-FFF2-40B4-BE49-F238E27FC236}">
+                <a16:creationId xmlns:a16="http://schemas.microsoft.com/office/drawing/2014/main" id="{A13E00E1-ADEC-FE36-D5D9-9C1D79DE32E5}"/>
+              </a:ext>
+            </a:extLst>
+          </p:cNvPr>
+          <p:cNvSpPr/>
+          <p:nvPr/>
+        </p:nvSpPr>
+        <p:spPr>
+          <a:xfrm>
+            <a:off x="10804630" y="1882665"/>
+            <a:ext cx="620112" cy="462456"/>
+          </a:xfrm>
+          <a:prstGeom prst="rect">
+            <a:avLst/>
+          </a:prstGeom>
+        </p:spPr>
+        <p:style>
+          <a:lnRef idx="2">
+            <a:schemeClr val="accent1">
+              <a:shade val="50000"/>
+            </a:schemeClr>
+          </a:lnRef>
+          <a:fillRef idx="1">
+            <a:schemeClr val="accent1"/>
+          </a:fillRef>
+          <a:effectRef idx="0">
+            <a:schemeClr val="accent1"/>
+          </a:effectRef>
+          <a:fontRef idx="minor">
+            <a:schemeClr val="lt1"/>
+          </a:fontRef>
+        </p:style>
+        <p:txBody>
+          <a:bodyPr rtlCol="0" anchor="ctr"/>
+          <a:lstStyle/>
+          <a:p>
+            <a:pPr algn="ctr"/>
+            <a:r>
+              <a:rPr kumimoji="1" lang="en-US" altLang="ko-Kore-KR" sz="1600" dirty="0"/>
+              <a:t>Table</a:t>
+            </a:r>
+            <a:endParaRPr kumimoji="1" lang="ko-Kore-KR" altLang="en-US" sz="1600" dirty="0"/>
+          </a:p>
+        </p:txBody>
+      </p:sp>
+      <p:sp>
+        <p:nvSpPr>
+          <p:cNvPr id="23" name="직사각형 22">
+            <a:extLst>
+              <a:ext uri="{FF2B5EF4-FFF2-40B4-BE49-F238E27FC236}">
+                <a16:creationId xmlns:a16="http://schemas.microsoft.com/office/drawing/2014/main" id="{D8A14CCB-8F14-904A-CA9B-CF8977B47C22}"/>
+              </a:ext>
+            </a:extLst>
+          </p:cNvPr>
+          <p:cNvSpPr/>
+          <p:nvPr/>
+        </p:nvSpPr>
+        <p:spPr>
+          <a:xfrm>
+            <a:off x="10804630" y="2532983"/>
+            <a:ext cx="620112" cy="462456"/>
+          </a:xfrm>
+          <a:prstGeom prst="rect">
+            <a:avLst/>
+          </a:prstGeom>
+        </p:spPr>
+        <p:style>
+          <a:lnRef idx="2">
+            <a:schemeClr val="accent1">
+              <a:shade val="50000"/>
+            </a:schemeClr>
+          </a:lnRef>
+          <a:fillRef idx="1">
+            <a:schemeClr val="accent1"/>
+          </a:fillRef>
+          <a:effectRef idx="0">
+            <a:schemeClr val="accent1"/>
+          </a:effectRef>
+          <a:fontRef idx="minor">
+            <a:schemeClr val="lt1"/>
+          </a:fontRef>
+        </p:style>
+        <p:txBody>
+          <a:bodyPr rtlCol="0" anchor="ctr"/>
+          <a:lstStyle/>
+          <a:p>
+            <a:pPr algn="ctr"/>
+            <a:r>
+              <a:rPr kumimoji="1" lang="en-US" altLang="ko-Kore-KR" sz="1600" dirty="0"/>
+              <a:t>Table</a:t>
+            </a:r>
+            <a:endParaRPr kumimoji="1" lang="ko-Kore-KR" altLang="en-US" sz="1600" dirty="0"/>
+          </a:p>
+        </p:txBody>
+      </p:sp>
+      <p:sp>
+        <p:nvSpPr>
+          <p:cNvPr id="24" name="직사각형 23">
+            <a:extLst>
+              <a:ext uri="{FF2B5EF4-FFF2-40B4-BE49-F238E27FC236}">
+                <a16:creationId xmlns:a16="http://schemas.microsoft.com/office/drawing/2014/main" id="{50ADD0B5-FEDD-70A6-FE4E-187582D7B661}"/>
+              </a:ext>
+            </a:extLst>
+          </p:cNvPr>
+          <p:cNvSpPr/>
+          <p:nvPr/>
+        </p:nvSpPr>
+        <p:spPr>
+          <a:xfrm>
+            <a:off x="10804630" y="3200395"/>
+            <a:ext cx="620112" cy="462456"/>
+          </a:xfrm>
+          <a:prstGeom prst="rect">
+            <a:avLst/>
+          </a:prstGeom>
+        </p:spPr>
+        <p:style>
+          <a:lnRef idx="2">
+            <a:schemeClr val="accent1">
+              <a:shade val="50000"/>
+            </a:schemeClr>
+          </a:lnRef>
+          <a:fillRef idx="1">
+            <a:schemeClr val="accent1"/>
+          </a:fillRef>
+          <a:effectRef idx="0">
+            <a:schemeClr val="accent1"/>
+          </a:effectRef>
+          <a:fontRef idx="minor">
+            <a:schemeClr val="lt1"/>
+          </a:fontRef>
+        </p:style>
+        <p:txBody>
+          <a:bodyPr rtlCol="0" anchor="ctr"/>
+          <a:lstStyle/>
+          <a:p>
+            <a:pPr algn="ctr"/>
+            <a:r>
+              <a:rPr kumimoji="1" lang="en-US" altLang="ko-Kore-KR" sz="1600" dirty="0"/>
+              <a:t>Table</a:t>
+            </a:r>
+            <a:endParaRPr kumimoji="1" lang="ko-Kore-KR" altLang="en-US" sz="1600" dirty="0"/>
+          </a:p>
+        </p:txBody>
+      </p:sp>
+      <p:sp>
+        <p:nvSpPr>
+          <p:cNvPr id="25" name="타원 24">
+            <a:extLst>
+              <a:ext uri="{FF2B5EF4-FFF2-40B4-BE49-F238E27FC236}">
+                <a16:creationId xmlns:a16="http://schemas.microsoft.com/office/drawing/2014/main" id="{BE947BD8-C843-FB6F-66B3-C661E5638E20}"/>
+              </a:ext>
+            </a:extLst>
+          </p:cNvPr>
+          <p:cNvSpPr/>
+          <p:nvPr/>
+        </p:nvSpPr>
+        <p:spPr>
+          <a:xfrm>
+            <a:off x="8932481" y="4093127"/>
+            <a:ext cx="493980" cy="269328"/>
+          </a:xfrm>
+          <a:prstGeom prst="ellipse">
+            <a:avLst/>
+          </a:prstGeom>
+        </p:spPr>
+        <p:style>
+          <a:lnRef idx="3">
+            <a:schemeClr val="lt1"/>
+          </a:lnRef>
+          <a:fillRef idx="1">
+            <a:schemeClr val="accent5"/>
+          </a:fillRef>
+          <a:effectRef idx="1">
+            <a:schemeClr val="accent5"/>
+          </a:effectRef>
+          <a:fontRef idx="minor">
+            <a:schemeClr val="lt1"/>
+          </a:fontRef>
+        </p:style>
+        <p:txBody>
+          <a:bodyPr rtlCol="0" anchor="ctr"/>
+          <a:lstStyle/>
+          <a:p>
+            <a:pPr algn="ctr"/>
+            <a:r>
+              <a:rPr kumimoji="1" lang="en-US" altLang="ko-Kore-KR" sz="1100" dirty="0"/>
+              <a:t>C1</a:t>
+            </a:r>
+            <a:endParaRPr kumimoji="1" lang="ko-Kore-KR" altLang="en-US" sz="1100" dirty="0"/>
+          </a:p>
+        </p:txBody>
+      </p:sp>
+      <p:sp>
+        <p:nvSpPr>
+          <p:cNvPr id="28" name="타원 27">
+            <a:extLst>
+              <a:ext uri="{FF2B5EF4-FFF2-40B4-BE49-F238E27FC236}">
+                <a16:creationId xmlns:a16="http://schemas.microsoft.com/office/drawing/2014/main" id="{31588A03-4F45-358D-7C4F-36F10EA97458}"/>
+              </a:ext>
+            </a:extLst>
+          </p:cNvPr>
+          <p:cNvSpPr/>
+          <p:nvPr/>
+        </p:nvSpPr>
+        <p:spPr>
+          <a:xfrm>
+            <a:off x="8932481" y="4513540"/>
+            <a:ext cx="493980" cy="269328"/>
+          </a:xfrm>
+          <a:prstGeom prst="ellipse">
+            <a:avLst/>
+          </a:prstGeom>
+        </p:spPr>
+        <p:style>
+          <a:lnRef idx="3">
+            <a:schemeClr val="lt1"/>
+          </a:lnRef>
+          <a:fillRef idx="1">
+            <a:schemeClr val="accent5"/>
+          </a:fillRef>
+          <a:effectRef idx="1">
+            <a:schemeClr val="accent5"/>
+          </a:effectRef>
+          <a:fontRef idx="minor">
+            <a:schemeClr val="lt1"/>
+          </a:fontRef>
+        </p:style>
+        <p:txBody>
+          <a:bodyPr rtlCol="0" anchor="ctr"/>
+          <a:lstStyle/>
+          <a:p>
+            <a:pPr algn="ctr"/>
+            <a:r>
+              <a:rPr kumimoji="1" lang="en-US" altLang="ko-Kore-KR" sz="1100" dirty="0"/>
+              <a:t>C</a:t>
+            </a:r>
+            <a:r>
+              <a:rPr kumimoji="1" lang="en-US" altLang="ko-KR" sz="1100" dirty="0"/>
+              <a:t>2</a:t>
+            </a:r>
+            <a:endParaRPr kumimoji="1" lang="ko-Kore-KR" altLang="en-US" sz="1100" dirty="0"/>
+          </a:p>
+        </p:txBody>
+      </p:sp>
+      <p:sp>
+        <p:nvSpPr>
+          <p:cNvPr id="29" name="타원 28">
+            <a:extLst>
+              <a:ext uri="{FF2B5EF4-FFF2-40B4-BE49-F238E27FC236}">
+                <a16:creationId xmlns:a16="http://schemas.microsoft.com/office/drawing/2014/main" id="{8A75A589-5C89-3E8B-9F29-7A1D34442E95}"/>
+              </a:ext>
+            </a:extLst>
+          </p:cNvPr>
+          <p:cNvSpPr/>
+          <p:nvPr/>
+        </p:nvSpPr>
+        <p:spPr>
+          <a:xfrm>
+            <a:off x="1497732" y="4197568"/>
+            <a:ext cx="609598" cy="609598"/>
+          </a:xfrm>
+          <a:prstGeom prst="ellipse">
+            <a:avLst/>
+          </a:prstGeom>
+        </p:spPr>
+        <p:style>
+          <a:lnRef idx="2">
+            <a:schemeClr val="accent1">
+              <a:shade val="50000"/>
+            </a:schemeClr>
+          </a:lnRef>
+          <a:fillRef idx="1">
+            <a:schemeClr val="accent1"/>
+          </a:fillRef>
+          <a:effectRef idx="0">
+            <a:schemeClr val="accent1"/>
+          </a:effectRef>
+          <a:fontRef idx="minor">
+            <a:schemeClr val="lt1"/>
+          </a:fontRef>
+        </p:style>
+        <p:txBody>
+          <a:bodyPr rtlCol="0" anchor="ctr"/>
+          <a:lstStyle/>
+          <a:p>
+            <a:pPr algn="ctr"/>
+            <a:r>
+              <a:rPr kumimoji="1" lang="en-US" altLang="ko-Kore-KR" sz="1600" dirty="0"/>
+              <a:t>C2</a:t>
+            </a:r>
+            <a:endParaRPr kumimoji="1" lang="ko-Kore-KR" altLang="en-US" sz="1600" dirty="0"/>
+          </a:p>
+        </p:txBody>
+      </p:sp>
+      <p:cxnSp>
+        <p:nvCxnSpPr>
+          <p:cNvPr id="31" name="직선 화살표 연결선 30">
+            <a:extLst>
+              <a:ext uri="{FF2B5EF4-FFF2-40B4-BE49-F238E27FC236}">
+                <a16:creationId xmlns:a16="http://schemas.microsoft.com/office/drawing/2014/main" id="{1B48B858-7401-EE28-4E50-F69B7BE0C473}"/>
+              </a:ext>
+            </a:extLst>
+          </p:cNvPr>
+          <p:cNvCxnSpPr>
+            <a:cxnSpLocks/>
+            <a:stCxn id="14" idx="6"/>
+            <a:endCxn id="33" idx="2"/>
+          </p:cNvCxnSpPr>
+          <p:nvPr/>
+        </p:nvCxnSpPr>
+        <p:spPr>
+          <a:xfrm>
+            <a:off x="2107330" y="1923392"/>
+            <a:ext cx="1447798" cy="0"/>
+          </a:xfrm>
+          <a:prstGeom prst="straightConnector1">
+            <a:avLst/>
+          </a:prstGeom>
+          <a:ln>
+            <a:tailEnd type="triangle"/>
+          </a:ln>
+        </p:spPr>
+        <p:style>
+          <a:lnRef idx="3">
+            <a:schemeClr val="accent1"/>
+          </a:lnRef>
+          <a:fillRef idx="0">
+            <a:schemeClr val="accent1"/>
+          </a:fillRef>
+          <a:effectRef idx="2">
+            <a:schemeClr val="accent1"/>
+          </a:effectRef>
+          <a:fontRef idx="minor">
+            <a:schemeClr val="tx1"/>
+          </a:fontRef>
+        </p:style>
+      </p:cxnSp>
+      <p:sp>
+        <p:nvSpPr>
+          <p:cNvPr id="33" name="타원 32">
+            <a:extLst>
+              <a:ext uri="{FF2B5EF4-FFF2-40B4-BE49-F238E27FC236}">
+                <a16:creationId xmlns:a16="http://schemas.microsoft.com/office/drawing/2014/main" id="{911B19E7-8407-EB39-26CA-78AF7B2B2F16}"/>
+              </a:ext>
+            </a:extLst>
+          </p:cNvPr>
+          <p:cNvSpPr/>
+          <p:nvPr/>
+        </p:nvSpPr>
+        <p:spPr>
+          <a:xfrm>
+            <a:off x="3555128" y="1618593"/>
+            <a:ext cx="609598" cy="609598"/>
+          </a:xfrm>
+          <a:prstGeom prst="ellipse">
+            <a:avLst/>
+          </a:prstGeom>
+        </p:spPr>
+        <p:style>
+          <a:lnRef idx="2">
+            <a:schemeClr val="accent1">
+              <a:shade val="50000"/>
+            </a:schemeClr>
+          </a:lnRef>
+          <a:fillRef idx="1">
+            <a:schemeClr val="accent1"/>
+          </a:fillRef>
+          <a:effectRef idx="0">
+            <a:schemeClr val="accent1"/>
+          </a:effectRef>
+          <a:fontRef idx="minor">
+            <a:schemeClr val="lt1"/>
+          </a:fontRef>
+        </p:style>
+        <p:txBody>
+          <a:bodyPr rtlCol="0" anchor="ctr"/>
+          <a:lstStyle/>
+          <a:p>
+            <a:pPr algn="ctr"/>
+            <a:r>
+              <a:rPr kumimoji="1" lang="en-US" altLang="ko-Kore-KR" sz="1600" dirty="0"/>
+              <a:t>T1</a:t>
+            </a:r>
+            <a:endParaRPr kumimoji="1" lang="ko-Kore-KR" altLang="en-US" sz="1600" dirty="0"/>
+          </a:p>
+        </p:txBody>
+      </p:sp>
+      <p:sp>
+        <p:nvSpPr>
+          <p:cNvPr id="34" name="직사각형 33">
+            <a:extLst>
+              <a:ext uri="{FF2B5EF4-FFF2-40B4-BE49-F238E27FC236}">
+                <a16:creationId xmlns:a16="http://schemas.microsoft.com/office/drawing/2014/main" id="{E9B32860-2EC7-F937-25FF-2EE5421765CD}"/>
+              </a:ext>
+            </a:extLst>
+          </p:cNvPr>
+          <p:cNvSpPr/>
+          <p:nvPr/>
+        </p:nvSpPr>
+        <p:spPr>
+          <a:xfrm>
+            <a:off x="4729655" y="4271139"/>
+            <a:ext cx="620113" cy="462456"/>
+          </a:xfrm>
+          <a:prstGeom prst="rect">
+            <a:avLst/>
+          </a:prstGeom>
+        </p:spPr>
+        <p:style>
+          <a:lnRef idx="2">
+            <a:schemeClr val="accent1">
+              <a:shade val="50000"/>
+            </a:schemeClr>
+          </a:lnRef>
+          <a:fillRef idx="1">
+            <a:schemeClr val="accent1"/>
+          </a:fillRef>
+          <a:effectRef idx="0">
+            <a:schemeClr val="accent1"/>
+          </a:effectRef>
+          <a:fontRef idx="minor">
+            <a:schemeClr val="lt1"/>
+          </a:fontRef>
+        </p:style>
+        <p:txBody>
+          <a:bodyPr rtlCol="0" anchor="ctr"/>
+          <a:lstStyle/>
+          <a:p>
+            <a:pPr algn="ctr"/>
+            <a:r>
+              <a:rPr kumimoji="1" lang="en-US" altLang="ko-Kore-KR" sz="1600" dirty="0"/>
+              <a:t>Ctrl</a:t>
+            </a:r>
+            <a:endParaRPr kumimoji="1" lang="ko-Kore-KR" altLang="en-US" sz="1600" dirty="0"/>
+          </a:p>
+        </p:txBody>
+      </p:sp>
+      <p:cxnSp>
+        <p:nvCxnSpPr>
+          <p:cNvPr id="35" name="직선 화살표 연결선 34">
+            <a:extLst>
+              <a:ext uri="{FF2B5EF4-FFF2-40B4-BE49-F238E27FC236}">
+                <a16:creationId xmlns:a16="http://schemas.microsoft.com/office/drawing/2014/main" id="{DE48D73C-D6B3-555A-69CF-166890B856FB}"/>
+              </a:ext>
+            </a:extLst>
+          </p:cNvPr>
+          <p:cNvCxnSpPr>
+            <a:cxnSpLocks/>
+            <a:stCxn id="29" idx="6"/>
+            <a:endCxn id="36" idx="2"/>
+          </p:cNvCxnSpPr>
+          <p:nvPr/>
+        </p:nvCxnSpPr>
+        <p:spPr>
+          <a:xfrm>
+            <a:off x="2107330" y="4502367"/>
+            <a:ext cx="1447798" cy="0"/>
+          </a:xfrm>
+          <a:prstGeom prst="straightConnector1">
+            <a:avLst/>
+          </a:prstGeom>
+          <a:ln>
+            <a:tailEnd type="triangle"/>
+          </a:ln>
+        </p:spPr>
+        <p:style>
+          <a:lnRef idx="3">
+            <a:schemeClr val="accent1"/>
+          </a:lnRef>
+          <a:fillRef idx="0">
+            <a:schemeClr val="accent1"/>
+          </a:fillRef>
+          <a:effectRef idx="2">
+            <a:schemeClr val="accent1"/>
+          </a:effectRef>
+          <a:fontRef idx="minor">
+            <a:schemeClr val="tx1"/>
+          </a:fontRef>
+        </p:style>
+      </p:cxnSp>
+      <p:sp>
+        <p:nvSpPr>
+          <p:cNvPr id="36" name="타원 35">
+            <a:extLst>
+              <a:ext uri="{FF2B5EF4-FFF2-40B4-BE49-F238E27FC236}">
+                <a16:creationId xmlns:a16="http://schemas.microsoft.com/office/drawing/2014/main" id="{5ABE2854-D863-C8C4-F355-6BE2DDAE696A}"/>
+              </a:ext>
+            </a:extLst>
+          </p:cNvPr>
+          <p:cNvSpPr/>
+          <p:nvPr/>
+        </p:nvSpPr>
+        <p:spPr>
+          <a:xfrm>
+            <a:off x="3555128" y="4197568"/>
+            <a:ext cx="609598" cy="609598"/>
+          </a:xfrm>
+          <a:prstGeom prst="ellipse">
+            <a:avLst/>
+          </a:prstGeom>
+        </p:spPr>
+        <p:style>
+          <a:lnRef idx="2">
+            <a:schemeClr val="accent1">
+              <a:shade val="50000"/>
+            </a:schemeClr>
+          </a:lnRef>
+          <a:fillRef idx="1">
+            <a:schemeClr val="accent1"/>
+          </a:fillRef>
+          <a:effectRef idx="0">
+            <a:schemeClr val="accent1"/>
+          </a:effectRef>
+          <a:fontRef idx="minor">
+            <a:schemeClr val="lt1"/>
+          </a:fontRef>
+        </p:style>
+        <p:txBody>
+          <a:bodyPr rtlCol="0" anchor="ctr"/>
+          <a:lstStyle/>
+          <a:p>
+            <a:pPr algn="ctr"/>
+            <a:r>
+              <a:rPr kumimoji="1" lang="en-US" altLang="ko-Kore-KR" sz="1600" dirty="0"/>
+              <a:t>T2</a:t>
+            </a:r>
+            <a:endParaRPr kumimoji="1" lang="ko-Kore-KR" altLang="en-US" sz="1600" dirty="0"/>
+          </a:p>
+        </p:txBody>
+      </p:sp>
+      <p:cxnSp>
+        <p:nvCxnSpPr>
+          <p:cNvPr id="38" name="직선 화살표 연결선 37">
+            <a:extLst>
+              <a:ext uri="{FF2B5EF4-FFF2-40B4-BE49-F238E27FC236}">
+                <a16:creationId xmlns:a16="http://schemas.microsoft.com/office/drawing/2014/main" id="{CC70DE9F-BF81-CD1C-5047-E9F4FED375F3}"/>
+              </a:ext>
+            </a:extLst>
+          </p:cNvPr>
+          <p:cNvCxnSpPr>
+            <a:cxnSpLocks/>
+            <a:stCxn id="15" idx="3"/>
+            <a:endCxn id="16" idx="1"/>
+          </p:cNvCxnSpPr>
+          <p:nvPr/>
+        </p:nvCxnSpPr>
+        <p:spPr>
+          <a:xfrm>
+            <a:off x="5349768" y="1923392"/>
+            <a:ext cx="365231" cy="0"/>
+          </a:xfrm>
+          <a:prstGeom prst="straightConnector1">
+            <a:avLst/>
+          </a:prstGeom>
+          <a:ln>
+            <a:tailEnd type="triangle"/>
+          </a:ln>
+        </p:spPr>
+        <p:style>
+          <a:lnRef idx="3">
+            <a:schemeClr val="accent1"/>
+          </a:lnRef>
+          <a:fillRef idx="0">
+            <a:schemeClr val="accent1"/>
+          </a:fillRef>
+          <a:effectRef idx="2">
+            <a:schemeClr val="accent1"/>
+          </a:effectRef>
+          <a:fontRef idx="minor">
+            <a:schemeClr val="tx1"/>
+          </a:fontRef>
+        </p:style>
+      </p:cxnSp>
+      <p:cxnSp>
+        <p:nvCxnSpPr>
+          <p:cNvPr id="41" name="직선 화살표 연결선 40">
+            <a:extLst>
+              <a:ext uri="{FF2B5EF4-FFF2-40B4-BE49-F238E27FC236}">
+                <a16:creationId xmlns:a16="http://schemas.microsoft.com/office/drawing/2014/main" id="{78A3AF1D-24D9-87DA-051E-9ADFEDB8D3A1}"/>
+              </a:ext>
+            </a:extLst>
+          </p:cNvPr>
+          <p:cNvCxnSpPr>
+            <a:cxnSpLocks/>
+            <a:stCxn id="16" idx="3"/>
+            <a:endCxn id="17" idx="1"/>
+          </p:cNvCxnSpPr>
+          <p:nvPr/>
+        </p:nvCxnSpPr>
+        <p:spPr>
+          <a:xfrm>
+            <a:off x="6335111" y="1923392"/>
+            <a:ext cx="312678" cy="0"/>
+          </a:xfrm>
+          <a:prstGeom prst="straightConnector1">
+            <a:avLst/>
+          </a:prstGeom>
+          <a:ln>
+            <a:tailEnd type="triangle"/>
+          </a:ln>
+        </p:spPr>
+        <p:style>
+          <a:lnRef idx="3">
+            <a:schemeClr val="accent1"/>
+          </a:lnRef>
+          <a:fillRef idx="0">
+            <a:schemeClr val="accent1"/>
+          </a:fillRef>
+          <a:effectRef idx="2">
+            <a:schemeClr val="accent1"/>
+          </a:effectRef>
+          <a:fontRef idx="minor">
+            <a:schemeClr val="tx1"/>
+          </a:fontRef>
+        </p:style>
+      </p:cxnSp>
+      <p:cxnSp>
+        <p:nvCxnSpPr>
+          <p:cNvPr id="44" name="직선 화살표 연결선 43">
+            <a:extLst>
+              <a:ext uri="{FF2B5EF4-FFF2-40B4-BE49-F238E27FC236}">
+                <a16:creationId xmlns:a16="http://schemas.microsoft.com/office/drawing/2014/main" id="{1A32CB96-0D97-13BF-D59E-9E963F4B0F9D}"/>
+              </a:ext>
+            </a:extLst>
+          </p:cNvPr>
+          <p:cNvCxnSpPr>
+            <a:cxnSpLocks/>
+            <a:stCxn id="17" idx="2"/>
+            <a:endCxn id="18" idx="0"/>
+          </p:cNvCxnSpPr>
+          <p:nvPr/>
+        </p:nvCxnSpPr>
+        <p:spPr>
+          <a:xfrm>
+            <a:off x="6957845" y="2154620"/>
+            <a:ext cx="620112" cy="739018"/>
+          </a:xfrm>
+          <a:prstGeom prst="straightConnector1">
+            <a:avLst/>
+          </a:prstGeom>
+          <a:ln>
+            <a:tailEnd type="triangle"/>
+          </a:ln>
+        </p:spPr>
+        <p:style>
+          <a:lnRef idx="3">
+            <a:schemeClr val="accent1"/>
+          </a:lnRef>
+          <a:fillRef idx="0">
+            <a:schemeClr val="accent1"/>
+          </a:fillRef>
+          <a:effectRef idx="2">
+            <a:schemeClr val="accent1"/>
+          </a:effectRef>
+          <a:fontRef idx="minor">
+            <a:schemeClr val="tx1"/>
+          </a:fontRef>
+        </p:style>
+      </p:cxnSp>
+      <p:cxnSp>
+        <p:nvCxnSpPr>
+          <p:cNvPr id="47" name="직선 화살표 연결선 46">
+            <a:extLst>
+              <a:ext uri="{FF2B5EF4-FFF2-40B4-BE49-F238E27FC236}">
+                <a16:creationId xmlns:a16="http://schemas.microsoft.com/office/drawing/2014/main" id="{13483649-F6C2-CA85-F7F5-2E2C6298765E}"/>
+              </a:ext>
+            </a:extLst>
+          </p:cNvPr>
+          <p:cNvCxnSpPr>
+            <a:cxnSpLocks/>
+            <a:stCxn id="18" idx="3"/>
+            <a:endCxn id="19" idx="2"/>
+          </p:cNvCxnSpPr>
+          <p:nvPr/>
+        </p:nvCxnSpPr>
+        <p:spPr>
+          <a:xfrm>
+            <a:off x="7888013" y="3124866"/>
+            <a:ext cx="1266497" cy="15757"/>
+          </a:xfrm>
+          <a:prstGeom prst="straightConnector1">
+            <a:avLst/>
+          </a:prstGeom>
+          <a:ln>
+            <a:tailEnd type="triangle"/>
+          </a:ln>
+        </p:spPr>
+        <p:style>
+          <a:lnRef idx="3">
+            <a:schemeClr val="accent1"/>
+          </a:lnRef>
+          <a:fillRef idx="0">
+            <a:schemeClr val="accent1"/>
+          </a:fillRef>
+          <a:effectRef idx="2">
+            <a:schemeClr val="accent1"/>
+          </a:effectRef>
+          <a:fontRef idx="minor">
+            <a:schemeClr val="tx1"/>
+          </a:fontRef>
+        </p:style>
+      </p:cxnSp>
+      <p:cxnSp>
+        <p:nvCxnSpPr>
+          <p:cNvPr id="52" name="구부러진 연결선[U] 51">
+            <a:extLst>
+              <a:ext uri="{FF2B5EF4-FFF2-40B4-BE49-F238E27FC236}">
+                <a16:creationId xmlns:a16="http://schemas.microsoft.com/office/drawing/2014/main" id="{37825380-F5B0-435A-3936-C43433B1839E}"/>
+              </a:ext>
+            </a:extLst>
+          </p:cNvPr>
+          <p:cNvCxnSpPr>
+            <a:cxnSpLocks/>
+            <a:stCxn id="19" idx="6"/>
+            <a:endCxn id="20" idx="0"/>
+          </p:cNvCxnSpPr>
+          <p:nvPr/>
+        </p:nvCxnSpPr>
+        <p:spPr>
+          <a:xfrm flipH="1">
+            <a:off x="9739146" y="3140623"/>
+            <a:ext cx="24962" cy="593841"/>
+          </a:xfrm>
+          <a:prstGeom prst="curvedConnector4">
+            <a:avLst>
+              <a:gd name="adj1" fmla="val -915792"/>
+              <a:gd name="adj2" fmla="val 75663"/>
+            </a:avLst>
+          </a:prstGeom>
+          <a:ln>
+            <a:tailEnd type="triangle"/>
+          </a:ln>
+        </p:spPr>
+        <p:style>
+          <a:lnRef idx="3">
+            <a:schemeClr val="accent1"/>
+          </a:lnRef>
+          <a:fillRef idx="0">
+            <a:schemeClr val="accent1"/>
+          </a:fillRef>
+          <a:effectRef idx="2">
+            <a:schemeClr val="accent1"/>
+          </a:effectRef>
+          <a:fontRef idx="minor">
+            <a:schemeClr val="tx1"/>
+          </a:fontRef>
+        </p:style>
+      </p:cxnSp>
+      <p:sp>
+        <p:nvSpPr>
+          <p:cNvPr id="56" name="직사각형 55">
+            <a:extLst>
+              <a:ext uri="{FF2B5EF4-FFF2-40B4-BE49-F238E27FC236}">
+                <a16:creationId xmlns:a16="http://schemas.microsoft.com/office/drawing/2014/main" id="{11F83737-A500-93F4-5AC7-0491417E59CD}"/>
+              </a:ext>
+            </a:extLst>
+          </p:cNvPr>
+          <p:cNvSpPr/>
+          <p:nvPr/>
+        </p:nvSpPr>
+        <p:spPr>
+          <a:xfrm>
+            <a:off x="5721568" y="4271139"/>
+            <a:ext cx="620112" cy="462456"/>
+          </a:xfrm>
+          <a:prstGeom prst="rect">
+            <a:avLst/>
+          </a:prstGeom>
+        </p:spPr>
+        <p:style>
+          <a:lnRef idx="2">
+            <a:schemeClr val="accent1">
+              <a:shade val="50000"/>
+            </a:schemeClr>
+          </a:lnRef>
+          <a:fillRef idx="1">
+            <a:schemeClr val="accent1"/>
+          </a:fillRef>
+          <a:effectRef idx="0">
+            <a:schemeClr val="accent1"/>
+          </a:effectRef>
+          <a:fontRef idx="minor">
+            <a:schemeClr val="lt1"/>
+          </a:fontRef>
+        </p:style>
+        <p:txBody>
+          <a:bodyPr rtlCol="0" anchor="ctr"/>
+          <a:lstStyle/>
+          <a:p>
+            <a:pPr algn="ctr"/>
+            <a:r>
+              <a:rPr kumimoji="1" lang="en-US" altLang="ko-Kore-KR" sz="1600" dirty="0"/>
+              <a:t>S</a:t>
+            </a:r>
+            <a:endParaRPr kumimoji="1" lang="ko-Kore-KR" altLang="en-US" sz="1600" dirty="0"/>
+          </a:p>
+        </p:txBody>
+      </p:sp>
+      <p:sp>
+        <p:nvSpPr>
+          <p:cNvPr id="57" name="직사각형 56">
+            <a:extLst>
+              <a:ext uri="{FF2B5EF4-FFF2-40B4-BE49-F238E27FC236}">
+                <a16:creationId xmlns:a16="http://schemas.microsoft.com/office/drawing/2014/main" id="{4D0BB935-D79A-C182-F32B-BC203B0AD4AF}"/>
+              </a:ext>
+            </a:extLst>
+          </p:cNvPr>
+          <p:cNvSpPr/>
+          <p:nvPr/>
+        </p:nvSpPr>
+        <p:spPr>
+          <a:xfrm>
+            <a:off x="6654358" y="4271139"/>
+            <a:ext cx="620112" cy="462456"/>
+          </a:xfrm>
+          <a:prstGeom prst="rect">
+            <a:avLst/>
+          </a:prstGeom>
+        </p:spPr>
+        <p:style>
+          <a:lnRef idx="2">
+            <a:schemeClr val="accent1">
+              <a:shade val="50000"/>
+            </a:schemeClr>
+          </a:lnRef>
+          <a:fillRef idx="1">
+            <a:schemeClr val="accent1"/>
+          </a:fillRef>
+          <a:effectRef idx="0">
+            <a:schemeClr val="accent1"/>
+          </a:effectRef>
+          <a:fontRef idx="minor">
+            <a:schemeClr val="lt1"/>
+          </a:fontRef>
+        </p:style>
+        <p:txBody>
+          <a:bodyPr rtlCol="0" anchor="ctr"/>
+          <a:lstStyle/>
+          <a:p>
+            <a:pPr algn="ctr"/>
+            <a:r>
+              <a:rPr kumimoji="1" lang="en-US" altLang="ko-Kore-KR" sz="1600" dirty="0"/>
+              <a:t>DAO</a:t>
+            </a:r>
+            <a:endParaRPr kumimoji="1" lang="ko-Kore-KR" altLang="en-US" sz="1600" dirty="0"/>
+          </a:p>
+        </p:txBody>
+      </p:sp>
+      <p:cxnSp>
+        <p:nvCxnSpPr>
+          <p:cNvPr id="58" name="직선 화살표 연결선 57">
+            <a:extLst>
+              <a:ext uri="{FF2B5EF4-FFF2-40B4-BE49-F238E27FC236}">
+                <a16:creationId xmlns:a16="http://schemas.microsoft.com/office/drawing/2014/main" id="{855FAA53-ADDC-1821-2260-C5A4B6CC7EDA}"/>
+              </a:ext>
+            </a:extLst>
+          </p:cNvPr>
+          <p:cNvCxnSpPr>
+            <a:cxnSpLocks/>
+            <a:stCxn id="34" idx="3"/>
+            <a:endCxn id="56" idx="1"/>
+          </p:cNvCxnSpPr>
+          <p:nvPr/>
+        </p:nvCxnSpPr>
+        <p:spPr>
+          <a:xfrm>
+            <a:off x="5349768" y="4502367"/>
+            <a:ext cx="371800" cy="0"/>
+          </a:xfrm>
+          <a:prstGeom prst="straightConnector1">
+            <a:avLst/>
+          </a:prstGeom>
+          <a:ln>
+            <a:tailEnd type="triangle"/>
+          </a:ln>
+        </p:spPr>
+        <p:style>
+          <a:lnRef idx="3">
+            <a:schemeClr val="accent1"/>
+          </a:lnRef>
+          <a:fillRef idx="0">
+            <a:schemeClr val="accent1"/>
+          </a:fillRef>
+          <a:effectRef idx="2">
+            <a:schemeClr val="accent1"/>
+          </a:effectRef>
+          <a:fontRef idx="minor">
+            <a:schemeClr val="tx1"/>
+          </a:fontRef>
+        </p:style>
+      </p:cxnSp>
+      <p:cxnSp>
+        <p:nvCxnSpPr>
+          <p:cNvPr id="59" name="직선 화살표 연결선 58">
+            <a:extLst>
+              <a:ext uri="{FF2B5EF4-FFF2-40B4-BE49-F238E27FC236}">
+                <a16:creationId xmlns:a16="http://schemas.microsoft.com/office/drawing/2014/main" id="{3C80ADC0-1C12-AB76-6375-BD00ED49BD37}"/>
+              </a:ext>
+            </a:extLst>
+          </p:cNvPr>
+          <p:cNvCxnSpPr>
+            <a:cxnSpLocks/>
+            <a:stCxn id="56" idx="3"/>
+            <a:endCxn id="57" idx="1"/>
+          </p:cNvCxnSpPr>
+          <p:nvPr/>
+        </p:nvCxnSpPr>
+        <p:spPr>
+          <a:xfrm>
+            <a:off x="6341680" y="4502367"/>
+            <a:ext cx="312678" cy="0"/>
+          </a:xfrm>
+          <a:prstGeom prst="straightConnector1">
+            <a:avLst/>
+          </a:prstGeom>
+          <a:ln>
+            <a:tailEnd type="triangle"/>
+          </a:ln>
+        </p:spPr>
+        <p:style>
+          <a:lnRef idx="3">
+            <a:schemeClr val="accent1"/>
+          </a:lnRef>
+          <a:fillRef idx="0">
+            <a:schemeClr val="accent1"/>
+          </a:fillRef>
+          <a:effectRef idx="2">
+            <a:schemeClr val="accent1"/>
+          </a:effectRef>
+          <a:fontRef idx="minor">
+            <a:schemeClr val="tx1"/>
+          </a:fontRef>
+        </p:style>
+      </p:cxnSp>
+      <p:cxnSp>
+        <p:nvCxnSpPr>
+          <p:cNvPr id="61" name="직선 화살표 연결선 60">
+            <a:extLst>
+              <a:ext uri="{FF2B5EF4-FFF2-40B4-BE49-F238E27FC236}">
+                <a16:creationId xmlns:a16="http://schemas.microsoft.com/office/drawing/2014/main" id="{A4347DB1-B859-A692-19E0-ECD3AF50EBCF}"/>
+              </a:ext>
+            </a:extLst>
+          </p:cNvPr>
+          <p:cNvCxnSpPr>
+            <a:cxnSpLocks/>
+            <a:stCxn id="57" idx="0"/>
+            <a:endCxn id="18" idx="2"/>
+          </p:cNvCxnSpPr>
+          <p:nvPr/>
+        </p:nvCxnSpPr>
+        <p:spPr>
+          <a:xfrm flipV="1">
+            <a:off x="6964414" y="3356094"/>
+            <a:ext cx="613543" cy="915045"/>
+          </a:xfrm>
+          <a:prstGeom prst="straightConnector1">
+            <a:avLst/>
+          </a:prstGeom>
+          <a:ln>
+            <a:tailEnd type="triangle"/>
+          </a:ln>
+        </p:spPr>
+        <p:style>
+          <a:lnRef idx="3">
+            <a:schemeClr val="accent1"/>
+          </a:lnRef>
+          <a:fillRef idx="0">
+            <a:schemeClr val="accent1"/>
+          </a:fillRef>
+          <a:effectRef idx="2">
+            <a:schemeClr val="accent1"/>
+          </a:effectRef>
+          <a:fontRef idx="minor">
+            <a:schemeClr val="tx1"/>
+          </a:fontRef>
+        </p:style>
+      </p:cxnSp>
+      <p:sp>
+        <p:nvSpPr>
+          <p:cNvPr id="73" name="직사각형 72">
+            <a:extLst>
+              <a:ext uri="{FF2B5EF4-FFF2-40B4-BE49-F238E27FC236}">
+                <a16:creationId xmlns:a16="http://schemas.microsoft.com/office/drawing/2014/main" id="{F1F72588-AD3F-C002-717F-EB23D58238BC}"/>
+              </a:ext>
+            </a:extLst>
+          </p:cNvPr>
+          <p:cNvSpPr/>
+          <p:nvPr/>
+        </p:nvSpPr>
+        <p:spPr>
+          <a:xfrm>
+            <a:off x="5208895" y="1324297"/>
+            <a:ext cx="565517" cy="310057"/>
+          </a:xfrm>
+          <a:prstGeom prst="rect">
+            <a:avLst/>
+          </a:prstGeom>
+        </p:spPr>
+        <p:style>
+          <a:lnRef idx="2">
+            <a:schemeClr val="accent1"/>
+          </a:lnRef>
+          <a:fillRef idx="1">
+            <a:schemeClr val="lt1"/>
+          </a:fillRef>
+          <a:effectRef idx="0">
+            <a:schemeClr val="accent1"/>
+          </a:effectRef>
+          <a:fontRef idx="minor">
+            <a:schemeClr val="dk1"/>
+          </a:fontRef>
+        </p:style>
+        <p:txBody>
+          <a:bodyPr rtlCol="0" anchor="ctr"/>
+          <a:lstStyle/>
+          <a:p>
+            <a:pPr algn="ctr"/>
+            <a:r>
+              <a:rPr kumimoji="1" lang="en-US" altLang="ko-KR" sz="1000" dirty="0"/>
+              <a:t>insert()</a:t>
+            </a:r>
+          </a:p>
+        </p:txBody>
+      </p:sp>
+      <p:sp>
+        <p:nvSpPr>
+          <p:cNvPr id="74" name="직사각형 73">
+            <a:extLst>
+              <a:ext uri="{FF2B5EF4-FFF2-40B4-BE49-F238E27FC236}">
+                <a16:creationId xmlns:a16="http://schemas.microsoft.com/office/drawing/2014/main" id="{59C32FD3-889F-58DB-2F26-088524A00CC4}"/>
+              </a:ext>
+            </a:extLst>
+          </p:cNvPr>
+          <p:cNvSpPr/>
+          <p:nvPr/>
+        </p:nvSpPr>
+        <p:spPr>
+          <a:xfrm>
+            <a:off x="6200519" y="1305908"/>
+            <a:ext cx="862434" cy="310057"/>
+          </a:xfrm>
+          <a:prstGeom prst="rect">
+            <a:avLst/>
+          </a:prstGeom>
+        </p:spPr>
+        <p:style>
+          <a:lnRef idx="2">
+            <a:schemeClr val="accent1"/>
+          </a:lnRef>
+          <a:fillRef idx="1">
+            <a:schemeClr val="lt1"/>
+          </a:fillRef>
+          <a:effectRef idx="0">
+            <a:schemeClr val="accent1"/>
+          </a:effectRef>
+          <a:fontRef idx="minor">
+            <a:schemeClr val="dk1"/>
+          </a:fontRef>
+        </p:style>
+        <p:txBody>
+          <a:bodyPr rtlCol="0" anchor="ctr"/>
+          <a:lstStyle/>
+          <a:p>
+            <a:pPr algn="ctr"/>
+            <a:r>
+              <a:rPr kumimoji="1" lang="en-US" altLang="ko-KR" sz="1000" dirty="0"/>
+              <a:t>insert()</a:t>
+            </a:r>
+          </a:p>
+          <a:p>
+            <a:pPr algn="ctr"/>
+            <a:r>
+              <a:rPr kumimoji="1" lang="en-US" altLang="ko-KR" sz="1000" dirty="0" err="1"/>
+              <a:t>insertFiles</a:t>
+            </a:r>
+            <a:r>
+              <a:rPr kumimoji="1" lang="en-US" altLang="ko-KR" sz="1000" dirty="0"/>
+              <a:t>()</a:t>
+            </a:r>
+          </a:p>
+        </p:txBody>
+      </p:sp>
+      <p:sp>
+        <p:nvSpPr>
+          <p:cNvPr id="75" name="직사각형 74">
+            <a:extLst>
+              <a:ext uri="{FF2B5EF4-FFF2-40B4-BE49-F238E27FC236}">
+                <a16:creationId xmlns:a16="http://schemas.microsoft.com/office/drawing/2014/main" id="{1D04B845-DD9E-77C1-6970-A157F90F1D64}"/>
+              </a:ext>
+            </a:extLst>
+          </p:cNvPr>
+          <p:cNvSpPr/>
+          <p:nvPr/>
+        </p:nvSpPr>
+        <p:spPr>
+          <a:xfrm>
+            <a:off x="9504702" y="4072762"/>
+            <a:ext cx="962294" cy="310057"/>
+          </a:xfrm>
+          <a:prstGeom prst="rect">
+            <a:avLst/>
+          </a:prstGeom>
+        </p:spPr>
+        <p:style>
+          <a:lnRef idx="2">
+            <a:schemeClr val="accent5"/>
+          </a:lnRef>
+          <a:fillRef idx="1">
+            <a:schemeClr val="lt1"/>
+          </a:fillRef>
+          <a:effectRef idx="0">
+            <a:schemeClr val="accent5"/>
+          </a:effectRef>
+          <a:fontRef idx="minor">
+            <a:schemeClr val="dk1"/>
+          </a:fontRef>
+        </p:style>
+        <p:txBody>
+          <a:bodyPr rtlCol="0" anchor="ctr"/>
+          <a:lstStyle/>
+          <a:p>
+            <a:pPr algn="ctr"/>
+            <a:r>
+              <a:rPr kumimoji="1" lang="ko-KR" altLang="en-US" sz="1000" dirty="0"/>
+              <a:t>게시글 입력</a:t>
+            </a:r>
+            <a:endParaRPr kumimoji="1" lang="en-US" altLang="ko-KR" sz="1000" dirty="0"/>
+          </a:p>
+        </p:txBody>
+      </p:sp>
+      <p:sp>
+        <p:nvSpPr>
+          <p:cNvPr id="76" name="직사각형 75">
+            <a:extLst>
+              <a:ext uri="{FF2B5EF4-FFF2-40B4-BE49-F238E27FC236}">
+                <a16:creationId xmlns:a16="http://schemas.microsoft.com/office/drawing/2014/main" id="{CBB84316-48B1-09AA-742A-2435FC34DB01}"/>
+              </a:ext>
+            </a:extLst>
+          </p:cNvPr>
+          <p:cNvSpPr/>
+          <p:nvPr/>
+        </p:nvSpPr>
+        <p:spPr>
+          <a:xfrm>
+            <a:off x="5208895" y="3866482"/>
+            <a:ext cx="565517" cy="310057"/>
+          </a:xfrm>
+          <a:prstGeom prst="rect">
+            <a:avLst/>
+          </a:prstGeom>
+        </p:spPr>
+        <p:style>
+          <a:lnRef idx="2">
+            <a:schemeClr val="accent1"/>
+          </a:lnRef>
+          <a:fillRef idx="1">
+            <a:schemeClr val="lt1"/>
+          </a:fillRef>
+          <a:effectRef idx="0">
+            <a:schemeClr val="accent1"/>
+          </a:effectRef>
+          <a:fontRef idx="minor">
+            <a:schemeClr val="dk1"/>
+          </a:fontRef>
+        </p:style>
+        <p:txBody>
+          <a:bodyPr rtlCol="0" anchor="ctr"/>
+          <a:lstStyle/>
+          <a:p>
+            <a:pPr algn="ctr"/>
+            <a:r>
+              <a:rPr kumimoji="1" lang="en-US" altLang="ko-KR" sz="1000" dirty="0"/>
+              <a:t>insert()</a:t>
+            </a:r>
+          </a:p>
+        </p:txBody>
+      </p:sp>
+      <p:sp>
+        <p:nvSpPr>
+          <p:cNvPr id="77" name="직사각형 76">
+            <a:extLst>
+              <a:ext uri="{FF2B5EF4-FFF2-40B4-BE49-F238E27FC236}">
+                <a16:creationId xmlns:a16="http://schemas.microsoft.com/office/drawing/2014/main" id="{70868609-E12F-6C33-11A4-271398ED310A}"/>
+              </a:ext>
+            </a:extLst>
+          </p:cNvPr>
+          <p:cNvSpPr/>
+          <p:nvPr/>
+        </p:nvSpPr>
+        <p:spPr>
+          <a:xfrm>
+            <a:off x="6194246" y="3866481"/>
+            <a:ext cx="862434" cy="310057"/>
+          </a:xfrm>
+          <a:prstGeom prst="rect">
+            <a:avLst/>
+          </a:prstGeom>
+        </p:spPr>
+        <p:style>
+          <a:lnRef idx="2">
+            <a:schemeClr val="accent1"/>
+          </a:lnRef>
+          <a:fillRef idx="1">
+            <a:schemeClr val="lt1"/>
+          </a:fillRef>
+          <a:effectRef idx="0">
+            <a:schemeClr val="accent1"/>
+          </a:effectRef>
+          <a:fontRef idx="minor">
+            <a:schemeClr val="dk1"/>
+          </a:fontRef>
+        </p:style>
+        <p:txBody>
+          <a:bodyPr rtlCol="0" anchor="ctr"/>
+          <a:lstStyle/>
+          <a:p>
+            <a:pPr algn="ctr"/>
+            <a:r>
+              <a:rPr kumimoji="1" lang="en-US" altLang="ko-KR" sz="1000" dirty="0"/>
+              <a:t>insert()</a:t>
+            </a:r>
+          </a:p>
+          <a:p>
+            <a:pPr algn="ctr"/>
+            <a:r>
+              <a:rPr kumimoji="1" lang="en-US" altLang="ko-KR" sz="1000" dirty="0" err="1"/>
+              <a:t>insertFiles</a:t>
+            </a:r>
+            <a:r>
+              <a:rPr kumimoji="1" lang="en-US" altLang="ko-KR" sz="1000" dirty="0"/>
+              <a:t>()</a:t>
+            </a:r>
+          </a:p>
+        </p:txBody>
+      </p:sp>
+      <p:sp>
+        <p:nvSpPr>
+          <p:cNvPr id="78" name="직사각형 77">
+            <a:extLst>
+              <a:ext uri="{FF2B5EF4-FFF2-40B4-BE49-F238E27FC236}">
+                <a16:creationId xmlns:a16="http://schemas.microsoft.com/office/drawing/2014/main" id="{8B282E08-F892-69B2-24AE-A7CF3A35923B}"/>
+              </a:ext>
+            </a:extLst>
+          </p:cNvPr>
+          <p:cNvSpPr/>
+          <p:nvPr/>
+        </p:nvSpPr>
+        <p:spPr>
+          <a:xfrm>
+            <a:off x="9504702" y="4497109"/>
+            <a:ext cx="962294" cy="310057"/>
+          </a:xfrm>
+          <a:prstGeom prst="rect">
+            <a:avLst/>
+          </a:prstGeom>
+        </p:spPr>
+        <p:style>
+          <a:lnRef idx="2">
+            <a:schemeClr val="accent5"/>
+          </a:lnRef>
+          <a:fillRef idx="1">
+            <a:schemeClr val="lt1"/>
+          </a:fillRef>
+          <a:effectRef idx="0">
+            <a:schemeClr val="accent5"/>
+          </a:effectRef>
+          <a:fontRef idx="minor">
+            <a:schemeClr val="dk1"/>
+          </a:fontRef>
+        </p:style>
+        <p:txBody>
+          <a:bodyPr rtlCol="0" anchor="ctr"/>
+          <a:lstStyle/>
+          <a:p>
+            <a:pPr algn="ctr"/>
+            <a:r>
+              <a:rPr kumimoji="1" lang="ko-KR" altLang="en-US" sz="1000" dirty="0"/>
+              <a:t>게시글 입력</a:t>
+            </a:r>
+            <a:endParaRPr kumimoji="1" lang="en-US" altLang="ko-KR" sz="1000" dirty="0"/>
+          </a:p>
+        </p:txBody>
+      </p:sp>
+      <p:sp>
+        <p:nvSpPr>
+          <p:cNvPr id="79" name="타원 78">
+            <a:extLst>
+              <a:ext uri="{FF2B5EF4-FFF2-40B4-BE49-F238E27FC236}">
+                <a16:creationId xmlns:a16="http://schemas.microsoft.com/office/drawing/2014/main" id="{740BC711-AB13-C7E4-5D07-38D13DAF5441}"/>
+              </a:ext>
+            </a:extLst>
+          </p:cNvPr>
+          <p:cNvSpPr/>
+          <p:nvPr/>
+        </p:nvSpPr>
+        <p:spPr>
+          <a:xfrm>
+            <a:off x="8936122" y="4909656"/>
+            <a:ext cx="493980" cy="269328"/>
+          </a:xfrm>
+          <a:prstGeom prst="ellipse">
+            <a:avLst/>
+          </a:prstGeom>
+        </p:spPr>
+        <p:style>
+          <a:lnRef idx="3">
+            <a:schemeClr val="lt1"/>
+          </a:lnRef>
+          <a:fillRef idx="1">
+            <a:schemeClr val="accent5"/>
+          </a:fillRef>
+          <a:effectRef idx="1">
+            <a:schemeClr val="accent5"/>
+          </a:effectRef>
+          <a:fontRef idx="minor">
+            <a:schemeClr val="lt1"/>
+          </a:fontRef>
+        </p:style>
+        <p:txBody>
+          <a:bodyPr rtlCol="0" anchor="ctr"/>
+          <a:lstStyle/>
+          <a:p>
+            <a:pPr algn="ctr"/>
+            <a:r>
+              <a:rPr kumimoji="1" lang="en-US" altLang="ko-Kore-KR" sz="1100" dirty="0"/>
+              <a:t>C</a:t>
+            </a:r>
+            <a:r>
+              <a:rPr kumimoji="1" lang="en-US" altLang="ko-KR" sz="1100" dirty="0"/>
+              <a:t>2</a:t>
+            </a:r>
+            <a:endParaRPr kumimoji="1" lang="ko-Kore-KR" altLang="en-US" sz="1100" dirty="0"/>
+          </a:p>
+        </p:txBody>
+      </p:sp>
+      <p:sp>
+        <p:nvSpPr>
+          <p:cNvPr id="80" name="직사각형 79">
+            <a:extLst>
+              <a:ext uri="{FF2B5EF4-FFF2-40B4-BE49-F238E27FC236}">
+                <a16:creationId xmlns:a16="http://schemas.microsoft.com/office/drawing/2014/main" id="{01E46F83-FEDE-BAAA-4165-CBE97979D186}"/>
+              </a:ext>
+            </a:extLst>
+          </p:cNvPr>
+          <p:cNvSpPr/>
+          <p:nvPr/>
+        </p:nvSpPr>
+        <p:spPr>
+          <a:xfrm>
+            <a:off x="9508343" y="4893225"/>
+            <a:ext cx="962294" cy="310057"/>
+          </a:xfrm>
+          <a:prstGeom prst="rect">
+            <a:avLst/>
+          </a:prstGeom>
+        </p:spPr>
+        <p:style>
+          <a:lnRef idx="2">
+            <a:schemeClr val="accent5"/>
+          </a:lnRef>
+          <a:fillRef idx="1">
+            <a:schemeClr val="lt1"/>
+          </a:fillRef>
+          <a:effectRef idx="0">
+            <a:schemeClr val="accent5"/>
+          </a:effectRef>
+          <a:fontRef idx="minor">
+            <a:schemeClr val="dk1"/>
+          </a:fontRef>
+        </p:style>
+        <p:txBody>
+          <a:bodyPr rtlCol="0" anchor="ctr"/>
+          <a:lstStyle/>
+          <a:p>
+            <a:pPr algn="ctr"/>
+            <a:r>
+              <a:rPr kumimoji="1" lang="ko-KR" altLang="en-US" sz="1000" dirty="0"/>
+              <a:t>첨부파일 입력</a:t>
+            </a:r>
+            <a:endParaRPr kumimoji="1" lang="en-US" altLang="ko-KR" sz="1000" dirty="0"/>
+          </a:p>
+        </p:txBody>
+      </p:sp>
+      <p:cxnSp>
+        <p:nvCxnSpPr>
+          <p:cNvPr id="82" name="직선 화살표 연결선 81">
+            <a:extLst>
+              <a:ext uri="{FF2B5EF4-FFF2-40B4-BE49-F238E27FC236}">
+                <a16:creationId xmlns:a16="http://schemas.microsoft.com/office/drawing/2014/main" id="{C8FE0C74-148F-9CF9-066A-5996294B2FED}"/>
+              </a:ext>
+            </a:extLst>
+          </p:cNvPr>
+          <p:cNvCxnSpPr>
+            <a:cxnSpLocks/>
+            <a:stCxn id="33" idx="6"/>
+            <a:endCxn id="15" idx="1"/>
+          </p:cNvCxnSpPr>
+          <p:nvPr/>
+        </p:nvCxnSpPr>
+        <p:spPr>
+          <a:xfrm>
+            <a:off x="4164726" y="1923392"/>
+            <a:ext cx="564929" cy="0"/>
+          </a:xfrm>
+          <a:prstGeom prst="straightConnector1">
+            <a:avLst/>
+          </a:prstGeom>
+          <a:ln>
+            <a:tailEnd type="triangle"/>
+          </a:ln>
+        </p:spPr>
+        <p:style>
+          <a:lnRef idx="3">
+            <a:schemeClr val="accent1"/>
+          </a:lnRef>
+          <a:fillRef idx="0">
+            <a:schemeClr val="accent1"/>
+          </a:fillRef>
+          <a:effectRef idx="2">
+            <a:schemeClr val="accent1"/>
+          </a:effectRef>
+          <a:fontRef idx="minor">
+            <a:schemeClr val="tx1"/>
+          </a:fontRef>
+        </p:style>
+      </p:cxnSp>
+      <p:cxnSp>
+        <p:nvCxnSpPr>
+          <p:cNvPr id="87" name="직선 화살표 연결선 86">
+            <a:extLst>
+              <a:ext uri="{FF2B5EF4-FFF2-40B4-BE49-F238E27FC236}">
+                <a16:creationId xmlns:a16="http://schemas.microsoft.com/office/drawing/2014/main" id="{DABB4DD6-CE87-D3CD-5AD1-5F5816491E63}"/>
+              </a:ext>
+            </a:extLst>
+          </p:cNvPr>
+          <p:cNvCxnSpPr>
+            <a:cxnSpLocks/>
+            <a:stCxn id="36" idx="6"/>
+            <a:endCxn id="34" idx="1"/>
+          </p:cNvCxnSpPr>
+          <p:nvPr/>
+        </p:nvCxnSpPr>
+        <p:spPr>
+          <a:xfrm>
+            <a:off x="4164726" y="4502367"/>
+            <a:ext cx="564929" cy="0"/>
+          </a:xfrm>
+          <a:prstGeom prst="straightConnector1">
+            <a:avLst/>
+          </a:prstGeom>
+          <a:ln>
+            <a:tailEnd type="triangle"/>
+          </a:ln>
+        </p:spPr>
+        <p:style>
+          <a:lnRef idx="3">
+            <a:schemeClr val="accent1"/>
+          </a:lnRef>
+          <a:fillRef idx="0">
+            <a:schemeClr val="accent1"/>
+          </a:fillRef>
+          <a:effectRef idx="2">
+            <a:schemeClr val="accent1"/>
+          </a:effectRef>
+          <a:fontRef idx="minor">
+            <a:schemeClr val="tx1"/>
+          </a:fontRef>
+        </p:style>
+      </p:cxnSp>
+      <p:sp>
+        <p:nvSpPr>
+          <p:cNvPr id="90" name="타원 89">
+            <a:extLst>
+              <a:ext uri="{FF2B5EF4-FFF2-40B4-BE49-F238E27FC236}">
+                <a16:creationId xmlns:a16="http://schemas.microsoft.com/office/drawing/2014/main" id="{1B6BC05B-8C6D-C983-BB04-E1548E5FD931}"/>
+              </a:ext>
+            </a:extLst>
+          </p:cNvPr>
+          <p:cNvSpPr/>
+          <p:nvPr/>
+        </p:nvSpPr>
+        <p:spPr>
+          <a:xfrm>
+            <a:off x="8936122" y="5350434"/>
+            <a:ext cx="493980" cy="269328"/>
+          </a:xfrm>
+          <a:prstGeom prst="ellipse">
+            <a:avLst/>
+          </a:prstGeom>
+        </p:spPr>
+        <p:style>
+          <a:lnRef idx="3">
+            <a:schemeClr val="lt1"/>
+          </a:lnRef>
+          <a:fillRef idx="1">
+            <a:schemeClr val="accent5"/>
+          </a:fillRef>
+          <a:effectRef idx="1">
+            <a:schemeClr val="accent5"/>
+          </a:effectRef>
+          <a:fontRef idx="minor">
+            <a:schemeClr val="lt1"/>
+          </a:fontRef>
+        </p:style>
+        <p:txBody>
+          <a:bodyPr rtlCol="0" anchor="ctr"/>
+          <a:lstStyle/>
+          <a:p>
+            <a:pPr algn="ctr"/>
+            <a:r>
+              <a:rPr kumimoji="1" lang="en-US" altLang="ko-Kore-KR" sz="1100" dirty="0"/>
+              <a:t>C1</a:t>
+            </a:r>
+            <a:endParaRPr kumimoji="1" lang="ko-Kore-KR" altLang="en-US" sz="1100" dirty="0"/>
+          </a:p>
+        </p:txBody>
+      </p:sp>
+      <p:sp>
+        <p:nvSpPr>
+          <p:cNvPr id="91" name="직사각형 90">
+            <a:extLst>
+              <a:ext uri="{FF2B5EF4-FFF2-40B4-BE49-F238E27FC236}">
+                <a16:creationId xmlns:a16="http://schemas.microsoft.com/office/drawing/2014/main" id="{439FE0A1-65FA-F1EB-7988-DE86E3DD67BA}"/>
+              </a:ext>
+            </a:extLst>
+          </p:cNvPr>
+          <p:cNvSpPr/>
+          <p:nvPr/>
+        </p:nvSpPr>
+        <p:spPr>
+          <a:xfrm>
+            <a:off x="9508343" y="5330069"/>
+            <a:ext cx="962294" cy="310057"/>
+          </a:xfrm>
+          <a:prstGeom prst="rect">
+            <a:avLst/>
+          </a:prstGeom>
+        </p:spPr>
+        <p:style>
+          <a:lnRef idx="2">
+            <a:schemeClr val="accent5"/>
+          </a:lnRef>
+          <a:fillRef idx="1">
+            <a:schemeClr val="lt1"/>
+          </a:fillRef>
+          <a:effectRef idx="0">
+            <a:schemeClr val="accent5"/>
+          </a:effectRef>
+          <a:fontRef idx="minor">
+            <a:schemeClr val="dk1"/>
+          </a:fontRef>
+        </p:style>
+        <p:txBody>
+          <a:bodyPr rtlCol="0" anchor="ctr"/>
+          <a:lstStyle/>
+          <a:p>
+            <a:pPr algn="ctr"/>
+            <a:r>
+              <a:rPr kumimoji="1" lang="ko-KR" altLang="en-US" sz="1000" dirty="0"/>
+              <a:t>첨부파일</a:t>
+            </a:r>
+            <a:endParaRPr kumimoji="1" lang="en-US" altLang="ko-KR" sz="1000" dirty="0"/>
+          </a:p>
+          <a:p>
+            <a:pPr algn="ctr"/>
+            <a:r>
+              <a:rPr kumimoji="1" lang="ko-KR" altLang="en-US" sz="1000" dirty="0"/>
+              <a:t>입력</a:t>
+            </a:r>
+            <a:endParaRPr kumimoji="1" lang="en-US" altLang="ko-KR" sz="1000" dirty="0"/>
+          </a:p>
+        </p:txBody>
+      </p:sp>
+      <p:sp>
+        <p:nvSpPr>
+          <p:cNvPr id="92" name="곱하기 91">
+            <a:extLst>
+              <a:ext uri="{FF2B5EF4-FFF2-40B4-BE49-F238E27FC236}">
+                <a16:creationId xmlns:a16="http://schemas.microsoft.com/office/drawing/2014/main" id="{151C0203-20CE-EA97-15CB-BE4E20C8620E}"/>
+              </a:ext>
+            </a:extLst>
+          </p:cNvPr>
+          <p:cNvSpPr/>
+          <p:nvPr/>
+        </p:nvSpPr>
+        <p:spPr>
+          <a:xfrm>
+            <a:off x="9135492" y="5243641"/>
+            <a:ext cx="1762380" cy="448769"/>
+          </a:xfrm>
+          <a:prstGeom prst="mathMultiply">
+            <a:avLst/>
+          </a:prstGeom>
+          <a:solidFill>
+            <a:srgbClr val="C43EA7">
+              <a:alpha val="82000"/>
+            </a:srgbClr>
+          </a:solidFill>
+          <a:ln>
+            <a:solidFill>
+              <a:srgbClr val="C43EA7"/>
+            </a:solidFill>
+          </a:ln>
+        </p:spPr>
+        <p:style>
+          <a:lnRef idx="2">
+            <a:schemeClr val="accent1">
+              <a:shade val="50000"/>
+            </a:schemeClr>
+          </a:lnRef>
+          <a:fillRef idx="1">
+            <a:schemeClr val="accent1"/>
+          </a:fillRef>
+          <a:effectRef idx="0">
+            <a:schemeClr val="accent1"/>
+          </a:effectRef>
+          <a:fontRef idx="minor">
+            <a:schemeClr val="lt1"/>
+          </a:fontRef>
+        </p:style>
+        <p:txBody>
+          <a:bodyPr rtlCol="0" anchor="ctr"/>
+          <a:lstStyle/>
+          <a:p>
+            <a:pPr algn="ctr"/>
+            <a:endParaRPr kumimoji="1" lang="ko-Kore-KR" altLang="en-US" dirty="0"/>
+          </a:p>
+        </p:txBody>
+      </p:sp>
+      <p:sp>
+        <p:nvSpPr>
+          <p:cNvPr id="93" name="직사각형 92">
+            <a:extLst>
+              <a:ext uri="{FF2B5EF4-FFF2-40B4-BE49-F238E27FC236}">
+                <a16:creationId xmlns:a16="http://schemas.microsoft.com/office/drawing/2014/main" id="{4C57306C-487A-ADCC-4613-9952574A65F9}"/>
+              </a:ext>
+            </a:extLst>
+          </p:cNvPr>
+          <p:cNvSpPr/>
+          <p:nvPr/>
+        </p:nvSpPr>
+        <p:spPr>
+          <a:xfrm>
+            <a:off x="10590197" y="5422712"/>
+            <a:ext cx="828990" cy="310057"/>
+          </a:xfrm>
+          <a:prstGeom prst="rect">
+            <a:avLst/>
+          </a:prstGeom>
+          <a:ln>
+            <a:solidFill>
+              <a:srgbClr val="C43EA7"/>
+            </a:solidFill>
+          </a:ln>
+        </p:spPr>
+        <p:style>
+          <a:lnRef idx="2">
+            <a:schemeClr val="accent1"/>
+          </a:lnRef>
+          <a:fillRef idx="1">
+            <a:schemeClr val="lt1"/>
+          </a:fillRef>
+          <a:effectRef idx="0">
+            <a:schemeClr val="accent1"/>
+          </a:effectRef>
+          <a:fontRef idx="minor">
+            <a:schemeClr val="dk1"/>
+          </a:fontRef>
+        </p:style>
+        <p:txBody>
+          <a:bodyPr rtlCol="0" anchor="ctr"/>
+          <a:lstStyle/>
+          <a:p>
+            <a:pPr algn="ctr"/>
+            <a:r>
+              <a:rPr kumimoji="1" lang="ko-KR" altLang="en-US" sz="1000" dirty="0"/>
+              <a:t>오류발생</a:t>
+            </a:r>
+            <a:endParaRPr kumimoji="1" lang="en-US" altLang="ko-KR" sz="1000" dirty="0"/>
+          </a:p>
+        </p:txBody>
+      </p:sp>
+      <p:sp>
+        <p:nvSpPr>
+          <p:cNvPr id="94" name="직사각형 93">
+            <a:extLst>
+              <a:ext uri="{FF2B5EF4-FFF2-40B4-BE49-F238E27FC236}">
+                <a16:creationId xmlns:a16="http://schemas.microsoft.com/office/drawing/2014/main" id="{71B3BB24-DE35-3C8A-CE38-86F2A8A8F5A7}"/>
+              </a:ext>
+            </a:extLst>
+          </p:cNvPr>
+          <p:cNvSpPr/>
+          <p:nvPr/>
+        </p:nvSpPr>
+        <p:spPr>
+          <a:xfrm>
+            <a:off x="6194246" y="2318166"/>
+            <a:ext cx="828990" cy="231227"/>
+          </a:xfrm>
+          <a:prstGeom prst="rect">
+            <a:avLst/>
+          </a:prstGeom>
+          <a:ln>
+            <a:solidFill>
+              <a:srgbClr val="C43EA7"/>
+            </a:solidFill>
+          </a:ln>
+        </p:spPr>
+        <p:style>
+          <a:lnRef idx="2">
+            <a:schemeClr val="accent1"/>
+          </a:lnRef>
+          <a:fillRef idx="1">
+            <a:schemeClr val="lt1"/>
+          </a:fillRef>
+          <a:effectRef idx="0">
+            <a:schemeClr val="accent1"/>
+          </a:effectRef>
+          <a:fontRef idx="minor">
+            <a:schemeClr val="dk1"/>
+          </a:fontRef>
+        </p:style>
+        <p:txBody>
+          <a:bodyPr rtlCol="0" anchor="ctr"/>
+          <a:lstStyle/>
+          <a:p>
+            <a:pPr algn="ctr"/>
+            <a:r>
+              <a:rPr kumimoji="1" lang="en-US" altLang="ko-KR" sz="1000" dirty="0"/>
+              <a:t>rollback</a:t>
+            </a:r>
+          </a:p>
+        </p:txBody>
+      </p:sp>
+      <p:sp>
+        <p:nvSpPr>
+          <p:cNvPr id="95" name="직사각형 94">
+            <a:extLst>
+              <a:ext uri="{FF2B5EF4-FFF2-40B4-BE49-F238E27FC236}">
+                <a16:creationId xmlns:a16="http://schemas.microsoft.com/office/drawing/2014/main" id="{42BABF66-0734-E6FE-5265-BC266D48F51A}"/>
+              </a:ext>
+            </a:extLst>
+          </p:cNvPr>
+          <p:cNvSpPr/>
+          <p:nvPr/>
+        </p:nvSpPr>
+        <p:spPr>
+          <a:xfrm>
+            <a:off x="11116059" y="4471522"/>
+            <a:ext cx="1082507" cy="785599"/>
+          </a:xfrm>
+          <a:prstGeom prst="rect">
+            <a:avLst/>
+          </a:prstGeom>
+          <a:ln>
+            <a:solidFill>
+              <a:schemeClr val="accent2"/>
+            </a:solidFill>
+          </a:ln>
+        </p:spPr>
+        <p:style>
+          <a:lnRef idx="2">
+            <a:schemeClr val="accent1"/>
+          </a:lnRef>
+          <a:fillRef idx="1">
+            <a:schemeClr val="lt1"/>
+          </a:fillRef>
+          <a:effectRef idx="0">
+            <a:schemeClr val="accent1"/>
+          </a:effectRef>
+          <a:fontRef idx="minor">
+            <a:schemeClr val="dk1"/>
+          </a:fontRef>
+        </p:style>
+        <p:txBody>
+          <a:bodyPr rtlCol="0" anchor="ctr"/>
+          <a:lstStyle/>
+          <a:p>
+            <a:pPr algn="ctr"/>
+            <a:r>
+              <a:rPr kumimoji="1" lang="en-US" altLang="ko-Kore-KR" sz="1200" dirty="0"/>
+              <a:t>C2</a:t>
+            </a:r>
+            <a:r>
+              <a:rPr kumimoji="1" lang="ko-KR" altLang="en-US" sz="1200" dirty="0"/>
+              <a:t>의 작업까지 </a:t>
+            </a:r>
+            <a:r>
+              <a:rPr kumimoji="1" lang="en-US" altLang="ko-KR" sz="1200" dirty="0"/>
+              <a:t>rollback</a:t>
+            </a:r>
+            <a:r>
+              <a:rPr kumimoji="1" lang="ko-KR" altLang="en-US" sz="1200" dirty="0"/>
+              <a:t>되는 문제 발생</a:t>
+            </a:r>
+            <a:r>
+              <a:rPr kumimoji="1" lang="en-US" altLang="ko-KR" sz="1200" dirty="0"/>
+              <a:t>!</a:t>
+            </a:r>
+            <a:endParaRPr kumimoji="1" lang="ko-Kore-KR" altLang="en-US" sz="1200" dirty="0"/>
+          </a:p>
+        </p:txBody>
+      </p:sp>
+      <p:sp>
+        <p:nvSpPr>
+          <p:cNvPr id="96" name="직사각형 95">
+            <a:extLst>
+              <a:ext uri="{FF2B5EF4-FFF2-40B4-BE49-F238E27FC236}">
+                <a16:creationId xmlns:a16="http://schemas.microsoft.com/office/drawing/2014/main" id="{1D5FEC13-9B98-A91B-823C-7E296278531D}"/>
+              </a:ext>
+            </a:extLst>
+          </p:cNvPr>
+          <p:cNvSpPr/>
+          <p:nvPr/>
+        </p:nvSpPr>
+        <p:spPr>
+          <a:xfrm>
+            <a:off x="8657607" y="3662851"/>
+            <a:ext cx="2083542" cy="2402941"/>
+          </a:xfrm>
+          <a:prstGeom prst="rect">
+            <a:avLst/>
+          </a:prstGeom>
+          <a:noFill/>
+          <a:ln w="41275"/>
+        </p:spPr>
+        <p:style>
+          <a:lnRef idx="2">
+            <a:schemeClr val="accent2"/>
+          </a:lnRef>
+          <a:fillRef idx="1">
+            <a:schemeClr val="lt1"/>
+          </a:fillRef>
+          <a:effectRef idx="0">
+            <a:schemeClr val="accent2"/>
+          </a:effectRef>
+          <a:fontRef idx="minor">
+            <a:schemeClr val="dk1"/>
+          </a:fontRef>
+        </p:style>
+        <p:txBody>
+          <a:bodyPr rtlCol="0" anchor="ctr"/>
+          <a:lstStyle/>
+          <a:p>
+            <a:pPr algn="ctr"/>
+            <a:endParaRPr kumimoji="1" lang="ko-Kore-KR" altLang="en-US" sz="1200" dirty="0"/>
+          </a:p>
+        </p:txBody>
+      </p:sp>
+      <p:cxnSp>
+        <p:nvCxnSpPr>
+          <p:cNvPr id="97" name="직선 화살표 연결선 96">
+            <a:extLst>
+              <a:ext uri="{FF2B5EF4-FFF2-40B4-BE49-F238E27FC236}">
+                <a16:creationId xmlns:a16="http://schemas.microsoft.com/office/drawing/2014/main" id="{F32FE37E-CED2-794D-F248-E45CAB535111}"/>
+              </a:ext>
+            </a:extLst>
+          </p:cNvPr>
+          <p:cNvCxnSpPr>
+            <a:cxnSpLocks/>
+            <a:stCxn id="95" idx="1"/>
+            <a:endCxn id="96" idx="3"/>
+          </p:cNvCxnSpPr>
+          <p:nvPr/>
+        </p:nvCxnSpPr>
+        <p:spPr>
+          <a:xfrm flipH="1">
+            <a:off x="10741149" y="4864322"/>
+            <a:ext cx="374910" cy="0"/>
+          </a:xfrm>
+          <a:prstGeom prst="straightConnector1">
+            <a:avLst/>
+          </a:prstGeom>
+          <a:ln>
+            <a:tailEnd type="triangle"/>
+          </a:ln>
+        </p:spPr>
+        <p:style>
+          <a:lnRef idx="3">
+            <a:schemeClr val="accent2"/>
+          </a:lnRef>
+          <a:fillRef idx="0">
+            <a:schemeClr val="accent2"/>
+          </a:fillRef>
+          <a:effectRef idx="2">
+            <a:schemeClr val="accent2"/>
+          </a:effectRef>
+          <a:fontRef idx="minor">
+            <a:schemeClr val="tx1"/>
+          </a:fontRef>
+        </p:style>
+      </p:cxnSp>
+    </p:spTree>
+    <p:extLst>
+      <p:ext uri="{BB962C8B-B14F-4D97-AF65-F5344CB8AC3E}">
+        <p14:creationId xmlns:p14="http://schemas.microsoft.com/office/powerpoint/2010/main" val="1087290859"/>
+      </p:ext>
+    </p:extLst>
+  </p:cSld>
+  <p:clrMapOvr>
+    <a:masterClrMapping/>
+  </p:clrMapOvr>
+</p:sld>
+</file>
+
+<file path=ppt/slides/slide27.xml><?xml version="1.0" encoding="utf-8"?>
+<p:sld xmlns:a="http://schemas.openxmlformats.org/drawingml/2006/main" xmlns:r="http://schemas.openxmlformats.org/officeDocument/2006/relationships" xmlns:p="http://schemas.openxmlformats.org/presentationml/2006/main">
+  <p:cSld>
+    <p:spTree>
+      <p:nvGrpSpPr>
+        <p:cNvPr id="1" name=""/>
+        <p:cNvGrpSpPr/>
+        <p:nvPr/>
+      </p:nvGrpSpPr>
+      <p:grpSpPr>
+        <a:xfrm>
+          <a:off x="0" y="0"/>
+          <a:ext cx="0" cy="0"/>
+          <a:chOff x="0" y="0"/>
+          <a:chExt cx="0" cy="0"/>
+        </a:xfrm>
+      </p:grpSpPr>
+      <p:sp>
+        <p:nvSpPr>
+          <p:cNvPr id="4" name="직사각형 3">
+            <a:extLst>
+              <a:ext uri="{FF2B5EF4-FFF2-40B4-BE49-F238E27FC236}">
+                <a16:creationId xmlns:a16="http://schemas.microsoft.com/office/drawing/2014/main" id="{31D9CCA3-C00D-CDA3-EAFB-AD5E76DF5C6B}"/>
+              </a:ext>
+            </a:extLst>
+          </p:cNvPr>
+          <p:cNvSpPr/>
+          <p:nvPr/>
+        </p:nvSpPr>
+        <p:spPr>
+          <a:xfrm>
+            <a:off x="1250731" y="273270"/>
+            <a:ext cx="1639614" cy="536027"/>
+          </a:xfrm>
+          <a:prstGeom prst="rect">
+            <a:avLst/>
+          </a:prstGeom>
+        </p:spPr>
+        <p:style>
+          <a:lnRef idx="2">
+            <a:schemeClr val="accent1"/>
+          </a:lnRef>
+          <a:fillRef idx="1">
+            <a:schemeClr val="lt1"/>
+          </a:fillRef>
+          <a:effectRef idx="0">
+            <a:schemeClr val="accent1"/>
+          </a:effectRef>
+          <a:fontRef idx="minor">
+            <a:schemeClr val="dk1"/>
+          </a:fontRef>
+        </p:style>
+        <p:txBody>
+          <a:bodyPr rtlCol="0" anchor="ctr"/>
+          <a:lstStyle/>
+          <a:p>
+            <a:pPr algn="ctr"/>
+            <a:r>
+              <a:rPr kumimoji="1" lang="en-US" altLang="ko-Kore-KR" sz="1600" b="1" dirty="0"/>
+              <a:t>HTTP Client</a:t>
+            </a:r>
+            <a:endParaRPr kumimoji="1" lang="ko-Kore-KR" altLang="en-US" sz="1600" b="1" dirty="0"/>
+          </a:p>
+        </p:txBody>
+      </p:sp>
+      <p:sp>
+        <p:nvSpPr>
+          <p:cNvPr id="5" name="직사각형 4">
+            <a:extLst>
+              <a:ext uri="{FF2B5EF4-FFF2-40B4-BE49-F238E27FC236}">
+                <a16:creationId xmlns:a16="http://schemas.microsoft.com/office/drawing/2014/main" id="{9D027FE1-B6BF-68E1-5C5F-2D3093B492B4}"/>
+              </a:ext>
+            </a:extLst>
+          </p:cNvPr>
+          <p:cNvSpPr/>
+          <p:nvPr/>
+        </p:nvSpPr>
+        <p:spPr>
+          <a:xfrm>
+            <a:off x="5276193" y="273269"/>
+            <a:ext cx="1639614" cy="536027"/>
+          </a:xfrm>
+          <a:prstGeom prst="rect">
+            <a:avLst/>
+          </a:prstGeom>
+        </p:spPr>
+        <p:style>
+          <a:lnRef idx="2">
+            <a:schemeClr val="accent1"/>
+          </a:lnRef>
+          <a:fillRef idx="1">
+            <a:schemeClr val="lt1"/>
+          </a:fillRef>
+          <a:effectRef idx="0">
+            <a:schemeClr val="accent1"/>
+          </a:effectRef>
+          <a:fontRef idx="minor">
+            <a:schemeClr val="dk1"/>
+          </a:fontRef>
+        </p:style>
+        <p:txBody>
+          <a:bodyPr rtlCol="0" anchor="ctr"/>
+          <a:lstStyle/>
+          <a:p>
+            <a:pPr algn="ctr"/>
+            <a:r>
+              <a:rPr kumimoji="1" lang="en-US" altLang="ko-Kore-KR" sz="1600" b="1" dirty="0"/>
+              <a:t>HTTP Server</a:t>
+            </a:r>
+            <a:endParaRPr kumimoji="1" lang="ko-Kore-KR" altLang="en-US" sz="1600" b="1" dirty="0"/>
+          </a:p>
+        </p:txBody>
+      </p:sp>
+      <p:sp>
+        <p:nvSpPr>
+          <p:cNvPr id="6" name="직사각형 5">
+            <a:extLst>
+              <a:ext uri="{FF2B5EF4-FFF2-40B4-BE49-F238E27FC236}">
+                <a16:creationId xmlns:a16="http://schemas.microsoft.com/office/drawing/2014/main" id="{4760EEEC-E235-55F7-5245-460E02395379}"/>
+              </a:ext>
+            </a:extLst>
+          </p:cNvPr>
+          <p:cNvSpPr/>
+          <p:nvPr/>
+        </p:nvSpPr>
+        <p:spPr>
+          <a:xfrm>
+            <a:off x="9301655" y="273268"/>
+            <a:ext cx="1639614" cy="536027"/>
+          </a:xfrm>
+          <a:prstGeom prst="rect">
+            <a:avLst/>
+          </a:prstGeom>
+        </p:spPr>
+        <p:style>
+          <a:lnRef idx="2">
+            <a:schemeClr val="accent1"/>
+          </a:lnRef>
+          <a:fillRef idx="1">
+            <a:schemeClr val="lt1"/>
+          </a:fillRef>
+          <a:effectRef idx="0">
+            <a:schemeClr val="accent1"/>
+          </a:effectRef>
+          <a:fontRef idx="minor">
+            <a:schemeClr val="dk1"/>
+          </a:fontRef>
+        </p:style>
+        <p:txBody>
+          <a:bodyPr rtlCol="0" anchor="ctr"/>
+          <a:lstStyle/>
+          <a:p>
+            <a:pPr algn="ctr"/>
+            <a:r>
+              <a:rPr kumimoji="1" lang="en-US" altLang="ko-Kore-KR" sz="1600" b="1" dirty="0"/>
+              <a:t>DBMS </a:t>
+            </a:r>
+            <a:r>
+              <a:rPr kumimoji="1" lang="ko-Kore-KR" altLang="en-US" sz="1600" b="1" dirty="0"/>
+              <a:t>서버</a:t>
+            </a:r>
+          </a:p>
+        </p:txBody>
+      </p:sp>
+      <p:cxnSp>
+        <p:nvCxnSpPr>
+          <p:cNvPr id="8" name="직선 연결선[R] 7">
+            <a:extLst>
+              <a:ext uri="{FF2B5EF4-FFF2-40B4-BE49-F238E27FC236}">
+                <a16:creationId xmlns:a16="http://schemas.microsoft.com/office/drawing/2014/main" id="{5BA58C06-3F7B-134F-E4B5-88F957F38E96}"/>
+              </a:ext>
+            </a:extLst>
+          </p:cNvPr>
+          <p:cNvCxnSpPr>
+            <a:cxnSpLocks/>
+          </p:cNvCxnSpPr>
+          <p:nvPr/>
+        </p:nvCxnSpPr>
+        <p:spPr>
+          <a:xfrm>
+            <a:off x="3258207" y="0"/>
+            <a:ext cx="0" cy="6858000"/>
+          </a:xfrm>
+          <a:prstGeom prst="line">
+            <a:avLst/>
+          </a:prstGeom>
+        </p:spPr>
+        <p:style>
+          <a:lnRef idx="3">
+            <a:schemeClr val="accent1"/>
+          </a:lnRef>
+          <a:fillRef idx="0">
+            <a:schemeClr val="accent1"/>
+          </a:fillRef>
+          <a:effectRef idx="2">
+            <a:schemeClr val="accent1"/>
+          </a:effectRef>
+          <a:fontRef idx="minor">
+            <a:schemeClr val="tx1"/>
+          </a:fontRef>
+        </p:style>
+      </p:cxnSp>
+      <p:cxnSp>
+        <p:nvCxnSpPr>
+          <p:cNvPr id="11" name="직선 연결선[R] 10">
+            <a:extLst>
+              <a:ext uri="{FF2B5EF4-FFF2-40B4-BE49-F238E27FC236}">
+                <a16:creationId xmlns:a16="http://schemas.microsoft.com/office/drawing/2014/main" id="{1F9A4168-6187-8E9F-D87D-F94014FED27B}"/>
+              </a:ext>
+            </a:extLst>
+          </p:cNvPr>
+          <p:cNvCxnSpPr>
+            <a:cxnSpLocks/>
+          </p:cNvCxnSpPr>
+          <p:nvPr/>
+        </p:nvCxnSpPr>
+        <p:spPr>
+          <a:xfrm>
+            <a:off x="8182304" y="0"/>
+            <a:ext cx="0" cy="6858000"/>
+          </a:xfrm>
+          <a:prstGeom prst="line">
+            <a:avLst/>
+          </a:prstGeom>
+        </p:spPr>
+        <p:style>
+          <a:lnRef idx="3">
+            <a:schemeClr val="accent1"/>
+          </a:lnRef>
+          <a:fillRef idx="0">
+            <a:schemeClr val="accent1"/>
+          </a:fillRef>
+          <a:effectRef idx="2">
+            <a:schemeClr val="accent1"/>
+          </a:effectRef>
+          <a:fontRef idx="minor">
+            <a:schemeClr val="tx1"/>
+          </a:fontRef>
+        </p:style>
+      </p:cxnSp>
+      <p:sp>
+        <p:nvSpPr>
+          <p:cNvPr id="14" name="타원 13">
+            <a:extLst>
+              <a:ext uri="{FF2B5EF4-FFF2-40B4-BE49-F238E27FC236}">
+                <a16:creationId xmlns:a16="http://schemas.microsoft.com/office/drawing/2014/main" id="{7485FA8D-D611-6F2D-5C90-AD0B69BBFD5E}"/>
+              </a:ext>
+            </a:extLst>
+          </p:cNvPr>
+          <p:cNvSpPr/>
+          <p:nvPr/>
+        </p:nvSpPr>
+        <p:spPr>
+          <a:xfrm>
+            <a:off x="1497732" y="1618593"/>
+            <a:ext cx="609598" cy="609598"/>
+          </a:xfrm>
+          <a:prstGeom prst="ellipse">
+            <a:avLst/>
+          </a:prstGeom>
+        </p:spPr>
+        <p:style>
+          <a:lnRef idx="2">
+            <a:schemeClr val="accent1">
+              <a:shade val="50000"/>
+            </a:schemeClr>
+          </a:lnRef>
+          <a:fillRef idx="1">
+            <a:schemeClr val="accent1"/>
+          </a:fillRef>
+          <a:effectRef idx="0">
+            <a:schemeClr val="accent1"/>
+          </a:effectRef>
+          <a:fontRef idx="minor">
+            <a:schemeClr val="lt1"/>
+          </a:fontRef>
+        </p:style>
+        <p:txBody>
+          <a:bodyPr rtlCol="0" anchor="ctr"/>
+          <a:lstStyle/>
+          <a:p>
+            <a:pPr algn="ctr"/>
+            <a:r>
+              <a:rPr kumimoji="1" lang="en-US" altLang="ko-Kore-KR" sz="1600" dirty="0"/>
+              <a:t>C1</a:t>
+            </a:r>
+            <a:endParaRPr kumimoji="1" lang="ko-Kore-KR" altLang="en-US" sz="1600" dirty="0"/>
+          </a:p>
+        </p:txBody>
+      </p:sp>
+      <p:sp>
+        <p:nvSpPr>
+          <p:cNvPr id="15" name="직사각형 14">
+            <a:extLst>
+              <a:ext uri="{FF2B5EF4-FFF2-40B4-BE49-F238E27FC236}">
+                <a16:creationId xmlns:a16="http://schemas.microsoft.com/office/drawing/2014/main" id="{9AF8F025-D4D4-45F4-6EE1-9FA71EC2587D}"/>
+              </a:ext>
+            </a:extLst>
+          </p:cNvPr>
+          <p:cNvSpPr/>
+          <p:nvPr/>
+        </p:nvSpPr>
+        <p:spPr>
+          <a:xfrm>
+            <a:off x="4729655" y="1692164"/>
+            <a:ext cx="620113" cy="462456"/>
+          </a:xfrm>
+          <a:prstGeom prst="rect">
+            <a:avLst/>
+          </a:prstGeom>
+        </p:spPr>
+        <p:style>
+          <a:lnRef idx="2">
+            <a:schemeClr val="accent1">
+              <a:shade val="50000"/>
+            </a:schemeClr>
+          </a:lnRef>
+          <a:fillRef idx="1">
+            <a:schemeClr val="accent1"/>
+          </a:fillRef>
+          <a:effectRef idx="0">
+            <a:schemeClr val="accent1"/>
+          </a:effectRef>
+          <a:fontRef idx="minor">
+            <a:schemeClr val="lt1"/>
+          </a:fontRef>
+        </p:style>
+        <p:txBody>
+          <a:bodyPr rtlCol="0" anchor="ctr"/>
+          <a:lstStyle/>
+          <a:p>
+            <a:pPr algn="ctr"/>
+            <a:r>
+              <a:rPr kumimoji="1" lang="en-US" altLang="ko-Kore-KR" sz="1600" dirty="0"/>
+              <a:t>Ctrl</a:t>
+            </a:r>
+            <a:endParaRPr kumimoji="1" lang="ko-Kore-KR" altLang="en-US" sz="1600" dirty="0"/>
+          </a:p>
+        </p:txBody>
+      </p:sp>
+      <p:sp>
+        <p:nvSpPr>
+          <p:cNvPr id="16" name="직사각형 15">
+            <a:extLst>
+              <a:ext uri="{FF2B5EF4-FFF2-40B4-BE49-F238E27FC236}">
+                <a16:creationId xmlns:a16="http://schemas.microsoft.com/office/drawing/2014/main" id="{0470FDD7-2988-BA2D-A2B0-B431A1714A80}"/>
+              </a:ext>
+            </a:extLst>
+          </p:cNvPr>
+          <p:cNvSpPr/>
+          <p:nvPr/>
+        </p:nvSpPr>
+        <p:spPr>
+          <a:xfrm>
+            <a:off x="5714999" y="1692164"/>
+            <a:ext cx="620112" cy="462456"/>
+          </a:xfrm>
+          <a:prstGeom prst="rect">
+            <a:avLst/>
+          </a:prstGeom>
+        </p:spPr>
+        <p:style>
+          <a:lnRef idx="2">
+            <a:schemeClr val="accent1">
+              <a:shade val="50000"/>
+            </a:schemeClr>
+          </a:lnRef>
+          <a:fillRef idx="1">
+            <a:schemeClr val="accent1"/>
+          </a:fillRef>
+          <a:effectRef idx="0">
+            <a:schemeClr val="accent1"/>
+          </a:effectRef>
+          <a:fontRef idx="minor">
+            <a:schemeClr val="lt1"/>
+          </a:fontRef>
+        </p:style>
+        <p:txBody>
+          <a:bodyPr rtlCol="0" anchor="ctr"/>
+          <a:lstStyle/>
+          <a:p>
+            <a:pPr algn="ctr"/>
+            <a:r>
+              <a:rPr kumimoji="1" lang="en-US" altLang="ko-Kore-KR" sz="1600" dirty="0"/>
+              <a:t>S</a:t>
+            </a:r>
+            <a:endParaRPr kumimoji="1" lang="ko-Kore-KR" altLang="en-US" sz="1600" dirty="0"/>
+          </a:p>
+        </p:txBody>
+      </p:sp>
+      <p:sp>
+        <p:nvSpPr>
+          <p:cNvPr id="17" name="직사각형 16">
+            <a:extLst>
+              <a:ext uri="{FF2B5EF4-FFF2-40B4-BE49-F238E27FC236}">
+                <a16:creationId xmlns:a16="http://schemas.microsoft.com/office/drawing/2014/main" id="{87DB5007-82A0-3EB0-1380-78CABD69E49A}"/>
+              </a:ext>
+            </a:extLst>
+          </p:cNvPr>
+          <p:cNvSpPr/>
+          <p:nvPr/>
+        </p:nvSpPr>
+        <p:spPr>
+          <a:xfrm>
+            <a:off x="6647789" y="1692164"/>
+            <a:ext cx="620112" cy="462456"/>
+          </a:xfrm>
+          <a:prstGeom prst="rect">
+            <a:avLst/>
+          </a:prstGeom>
+        </p:spPr>
+        <p:style>
+          <a:lnRef idx="2">
+            <a:schemeClr val="accent1">
+              <a:shade val="50000"/>
+            </a:schemeClr>
+          </a:lnRef>
+          <a:fillRef idx="1">
+            <a:schemeClr val="accent1"/>
+          </a:fillRef>
+          <a:effectRef idx="0">
+            <a:schemeClr val="accent1"/>
+          </a:effectRef>
+          <a:fontRef idx="minor">
+            <a:schemeClr val="lt1"/>
+          </a:fontRef>
+        </p:style>
+        <p:txBody>
+          <a:bodyPr rtlCol="0" anchor="ctr"/>
+          <a:lstStyle/>
+          <a:p>
+            <a:pPr algn="ctr"/>
+            <a:r>
+              <a:rPr kumimoji="1" lang="en-US" altLang="ko-Kore-KR" sz="1600" dirty="0"/>
+              <a:t>DAO</a:t>
+            </a:r>
+            <a:endParaRPr kumimoji="1" lang="ko-Kore-KR" altLang="en-US" sz="1600" dirty="0"/>
+          </a:p>
+        </p:txBody>
+      </p:sp>
+      <p:sp>
+        <p:nvSpPr>
+          <p:cNvPr id="18" name="직사각형 17">
+            <a:extLst>
+              <a:ext uri="{FF2B5EF4-FFF2-40B4-BE49-F238E27FC236}">
+                <a16:creationId xmlns:a16="http://schemas.microsoft.com/office/drawing/2014/main" id="{093CA76A-1440-6AA2-824B-36341FF6186C}"/>
+              </a:ext>
+            </a:extLst>
+          </p:cNvPr>
+          <p:cNvSpPr/>
+          <p:nvPr/>
+        </p:nvSpPr>
+        <p:spPr>
+          <a:xfrm>
+            <a:off x="7500211" y="1692164"/>
+            <a:ext cx="620112" cy="462456"/>
+          </a:xfrm>
+          <a:prstGeom prst="rect">
+            <a:avLst/>
+          </a:prstGeom>
+        </p:spPr>
+        <p:style>
+          <a:lnRef idx="2">
+            <a:schemeClr val="accent1">
+              <a:shade val="50000"/>
+            </a:schemeClr>
+          </a:lnRef>
+          <a:fillRef idx="1">
+            <a:schemeClr val="accent1"/>
+          </a:fillRef>
+          <a:effectRef idx="0">
+            <a:schemeClr val="accent1"/>
+          </a:effectRef>
+          <a:fontRef idx="minor">
+            <a:schemeClr val="lt1"/>
+          </a:fontRef>
+        </p:style>
+        <p:txBody>
+          <a:bodyPr rtlCol="0" anchor="ctr"/>
+          <a:lstStyle/>
+          <a:p>
+            <a:pPr algn="ctr"/>
+            <a:r>
+              <a:rPr kumimoji="1" lang="en-US" altLang="ko-Kore-KR" sz="1600" dirty="0"/>
+              <a:t>Con</a:t>
+            </a:r>
+            <a:endParaRPr kumimoji="1" lang="ko-Kore-KR" altLang="en-US" sz="1600" dirty="0"/>
+          </a:p>
+        </p:txBody>
+      </p:sp>
+      <p:sp>
+        <p:nvSpPr>
+          <p:cNvPr id="19" name="타원 18">
+            <a:extLst>
+              <a:ext uri="{FF2B5EF4-FFF2-40B4-BE49-F238E27FC236}">
+                <a16:creationId xmlns:a16="http://schemas.microsoft.com/office/drawing/2014/main" id="{5E3A2CD2-8DD2-D5D1-3BFA-B2B585B7C03A}"/>
+              </a:ext>
+            </a:extLst>
+          </p:cNvPr>
+          <p:cNvSpPr/>
+          <p:nvPr/>
+        </p:nvSpPr>
+        <p:spPr>
+          <a:xfrm>
+            <a:off x="9103994" y="1620636"/>
+            <a:ext cx="609598" cy="609598"/>
+          </a:xfrm>
+          <a:prstGeom prst="ellipse">
+            <a:avLst/>
+          </a:prstGeom>
+        </p:spPr>
+        <p:style>
+          <a:lnRef idx="2">
+            <a:schemeClr val="accent1">
+              <a:shade val="50000"/>
+            </a:schemeClr>
+          </a:lnRef>
+          <a:fillRef idx="1">
+            <a:schemeClr val="accent1"/>
+          </a:fillRef>
+          <a:effectRef idx="0">
+            <a:schemeClr val="accent1"/>
+          </a:effectRef>
+          <a:fontRef idx="minor">
+            <a:schemeClr val="lt1"/>
+          </a:fontRef>
+        </p:style>
+        <p:txBody>
+          <a:bodyPr rtlCol="0" anchor="ctr"/>
+          <a:lstStyle/>
+          <a:p>
+            <a:pPr algn="ctr"/>
+            <a:r>
+              <a:rPr kumimoji="1" lang="en-US" altLang="ko-Kore-KR" sz="1600" dirty="0"/>
+              <a:t>T</a:t>
+            </a:r>
+            <a:r>
+              <a:rPr kumimoji="1" lang="en-US" altLang="ko-KR" sz="1600" dirty="0"/>
+              <a:t>1</a:t>
+            </a:r>
+            <a:endParaRPr kumimoji="1" lang="ko-Kore-KR" altLang="en-US" sz="1600" dirty="0"/>
+          </a:p>
+        </p:txBody>
+      </p:sp>
+      <p:sp>
+        <p:nvSpPr>
+          <p:cNvPr id="20" name="직사각형 19">
+            <a:extLst>
+              <a:ext uri="{FF2B5EF4-FFF2-40B4-BE49-F238E27FC236}">
+                <a16:creationId xmlns:a16="http://schemas.microsoft.com/office/drawing/2014/main" id="{59AEBCFF-68E0-027B-42D6-6DA5B714CFD0}"/>
+              </a:ext>
+            </a:extLst>
+          </p:cNvPr>
+          <p:cNvSpPr/>
+          <p:nvPr/>
+        </p:nvSpPr>
+        <p:spPr>
+          <a:xfrm>
+            <a:off x="8970575" y="2372766"/>
+            <a:ext cx="1723693" cy="1244130"/>
+          </a:xfrm>
+          <a:prstGeom prst="rect">
+            <a:avLst/>
+          </a:prstGeom>
+        </p:spPr>
+        <p:style>
+          <a:lnRef idx="2">
+            <a:schemeClr val="accent1">
+              <a:shade val="50000"/>
+            </a:schemeClr>
+          </a:lnRef>
+          <a:fillRef idx="1">
+            <a:schemeClr val="accent1"/>
+          </a:fillRef>
+          <a:effectRef idx="0">
+            <a:schemeClr val="accent1"/>
+          </a:effectRef>
+          <a:fontRef idx="minor">
+            <a:schemeClr val="lt1"/>
+          </a:fontRef>
+        </p:style>
+        <p:txBody>
+          <a:bodyPr rtlCol="0" anchor="t"/>
+          <a:lstStyle/>
+          <a:p>
+            <a:pPr algn="ctr"/>
+            <a:r>
+              <a:rPr kumimoji="1" lang="ko-KR" altLang="en-US" sz="1400" dirty="0"/>
+              <a:t>임시데이터베이스</a:t>
+            </a:r>
+            <a:endParaRPr kumimoji="1" lang="ko-Kore-KR" altLang="en-US" sz="1400" dirty="0"/>
+          </a:p>
+        </p:txBody>
+      </p:sp>
+      <p:sp>
+        <p:nvSpPr>
+          <p:cNvPr id="21" name="직사각형 20">
+            <a:extLst>
+              <a:ext uri="{FF2B5EF4-FFF2-40B4-BE49-F238E27FC236}">
+                <a16:creationId xmlns:a16="http://schemas.microsoft.com/office/drawing/2014/main" id="{E8904F74-22B6-0686-58E0-65F4A5F1DBD2}"/>
+              </a:ext>
+            </a:extLst>
+          </p:cNvPr>
+          <p:cNvSpPr/>
+          <p:nvPr/>
+        </p:nvSpPr>
+        <p:spPr>
+          <a:xfrm>
+            <a:off x="11368967" y="1202143"/>
+            <a:ext cx="620112" cy="462456"/>
+          </a:xfrm>
+          <a:prstGeom prst="rect">
+            <a:avLst/>
+          </a:prstGeom>
+        </p:spPr>
+        <p:style>
+          <a:lnRef idx="2">
+            <a:schemeClr val="accent1">
+              <a:shade val="50000"/>
+            </a:schemeClr>
+          </a:lnRef>
+          <a:fillRef idx="1">
+            <a:schemeClr val="accent1"/>
+          </a:fillRef>
+          <a:effectRef idx="0">
+            <a:schemeClr val="accent1"/>
+          </a:effectRef>
+          <a:fontRef idx="minor">
+            <a:schemeClr val="lt1"/>
+          </a:fontRef>
+        </p:style>
+        <p:txBody>
+          <a:bodyPr rtlCol="0" anchor="ctr"/>
+          <a:lstStyle/>
+          <a:p>
+            <a:pPr algn="ctr"/>
+            <a:r>
+              <a:rPr kumimoji="1" lang="en-US" altLang="ko-Kore-KR" sz="1600" dirty="0"/>
+              <a:t>Table</a:t>
+            </a:r>
+            <a:endParaRPr kumimoji="1" lang="ko-Kore-KR" altLang="en-US" sz="1600" dirty="0"/>
+          </a:p>
+        </p:txBody>
+      </p:sp>
+      <p:sp>
+        <p:nvSpPr>
+          <p:cNvPr id="22" name="직사각형 21">
+            <a:extLst>
+              <a:ext uri="{FF2B5EF4-FFF2-40B4-BE49-F238E27FC236}">
+                <a16:creationId xmlns:a16="http://schemas.microsoft.com/office/drawing/2014/main" id="{A13E00E1-ADEC-FE36-D5D9-9C1D79DE32E5}"/>
+              </a:ext>
+            </a:extLst>
+          </p:cNvPr>
+          <p:cNvSpPr/>
+          <p:nvPr/>
+        </p:nvSpPr>
+        <p:spPr>
+          <a:xfrm>
+            <a:off x="11368967" y="1836710"/>
+            <a:ext cx="620112" cy="462456"/>
+          </a:xfrm>
+          <a:prstGeom prst="rect">
+            <a:avLst/>
+          </a:prstGeom>
+        </p:spPr>
+        <p:style>
+          <a:lnRef idx="2">
+            <a:schemeClr val="accent1">
+              <a:shade val="50000"/>
+            </a:schemeClr>
+          </a:lnRef>
+          <a:fillRef idx="1">
+            <a:schemeClr val="accent1"/>
+          </a:fillRef>
+          <a:effectRef idx="0">
+            <a:schemeClr val="accent1"/>
+          </a:effectRef>
+          <a:fontRef idx="minor">
+            <a:schemeClr val="lt1"/>
+          </a:fontRef>
+        </p:style>
+        <p:txBody>
+          <a:bodyPr rtlCol="0" anchor="ctr"/>
+          <a:lstStyle/>
+          <a:p>
+            <a:pPr algn="ctr"/>
+            <a:r>
+              <a:rPr kumimoji="1" lang="en-US" altLang="ko-Kore-KR" sz="1600" dirty="0"/>
+              <a:t>Table</a:t>
+            </a:r>
+            <a:endParaRPr kumimoji="1" lang="ko-Kore-KR" altLang="en-US" sz="1600" dirty="0"/>
+          </a:p>
+        </p:txBody>
+      </p:sp>
+      <p:sp>
+        <p:nvSpPr>
+          <p:cNvPr id="23" name="직사각형 22">
+            <a:extLst>
+              <a:ext uri="{FF2B5EF4-FFF2-40B4-BE49-F238E27FC236}">
+                <a16:creationId xmlns:a16="http://schemas.microsoft.com/office/drawing/2014/main" id="{D8A14CCB-8F14-904A-CA9B-CF8977B47C22}"/>
+              </a:ext>
+            </a:extLst>
+          </p:cNvPr>
+          <p:cNvSpPr/>
+          <p:nvPr/>
+        </p:nvSpPr>
+        <p:spPr>
+          <a:xfrm>
+            <a:off x="11368967" y="2487028"/>
+            <a:ext cx="620112" cy="462456"/>
+          </a:xfrm>
+          <a:prstGeom prst="rect">
+            <a:avLst/>
+          </a:prstGeom>
+        </p:spPr>
+        <p:style>
+          <a:lnRef idx="2">
+            <a:schemeClr val="accent1">
+              <a:shade val="50000"/>
+            </a:schemeClr>
+          </a:lnRef>
+          <a:fillRef idx="1">
+            <a:schemeClr val="accent1"/>
+          </a:fillRef>
+          <a:effectRef idx="0">
+            <a:schemeClr val="accent1"/>
+          </a:effectRef>
+          <a:fontRef idx="minor">
+            <a:schemeClr val="lt1"/>
+          </a:fontRef>
+        </p:style>
+        <p:txBody>
+          <a:bodyPr rtlCol="0" anchor="ctr"/>
+          <a:lstStyle/>
+          <a:p>
+            <a:pPr algn="ctr"/>
+            <a:r>
+              <a:rPr kumimoji="1" lang="en-US" altLang="ko-Kore-KR" sz="1600" dirty="0"/>
+              <a:t>Table</a:t>
+            </a:r>
+            <a:endParaRPr kumimoji="1" lang="ko-Kore-KR" altLang="en-US" sz="1600" dirty="0"/>
+          </a:p>
+        </p:txBody>
+      </p:sp>
+      <p:sp>
+        <p:nvSpPr>
+          <p:cNvPr id="24" name="직사각형 23">
+            <a:extLst>
+              <a:ext uri="{FF2B5EF4-FFF2-40B4-BE49-F238E27FC236}">
+                <a16:creationId xmlns:a16="http://schemas.microsoft.com/office/drawing/2014/main" id="{50ADD0B5-FEDD-70A6-FE4E-187582D7B661}"/>
+              </a:ext>
+            </a:extLst>
+          </p:cNvPr>
+          <p:cNvSpPr/>
+          <p:nvPr/>
+        </p:nvSpPr>
+        <p:spPr>
+          <a:xfrm>
+            <a:off x="11368967" y="3154440"/>
+            <a:ext cx="620112" cy="462456"/>
+          </a:xfrm>
+          <a:prstGeom prst="rect">
+            <a:avLst/>
+          </a:prstGeom>
+        </p:spPr>
+        <p:style>
+          <a:lnRef idx="2">
+            <a:schemeClr val="accent1">
+              <a:shade val="50000"/>
+            </a:schemeClr>
+          </a:lnRef>
+          <a:fillRef idx="1">
+            <a:schemeClr val="accent1"/>
+          </a:fillRef>
+          <a:effectRef idx="0">
+            <a:schemeClr val="accent1"/>
+          </a:effectRef>
+          <a:fontRef idx="minor">
+            <a:schemeClr val="lt1"/>
+          </a:fontRef>
+        </p:style>
+        <p:txBody>
+          <a:bodyPr rtlCol="0" anchor="ctr"/>
+          <a:lstStyle/>
+          <a:p>
+            <a:pPr algn="ctr"/>
+            <a:r>
+              <a:rPr kumimoji="1" lang="en-US" altLang="ko-Kore-KR" sz="1600" dirty="0"/>
+              <a:t>Table</a:t>
+            </a:r>
+            <a:endParaRPr kumimoji="1" lang="ko-Kore-KR" altLang="en-US" sz="1600" dirty="0"/>
+          </a:p>
+        </p:txBody>
+      </p:sp>
+      <p:sp>
+        <p:nvSpPr>
+          <p:cNvPr id="25" name="타원 24">
+            <a:extLst>
+              <a:ext uri="{FF2B5EF4-FFF2-40B4-BE49-F238E27FC236}">
+                <a16:creationId xmlns:a16="http://schemas.microsoft.com/office/drawing/2014/main" id="{BE947BD8-C843-FB6F-66B3-C661E5638E20}"/>
+              </a:ext>
+            </a:extLst>
+          </p:cNvPr>
+          <p:cNvSpPr/>
+          <p:nvPr/>
+        </p:nvSpPr>
+        <p:spPr>
+          <a:xfrm>
+            <a:off x="9025757" y="2731429"/>
+            <a:ext cx="493980" cy="269328"/>
+          </a:xfrm>
+          <a:prstGeom prst="ellipse">
+            <a:avLst/>
+          </a:prstGeom>
+        </p:spPr>
+        <p:style>
+          <a:lnRef idx="3">
+            <a:schemeClr val="lt1"/>
+          </a:lnRef>
+          <a:fillRef idx="1">
+            <a:schemeClr val="accent5"/>
+          </a:fillRef>
+          <a:effectRef idx="1">
+            <a:schemeClr val="accent5"/>
+          </a:effectRef>
+          <a:fontRef idx="minor">
+            <a:schemeClr val="lt1"/>
+          </a:fontRef>
+        </p:style>
+        <p:txBody>
+          <a:bodyPr rtlCol="0" anchor="ctr"/>
+          <a:lstStyle/>
+          <a:p>
+            <a:pPr algn="ctr"/>
+            <a:r>
+              <a:rPr kumimoji="1" lang="en-US" altLang="ko-Kore-KR" sz="1100" dirty="0"/>
+              <a:t>C1</a:t>
+            </a:r>
+            <a:endParaRPr kumimoji="1" lang="ko-Kore-KR" altLang="en-US" sz="1100" dirty="0"/>
+          </a:p>
+        </p:txBody>
+      </p:sp>
+      <p:sp>
+        <p:nvSpPr>
+          <p:cNvPr id="29" name="타원 28">
+            <a:extLst>
+              <a:ext uri="{FF2B5EF4-FFF2-40B4-BE49-F238E27FC236}">
+                <a16:creationId xmlns:a16="http://schemas.microsoft.com/office/drawing/2014/main" id="{8A75A589-5C89-3E8B-9F29-7A1D34442E95}"/>
+              </a:ext>
+            </a:extLst>
+          </p:cNvPr>
+          <p:cNvSpPr/>
+          <p:nvPr/>
+        </p:nvSpPr>
+        <p:spPr>
+          <a:xfrm>
+            <a:off x="1497732" y="4197568"/>
+            <a:ext cx="609598" cy="609598"/>
+          </a:xfrm>
+          <a:prstGeom prst="ellipse">
+            <a:avLst/>
+          </a:prstGeom>
+        </p:spPr>
+        <p:style>
+          <a:lnRef idx="2">
+            <a:schemeClr val="accent1">
+              <a:shade val="50000"/>
+            </a:schemeClr>
+          </a:lnRef>
+          <a:fillRef idx="1">
+            <a:schemeClr val="accent1"/>
+          </a:fillRef>
+          <a:effectRef idx="0">
+            <a:schemeClr val="accent1"/>
+          </a:effectRef>
+          <a:fontRef idx="minor">
+            <a:schemeClr val="lt1"/>
+          </a:fontRef>
+        </p:style>
+        <p:txBody>
+          <a:bodyPr rtlCol="0" anchor="ctr"/>
+          <a:lstStyle/>
+          <a:p>
+            <a:pPr algn="ctr"/>
+            <a:r>
+              <a:rPr kumimoji="1" lang="en-US" altLang="ko-Kore-KR" sz="1600" dirty="0"/>
+              <a:t>C2</a:t>
+            </a:r>
+            <a:endParaRPr kumimoji="1" lang="ko-Kore-KR" altLang="en-US" sz="1600" dirty="0"/>
+          </a:p>
+        </p:txBody>
+      </p:sp>
+      <p:cxnSp>
+        <p:nvCxnSpPr>
+          <p:cNvPr id="31" name="직선 화살표 연결선 30">
+            <a:extLst>
+              <a:ext uri="{FF2B5EF4-FFF2-40B4-BE49-F238E27FC236}">
+                <a16:creationId xmlns:a16="http://schemas.microsoft.com/office/drawing/2014/main" id="{1B48B858-7401-EE28-4E50-F69B7BE0C473}"/>
+              </a:ext>
+            </a:extLst>
+          </p:cNvPr>
+          <p:cNvCxnSpPr>
+            <a:cxnSpLocks/>
+            <a:stCxn id="14" idx="6"/>
+            <a:endCxn id="33" idx="2"/>
+          </p:cNvCxnSpPr>
+          <p:nvPr/>
+        </p:nvCxnSpPr>
+        <p:spPr>
+          <a:xfrm>
+            <a:off x="2107330" y="1923392"/>
+            <a:ext cx="1447798" cy="0"/>
+          </a:xfrm>
+          <a:prstGeom prst="straightConnector1">
+            <a:avLst/>
+          </a:prstGeom>
+          <a:ln>
+            <a:tailEnd type="triangle"/>
+          </a:ln>
+        </p:spPr>
+        <p:style>
+          <a:lnRef idx="3">
+            <a:schemeClr val="accent1"/>
+          </a:lnRef>
+          <a:fillRef idx="0">
+            <a:schemeClr val="accent1"/>
+          </a:fillRef>
+          <a:effectRef idx="2">
+            <a:schemeClr val="accent1"/>
+          </a:effectRef>
+          <a:fontRef idx="minor">
+            <a:schemeClr val="tx1"/>
+          </a:fontRef>
+        </p:style>
+      </p:cxnSp>
+      <p:sp>
+        <p:nvSpPr>
+          <p:cNvPr id="33" name="타원 32">
+            <a:extLst>
+              <a:ext uri="{FF2B5EF4-FFF2-40B4-BE49-F238E27FC236}">
+                <a16:creationId xmlns:a16="http://schemas.microsoft.com/office/drawing/2014/main" id="{911B19E7-8407-EB39-26CA-78AF7B2B2F16}"/>
+              </a:ext>
+            </a:extLst>
+          </p:cNvPr>
+          <p:cNvSpPr/>
+          <p:nvPr/>
+        </p:nvSpPr>
+        <p:spPr>
+          <a:xfrm>
+            <a:off x="3555128" y="1618593"/>
+            <a:ext cx="609598" cy="609598"/>
+          </a:xfrm>
+          <a:prstGeom prst="ellipse">
+            <a:avLst/>
+          </a:prstGeom>
+        </p:spPr>
+        <p:style>
+          <a:lnRef idx="2">
+            <a:schemeClr val="accent1">
+              <a:shade val="50000"/>
+            </a:schemeClr>
+          </a:lnRef>
+          <a:fillRef idx="1">
+            <a:schemeClr val="accent1"/>
+          </a:fillRef>
+          <a:effectRef idx="0">
+            <a:schemeClr val="accent1"/>
+          </a:effectRef>
+          <a:fontRef idx="minor">
+            <a:schemeClr val="lt1"/>
+          </a:fontRef>
+        </p:style>
+        <p:txBody>
+          <a:bodyPr rtlCol="0" anchor="ctr"/>
+          <a:lstStyle/>
+          <a:p>
+            <a:pPr algn="ctr"/>
+            <a:r>
+              <a:rPr kumimoji="1" lang="en-US" altLang="ko-Kore-KR" sz="1600" dirty="0"/>
+              <a:t>T1</a:t>
+            </a:r>
+            <a:endParaRPr kumimoji="1" lang="ko-Kore-KR" altLang="en-US" sz="1600" dirty="0"/>
+          </a:p>
+        </p:txBody>
+      </p:sp>
+      <p:sp>
+        <p:nvSpPr>
+          <p:cNvPr id="34" name="직사각형 33">
+            <a:extLst>
+              <a:ext uri="{FF2B5EF4-FFF2-40B4-BE49-F238E27FC236}">
+                <a16:creationId xmlns:a16="http://schemas.microsoft.com/office/drawing/2014/main" id="{E9B32860-2EC7-F937-25FF-2EE5421765CD}"/>
+              </a:ext>
+            </a:extLst>
+          </p:cNvPr>
+          <p:cNvSpPr/>
+          <p:nvPr/>
+        </p:nvSpPr>
+        <p:spPr>
+          <a:xfrm>
+            <a:off x="4729655" y="4271139"/>
+            <a:ext cx="620113" cy="462456"/>
+          </a:xfrm>
+          <a:prstGeom prst="rect">
+            <a:avLst/>
+          </a:prstGeom>
+        </p:spPr>
+        <p:style>
+          <a:lnRef idx="2">
+            <a:schemeClr val="accent1">
+              <a:shade val="50000"/>
+            </a:schemeClr>
+          </a:lnRef>
+          <a:fillRef idx="1">
+            <a:schemeClr val="accent1"/>
+          </a:fillRef>
+          <a:effectRef idx="0">
+            <a:schemeClr val="accent1"/>
+          </a:effectRef>
+          <a:fontRef idx="minor">
+            <a:schemeClr val="lt1"/>
+          </a:fontRef>
+        </p:style>
+        <p:txBody>
+          <a:bodyPr rtlCol="0" anchor="ctr"/>
+          <a:lstStyle/>
+          <a:p>
+            <a:pPr algn="ctr"/>
+            <a:r>
+              <a:rPr kumimoji="1" lang="en-US" altLang="ko-Kore-KR" sz="1600" dirty="0"/>
+              <a:t>Ctrl</a:t>
+            </a:r>
+            <a:endParaRPr kumimoji="1" lang="ko-Kore-KR" altLang="en-US" sz="1600" dirty="0"/>
+          </a:p>
+        </p:txBody>
+      </p:sp>
+      <p:cxnSp>
+        <p:nvCxnSpPr>
+          <p:cNvPr id="35" name="직선 화살표 연결선 34">
+            <a:extLst>
+              <a:ext uri="{FF2B5EF4-FFF2-40B4-BE49-F238E27FC236}">
+                <a16:creationId xmlns:a16="http://schemas.microsoft.com/office/drawing/2014/main" id="{DE48D73C-D6B3-555A-69CF-166890B856FB}"/>
+              </a:ext>
+            </a:extLst>
+          </p:cNvPr>
+          <p:cNvCxnSpPr>
+            <a:cxnSpLocks/>
+            <a:stCxn id="29" idx="6"/>
+            <a:endCxn id="36" idx="2"/>
+          </p:cNvCxnSpPr>
+          <p:nvPr/>
+        </p:nvCxnSpPr>
+        <p:spPr>
+          <a:xfrm>
+            <a:off x="2107330" y="4502367"/>
+            <a:ext cx="1447798" cy="0"/>
+          </a:xfrm>
+          <a:prstGeom prst="straightConnector1">
+            <a:avLst/>
+          </a:prstGeom>
+          <a:ln>
+            <a:tailEnd type="triangle"/>
+          </a:ln>
+        </p:spPr>
+        <p:style>
+          <a:lnRef idx="3">
+            <a:schemeClr val="accent1"/>
+          </a:lnRef>
+          <a:fillRef idx="0">
+            <a:schemeClr val="accent1"/>
+          </a:fillRef>
+          <a:effectRef idx="2">
+            <a:schemeClr val="accent1"/>
+          </a:effectRef>
+          <a:fontRef idx="minor">
+            <a:schemeClr val="tx1"/>
+          </a:fontRef>
+        </p:style>
+      </p:cxnSp>
+      <p:sp>
+        <p:nvSpPr>
+          <p:cNvPr id="36" name="타원 35">
+            <a:extLst>
+              <a:ext uri="{FF2B5EF4-FFF2-40B4-BE49-F238E27FC236}">
+                <a16:creationId xmlns:a16="http://schemas.microsoft.com/office/drawing/2014/main" id="{5ABE2854-D863-C8C4-F355-6BE2DDAE696A}"/>
+              </a:ext>
+            </a:extLst>
+          </p:cNvPr>
+          <p:cNvSpPr/>
+          <p:nvPr/>
+        </p:nvSpPr>
+        <p:spPr>
+          <a:xfrm>
+            <a:off x="3555128" y="4197568"/>
+            <a:ext cx="609598" cy="609598"/>
+          </a:xfrm>
+          <a:prstGeom prst="ellipse">
+            <a:avLst/>
+          </a:prstGeom>
+        </p:spPr>
+        <p:style>
+          <a:lnRef idx="2">
+            <a:schemeClr val="accent1">
+              <a:shade val="50000"/>
+            </a:schemeClr>
+          </a:lnRef>
+          <a:fillRef idx="1">
+            <a:schemeClr val="accent1"/>
+          </a:fillRef>
+          <a:effectRef idx="0">
+            <a:schemeClr val="accent1"/>
+          </a:effectRef>
+          <a:fontRef idx="minor">
+            <a:schemeClr val="lt1"/>
+          </a:fontRef>
+        </p:style>
+        <p:txBody>
+          <a:bodyPr rtlCol="0" anchor="ctr"/>
+          <a:lstStyle/>
+          <a:p>
+            <a:pPr algn="ctr"/>
+            <a:r>
+              <a:rPr kumimoji="1" lang="en-US" altLang="ko-Kore-KR" sz="1600" dirty="0"/>
+              <a:t>T2</a:t>
+            </a:r>
+            <a:endParaRPr kumimoji="1" lang="ko-Kore-KR" altLang="en-US" sz="1600" dirty="0"/>
+          </a:p>
+        </p:txBody>
+      </p:sp>
+      <p:cxnSp>
+        <p:nvCxnSpPr>
+          <p:cNvPr id="38" name="직선 화살표 연결선 37">
+            <a:extLst>
+              <a:ext uri="{FF2B5EF4-FFF2-40B4-BE49-F238E27FC236}">
+                <a16:creationId xmlns:a16="http://schemas.microsoft.com/office/drawing/2014/main" id="{CC70DE9F-BF81-CD1C-5047-E9F4FED375F3}"/>
+              </a:ext>
+            </a:extLst>
+          </p:cNvPr>
+          <p:cNvCxnSpPr>
+            <a:cxnSpLocks/>
+            <a:stCxn id="15" idx="3"/>
+            <a:endCxn id="16" idx="1"/>
+          </p:cNvCxnSpPr>
+          <p:nvPr/>
+        </p:nvCxnSpPr>
+        <p:spPr>
+          <a:xfrm>
+            <a:off x="5349768" y="1923392"/>
+            <a:ext cx="365231" cy="0"/>
+          </a:xfrm>
+          <a:prstGeom prst="straightConnector1">
+            <a:avLst/>
+          </a:prstGeom>
+          <a:ln>
+            <a:tailEnd type="triangle"/>
+          </a:ln>
+        </p:spPr>
+        <p:style>
+          <a:lnRef idx="3">
+            <a:schemeClr val="accent1"/>
+          </a:lnRef>
+          <a:fillRef idx="0">
+            <a:schemeClr val="accent1"/>
+          </a:fillRef>
+          <a:effectRef idx="2">
+            <a:schemeClr val="accent1"/>
+          </a:effectRef>
+          <a:fontRef idx="minor">
+            <a:schemeClr val="tx1"/>
+          </a:fontRef>
+        </p:style>
+      </p:cxnSp>
+      <p:cxnSp>
+        <p:nvCxnSpPr>
+          <p:cNvPr id="41" name="직선 화살표 연결선 40">
+            <a:extLst>
+              <a:ext uri="{FF2B5EF4-FFF2-40B4-BE49-F238E27FC236}">
+                <a16:creationId xmlns:a16="http://schemas.microsoft.com/office/drawing/2014/main" id="{78A3AF1D-24D9-87DA-051E-9ADFEDB8D3A1}"/>
+              </a:ext>
+            </a:extLst>
+          </p:cNvPr>
+          <p:cNvCxnSpPr>
+            <a:cxnSpLocks/>
+            <a:stCxn id="16" idx="3"/>
+            <a:endCxn id="17" idx="1"/>
+          </p:cNvCxnSpPr>
+          <p:nvPr/>
+        </p:nvCxnSpPr>
+        <p:spPr>
+          <a:xfrm>
+            <a:off x="6335111" y="1923392"/>
+            <a:ext cx="312678" cy="0"/>
+          </a:xfrm>
+          <a:prstGeom prst="straightConnector1">
+            <a:avLst/>
+          </a:prstGeom>
+          <a:ln>
+            <a:tailEnd type="triangle"/>
+          </a:ln>
+        </p:spPr>
+        <p:style>
+          <a:lnRef idx="3">
+            <a:schemeClr val="accent1"/>
+          </a:lnRef>
+          <a:fillRef idx="0">
+            <a:schemeClr val="accent1"/>
+          </a:fillRef>
+          <a:effectRef idx="2">
+            <a:schemeClr val="accent1"/>
+          </a:effectRef>
+          <a:fontRef idx="minor">
+            <a:schemeClr val="tx1"/>
+          </a:fontRef>
+        </p:style>
+      </p:cxnSp>
+      <p:cxnSp>
+        <p:nvCxnSpPr>
+          <p:cNvPr id="44" name="직선 화살표 연결선 43">
+            <a:extLst>
+              <a:ext uri="{FF2B5EF4-FFF2-40B4-BE49-F238E27FC236}">
+                <a16:creationId xmlns:a16="http://schemas.microsoft.com/office/drawing/2014/main" id="{1A32CB96-0D97-13BF-D59E-9E963F4B0F9D}"/>
+              </a:ext>
+            </a:extLst>
+          </p:cNvPr>
+          <p:cNvCxnSpPr>
+            <a:cxnSpLocks/>
+            <a:stCxn id="17" idx="3"/>
+            <a:endCxn id="18" idx="1"/>
+          </p:cNvCxnSpPr>
+          <p:nvPr/>
+        </p:nvCxnSpPr>
+        <p:spPr>
+          <a:xfrm>
+            <a:off x="7267901" y="1923392"/>
+            <a:ext cx="232310" cy="0"/>
+          </a:xfrm>
+          <a:prstGeom prst="straightConnector1">
+            <a:avLst/>
+          </a:prstGeom>
+          <a:ln>
+            <a:tailEnd type="triangle"/>
+          </a:ln>
+        </p:spPr>
+        <p:style>
+          <a:lnRef idx="3">
+            <a:schemeClr val="accent1"/>
+          </a:lnRef>
+          <a:fillRef idx="0">
+            <a:schemeClr val="accent1"/>
+          </a:fillRef>
+          <a:effectRef idx="2">
+            <a:schemeClr val="accent1"/>
+          </a:effectRef>
+          <a:fontRef idx="minor">
+            <a:schemeClr val="tx1"/>
+          </a:fontRef>
+        </p:style>
+      </p:cxnSp>
+      <p:cxnSp>
+        <p:nvCxnSpPr>
+          <p:cNvPr id="47" name="직선 화살표 연결선 46">
+            <a:extLst>
+              <a:ext uri="{FF2B5EF4-FFF2-40B4-BE49-F238E27FC236}">
+                <a16:creationId xmlns:a16="http://schemas.microsoft.com/office/drawing/2014/main" id="{13483649-F6C2-CA85-F7F5-2E2C6298765E}"/>
+              </a:ext>
+            </a:extLst>
+          </p:cNvPr>
+          <p:cNvCxnSpPr>
+            <a:cxnSpLocks/>
+            <a:stCxn id="18" idx="3"/>
+            <a:endCxn id="19" idx="2"/>
+          </p:cNvCxnSpPr>
+          <p:nvPr/>
+        </p:nvCxnSpPr>
+        <p:spPr>
+          <a:xfrm>
+            <a:off x="8120323" y="1923392"/>
+            <a:ext cx="983671" cy="2043"/>
+          </a:xfrm>
+          <a:prstGeom prst="straightConnector1">
+            <a:avLst/>
+          </a:prstGeom>
+          <a:ln>
+            <a:tailEnd type="triangle"/>
+          </a:ln>
+        </p:spPr>
+        <p:style>
+          <a:lnRef idx="3">
+            <a:schemeClr val="accent1"/>
+          </a:lnRef>
+          <a:fillRef idx="0">
+            <a:schemeClr val="accent1"/>
+          </a:fillRef>
+          <a:effectRef idx="2">
+            <a:schemeClr val="accent1"/>
+          </a:effectRef>
+          <a:fontRef idx="minor">
+            <a:schemeClr val="tx1"/>
+          </a:fontRef>
+        </p:style>
+      </p:cxnSp>
+      <p:cxnSp>
+        <p:nvCxnSpPr>
+          <p:cNvPr id="52" name="구부러진 연결선[U] 51">
+            <a:extLst>
+              <a:ext uri="{FF2B5EF4-FFF2-40B4-BE49-F238E27FC236}">
+                <a16:creationId xmlns:a16="http://schemas.microsoft.com/office/drawing/2014/main" id="{37825380-F5B0-435A-3936-C43433B1839E}"/>
+              </a:ext>
+            </a:extLst>
+          </p:cNvPr>
+          <p:cNvCxnSpPr>
+            <a:cxnSpLocks/>
+            <a:stCxn id="19" idx="4"/>
+            <a:endCxn id="20" idx="0"/>
+          </p:cNvCxnSpPr>
+          <p:nvPr/>
+        </p:nvCxnSpPr>
+        <p:spPr>
+          <a:xfrm rot="16200000" flipH="1">
+            <a:off x="9549341" y="2089685"/>
+            <a:ext cx="142532" cy="423629"/>
+          </a:xfrm>
+          <a:prstGeom prst="curvedConnector3">
+            <a:avLst>
+              <a:gd name="adj1" fmla="val 50000"/>
+            </a:avLst>
+          </a:prstGeom>
+          <a:ln>
+            <a:tailEnd type="triangle"/>
+          </a:ln>
+        </p:spPr>
+        <p:style>
+          <a:lnRef idx="3">
+            <a:schemeClr val="accent1"/>
+          </a:lnRef>
+          <a:fillRef idx="0">
+            <a:schemeClr val="accent1"/>
+          </a:fillRef>
+          <a:effectRef idx="2">
+            <a:schemeClr val="accent1"/>
+          </a:effectRef>
+          <a:fontRef idx="minor">
+            <a:schemeClr val="tx1"/>
+          </a:fontRef>
+        </p:style>
+      </p:cxnSp>
+      <p:sp>
+        <p:nvSpPr>
+          <p:cNvPr id="56" name="직사각형 55">
+            <a:extLst>
+              <a:ext uri="{FF2B5EF4-FFF2-40B4-BE49-F238E27FC236}">
+                <a16:creationId xmlns:a16="http://schemas.microsoft.com/office/drawing/2014/main" id="{11F83737-A500-93F4-5AC7-0491417E59CD}"/>
+              </a:ext>
+            </a:extLst>
+          </p:cNvPr>
+          <p:cNvSpPr/>
+          <p:nvPr/>
+        </p:nvSpPr>
+        <p:spPr>
+          <a:xfrm>
+            <a:off x="5721568" y="4271139"/>
+            <a:ext cx="620112" cy="462456"/>
+          </a:xfrm>
+          <a:prstGeom prst="rect">
+            <a:avLst/>
+          </a:prstGeom>
+        </p:spPr>
+        <p:style>
+          <a:lnRef idx="2">
+            <a:schemeClr val="accent1">
+              <a:shade val="50000"/>
+            </a:schemeClr>
+          </a:lnRef>
+          <a:fillRef idx="1">
+            <a:schemeClr val="accent1"/>
+          </a:fillRef>
+          <a:effectRef idx="0">
+            <a:schemeClr val="accent1"/>
+          </a:effectRef>
+          <a:fontRef idx="minor">
+            <a:schemeClr val="lt1"/>
+          </a:fontRef>
+        </p:style>
+        <p:txBody>
+          <a:bodyPr rtlCol="0" anchor="ctr"/>
+          <a:lstStyle/>
+          <a:p>
+            <a:pPr algn="ctr"/>
+            <a:r>
+              <a:rPr kumimoji="1" lang="en-US" altLang="ko-Kore-KR" sz="1600" dirty="0"/>
+              <a:t>S</a:t>
+            </a:r>
+            <a:endParaRPr kumimoji="1" lang="ko-Kore-KR" altLang="en-US" sz="1600" dirty="0"/>
+          </a:p>
+        </p:txBody>
+      </p:sp>
+      <p:sp>
+        <p:nvSpPr>
+          <p:cNvPr id="57" name="직사각형 56">
+            <a:extLst>
+              <a:ext uri="{FF2B5EF4-FFF2-40B4-BE49-F238E27FC236}">
+                <a16:creationId xmlns:a16="http://schemas.microsoft.com/office/drawing/2014/main" id="{4D0BB935-D79A-C182-F32B-BC203B0AD4AF}"/>
+              </a:ext>
+            </a:extLst>
+          </p:cNvPr>
+          <p:cNvSpPr/>
+          <p:nvPr/>
+        </p:nvSpPr>
+        <p:spPr>
+          <a:xfrm>
+            <a:off x="6654358" y="4271139"/>
+            <a:ext cx="620112" cy="462456"/>
+          </a:xfrm>
+          <a:prstGeom prst="rect">
+            <a:avLst/>
+          </a:prstGeom>
+        </p:spPr>
+        <p:style>
+          <a:lnRef idx="2">
+            <a:schemeClr val="accent1">
+              <a:shade val="50000"/>
+            </a:schemeClr>
+          </a:lnRef>
+          <a:fillRef idx="1">
+            <a:schemeClr val="accent1"/>
+          </a:fillRef>
+          <a:effectRef idx="0">
+            <a:schemeClr val="accent1"/>
+          </a:effectRef>
+          <a:fontRef idx="minor">
+            <a:schemeClr val="lt1"/>
+          </a:fontRef>
+        </p:style>
+        <p:txBody>
+          <a:bodyPr rtlCol="0" anchor="ctr"/>
+          <a:lstStyle/>
+          <a:p>
+            <a:pPr algn="ctr"/>
+            <a:r>
+              <a:rPr kumimoji="1" lang="en-US" altLang="ko-Kore-KR" sz="1600" dirty="0"/>
+              <a:t>DAO</a:t>
+            </a:r>
+            <a:endParaRPr kumimoji="1" lang="ko-Kore-KR" altLang="en-US" sz="1600" dirty="0"/>
+          </a:p>
+        </p:txBody>
+      </p:sp>
+      <p:cxnSp>
+        <p:nvCxnSpPr>
+          <p:cNvPr id="58" name="직선 화살표 연결선 57">
+            <a:extLst>
+              <a:ext uri="{FF2B5EF4-FFF2-40B4-BE49-F238E27FC236}">
+                <a16:creationId xmlns:a16="http://schemas.microsoft.com/office/drawing/2014/main" id="{855FAA53-ADDC-1821-2260-C5A4B6CC7EDA}"/>
+              </a:ext>
+            </a:extLst>
+          </p:cNvPr>
+          <p:cNvCxnSpPr>
+            <a:cxnSpLocks/>
+            <a:stCxn id="34" idx="3"/>
+            <a:endCxn id="56" idx="1"/>
+          </p:cNvCxnSpPr>
+          <p:nvPr/>
+        </p:nvCxnSpPr>
+        <p:spPr>
+          <a:xfrm>
+            <a:off x="5349768" y="4502367"/>
+            <a:ext cx="371800" cy="0"/>
+          </a:xfrm>
+          <a:prstGeom prst="straightConnector1">
+            <a:avLst/>
+          </a:prstGeom>
+          <a:ln>
+            <a:tailEnd type="triangle"/>
+          </a:ln>
+        </p:spPr>
+        <p:style>
+          <a:lnRef idx="3">
+            <a:schemeClr val="accent1"/>
+          </a:lnRef>
+          <a:fillRef idx="0">
+            <a:schemeClr val="accent1"/>
+          </a:fillRef>
+          <a:effectRef idx="2">
+            <a:schemeClr val="accent1"/>
+          </a:effectRef>
+          <a:fontRef idx="minor">
+            <a:schemeClr val="tx1"/>
+          </a:fontRef>
+        </p:style>
+      </p:cxnSp>
+      <p:cxnSp>
+        <p:nvCxnSpPr>
+          <p:cNvPr id="59" name="직선 화살표 연결선 58">
+            <a:extLst>
+              <a:ext uri="{FF2B5EF4-FFF2-40B4-BE49-F238E27FC236}">
+                <a16:creationId xmlns:a16="http://schemas.microsoft.com/office/drawing/2014/main" id="{3C80ADC0-1C12-AB76-6375-BD00ED49BD37}"/>
+              </a:ext>
+            </a:extLst>
+          </p:cNvPr>
+          <p:cNvCxnSpPr>
+            <a:cxnSpLocks/>
+            <a:stCxn id="56" idx="3"/>
+            <a:endCxn id="57" idx="1"/>
+          </p:cNvCxnSpPr>
+          <p:nvPr/>
+        </p:nvCxnSpPr>
+        <p:spPr>
+          <a:xfrm>
+            <a:off x="6341680" y="4502367"/>
+            <a:ext cx="312678" cy="0"/>
+          </a:xfrm>
+          <a:prstGeom prst="straightConnector1">
+            <a:avLst/>
+          </a:prstGeom>
+          <a:ln>
+            <a:tailEnd type="triangle"/>
+          </a:ln>
+        </p:spPr>
+        <p:style>
+          <a:lnRef idx="3">
+            <a:schemeClr val="accent1"/>
+          </a:lnRef>
+          <a:fillRef idx="0">
+            <a:schemeClr val="accent1"/>
+          </a:fillRef>
+          <a:effectRef idx="2">
+            <a:schemeClr val="accent1"/>
+          </a:effectRef>
+          <a:fontRef idx="minor">
+            <a:schemeClr val="tx1"/>
+          </a:fontRef>
+        </p:style>
+      </p:cxnSp>
+      <p:cxnSp>
+        <p:nvCxnSpPr>
+          <p:cNvPr id="61" name="직선 화살표 연결선 60">
+            <a:extLst>
+              <a:ext uri="{FF2B5EF4-FFF2-40B4-BE49-F238E27FC236}">
+                <a16:creationId xmlns:a16="http://schemas.microsoft.com/office/drawing/2014/main" id="{A4347DB1-B859-A692-19E0-ECD3AF50EBCF}"/>
+              </a:ext>
+            </a:extLst>
+          </p:cNvPr>
+          <p:cNvCxnSpPr>
+            <a:cxnSpLocks/>
+            <a:stCxn id="57" idx="3"/>
+            <a:endCxn id="3" idx="1"/>
+          </p:cNvCxnSpPr>
+          <p:nvPr/>
+        </p:nvCxnSpPr>
+        <p:spPr>
+          <a:xfrm flipV="1">
+            <a:off x="7274470" y="4496457"/>
+            <a:ext cx="235172" cy="5910"/>
+          </a:xfrm>
+          <a:prstGeom prst="straightConnector1">
+            <a:avLst/>
+          </a:prstGeom>
+          <a:ln>
+            <a:tailEnd type="triangle"/>
+          </a:ln>
+        </p:spPr>
+        <p:style>
+          <a:lnRef idx="3">
+            <a:schemeClr val="accent1"/>
+          </a:lnRef>
+          <a:fillRef idx="0">
+            <a:schemeClr val="accent1"/>
+          </a:fillRef>
+          <a:effectRef idx="2">
+            <a:schemeClr val="accent1"/>
+          </a:effectRef>
+          <a:fontRef idx="minor">
+            <a:schemeClr val="tx1"/>
+          </a:fontRef>
+        </p:style>
+      </p:cxnSp>
+      <p:sp>
+        <p:nvSpPr>
+          <p:cNvPr id="73" name="직사각형 72">
+            <a:extLst>
+              <a:ext uri="{FF2B5EF4-FFF2-40B4-BE49-F238E27FC236}">
+                <a16:creationId xmlns:a16="http://schemas.microsoft.com/office/drawing/2014/main" id="{F1F72588-AD3F-C002-717F-EB23D58238BC}"/>
+              </a:ext>
+            </a:extLst>
+          </p:cNvPr>
+          <p:cNvSpPr/>
+          <p:nvPr/>
+        </p:nvSpPr>
+        <p:spPr>
+          <a:xfrm>
+            <a:off x="5208895" y="1324297"/>
+            <a:ext cx="565517" cy="310057"/>
+          </a:xfrm>
+          <a:prstGeom prst="rect">
+            <a:avLst/>
+          </a:prstGeom>
+        </p:spPr>
+        <p:style>
+          <a:lnRef idx="2">
+            <a:schemeClr val="accent1"/>
+          </a:lnRef>
+          <a:fillRef idx="1">
+            <a:schemeClr val="lt1"/>
+          </a:fillRef>
+          <a:effectRef idx="0">
+            <a:schemeClr val="accent1"/>
+          </a:effectRef>
+          <a:fontRef idx="minor">
+            <a:schemeClr val="dk1"/>
+          </a:fontRef>
+        </p:style>
+        <p:txBody>
+          <a:bodyPr rtlCol="0" anchor="ctr"/>
+          <a:lstStyle/>
+          <a:p>
+            <a:pPr algn="ctr"/>
+            <a:r>
+              <a:rPr kumimoji="1" lang="en-US" altLang="ko-KR" sz="1000" dirty="0"/>
+              <a:t>insert()</a:t>
+            </a:r>
+          </a:p>
+        </p:txBody>
+      </p:sp>
+      <p:sp>
+        <p:nvSpPr>
+          <p:cNvPr id="74" name="직사각형 73">
+            <a:extLst>
+              <a:ext uri="{FF2B5EF4-FFF2-40B4-BE49-F238E27FC236}">
+                <a16:creationId xmlns:a16="http://schemas.microsoft.com/office/drawing/2014/main" id="{59C32FD3-889F-58DB-2F26-088524A00CC4}"/>
+              </a:ext>
+            </a:extLst>
+          </p:cNvPr>
+          <p:cNvSpPr/>
+          <p:nvPr/>
+        </p:nvSpPr>
+        <p:spPr>
+          <a:xfrm>
+            <a:off x="6200519" y="1305908"/>
+            <a:ext cx="862434" cy="310057"/>
+          </a:xfrm>
+          <a:prstGeom prst="rect">
+            <a:avLst/>
+          </a:prstGeom>
+        </p:spPr>
+        <p:style>
+          <a:lnRef idx="2">
+            <a:schemeClr val="accent1"/>
+          </a:lnRef>
+          <a:fillRef idx="1">
+            <a:schemeClr val="lt1"/>
+          </a:fillRef>
+          <a:effectRef idx="0">
+            <a:schemeClr val="accent1"/>
+          </a:effectRef>
+          <a:fontRef idx="minor">
+            <a:schemeClr val="dk1"/>
+          </a:fontRef>
+        </p:style>
+        <p:txBody>
+          <a:bodyPr rtlCol="0" anchor="ctr"/>
+          <a:lstStyle/>
+          <a:p>
+            <a:pPr algn="ctr"/>
+            <a:r>
+              <a:rPr kumimoji="1" lang="en-US" altLang="ko-KR" sz="1000" dirty="0"/>
+              <a:t>insert()</a:t>
+            </a:r>
+          </a:p>
+          <a:p>
+            <a:pPr algn="ctr"/>
+            <a:r>
+              <a:rPr kumimoji="1" lang="en-US" altLang="ko-KR" sz="1000" dirty="0" err="1"/>
+              <a:t>insertFiles</a:t>
+            </a:r>
+            <a:r>
+              <a:rPr kumimoji="1" lang="en-US" altLang="ko-KR" sz="1000" dirty="0"/>
+              <a:t>()</a:t>
+            </a:r>
+          </a:p>
+        </p:txBody>
+      </p:sp>
+      <p:sp>
+        <p:nvSpPr>
+          <p:cNvPr id="75" name="직사각형 74">
+            <a:extLst>
+              <a:ext uri="{FF2B5EF4-FFF2-40B4-BE49-F238E27FC236}">
+                <a16:creationId xmlns:a16="http://schemas.microsoft.com/office/drawing/2014/main" id="{1D04B845-DD9E-77C1-6970-A157F90F1D64}"/>
+              </a:ext>
+            </a:extLst>
+          </p:cNvPr>
+          <p:cNvSpPr/>
+          <p:nvPr/>
+        </p:nvSpPr>
+        <p:spPr>
+          <a:xfrm>
+            <a:off x="9597978" y="2711064"/>
+            <a:ext cx="962294" cy="310057"/>
+          </a:xfrm>
+          <a:prstGeom prst="rect">
+            <a:avLst/>
+          </a:prstGeom>
+        </p:spPr>
+        <p:style>
+          <a:lnRef idx="2">
+            <a:schemeClr val="accent5"/>
+          </a:lnRef>
+          <a:fillRef idx="1">
+            <a:schemeClr val="lt1"/>
+          </a:fillRef>
+          <a:effectRef idx="0">
+            <a:schemeClr val="accent5"/>
+          </a:effectRef>
+          <a:fontRef idx="minor">
+            <a:schemeClr val="dk1"/>
+          </a:fontRef>
+        </p:style>
+        <p:txBody>
+          <a:bodyPr rtlCol="0" anchor="ctr"/>
+          <a:lstStyle/>
+          <a:p>
+            <a:pPr algn="ctr"/>
+            <a:r>
+              <a:rPr kumimoji="1" lang="ko-KR" altLang="en-US" sz="1000" dirty="0"/>
+              <a:t>게시글 입력</a:t>
+            </a:r>
+            <a:endParaRPr kumimoji="1" lang="en-US" altLang="ko-KR" sz="1000" dirty="0"/>
+          </a:p>
+        </p:txBody>
+      </p:sp>
+      <p:sp>
+        <p:nvSpPr>
+          <p:cNvPr id="76" name="직사각형 75">
+            <a:extLst>
+              <a:ext uri="{FF2B5EF4-FFF2-40B4-BE49-F238E27FC236}">
+                <a16:creationId xmlns:a16="http://schemas.microsoft.com/office/drawing/2014/main" id="{CBB84316-48B1-09AA-742A-2435FC34DB01}"/>
+              </a:ext>
+            </a:extLst>
+          </p:cNvPr>
+          <p:cNvSpPr/>
+          <p:nvPr/>
+        </p:nvSpPr>
+        <p:spPr>
+          <a:xfrm>
+            <a:off x="5208895" y="3866482"/>
+            <a:ext cx="565517" cy="310057"/>
+          </a:xfrm>
+          <a:prstGeom prst="rect">
+            <a:avLst/>
+          </a:prstGeom>
+        </p:spPr>
+        <p:style>
+          <a:lnRef idx="2">
+            <a:schemeClr val="accent1"/>
+          </a:lnRef>
+          <a:fillRef idx="1">
+            <a:schemeClr val="lt1"/>
+          </a:fillRef>
+          <a:effectRef idx="0">
+            <a:schemeClr val="accent1"/>
+          </a:effectRef>
+          <a:fontRef idx="minor">
+            <a:schemeClr val="dk1"/>
+          </a:fontRef>
+        </p:style>
+        <p:txBody>
+          <a:bodyPr rtlCol="0" anchor="ctr"/>
+          <a:lstStyle/>
+          <a:p>
+            <a:pPr algn="ctr"/>
+            <a:r>
+              <a:rPr kumimoji="1" lang="en-US" altLang="ko-KR" sz="1000" dirty="0"/>
+              <a:t>insert()</a:t>
+            </a:r>
+          </a:p>
+        </p:txBody>
+      </p:sp>
+      <p:sp>
+        <p:nvSpPr>
+          <p:cNvPr id="77" name="직사각형 76">
+            <a:extLst>
+              <a:ext uri="{FF2B5EF4-FFF2-40B4-BE49-F238E27FC236}">
+                <a16:creationId xmlns:a16="http://schemas.microsoft.com/office/drawing/2014/main" id="{70868609-E12F-6C33-11A4-271398ED310A}"/>
+              </a:ext>
+            </a:extLst>
+          </p:cNvPr>
+          <p:cNvSpPr/>
+          <p:nvPr/>
+        </p:nvSpPr>
+        <p:spPr>
+          <a:xfrm>
+            <a:off x="6194246" y="3866481"/>
+            <a:ext cx="862434" cy="310057"/>
+          </a:xfrm>
+          <a:prstGeom prst="rect">
+            <a:avLst/>
+          </a:prstGeom>
+        </p:spPr>
+        <p:style>
+          <a:lnRef idx="2">
+            <a:schemeClr val="accent1"/>
+          </a:lnRef>
+          <a:fillRef idx="1">
+            <a:schemeClr val="lt1"/>
+          </a:fillRef>
+          <a:effectRef idx="0">
+            <a:schemeClr val="accent1"/>
+          </a:effectRef>
+          <a:fontRef idx="minor">
+            <a:schemeClr val="dk1"/>
+          </a:fontRef>
+        </p:style>
+        <p:txBody>
+          <a:bodyPr rtlCol="0" anchor="ctr"/>
+          <a:lstStyle/>
+          <a:p>
+            <a:pPr algn="ctr"/>
+            <a:r>
+              <a:rPr kumimoji="1" lang="en-US" altLang="ko-KR" sz="1000" dirty="0"/>
+              <a:t>insert()</a:t>
+            </a:r>
+          </a:p>
+          <a:p>
+            <a:pPr algn="ctr"/>
+            <a:r>
+              <a:rPr kumimoji="1" lang="en-US" altLang="ko-KR" sz="1000" dirty="0" err="1"/>
+              <a:t>insertFiles</a:t>
+            </a:r>
+            <a:r>
+              <a:rPr kumimoji="1" lang="en-US" altLang="ko-KR" sz="1000" dirty="0"/>
+              <a:t>()</a:t>
+            </a:r>
+          </a:p>
+        </p:txBody>
+      </p:sp>
+      <p:cxnSp>
+        <p:nvCxnSpPr>
+          <p:cNvPr id="82" name="직선 화살표 연결선 81">
+            <a:extLst>
+              <a:ext uri="{FF2B5EF4-FFF2-40B4-BE49-F238E27FC236}">
+                <a16:creationId xmlns:a16="http://schemas.microsoft.com/office/drawing/2014/main" id="{C8FE0C74-148F-9CF9-066A-5996294B2FED}"/>
+              </a:ext>
+            </a:extLst>
+          </p:cNvPr>
+          <p:cNvCxnSpPr>
+            <a:cxnSpLocks/>
+            <a:stCxn id="33" idx="6"/>
+            <a:endCxn id="15" idx="1"/>
+          </p:cNvCxnSpPr>
+          <p:nvPr/>
+        </p:nvCxnSpPr>
+        <p:spPr>
+          <a:xfrm>
+            <a:off x="4164726" y="1923392"/>
+            <a:ext cx="564929" cy="0"/>
+          </a:xfrm>
+          <a:prstGeom prst="straightConnector1">
+            <a:avLst/>
+          </a:prstGeom>
+          <a:ln>
+            <a:tailEnd type="triangle"/>
+          </a:ln>
+        </p:spPr>
+        <p:style>
+          <a:lnRef idx="3">
+            <a:schemeClr val="accent1"/>
+          </a:lnRef>
+          <a:fillRef idx="0">
+            <a:schemeClr val="accent1"/>
+          </a:fillRef>
+          <a:effectRef idx="2">
+            <a:schemeClr val="accent1"/>
+          </a:effectRef>
+          <a:fontRef idx="minor">
+            <a:schemeClr val="tx1"/>
+          </a:fontRef>
+        </p:style>
+      </p:cxnSp>
+      <p:cxnSp>
+        <p:nvCxnSpPr>
+          <p:cNvPr id="87" name="직선 화살표 연결선 86">
+            <a:extLst>
+              <a:ext uri="{FF2B5EF4-FFF2-40B4-BE49-F238E27FC236}">
+                <a16:creationId xmlns:a16="http://schemas.microsoft.com/office/drawing/2014/main" id="{DABB4DD6-CE87-D3CD-5AD1-5F5816491E63}"/>
+              </a:ext>
+            </a:extLst>
+          </p:cNvPr>
+          <p:cNvCxnSpPr>
+            <a:cxnSpLocks/>
+            <a:stCxn id="36" idx="6"/>
+            <a:endCxn id="34" idx="1"/>
+          </p:cNvCxnSpPr>
+          <p:nvPr/>
+        </p:nvCxnSpPr>
+        <p:spPr>
+          <a:xfrm>
+            <a:off x="4164726" y="4502367"/>
+            <a:ext cx="564929" cy="0"/>
+          </a:xfrm>
+          <a:prstGeom prst="straightConnector1">
+            <a:avLst/>
+          </a:prstGeom>
+          <a:ln>
+            <a:tailEnd type="triangle"/>
+          </a:ln>
+        </p:spPr>
+        <p:style>
+          <a:lnRef idx="3">
+            <a:schemeClr val="accent1"/>
+          </a:lnRef>
+          <a:fillRef idx="0">
+            <a:schemeClr val="accent1"/>
+          </a:fillRef>
+          <a:effectRef idx="2">
+            <a:schemeClr val="accent1"/>
+          </a:effectRef>
+          <a:fontRef idx="minor">
+            <a:schemeClr val="tx1"/>
+          </a:fontRef>
+        </p:style>
+      </p:cxnSp>
+      <p:sp>
+        <p:nvSpPr>
+          <p:cNvPr id="3" name="직사각형 2">
+            <a:extLst>
+              <a:ext uri="{FF2B5EF4-FFF2-40B4-BE49-F238E27FC236}">
+                <a16:creationId xmlns:a16="http://schemas.microsoft.com/office/drawing/2014/main" id="{C2D72B57-91C1-F264-5D97-A11488734FF6}"/>
+              </a:ext>
+            </a:extLst>
+          </p:cNvPr>
+          <p:cNvSpPr/>
+          <p:nvPr/>
+        </p:nvSpPr>
+        <p:spPr>
+          <a:xfrm>
+            <a:off x="7509642" y="4265229"/>
+            <a:ext cx="620112" cy="462456"/>
+          </a:xfrm>
+          <a:prstGeom prst="rect">
+            <a:avLst/>
+          </a:prstGeom>
+        </p:spPr>
+        <p:style>
+          <a:lnRef idx="2">
+            <a:schemeClr val="accent1">
+              <a:shade val="50000"/>
+            </a:schemeClr>
+          </a:lnRef>
+          <a:fillRef idx="1">
+            <a:schemeClr val="accent1"/>
+          </a:fillRef>
+          <a:effectRef idx="0">
+            <a:schemeClr val="accent1"/>
+          </a:effectRef>
+          <a:fontRef idx="minor">
+            <a:schemeClr val="lt1"/>
+          </a:fontRef>
+        </p:style>
+        <p:txBody>
+          <a:bodyPr rtlCol="0" anchor="ctr"/>
+          <a:lstStyle/>
+          <a:p>
+            <a:pPr algn="ctr"/>
+            <a:r>
+              <a:rPr kumimoji="1" lang="en-US" altLang="ko-Kore-KR" sz="1600" dirty="0"/>
+              <a:t>Con</a:t>
+            </a:r>
+            <a:endParaRPr kumimoji="1" lang="ko-Kore-KR" altLang="en-US" sz="1600" dirty="0"/>
+          </a:p>
+        </p:txBody>
+      </p:sp>
+      <p:sp>
+        <p:nvSpPr>
+          <p:cNvPr id="45" name="타원 44">
+            <a:extLst>
+              <a:ext uri="{FF2B5EF4-FFF2-40B4-BE49-F238E27FC236}">
+                <a16:creationId xmlns:a16="http://schemas.microsoft.com/office/drawing/2014/main" id="{9A874096-7D5A-C4E8-F773-4B1BE22525AE}"/>
+              </a:ext>
+            </a:extLst>
+          </p:cNvPr>
+          <p:cNvSpPr/>
+          <p:nvPr/>
+        </p:nvSpPr>
+        <p:spPr>
+          <a:xfrm>
+            <a:off x="9207795" y="4197568"/>
+            <a:ext cx="609598" cy="609598"/>
+          </a:xfrm>
+          <a:prstGeom prst="ellipse">
+            <a:avLst/>
+          </a:prstGeom>
+        </p:spPr>
+        <p:style>
+          <a:lnRef idx="2">
+            <a:schemeClr val="accent1">
+              <a:shade val="50000"/>
+            </a:schemeClr>
+          </a:lnRef>
+          <a:fillRef idx="1">
+            <a:schemeClr val="accent1"/>
+          </a:fillRef>
+          <a:effectRef idx="0">
+            <a:schemeClr val="accent1"/>
+          </a:effectRef>
+          <a:fontRef idx="minor">
+            <a:schemeClr val="lt1"/>
+          </a:fontRef>
+        </p:style>
+        <p:txBody>
+          <a:bodyPr rtlCol="0" anchor="ctr"/>
+          <a:lstStyle/>
+          <a:p>
+            <a:pPr algn="ctr"/>
+            <a:r>
+              <a:rPr kumimoji="1" lang="en-US" altLang="ko-Kore-KR" sz="1600" dirty="0"/>
+              <a:t>T</a:t>
+            </a:r>
+            <a:r>
+              <a:rPr kumimoji="1" lang="en-US" altLang="ko-KR" sz="1600" dirty="0"/>
+              <a:t>2</a:t>
+            </a:r>
+            <a:endParaRPr kumimoji="1" lang="ko-Kore-KR" altLang="en-US" sz="1600" dirty="0"/>
+          </a:p>
+        </p:txBody>
+      </p:sp>
+      <p:sp>
+        <p:nvSpPr>
+          <p:cNvPr id="46" name="직사각형 45">
+            <a:extLst>
+              <a:ext uri="{FF2B5EF4-FFF2-40B4-BE49-F238E27FC236}">
+                <a16:creationId xmlns:a16="http://schemas.microsoft.com/office/drawing/2014/main" id="{D1EBD5E6-1097-B980-F476-66AA94A3DD71}"/>
+              </a:ext>
+            </a:extLst>
+          </p:cNvPr>
+          <p:cNvSpPr/>
+          <p:nvPr/>
+        </p:nvSpPr>
+        <p:spPr>
+          <a:xfrm>
+            <a:off x="9074376" y="4949698"/>
+            <a:ext cx="1723693" cy="1244130"/>
+          </a:xfrm>
+          <a:prstGeom prst="rect">
+            <a:avLst/>
+          </a:prstGeom>
+        </p:spPr>
+        <p:style>
+          <a:lnRef idx="2">
+            <a:schemeClr val="accent1">
+              <a:shade val="50000"/>
+            </a:schemeClr>
+          </a:lnRef>
+          <a:fillRef idx="1">
+            <a:schemeClr val="accent1"/>
+          </a:fillRef>
+          <a:effectRef idx="0">
+            <a:schemeClr val="accent1"/>
+          </a:effectRef>
+          <a:fontRef idx="minor">
+            <a:schemeClr val="lt1"/>
+          </a:fontRef>
+        </p:style>
+        <p:txBody>
+          <a:bodyPr rtlCol="0" anchor="t"/>
+          <a:lstStyle/>
+          <a:p>
+            <a:pPr algn="ctr"/>
+            <a:r>
+              <a:rPr kumimoji="1" lang="ko-KR" altLang="en-US" sz="1400" dirty="0"/>
+              <a:t>임시데이터베이스</a:t>
+            </a:r>
+            <a:endParaRPr kumimoji="1" lang="ko-Kore-KR" altLang="en-US" sz="1400" dirty="0"/>
+          </a:p>
+        </p:txBody>
+      </p:sp>
+      <p:sp>
+        <p:nvSpPr>
+          <p:cNvPr id="49" name="타원 48">
+            <a:extLst>
+              <a:ext uri="{FF2B5EF4-FFF2-40B4-BE49-F238E27FC236}">
+                <a16:creationId xmlns:a16="http://schemas.microsoft.com/office/drawing/2014/main" id="{E0A1B503-CC81-5C7C-EF60-7EDB43ED98B8}"/>
+              </a:ext>
+            </a:extLst>
+          </p:cNvPr>
+          <p:cNvSpPr/>
+          <p:nvPr/>
+        </p:nvSpPr>
+        <p:spPr>
+          <a:xfrm>
+            <a:off x="9129558" y="5290633"/>
+            <a:ext cx="493980" cy="269328"/>
+          </a:xfrm>
+          <a:prstGeom prst="ellipse">
+            <a:avLst/>
+          </a:prstGeom>
+        </p:spPr>
+        <p:style>
+          <a:lnRef idx="3">
+            <a:schemeClr val="lt1"/>
+          </a:lnRef>
+          <a:fillRef idx="1">
+            <a:schemeClr val="accent5"/>
+          </a:fillRef>
+          <a:effectRef idx="1">
+            <a:schemeClr val="accent5"/>
+          </a:effectRef>
+          <a:fontRef idx="minor">
+            <a:schemeClr val="lt1"/>
+          </a:fontRef>
+        </p:style>
+        <p:txBody>
+          <a:bodyPr rtlCol="0" anchor="ctr"/>
+          <a:lstStyle/>
+          <a:p>
+            <a:pPr algn="ctr"/>
+            <a:r>
+              <a:rPr kumimoji="1" lang="en-US" altLang="ko-Kore-KR" sz="1100" dirty="0"/>
+              <a:t>C</a:t>
+            </a:r>
+            <a:r>
+              <a:rPr kumimoji="1" lang="en-US" altLang="ko-KR" sz="1100" dirty="0"/>
+              <a:t>2</a:t>
+            </a:r>
+            <a:endParaRPr kumimoji="1" lang="ko-Kore-KR" altLang="en-US" sz="1100" dirty="0"/>
+          </a:p>
+        </p:txBody>
+      </p:sp>
+      <p:cxnSp>
+        <p:nvCxnSpPr>
+          <p:cNvPr id="50" name="직선 화살표 연결선 49">
+            <a:extLst>
+              <a:ext uri="{FF2B5EF4-FFF2-40B4-BE49-F238E27FC236}">
+                <a16:creationId xmlns:a16="http://schemas.microsoft.com/office/drawing/2014/main" id="{0D7184F9-D939-5881-E999-3148DBAEA08D}"/>
+              </a:ext>
+            </a:extLst>
+          </p:cNvPr>
+          <p:cNvCxnSpPr>
+            <a:cxnSpLocks/>
+            <a:stCxn id="3" idx="3"/>
+            <a:endCxn id="45" idx="2"/>
+          </p:cNvCxnSpPr>
+          <p:nvPr/>
+        </p:nvCxnSpPr>
+        <p:spPr>
+          <a:xfrm>
+            <a:off x="8129754" y="4496457"/>
+            <a:ext cx="1078041" cy="5910"/>
+          </a:xfrm>
+          <a:prstGeom prst="straightConnector1">
+            <a:avLst/>
+          </a:prstGeom>
+          <a:ln>
+            <a:tailEnd type="triangle"/>
+          </a:ln>
+        </p:spPr>
+        <p:style>
+          <a:lnRef idx="3">
+            <a:schemeClr val="accent1"/>
+          </a:lnRef>
+          <a:fillRef idx="0">
+            <a:schemeClr val="accent1"/>
+          </a:fillRef>
+          <a:effectRef idx="2">
+            <a:schemeClr val="accent1"/>
+          </a:effectRef>
+          <a:fontRef idx="minor">
+            <a:schemeClr val="tx1"/>
+          </a:fontRef>
+        </p:style>
+      </p:cxnSp>
+      <p:cxnSp>
+        <p:nvCxnSpPr>
+          <p:cNvPr id="51" name="구부러진 연결선[U] 50">
+            <a:extLst>
+              <a:ext uri="{FF2B5EF4-FFF2-40B4-BE49-F238E27FC236}">
+                <a16:creationId xmlns:a16="http://schemas.microsoft.com/office/drawing/2014/main" id="{0695EFF0-3354-A97D-0D79-96358556DB1C}"/>
+              </a:ext>
+            </a:extLst>
+          </p:cNvPr>
+          <p:cNvCxnSpPr>
+            <a:cxnSpLocks/>
+            <a:stCxn id="45" idx="4"/>
+            <a:endCxn id="46" idx="0"/>
+          </p:cNvCxnSpPr>
+          <p:nvPr/>
+        </p:nvCxnSpPr>
+        <p:spPr>
+          <a:xfrm rot="16200000" flipH="1">
+            <a:off x="9653142" y="4666617"/>
+            <a:ext cx="142532" cy="423629"/>
+          </a:xfrm>
+          <a:prstGeom prst="curvedConnector3">
+            <a:avLst>
+              <a:gd name="adj1" fmla="val 50000"/>
+            </a:avLst>
+          </a:prstGeom>
+          <a:ln>
+            <a:tailEnd type="triangle"/>
+          </a:ln>
+        </p:spPr>
+        <p:style>
+          <a:lnRef idx="3">
+            <a:schemeClr val="accent1"/>
+          </a:lnRef>
+          <a:fillRef idx="0">
+            <a:schemeClr val="accent1"/>
+          </a:fillRef>
+          <a:effectRef idx="2">
+            <a:schemeClr val="accent1"/>
+          </a:effectRef>
+          <a:fontRef idx="minor">
+            <a:schemeClr val="tx1"/>
+          </a:fontRef>
+        </p:style>
+      </p:cxnSp>
+      <p:sp>
+        <p:nvSpPr>
+          <p:cNvPr id="54" name="직사각형 53">
+            <a:extLst>
+              <a:ext uri="{FF2B5EF4-FFF2-40B4-BE49-F238E27FC236}">
+                <a16:creationId xmlns:a16="http://schemas.microsoft.com/office/drawing/2014/main" id="{50FD4FED-F201-DBA2-D12B-D54CE82E57CB}"/>
+              </a:ext>
+            </a:extLst>
+          </p:cNvPr>
+          <p:cNvSpPr/>
+          <p:nvPr/>
+        </p:nvSpPr>
+        <p:spPr>
+          <a:xfrm>
+            <a:off x="9701779" y="5274202"/>
+            <a:ext cx="962294" cy="310057"/>
+          </a:xfrm>
+          <a:prstGeom prst="rect">
+            <a:avLst/>
+          </a:prstGeom>
+        </p:spPr>
+        <p:style>
+          <a:lnRef idx="2">
+            <a:schemeClr val="accent5"/>
+          </a:lnRef>
+          <a:fillRef idx="1">
+            <a:schemeClr val="lt1"/>
+          </a:fillRef>
+          <a:effectRef idx="0">
+            <a:schemeClr val="accent5"/>
+          </a:effectRef>
+          <a:fontRef idx="minor">
+            <a:schemeClr val="dk1"/>
+          </a:fontRef>
+        </p:style>
+        <p:txBody>
+          <a:bodyPr rtlCol="0" anchor="ctr"/>
+          <a:lstStyle/>
+          <a:p>
+            <a:pPr algn="ctr"/>
+            <a:r>
+              <a:rPr kumimoji="1" lang="ko-KR" altLang="en-US" sz="1000" dirty="0"/>
+              <a:t>게시글 입력</a:t>
+            </a:r>
+            <a:endParaRPr kumimoji="1" lang="en-US" altLang="ko-KR" sz="1000" dirty="0"/>
+          </a:p>
+        </p:txBody>
+      </p:sp>
+      <p:sp>
+        <p:nvSpPr>
+          <p:cNvPr id="70" name="타원 69">
+            <a:extLst>
+              <a:ext uri="{FF2B5EF4-FFF2-40B4-BE49-F238E27FC236}">
+                <a16:creationId xmlns:a16="http://schemas.microsoft.com/office/drawing/2014/main" id="{AFFF13C8-9F97-B151-E2C4-1E19CC23AC6A}"/>
+              </a:ext>
+            </a:extLst>
+          </p:cNvPr>
+          <p:cNvSpPr/>
+          <p:nvPr/>
+        </p:nvSpPr>
+        <p:spPr>
+          <a:xfrm>
+            <a:off x="9129558" y="5691356"/>
+            <a:ext cx="493980" cy="269328"/>
+          </a:xfrm>
+          <a:prstGeom prst="ellipse">
+            <a:avLst/>
+          </a:prstGeom>
+        </p:spPr>
+        <p:style>
+          <a:lnRef idx="3">
+            <a:schemeClr val="lt1"/>
+          </a:lnRef>
+          <a:fillRef idx="1">
+            <a:schemeClr val="accent5"/>
+          </a:fillRef>
+          <a:effectRef idx="1">
+            <a:schemeClr val="accent5"/>
+          </a:effectRef>
+          <a:fontRef idx="minor">
+            <a:schemeClr val="lt1"/>
+          </a:fontRef>
+        </p:style>
+        <p:txBody>
+          <a:bodyPr rtlCol="0" anchor="ctr"/>
+          <a:lstStyle/>
+          <a:p>
+            <a:pPr algn="ctr"/>
+            <a:r>
+              <a:rPr kumimoji="1" lang="en-US" altLang="ko-Kore-KR" sz="1100" dirty="0"/>
+              <a:t>C</a:t>
+            </a:r>
+            <a:r>
+              <a:rPr kumimoji="1" lang="en-US" altLang="ko-KR" sz="1100" dirty="0"/>
+              <a:t>2</a:t>
+            </a:r>
+            <a:endParaRPr kumimoji="1" lang="ko-Kore-KR" altLang="en-US" sz="1100" dirty="0"/>
+          </a:p>
+        </p:txBody>
+      </p:sp>
+      <p:sp>
+        <p:nvSpPr>
+          <p:cNvPr id="71" name="직사각형 70">
+            <a:extLst>
+              <a:ext uri="{FF2B5EF4-FFF2-40B4-BE49-F238E27FC236}">
+                <a16:creationId xmlns:a16="http://schemas.microsoft.com/office/drawing/2014/main" id="{C5E8AF9B-DD22-B975-D730-346FE7DAFECA}"/>
+              </a:ext>
+            </a:extLst>
+          </p:cNvPr>
+          <p:cNvSpPr/>
+          <p:nvPr/>
+        </p:nvSpPr>
+        <p:spPr>
+          <a:xfrm>
+            <a:off x="9701779" y="5674925"/>
+            <a:ext cx="962294" cy="310057"/>
+          </a:xfrm>
+          <a:prstGeom prst="rect">
+            <a:avLst/>
+          </a:prstGeom>
+        </p:spPr>
+        <p:style>
+          <a:lnRef idx="2">
+            <a:schemeClr val="accent5"/>
+          </a:lnRef>
+          <a:fillRef idx="1">
+            <a:schemeClr val="lt1"/>
+          </a:fillRef>
+          <a:effectRef idx="0">
+            <a:schemeClr val="accent5"/>
+          </a:effectRef>
+          <a:fontRef idx="minor">
+            <a:schemeClr val="dk1"/>
+          </a:fontRef>
+        </p:style>
+        <p:txBody>
+          <a:bodyPr rtlCol="0" anchor="ctr"/>
+          <a:lstStyle/>
+          <a:p>
+            <a:pPr algn="ctr"/>
+            <a:r>
+              <a:rPr kumimoji="1" lang="ko-KR" altLang="en-US" sz="1000" dirty="0"/>
+              <a:t>첨부파일 입력</a:t>
+            </a:r>
+            <a:endParaRPr kumimoji="1" lang="en-US" altLang="ko-KR" sz="1000" dirty="0"/>
+          </a:p>
+        </p:txBody>
+      </p:sp>
+      <p:sp>
+        <p:nvSpPr>
+          <p:cNvPr id="72" name="타원 71">
+            <a:extLst>
+              <a:ext uri="{FF2B5EF4-FFF2-40B4-BE49-F238E27FC236}">
+                <a16:creationId xmlns:a16="http://schemas.microsoft.com/office/drawing/2014/main" id="{FB670188-E5EE-9CE5-FFD6-4B5035383F56}"/>
+              </a:ext>
+            </a:extLst>
+          </p:cNvPr>
+          <p:cNvSpPr/>
+          <p:nvPr/>
+        </p:nvSpPr>
+        <p:spPr>
+          <a:xfrm>
+            <a:off x="9025757" y="3147241"/>
+            <a:ext cx="493980" cy="269328"/>
+          </a:xfrm>
+          <a:prstGeom prst="ellipse">
+            <a:avLst/>
+          </a:prstGeom>
+        </p:spPr>
+        <p:style>
+          <a:lnRef idx="3">
+            <a:schemeClr val="lt1"/>
+          </a:lnRef>
+          <a:fillRef idx="1">
+            <a:schemeClr val="accent5"/>
+          </a:fillRef>
+          <a:effectRef idx="1">
+            <a:schemeClr val="accent5"/>
+          </a:effectRef>
+          <a:fontRef idx="minor">
+            <a:schemeClr val="lt1"/>
+          </a:fontRef>
+        </p:style>
+        <p:txBody>
+          <a:bodyPr rtlCol="0" anchor="ctr"/>
+          <a:lstStyle/>
+          <a:p>
+            <a:pPr algn="ctr"/>
+            <a:r>
+              <a:rPr kumimoji="1" lang="en-US" altLang="ko-Kore-KR" sz="1100" dirty="0"/>
+              <a:t>C1</a:t>
+            </a:r>
+            <a:endParaRPr kumimoji="1" lang="ko-Kore-KR" altLang="en-US" sz="1100" dirty="0"/>
+          </a:p>
+        </p:txBody>
+      </p:sp>
+      <p:sp>
+        <p:nvSpPr>
+          <p:cNvPr id="81" name="직사각형 80">
+            <a:extLst>
+              <a:ext uri="{FF2B5EF4-FFF2-40B4-BE49-F238E27FC236}">
+                <a16:creationId xmlns:a16="http://schemas.microsoft.com/office/drawing/2014/main" id="{453437A8-D7A7-EB5F-C03E-D396C37DDF86}"/>
+              </a:ext>
+            </a:extLst>
+          </p:cNvPr>
+          <p:cNvSpPr/>
+          <p:nvPr/>
+        </p:nvSpPr>
+        <p:spPr>
+          <a:xfrm>
+            <a:off x="9597978" y="3126876"/>
+            <a:ext cx="962294" cy="310057"/>
+          </a:xfrm>
+          <a:prstGeom prst="rect">
+            <a:avLst/>
+          </a:prstGeom>
+        </p:spPr>
+        <p:style>
+          <a:lnRef idx="2">
+            <a:schemeClr val="accent5"/>
+          </a:lnRef>
+          <a:fillRef idx="1">
+            <a:schemeClr val="lt1"/>
+          </a:fillRef>
+          <a:effectRef idx="0">
+            <a:schemeClr val="accent5"/>
+          </a:effectRef>
+          <a:fontRef idx="minor">
+            <a:schemeClr val="dk1"/>
+          </a:fontRef>
+        </p:style>
+        <p:txBody>
+          <a:bodyPr rtlCol="0" anchor="ctr"/>
+          <a:lstStyle/>
+          <a:p>
+            <a:pPr algn="ctr"/>
+            <a:r>
+              <a:rPr kumimoji="1" lang="ko-KR" altLang="en-US" sz="1000" dirty="0"/>
+              <a:t>첨부파일 입력</a:t>
+            </a:r>
+            <a:endParaRPr kumimoji="1" lang="en-US" altLang="ko-KR" sz="1000" dirty="0"/>
+          </a:p>
+        </p:txBody>
+      </p:sp>
+      <p:sp>
+        <p:nvSpPr>
+          <p:cNvPr id="83" name="곱하기 82">
+            <a:extLst>
+              <a:ext uri="{FF2B5EF4-FFF2-40B4-BE49-F238E27FC236}">
+                <a16:creationId xmlns:a16="http://schemas.microsoft.com/office/drawing/2014/main" id="{EC9D5FE1-44E4-5885-362C-13960A9DAA1C}"/>
+              </a:ext>
+            </a:extLst>
+          </p:cNvPr>
+          <p:cNvSpPr/>
+          <p:nvPr/>
+        </p:nvSpPr>
+        <p:spPr>
+          <a:xfrm>
+            <a:off x="9252461" y="3046529"/>
+            <a:ext cx="1762380" cy="448769"/>
+          </a:xfrm>
+          <a:prstGeom prst="mathMultiply">
+            <a:avLst/>
+          </a:prstGeom>
+          <a:solidFill>
+            <a:srgbClr val="C43EA7">
+              <a:alpha val="82000"/>
+            </a:srgbClr>
+          </a:solidFill>
+          <a:ln>
+            <a:solidFill>
+              <a:srgbClr val="C43EA7"/>
+            </a:solidFill>
+          </a:ln>
+        </p:spPr>
+        <p:style>
+          <a:lnRef idx="2">
+            <a:schemeClr val="accent1">
+              <a:shade val="50000"/>
+            </a:schemeClr>
+          </a:lnRef>
+          <a:fillRef idx="1">
+            <a:schemeClr val="accent1"/>
+          </a:fillRef>
+          <a:effectRef idx="0">
+            <a:schemeClr val="accent1"/>
+          </a:effectRef>
+          <a:fontRef idx="minor">
+            <a:schemeClr val="lt1"/>
+          </a:fontRef>
+        </p:style>
+        <p:txBody>
+          <a:bodyPr rtlCol="0" anchor="ctr"/>
+          <a:lstStyle/>
+          <a:p>
+            <a:pPr algn="ctr"/>
+            <a:endParaRPr kumimoji="1" lang="ko-Kore-KR" altLang="en-US" dirty="0"/>
+          </a:p>
+        </p:txBody>
+      </p:sp>
+      <p:sp>
+        <p:nvSpPr>
+          <p:cNvPr id="84" name="직사각형 83">
+            <a:extLst>
+              <a:ext uri="{FF2B5EF4-FFF2-40B4-BE49-F238E27FC236}">
+                <a16:creationId xmlns:a16="http://schemas.microsoft.com/office/drawing/2014/main" id="{52AC467E-BCCF-E87F-BBF0-0773FE827555}"/>
+              </a:ext>
+            </a:extLst>
+          </p:cNvPr>
+          <p:cNvSpPr/>
+          <p:nvPr/>
+        </p:nvSpPr>
+        <p:spPr>
+          <a:xfrm>
+            <a:off x="10202628" y="3468452"/>
+            <a:ext cx="828990" cy="310057"/>
+          </a:xfrm>
+          <a:prstGeom prst="rect">
+            <a:avLst/>
+          </a:prstGeom>
+          <a:ln>
+            <a:solidFill>
+              <a:srgbClr val="C43EA7"/>
+            </a:solidFill>
+          </a:ln>
+        </p:spPr>
+        <p:style>
+          <a:lnRef idx="2">
+            <a:schemeClr val="accent1"/>
+          </a:lnRef>
+          <a:fillRef idx="1">
+            <a:schemeClr val="lt1"/>
+          </a:fillRef>
+          <a:effectRef idx="0">
+            <a:schemeClr val="accent1"/>
+          </a:effectRef>
+          <a:fontRef idx="minor">
+            <a:schemeClr val="dk1"/>
+          </a:fontRef>
+        </p:style>
+        <p:txBody>
+          <a:bodyPr rtlCol="0" anchor="ctr"/>
+          <a:lstStyle/>
+          <a:p>
+            <a:pPr algn="ctr"/>
+            <a:r>
+              <a:rPr kumimoji="1" lang="ko-KR" altLang="en-US" sz="1000" dirty="0"/>
+              <a:t>오류발생</a:t>
+            </a:r>
+            <a:endParaRPr kumimoji="1" lang="en-US" altLang="ko-KR" sz="1000" dirty="0"/>
+          </a:p>
+        </p:txBody>
+      </p:sp>
+      <p:sp>
+        <p:nvSpPr>
+          <p:cNvPr id="85" name="직사각형 84">
+            <a:extLst>
+              <a:ext uri="{FF2B5EF4-FFF2-40B4-BE49-F238E27FC236}">
+                <a16:creationId xmlns:a16="http://schemas.microsoft.com/office/drawing/2014/main" id="{984DB6A1-380E-876D-79D8-77CF2B9BE06A}"/>
+              </a:ext>
+            </a:extLst>
+          </p:cNvPr>
+          <p:cNvSpPr/>
+          <p:nvPr/>
+        </p:nvSpPr>
+        <p:spPr>
+          <a:xfrm>
+            <a:off x="6194246" y="2318166"/>
+            <a:ext cx="828990" cy="231227"/>
+          </a:xfrm>
+          <a:prstGeom prst="rect">
+            <a:avLst/>
+          </a:prstGeom>
+          <a:ln>
+            <a:solidFill>
+              <a:srgbClr val="C43EA7"/>
+            </a:solidFill>
+          </a:ln>
+        </p:spPr>
+        <p:style>
+          <a:lnRef idx="2">
+            <a:schemeClr val="accent1"/>
+          </a:lnRef>
+          <a:fillRef idx="1">
+            <a:schemeClr val="lt1"/>
+          </a:fillRef>
+          <a:effectRef idx="0">
+            <a:schemeClr val="accent1"/>
+          </a:effectRef>
+          <a:fontRef idx="minor">
+            <a:schemeClr val="dk1"/>
+          </a:fontRef>
+        </p:style>
+        <p:txBody>
+          <a:bodyPr rtlCol="0" anchor="ctr"/>
+          <a:lstStyle/>
+          <a:p>
+            <a:pPr algn="ctr"/>
+            <a:r>
+              <a:rPr kumimoji="1" lang="en-US" altLang="ko-KR" sz="1000" dirty="0"/>
+              <a:t>rollback</a:t>
+            </a:r>
+          </a:p>
+        </p:txBody>
+      </p:sp>
+      <p:sp>
+        <p:nvSpPr>
+          <p:cNvPr id="86" name="직사각형 85">
+            <a:extLst>
+              <a:ext uri="{FF2B5EF4-FFF2-40B4-BE49-F238E27FC236}">
+                <a16:creationId xmlns:a16="http://schemas.microsoft.com/office/drawing/2014/main" id="{3E4C8EAB-1753-EB9F-B002-BF63F4693F27}"/>
+              </a:ext>
+            </a:extLst>
+          </p:cNvPr>
+          <p:cNvSpPr/>
+          <p:nvPr/>
+        </p:nvSpPr>
+        <p:spPr>
+          <a:xfrm>
+            <a:off x="9957008" y="917845"/>
+            <a:ext cx="1973097" cy="825379"/>
+          </a:xfrm>
+          <a:prstGeom prst="rect">
+            <a:avLst/>
+          </a:prstGeom>
+          <a:ln>
+            <a:solidFill>
+              <a:schemeClr val="accent2"/>
+            </a:solidFill>
+          </a:ln>
+        </p:spPr>
+        <p:style>
+          <a:lnRef idx="2">
+            <a:schemeClr val="accent1"/>
+          </a:lnRef>
+          <a:fillRef idx="1">
+            <a:schemeClr val="lt1"/>
+          </a:fillRef>
+          <a:effectRef idx="0">
+            <a:schemeClr val="accent1"/>
+          </a:effectRef>
+          <a:fontRef idx="minor">
+            <a:schemeClr val="dk1"/>
+          </a:fontRef>
+        </p:style>
+        <p:txBody>
+          <a:bodyPr rtlCol="0" anchor="ctr"/>
+          <a:lstStyle/>
+          <a:p>
+            <a:pPr algn="ctr"/>
+            <a:r>
+              <a:rPr kumimoji="1" lang="ko-KR" altLang="en-US" sz="1400" b="1" dirty="0"/>
+              <a:t>취소</a:t>
+            </a:r>
+            <a:endParaRPr kumimoji="1" lang="en-US" altLang="ko-KR" sz="1200" b="1" dirty="0"/>
+          </a:p>
+          <a:p>
+            <a:pPr algn="ctr"/>
+            <a:r>
+              <a:rPr kumimoji="1" lang="en-US" altLang="ko-Kore-KR" sz="1200" dirty="0"/>
+              <a:t>C1</a:t>
+            </a:r>
+            <a:r>
+              <a:rPr kumimoji="1" lang="ko-KR" altLang="en-US" sz="1200" dirty="0"/>
+              <a:t>의 작업을 취소하더라도</a:t>
+            </a:r>
+            <a:r>
+              <a:rPr kumimoji="1" lang="en-US" altLang="ko-KR" sz="1200" dirty="0"/>
+              <a:t>,</a:t>
+            </a:r>
+            <a:r>
+              <a:rPr kumimoji="1" lang="ko-KR" altLang="en-US" sz="1200" dirty="0"/>
+              <a:t> </a:t>
+            </a:r>
+            <a:r>
+              <a:rPr kumimoji="1" lang="en-US" altLang="ko-KR" sz="1200" dirty="0"/>
+              <a:t>C2</a:t>
+            </a:r>
+            <a:r>
+              <a:rPr kumimoji="1" lang="ko-KR" altLang="en-US" sz="1200" dirty="0"/>
+              <a:t>의 작업에는 영향을 끼치지 않는다</a:t>
+            </a:r>
+            <a:r>
+              <a:rPr kumimoji="1" lang="en-US" altLang="ko-KR" sz="1200" dirty="0"/>
+              <a:t>.</a:t>
+            </a:r>
+            <a:endParaRPr kumimoji="1" lang="ko-Kore-KR" altLang="en-US" sz="1200" dirty="0"/>
+          </a:p>
+        </p:txBody>
+      </p:sp>
+      <p:sp>
+        <p:nvSpPr>
+          <p:cNvPr id="88" name="직사각형 87">
+            <a:extLst>
+              <a:ext uri="{FF2B5EF4-FFF2-40B4-BE49-F238E27FC236}">
+                <a16:creationId xmlns:a16="http://schemas.microsoft.com/office/drawing/2014/main" id="{4B664834-80BB-0579-578E-628C1884DB9A}"/>
+              </a:ext>
+            </a:extLst>
+          </p:cNvPr>
+          <p:cNvSpPr/>
+          <p:nvPr/>
+        </p:nvSpPr>
+        <p:spPr>
+          <a:xfrm>
+            <a:off x="8847445" y="2318165"/>
+            <a:ext cx="2083542" cy="1387403"/>
+          </a:xfrm>
+          <a:prstGeom prst="rect">
+            <a:avLst/>
+          </a:prstGeom>
+          <a:noFill/>
+          <a:ln w="41275"/>
+        </p:spPr>
+        <p:style>
+          <a:lnRef idx="2">
+            <a:schemeClr val="accent2"/>
+          </a:lnRef>
+          <a:fillRef idx="1">
+            <a:schemeClr val="lt1"/>
+          </a:fillRef>
+          <a:effectRef idx="0">
+            <a:schemeClr val="accent2"/>
+          </a:effectRef>
+          <a:fontRef idx="minor">
+            <a:schemeClr val="dk1"/>
+          </a:fontRef>
+        </p:style>
+        <p:txBody>
+          <a:bodyPr rtlCol="0" anchor="ctr"/>
+          <a:lstStyle/>
+          <a:p>
+            <a:pPr algn="ctr"/>
+            <a:endParaRPr kumimoji="1" lang="ko-Kore-KR" altLang="en-US" sz="1200" dirty="0"/>
+          </a:p>
+        </p:txBody>
+      </p:sp>
+      <p:cxnSp>
+        <p:nvCxnSpPr>
+          <p:cNvPr id="89" name="직선 화살표 연결선 88">
+            <a:extLst>
+              <a:ext uri="{FF2B5EF4-FFF2-40B4-BE49-F238E27FC236}">
+                <a16:creationId xmlns:a16="http://schemas.microsoft.com/office/drawing/2014/main" id="{891A5061-74E8-5FD9-4F92-3C74ED77DE7F}"/>
+              </a:ext>
+            </a:extLst>
+          </p:cNvPr>
+          <p:cNvCxnSpPr>
+            <a:cxnSpLocks/>
+            <a:stCxn id="86" idx="2"/>
+            <a:endCxn id="88" idx="0"/>
+          </p:cNvCxnSpPr>
+          <p:nvPr/>
+        </p:nvCxnSpPr>
+        <p:spPr>
+          <a:xfrm flipH="1">
+            <a:off x="9889216" y="1743224"/>
+            <a:ext cx="1054341" cy="574941"/>
+          </a:xfrm>
+          <a:prstGeom prst="straightConnector1">
+            <a:avLst/>
+          </a:prstGeom>
+          <a:ln>
+            <a:tailEnd type="triangle"/>
+          </a:ln>
+        </p:spPr>
+        <p:style>
+          <a:lnRef idx="3">
+            <a:schemeClr val="accent2"/>
+          </a:lnRef>
+          <a:fillRef idx="0">
+            <a:schemeClr val="accent2"/>
+          </a:fillRef>
+          <a:effectRef idx="2">
+            <a:schemeClr val="accent2"/>
+          </a:effectRef>
+          <a:fontRef idx="minor">
+            <a:schemeClr val="tx1"/>
+          </a:fontRef>
+        </p:style>
+      </p:cxnSp>
+      <p:sp>
+        <p:nvSpPr>
+          <p:cNvPr id="108" name="직사각형 107">
+            <a:extLst>
+              <a:ext uri="{FF2B5EF4-FFF2-40B4-BE49-F238E27FC236}">
+                <a16:creationId xmlns:a16="http://schemas.microsoft.com/office/drawing/2014/main" id="{36F2DB24-DDAB-742A-4459-3D3D1ACE6C82}"/>
+              </a:ext>
+            </a:extLst>
+          </p:cNvPr>
+          <p:cNvSpPr/>
+          <p:nvPr/>
+        </p:nvSpPr>
+        <p:spPr>
+          <a:xfrm>
+            <a:off x="6260114" y="4897139"/>
+            <a:ext cx="730697" cy="310057"/>
+          </a:xfrm>
+          <a:prstGeom prst="rect">
+            <a:avLst/>
+          </a:prstGeom>
+        </p:spPr>
+        <p:style>
+          <a:lnRef idx="2">
+            <a:schemeClr val="accent1"/>
+          </a:lnRef>
+          <a:fillRef idx="1">
+            <a:schemeClr val="lt1"/>
+          </a:fillRef>
+          <a:effectRef idx="0">
+            <a:schemeClr val="accent1"/>
+          </a:effectRef>
+          <a:fontRef idx="minor">
+            <a:schemeClr val="dk1"/>
+          </a:fontRef>
+        </p:style>
+        <p:txBody>
+          <a:bodyPr rtlCol="0" anchor="ctr"/>
+          <a:lstStyle/>
+          <a:p>
+            <a:pPr algn="ctr"/>
+            <a:r>
+              <a:rPr kumimoji="1" lang="en-US" altLang="ko-KR" sz="1000" dirty="0"/>
+              <a:t>commit()</a:t>
+            </a:r>
+          </a:p>
+        </p:txBody>
+      </p:sp>
+      <p:sp>
+        <p:nvSpPr>
+          <p:cNvPr id="109" name="직사각형 108">
+            <a:extLst>
+              <a:ext uri="{FF2B5EF4-FFF2-40B4-BE49-F238E27FC236}">
+                <a16:creationId xmlns:a16="http://schemas.microsoft.com/office/drawing/2014/main" id="{B27D7C99-BF9F-6523-7C00-D8A3A59FE205}"/>
+              </a:ext>
+            </a:extLst>
+          </p:cNvPr>
+          <p:cNvSpPr/>
+          <p:nvPr/>
+        </p:nvSpPr>
+        <p:spPr>
+          <a:xfrm>
+            <a:off x="10977994" y="4228271"/>
+            <a:ext cx="711336" cy="446441"/>
+          </a:xfrm>
+          <a:prstGeom prst="rect">
+            <a:avLst/>
+          </a:prstGeom>
+          <a:ln>
+            <a:solidFill>
+              <a:schemeClr val="accent2"/>
+            </a:solidFill>
+          </a:ln>
+        </p:spPr>
+        <p:style>
+          <a:lnRef idx="2">
+            <a:schemeClr val="accent1"/>
+          </a:lnRef>
+          <a:fillRef idx="1">
+            <a:schemeClr val="lt1"/>
+          </a:fillRef>
+          <a:effectRef idx="0">
+            <a:schemeClr val="accent1"/>
+          </a:effectRef>
+          <a:fontRef idx="minor">
+            <a:schemeClr val="dk1"/>
+          </a:fontRef>
+        </p:style>
+        <p:txBody>
+          <a:bodyPr rtlCol="0" anchor="ctr"/>
+          <a:lstStyle/>
+          <a:p>
+            <a:pPr algn="ctr"/>
+            <a:r>
+              <a:rPr kumimoji="1" lang="ko-KR" altLang="en-US" sz="1400" b="1" dirty="0"/>
+              <a:t>적용</a:t>
+            </a:r>
+            <a:endParaRPr kumimoji="1" lang="ko-Kore-KR" altLang="en-US" sz="1200" dirty="0"/>
+          </a:p>
+        </p:txBody>
+      </p:sp>
+      <p:sp>
+        <p:nvSpPr>
+          <p:cNvPr id="110" name="직사각형 109">
+            <a:extLst>
+              <a:ext uri="{FF2B5EF4-FFF2-40B4-BE49-F238E27FC236}">
+                <a16:creationId xmlns:a16="http://schemas.microsoft.com/office/drawing/2014/main" id="{09EFC2CE-DC8A-371F-3119-F122408627B7}"/>
+              </a:ext>
+            </a:extLst>
+          </p:cNvPr>
+          <p:cNvSpPr/>
+          <p:nvPr/>
+        </p:nvSpPr>
+        <p:spPr>
+          <a:xfrm>
+            <a:off x="8894452" y="4890557"/>
+            <a:ext cx="2083542" cy="1387403"/>
+          </a:xfrm>
+          <a:prstGeom prst="rect">
+            <a:avLst/>
+          </a:prstGeom>
+          <a:noFill/>
+          <a:ln w="41275"/>
+        </p:spPr>
+        <p:style>
+          <a:lnRef idx="2">
+            <a:schemeClr val="accent2"/>
+          </a:lnRef>
+          <a:fillRef idx="1">
+            <a:schemeClr val="lt1"/>
+          </a:fillRef>
+          <a:effectRef idx="0">
+            <a:schemeClr val="accent2"/>
+          </a:effectRef>
+          <a:fontRef idx="minor">
+            <a:schemeClr val="dk1"/>
+          </a:fontRef>
+        </p:style>
+        <p:txBody>
+          <a:bodyPr rtlCol="0" anchor="ctr"/>
+          <a:lstStyle/>
+          <a:p>
+            <a:pPr algn="ctr"/>
+            <a:endParaRPr kumimoji="1" lang="ko-Kore-KR" altLang="en-US" sz="1200" dirty="0"/>
+          </a:p>
+        </p:txBody>
+      </p:sp>
+      <p:cxnSp>
+        <p:nvCxnSpPr>
+          <p:cNvPr id="111" name="직선 화살표 연결선 110">
+            <a:extLst>
+              <a:ext uri="{FF2B5EF4-FFF2-40B4-BE49-F238E27FC236}">
+                <a16:creationId xmlns:a16="http://schemas.microsoft.com/office/drawing/2014/main" id="{3787A421-C823-7661-24D3-8B627861304C}"/>
+              </a:ext>
+            </a:extLst>
+          </p:cNvPr>
+          <p:cNvCxnSpPr>
+            <a:cxnSpLocks/>
+            <a:stCxn id="109" idx="2"/>
+            <a:endCxn id="110" idx="0"/>
+          </p:cNvCxnSpPr>
+          <p:nvPr/>
+        </p:nvCxnSpPr>
+        <p:spPr>
+          <a:xfrm flipH="1">
+            <a:off x="9936223" y="4674712"/>
+            <a:ext cx="1397439" cy="215845"/>
+          </a:xfrm>
+          <a:prstGeom prst="straightConnector1">
+            <a:avLst/>
+          </a:prstGeom>
+          <a:ln>
+            <a:tailEnd type="triangle"/>
+          </a:ln>
+        </p:spPr>
+        <p:style>
+          <a:lnRef idx="3">
+            <a:schemeClr val="accent2"/>
+          </a:lnRef>
+          <a:fillRef idx="0">
+            <a:schemeClr val="accent2"/>
+          </a:fillRef>
+          <a:effectRef idx="2">
+            <a:schemeClr val="accent2"/>
+          </a:effectRef>
+          <a:fontRef idx="minor">
+            <a:schemeClr val="tx1"/>
+          </a:fontRef>
+        </p:style>
+      </p:cxnSp>
+    </p:spTree>
+    <p:extLst>
+      <p:ext uri="{BB962C8B-B14F-4D97-AF65-F5344CB8AC3E}">
+        <p14:creationId xmlns:p14="http://schemas.microsoft.com/office/powerpoint/2010/main" val="1884148290"/>
       </p:ext>
     </p:extLst>
   </p:cSld>

--- a/study-note/자바/2022-10-06 내용정리.pptx
+++ b/study-note/자바/2022-10-06 내용정리.pptx
@@ -5,7 +5,7 @@
     <p:sldMasterId id="2147483648" r:id="rId1"/>
   </p:sldMasterIdLst>
   <p:notesMasterIdLst>
-    <p:notesMasterId r:id="rId29"/>
+    <p:notesMasterId r:id="rId30"/>
   </p:notesMasterIdLst>
   <p:sldIdLst>
     <p:sldId id="256" r:id="rId2"/>
@@ -35,6 +35,7 @@
     <p:sldId id="280" r:id="rId26"/>
     <p:sldId id="281" r:id="rId27"/>
     <p:sldId id="282" r:id="rId28"/>
+    <p:sldId id="283" r:id="rId29"/>
   </p:sldIdLst>
   <p:sldSz cx="12192000" cy="6858000"/>
   <p:notesSz cx="6858000" cy="9144000"/>
@@ -32846,6 +32847,2857 @@
     <p:extLst>
       <p:ext uri="{BB962C8B-B14F-4D97-AF65-F5344CB8AC3E}">
         <p14:creationId xmlns:p14="http://schemas.microsoft.com/office/powerpoint/2010/main" val="1884148290"/>
+      </p:ext>
+    </p:extLst>
+  </p:cSld>
+  <p:clrMapOvr>
+    <a:masterClrMapping/>
+  </p:clrMapOvr>
+</p:sld>
+</file>
+
+<file path=ppt/slides/slide28.xml><?xml version="1.0" encoding="utf-8"?>
+<p:sld xmlns:a="http://schemas.openxmlformats.org/drawingml/2006/main" xmlns:r="http://schemas.openxmlformats.org/officeDocument/2006/relationships" xmlns:p="http://schemas.openxmlformats.org/presentationml/2006/main">
+  <p:cSld>
+    <p:spTree>
+      <p:nvGrpSpPr>
+        <p:cNvPr id="1" name=""/>
+        <p:cNvGrpSpPr/>
+        <p:nvPr/>
+      </p:nvGrpSpPr>
+      <p:grpSpPr>
+        <a:xfrm>
+          <a:off x="0" y="0"/>
+          <a:ext cx="0" cy="0"/>
+          <a:chOff x="0" y="0"/>
+          <a:chExt cx="0" cy="0"/>
+        </a:xfrm>
+      </p:grpSpPr>
+      <p:cxnSp>
+        <p:nvCxnSpPr>
+          <p:cNvPr id="64" name="직선 화살표 연결선 63">
+            <a:extLst>
+              <a:ext uri="{FF2B5EF4-FFF2-40B4-BE49-F238E27FC236}">
+                <a16:creationId xmlns:a16="http://schemas.microsoft.com/office/drawing/2014/main" id="{83BB6783-5E83-47BB-8F05-D66206408EB8}"/>
+              </a:ext>
+            </a:extLst>
+          </p:cNvPr>
+          <p:cNvCxnSpPr>
+            <a:cxnSpLocks/>
+            <a:stCxn id="61" idx="3"/>
+            <a:endCxn id="26" idx="1"/>
+          </p:cNvCxnSpPr>
+          <p:nvPr/>
+        </p:nvCxnSpPr>
+        <p:spPr>
+          <a:xfrm flipV="1">
+            <a:off x="7061340" y="3429000"/>
+            <a:ext cx="1152490" cy="1366361"/>
+          </a:xfrm>
+          <a:prstGeom prst="straightConnector1">
+            <a:avLst/>
+          </a:prstGeom>
+          <a:ln>
+            <a:tailEnd type="triangle"/>
+          </a:ln>
+        </p:spPr>
+        <p:style>
+          <a:lnRef idx="3">
+            <a:schemeClr val="accent1"/>
+          </a:lnRef>
+          <a:fillRef idx="0">
+            <a:schemeClr val="accent1"/>
+          </a:fillRef>
+          <a:effectRef idx="2">
+            <a:schemeClr val="accent1"/>
+          </a:effectRef>
+          <a:fontRef idx="minor">
+            <a:schemeClr val="tx1"/>
+          </a:fontRef>
+        </p:style>
+      </p:cxnSp>
+      <p:cxnSp>
+        <p:nvCxnSpPr>
+          <p:cNvPr id="41" name="직선 화살표 연결선 40">
+            <a:extLst>
+              <a:ext uri="{FF2B5EF4-FFF2-40B4-BE49-F238E27FC236}">
+                <a16:creationId xmlns:a16="http://schemas.microsoft.com/office/drawing/2014/main" id="{C813AB9A-E1C9-6F82-66AE-B8C1BC1FDCAA}"/>
+              </a:ext>
+            </a:extLst>
+          </p:cNvPr>
+          <p:cNvCxnSpPr>
+            <a:cxnSpLocks/>
+            <a:stCxn id="26" idx="3"/>
+            <a:endCxn id="8" idx="1"/>
+          </p:cNvCxnSpPr>
+          <p:nvPr/>
+        </p:nvCxnSpPr>
+        <p:spPr>
+          <a:xfrm>
+            <a:off x="8833942" y="3429000"/>
+            <a:ext cx="1970688" cy="1353226"/>
+          </a:xfrm>
+          <a:prstGeom prst="straightConnector1">
+            <a:avLst/>
+          </a:prstGeom>
+          <a:ln>
+            <a:tailEnd type="triangle"/>
+          </a:ln>
+        </p:spPr>
+        <p:style>
+          <a:lnRef idx="3">
+            <a:schemeClr val="accent1"/>
+          </a:lnRef>
+          <a:fillRef idx="0">
+            <a:schemeClr val="accent1"/>
+          </a:fillRef>
+          <a:effectRef idx="2">
+            <a:schemeClr val="accent1"/>
+          </a:effectRef>
+          <a:fontRef idx="minor">
+            <a:schemeClr val="tx1"/>
+          </a:fontRef>
+        </p:style>
+      </p:cxnSp>
+      <p:sp>
+        <p:nvSpPr>
+          <p:cNvPr id="4" name="직사각형 3">
+            <a:extLst>
+              <a:ext uri="{FF2B5EF4-FFF2-40B4-BE49-F238E27FC236}">
+                <a16:creationId xmlns:a16="http://schemas.microsoft.com/office/drawing/2014/main" id="{B65D9412-1B27-AEDB-279B-AE7283B51535}"/>
+              </a:ext>
+            </a:extLst>
+          </p:cNvPr>
+          <p:cNvSpPr/>
+          <p:nvPr/>
+        </p:nvSpPr>
+        <p:spPr>
+          <a:xfrm>
+            <a:off x="10804630" y="587872"/>
+            <a:ext cx="620112" cy="462456"/>
+          </a:xfrm>
+          <a:prstGeom prst="rect">
+            <a:avLst/>
+          </a:prstGeom>
+        </p:spPr>
+        <p:style>
+          <a:lnRef idx="2">
+            <a:schemeClr val="accent1">
+              <a:shade val="50000"/>
+            </a:schemeClr>
+          </a:lnRef>
+          <a:fillRef idx="1">
+            <a:schemeClr val="accent1"/>
+          </a:fillRef>
+          <a:effectRef idx="0">
+            <a:schemeClr val="accent1"/>
+          </a:effectRef>
+          <a:fontRef idx="minor">
+            <a:schemeClr val="lt1"/>
+          </a:fontRef>
+        </p:style>
+        <p:txBody>
+          <a:bodyPr rtlCol="0" anchor="ctr"/>
+          <a:lstStyle/>
+          <a:p>
+            <a:pPr algn="ctr"/>
+            <a:r>
+              <a:rPr kumimoji="1" lang="en-US" altLang="ko-Kore-KR" sz="1600" dirty="0"/>
+              <a:t>Table</a:t>
+            </a:r>
+            <a:endParaRPr kumimoji="1" lang="ko-Kore-KR" altLang="en-US" sz="1600" dirty="0"/>
+          </a:p>
+        </p:txBody>
+      </p:sp>
+      <p:sp>
+        <p:nvSpPr>
+          <p:cNvPr id="5" name="직사각형 4">
+            <a:extLst>
+              <a:ext uri="{FF2B5EF4-FFF2-40B4-BE49-F238E27FC236}">
+                <a16:creationId xmlns:a16="http://schemas.microsoft.com/office/drawing/2014/main" id="{40FE2375-46DB-9807-1F79-3598C3A922F7}"/>
+              </a:ext>
+            </a:extLst>
+          </p:cNvPr>
+          <p:cNvSpPr/>
+          <p:nvPr/>
+        </p:nvSpPr>
+        <p:spPr>
+          <a:xfrm>
+            <a:off x="10804630" y="1882665"/>
+            <a:ext cx="620112" cy="462456"/>
+          </a:xfrm>
+          <a:prstGeom prst="rect">
+            <a:avLst/>
+          </a:prstGeom>
+        </p:spPr>
+        <p:style>
+          <a:lnRef idx="2">
+            <a:schemeClr val="accent1">
+              <a:shade val="50000"/>
+            </a:schemeClr>
+          </a:lnRef>
+          <a:fillRef idx="1">
+            <a:schemeClr val="accent1"/>
+          </a:fillRef>
+          <a:effectRef idx="0">
+            <a:schemeClr val="accent1"/>
+          </a:effectRef>
+          <a:fontRef idx="minor">
+            <a:schemeClr val="lt1"/>
+          </a:fontRef>
+        </p:style>
+        <p:txBody>
+          <a:bodyPr rtlCol="0" anchor="ctr"/>
+          <a:lstStyle/>
+          <a:p>
+            <a:pPr algn="ctr"/>
+            <a:r>
+              <a:rPr kumimoji="1" lang="en-US" altLang="ko-Kore-KR" sz="1600" dirty="0"/>
+              <a:t>Table</a:t>
+            </a:r>
+            <a:endParaRPr kumimoji="1" lang="ko-Kore-KR" altLang="en-US" sz="1600" dirty="0"/>
+          </a:p>
+        </p:txBody>
+      </p:sp>
+      <p:sp>
+        <p:nvSpPr>
+          <p:cNvPr id="6" name="직사각형 5">
+            <a:extLst>
+              <a:ext uri="{FF2B5EF4-FFF2-40B4-BE49-F238E27FC236}">
+                <a16:creationId xmlns:a16="http://schemas.microsoft.com/office/drawing/2014/main" id="{02901071-3171-50D9-6A4C-C5C17065E7CF}"/>
+              </a:ext>
+            </a:extLst>
+          </p:cNvPr>
+          <p:cNvSpPr/>
+          <p:nvPr/>
+        </p:nvSpPr>
+        <p:spPr>
+          <a:xfrm>
+            <a:off x="10804630" y="2532983"/>
+            <a:ext cx="620112" cy="462456"/>
+          </a:xfrm>
+          <a:prstGeom prst="rect">
+            <a:avLst/>
+          </a:prstGeom>
+        </p:spPr>
+        <p:style>
+          <a:lnRef idx="2">
+            <a:schemeClr val="accent1">
+              <a:shade val="50000"/>
+            </a:schemeClr>
+          </a:lnRef>
+          <a:fillRef idx="1">
+            <a:schemeClr val="accent1"/>
+          </a:fillRef>
+          <a:effectRef idx="0">
+            <a:schemeClr val="accent1"/>
+          </a:effectRef>
+          <a:fontRef idx="minor">
+            <a:schemeClr val="lt1"/>
+          </a:fontRef>
+        </p:style>
+        <p:txBody>
+          <a:bodyPr rtlCol="0" anchor="ctr"/>
+          <a:lstStyle/>
+          <a:p>
+            <a:pPr algn="ctr"/>
+            <a:r>
+              <a:rPr kumimoji="1" lang="en-US" altLang="ko-Kore-KR" sz="1600" dirty="0"/>
+              <a:t>Table</a:t>
+            </a:r>
+            <a:endParaRPr kumimoji="1" lang="ko-Kore-KR" altLang="en-US" sz="1600" dirty="0"/>
+          </a:p>
+        </p:txBody>
+      </p:sp>
+      <p:sp>
+        <p:nvSpPr>
+          <p:cNvPr id="7" name="직사각형 6">
+            <a:extLst>
+              <a:ext uri="{FF2B5EF4-FFF2-40B4-BE49-F238E27FC236}">
+                <a16:creationId xmlns:a16="http://schemas.microsoft.com/office/drawing/2014/main" id="{44A5EF65-8CCA-3EA6-92EB-85B12FB12DAE}"/>
+              </a:ext>
+            </a:extLst>
+          </p:cNvPr>
+          <p:cNvSpPr/>
+          <p:nvPr/>
+        </p:nvSpPr>
+        <p:spPr>
+          <a:xfrm>
+            <a:off x="10804630" y="3200395"/>
+            <a:ext cx="620112" cy="462456"/>
+          </a:xfrm>
+          <a:prstGeom prst="rect">
+            <a:avLst/>
+          </a:prstGeom>
+        </p:spPr>
+        <p:style>
+          <a:lnRef idx="2">
+            <a:schemeClr val="accent1">
+              <a:shade val="50000"/>
+            </a:schemeClr>
+          </a:lnRef>
+          <a:fillRef idx="1">
+            <a:schemeClr val="accent1"/>
+          </a:fillRef>
+          <a:effectRef idx="0">
+            <a:schemeClr val="accent1"/>
+          </a:effectRef>
+          <a:fontRef idx="minor">
+            <a:schemeClr val="lt1"/>
+          </a:fontRef>
+        </p:style>
+        <p:txBody>
+          <a:bodyPr rtlCol="0" anchor="ctr"/>
+          <a:lstStyle/>
+          <a:p>
+            <a:pPr algn="ctr"/>
+            <a:r>
+              <a:rPr kumimoji="1" lang="en-US" altLang="ko-Kore-KR" sz="1600" dirty="0"/>
+              <a:t>Table</a:t>
+            </a:r>
+            <a:endParaRPr kumimoji="1" lang="ko-Kore-KR" altLang="en-US" sz="1600" dirty="0"/>
+          </a:p>
+        </p:txBody>
+      </p:sp>
+      <p:sp>
+        <p:nvSpPr>
+          <p:cNvPr id="8" name="직사각형 7">
+            <a:extLst>
+              <a:ext uri="{FF2B5EF4-FFF2-40B4-BE49-F238E27FC236}">
+                <a16:creationId xmlns:a16="http://schemas.microsoft.com/office/drawing/2014/main" id="{C7E6ED3D-B674-DA05-115A-79ACA25AFB03}"/>
+              </a:ext>
+            </a:extLst>
+          </p:cNvPr>
+          <p:cNvSpPr/>
+          <p:nvPr/>
+        </p:nvSpPr>
+        <p:spPr>
+          <a:xfrm>
+            <a:off x="10804630" y="4550998"/>
+            <a:ext cx="620112" cy="462456"/>
+          </a:xfrm>
+          <a:prstGeom prst="rect">
+            <a:avLst/>
+          </a:prstGeom>
+        </p:spPr>
+        <p:style>
+          <a:lnRef idx="2">
+            <a:schemeClr val="accent1">
+              <a:shade val="50000"/>
+            </a:schemeClr>
+          </a:lnRef>
+          <a:fillRef idx="1">
+            <a:schemeClr val="accent1"/>
+          </a:fillRef>
+          <a:effectRef idx="0">
+            <a:schemeClr val="accent1"/>
+          </a:effectRef>
+          <a:fontRef idx="minor">
+            <a:schemeClr val="lt1"/>
+          </a:fontRef>
+        </p:style>
+        <p:txBody>
+          <a:bodyPr rtlCol="0" anchor="ctr"/>
+          <a:lstStyle/>
+          <a:p>
+            <a:pPr algn="ctr"/>
+            <a:r>
+              <a:rPr kumimoji="1" lang="en-US" altLang="ko-Kore-KR" sz="1600" dirty="0"/>
+              <a:t>Table</a:t>
+            </a:r>
+            <a:endParaRPr kumimoji="1" lang="ko-Kore-KR" altLang="en-US" sz="1600" dirty="0"/>
+          </a:p>
+        </p:txBody>
+      </p:sp>
+      <p:sp>
+        <p:nvSpPr>
+          <p:cNvPr id="9" name="직사각형 8">
+            <a:extLst>
+              <a:ext uri="{FF2B5EF4-FFF2-40B4-BE49-F238E27FC236}">
+                <a16:creationId xmlns:a16="http://schemas.microsoft.com/office/drawing/2014/main" id="{3A1D5CF0-5EFE-575F-C3CB-C6B7278DA277}"/>
+              </a:ext>
+            </a:extLst>
+          </p:cNvPr>
+          <p:cNvSpPr/>
+          <p:nvPr/>
+        </p:nvSpPr>
+        <p:spPr>
+          <a:xfrm>
+            <a:off x="8213830" y="587872"/>
+            <a:ext cx="620112" cy="462456"/>
+          </a:xfrm>
+          <a:prstGeom prst="rect">
+            <a:avLst/>
+          </a:prstGeom>
+        </p:spPr>
+        <p:style>
+          <a:lnRef idx="2">
+            <a:schemeClr val="accent1">
+              <a:shade val="50000"/>
+            </a:schemeClr>
+          </a:lnRef>
+          <a:fillRef idx="1">
+            <a:schemeClr val="accent1"/>
+          </a:fillRef>
+          <a:effectRef idx="0">
+            <a:schemeClr val="accent1"/>
+          </a:effectRef>
+          <a:fontRef idx="minor">
+            <a:schemeClr val="lt1"/>
+          </a:fontRef>
+        </p:style>
+        <p:txBody>
+          <a:bodyPr rtlCol="0" anchor="ctr"/>
+          <a:lstStyle/>
+          <a:p>
+            <a:pPr algn="ctr"/>
+            <a:r>
+              <a:rPr kumimoji="1" lang="en-US" altLang="ko-Kore-KR" sz="1600" dirty="0"/>
+              <a:t>DAO</a:t>
+            </a:r>
+            <a:endParaRPr kumimoji="1" lang="ko-Kore-KR" altLang="en-US" sz="1600" dirty="0"/>
+          </a:p>
+        </p:txBody>
+      </p:sp>
+      <p:cxnSp>
+        <p:nvCxnSpPr>
+          <p:cNvPr id="10" name="직선 화살표 연결선 9">
+            <a:extLst>
+              <a:ext uri="{FF2B5EF4-FFF2-40B4-BE49-F238E27FC236}">
+                <a16:creationId xmlns:a16="http://schemas.microsoft.com/office/drawing/2014/main" id="{508AE6EB-7B5C-D3CF-4D04-D37155273502}"/>
+              </a:ext>
+            </a:extLst>
+          </p:cNvPr>
+          <p:cNvCxnSpPr>
+            <a:cxnSpLocks/>
+            <a:stCxn id="9" idx="3"/>
+            <a:endCxn id="4" idx="1"/>
+          </p:cNvCxnSpPr>
+          <p:nvPr/>
+        </p:nvCxnSpPr>
+        <p:spPr>
+          <a:xfrm>
+            <a:off x="8833942" y="819100"/>
+            <a:ext cx="1970688" cy="0"/>
+          </a:xfrm>
+          <a:prstGeom prst="straightConnector1">
+            <a:avLst/>
+          </a:prstGeom>
+          <a:ln>
+            <a:tailEnd type="triangle"/>
+          </a:ln>
+        </p:spPr>
+        <p:style>
+          <a:lnRef idx="3">
+            <a:schemeClr val="accent1"/>
+          </a:lnRef>
+          <a:fillRef idx="0">
+            <a:schemeClr val="accent1"/>
+          </a:fillRef>
+          <a:effectRef idx="2">
+            <a:schemeClr val="accent1"/>
+          </a:effectRef>
+          <a:fontRef idx="minor">
+            <a:schemeClr val="tx1"/>
+          </a:fontRef>
+        </p:style>
+      </p:cxnSp>
+      <p:sp>
+        <p:nvSpPr>
+          <p:cNvPr id="12" name="직사각형 11">
+            <a:extLst>
+              <a:ext uri="{FF2B5EF4-FFF2-40B4-BE49-F238E27FC236}">
+                <a16:creationId xmlns:a16="http://schemas.microsoft.com/office/drawing/2014/main" id="{44B481E0-A28A-C5AD-E7E1-3AA57A3D389A}"/>
+              </a:ext>
+            </a:extLst>
+          </p:cNvPr>
+          <p:cNvSpPr/>
+          <p:nvPr/>
+        </p:nvSpPr>
+        <p:spPr>
+          <a:xfrm>
+            <a:off x="8971010" y="637156"/>
+            <a:ext cx="565517" cy="310057"/>
+          </a:xfrm>
+          <a:prstGeom prst="rect">
+            <a:avLst/>
+          </a:prstGeom>
+        </p:spPr>
+        <p:style>
+          <a:lnRef idx="2">
+            <a:schemeClr val="accent1"/>
+          </a:lnRef>
+          <a:fillRef idx="1">
+            <a:schemeClr val="lt1"/>
+          </a:fillRef>
+          <a:effectRef idx="0">
+            <a:schemeClr val="accent1"/>
+          </a:effectRef>
+          <a:fontRef idx="minor">
+            <a:schemeClr val="dk1"/>
+          </a:fontRef>
+        </p:style>
+        <p:txBody>
+          <a:bodyPr rtlCol="0" anchor="ctr"/>
+          <a:lstStyle/>
+          <a:p>
+            <a:pPr algn="ctr"/>
+            <a:r>
+              <a:rPr kumimoji="1" lang="en-US" altLang="ko-KR" sz="1000" dirty="0"/>
+              <a:t>owner</a:t>
+            </a:r>
+          </a:p>
+        </p:txBody>
+      </p:sp>
+      <p:sp>
+        <p:nvSpPr>
+          <p:cNvPr id="13" name="직사각형 12">
+            <a:extLst>
+              <a:ext uri="{FF2B5EF4-FFF2-40B4-BE49-F238E27FC236}">
+                <a16:creationId xmlns:a16="http://schemas.microsoft.com/office/drawing/2014/main" id="{DF02B4E7-7FFA-07A4-4F62-F81B32C33235}"/>
+              </a:ext>
+            </a:extLst>
+          </p:cNvPr>
+          <p:cNvSpPr/>
+          <p:nvPr/>
+        </p:nvSpPr>
+        <p:spPr>
+          <a:xfrm>
+            <a:off x="8213830" y="1862947"/>
+            <a:ext cx="620112" cy="462456"/>
+          </a:xfrm>
+          <a:prstGeom prst="rect">
+            <a:avLst/>
+          </a:prstGeom>
+        </p:spPr>
+        <p:style>
+          <a:lnRef idx="2">
+            <a:schemeClr val="accent1">
+              <a:shade val="50000"/>
+            </a:schemeClr>
+          </a:lnRef>
+          <a:fillRef idx="1">
+            <a:schemeClr val="accent1"/>
+          </a:fillRef>
+          <a:effectRef idx="0">
+            <a:schemeClr val="accent1"/>
+          </a:effectRef>
+          <a:fontRef idx="minor">
+            <a:schemeClr val="lt1"/>
+          </a:fontRef>
+        </p:style>
+        <p:txBody>
+          <a:bodyPr rtlCol="0" anchor="ctr"/>
+          <a:lstStyle/>
+          <a:p>
+            <a:pPr algn="ctr"/>
+            <a:r>
+              <a:rPr kumimoji="1" lang="en-US" altLang="ko-Kore-KR" sz="1600" dirty="0"/>
+              <a:t>DAO</a:t>
+            </a:r>
+            <a:endParaRPr kumimoji="1" lang="ko-Kore-KR" altLang="en-US" sz="1600" dirty="0"/>
+          </a:p>
+        </p:txBody>
+      </p:sp>
+      <p:cxnSp>
+        <p:nvCxnSpPr>
+          <p:cNvPr id="14" name="직선 화살표 연결선 13">
+            <a:extLst>
+              <a:ext uri="{FF2B5EF4-FFF2-40B4-BE49-F238E27FC236}">
+                <a16:creationId xmlns:a16="http://schemas.microsoft.com/office/drawing/2014/main" id="{6503074E-224C-0E4C-557C-5F529BB24C3D}"/>
+              </a:ext>
+            </a:extLst>
+          </p:cNvPr>
+          <p:cNvCxnSpPr>
+            <a:cxnSpLocks/>
+            <a:stCxn id="13" idx="3"/>
+            <a:endCxn id="5" idx="1"/>
+          </p:cNvCxnSpPr>
+          <p:nvPr/>
+        </p:nvCxnSpPr>
+        <p:spPr>
+          <a:xfrm>
+            <a:off x="8833942" y="2094175"/>
+            <a:ext cx="1970688" cy="19718"/>
+          </a:xfrm>
+          <a:prstGeom prst="straightConnector1">
+            <a:avLst/>
+          </a:prstGeom>
+          <a:ln>
+            <a:tailEnd type="triangle"/>
+          </a:ln>
+        </p:spPr>
+        <p:style>
+          <a:lnRef idx="3">
+            <a:schemeClr val="accent1"/>
+          </a:lnRef>
+          <a:fillRef idx="0">
+            <a:schemeClr val="accent1"/>
+          </a:fillRef>
+          <a:effectRef idx="2">
+            <a:schemeClr val="accent1"/>
+          </a:effectRef>
+          <a:fontRef idx="minor">
+            <a:schemeClr val="tx1"/>
+          </a:fontRef>
+        </p:style>
+      </p:cxnSp>
+      <p:cxnSp>
+        <p:nvCxnSpPr>
+          <p:cNvPr id="18" name="직선 화살표 연결선 17">
+            <a:extLst>
+              <a:ext uri="{FF2B5EF4-FFF2-40B4-BE49-F238E27FC236}">
+                <a16:creationId xmlns:a16="http://schemas.microsoft.com/office/drawing/2014/main" id="{EB4B06B1-FE79-B6B3-EDE9-E7E64854DF10}"/>
+              </a:ext>
+            </a:extLst>
+          </p:cNvPr>
+          <p:cNvCxnSpPr>
+            <a:cxnSpLocks/>
+            <a:stCxn id="13" idx="3"/>
+            <a:endCxn id="6" idx="1"/>
+          </p:cNvCxnSpPr>
+          <p:nvPr/>
+        </p:nvCxnSpPr>
+        <p:spPr>
+          <a:xfrm>
+            <a:off x="8833942" y="2094175"/>
+            <a:ext cx="1970688" cy="670036"/>
+          </a:xfrm>
+          <a:prstGeom prst="straightConnector1">
+            <a:avLst/>
+          </a:prstGeom>
+          <a:ln>
+            <a:tailEnd type="triangle"/>
+          </a:ln>
+        </p:spPr>
+        <p:style>
+          <a:lnRef idx="3">
+            <a:schemeClr val="accent1"/>
+          </a:lnRef>
+          <a:fillRef idx="0">
+            <a:schemeClr val="accent1"/>
+          </a:fillRef>
+          <a:effectRef idx="2">
+            <a:schemeClr val="accent1"/>
+          </a:effectRef>
+          <a:fontRef idx="minor">
+            <a:schemeClr val="tx1"/>
+          </a:fontRef>
+        </p:style>
+      </p:cxnSp>
+      <p:sp>
+        <p:nvSpPr>
+          <p:cNvPr id="26" name="직사각형 25">
+            <a:extLst>
+              <a:ext uri="{FF2B5EF4-FFF2-40B4-BE49-F238E27FC236}">
+                <a16:creationId xmlns:a16="http://schemas.microsoft.com/office/drawing/2014/main" id="{60089126-F261-DC9F-728C-2110E8B7D832}"/>
+              </a:ext>
+            </a:extLst>
+          </p:cNvPr>
+          <p:cNvSpPr/>
+          <p:nvPr/>
+        </p:nvSpPr>
+        <p:spPr>
+          <a:xfrm>
+            <a:off x="8213830" y="3197772"/>
+            <a:ext cx="620112" cy="462456"/>
+          </a:xfrm>
+          <a:prstGeom prst="rect">
+            <a:avLst/>
+          </a:prstGeom>
+        </p:spPr>
+        <p:style>
+          <a:lnRef idx="2">
+            <a:schemeClr val="accent1">
+              <a:shade val="50000"/>
+            </a:schemeClr>
+          </a:lnRef>
+          <a:fillRef idx="1">
+            <a:schemeClr val="accent1"/>
+          </a:fillRef>
+          <a:effectRef idx="0">
+            <a:schemeClr val="accent1"/>
+          </a:effectRef>
+          <a:fontRef idx="minor">
+            <a:schemeClr val="lt1"/>
+          </a:fontRef>
+        </p:style>
+        <p:txBody>
+          <a:bodyPr rtlCol="0" anchor="ctr"/>
+          <a:lstStyle/>
+          <a:p>
+            <a:pPr algn="ctr"/>
+            <a:r>
+              <a:rPr kumimoji="1" lang="en-US" altLang="ko-Kore-KR" sz="1600" dirty="0"/>
+              <a:t>DAO</a:t>
+            </a:r>
+            <a:endParaRPr kumimoji="1" lang="ko-Kore-KR" altLang="en-US" sz="1600" dirty="0"/>
+          </a:p>
+        </p:txBody>
+      </p:sp>
+      <p:cxnSp>
+        <p:nvCxnSpPr>
+          <p:cNvPr id="27" name="직선 화살표 연결선 26">
+            <a:extLst>
+              <a:ext uri="{FF2B5EF4-FFF2-40B4-BE49-F238E27FC236}">
+                <a16:creationId xmlns:a16="http://schemas.microsoft.com/office/drawing/2014/main" id="{AF24E7DB-4FE0-244B-7205-16BDD7711F10}"/>
+              </a:ext>
+            </a:extLst>
+          </p:cNvPr>
+          <p:cNvCxnSpPr>
+            <a:cxnSpLocks/>
+            <a:stCxn id="26" idx="3"/>
+            <a:endCxn id="7" idx="1"/>
+          </p:cNvCxnSpPr>
+          <p:nvPr/>
+        </p:nvCxnSpPr>
+        <p:spPr>
+          <a:xfrm>
+            <a:off x="8833942" y="3429000"/>
+            <a:ext cx="1970688" cy="2623"/>
+          </a:xfrm>
+          <a:prstGeom prst="straightConnector1">
+            <a:avLst/>
+          </a:prstGeom>
+          <a:ln>
+            <a:tailEnd type="triangle"/>
+          </a:ln>
+        </p:spPr>
+        <p:style>
+          <a:lnRef idx="3">
+            <a:schemeClr val="accent1"/>
+          </a:lnRef>
+          <a:fillRef idx="0">
+            <a:schemeClr val="accent1"/>
+          </a:fillRef>
+          <a:effectRef idx="2">
+            <a:schemeClr val="accent1"/>
+          </a:effectRef>
+          <a:fontRef idx="minor">
+            <a:schemeClr val="tx1"/>
+          </a:fontRef>
+        </p:style>
+      </p:cxnSp>
+      <p:cxnSp>
+        <p:nvCxnSpPr>
+          <p:cNvPr id="31" name="직선 화살표 연결선 30">
+            <a:extLst>
+              <a:ext uri="{FF2B5EF4-FFF2-40B4-BE49-F238E27FC236}">
+                <a16:creationId xmlns:a16="http://schemas.microsoft.com/office/drawing/2014/main" id="{0CE36234-C546-6691-F079-C3B2B23857BF}"/>
+              </a:ext>
+            </a:extLst>
+          </p:cNvPr>
+          <p:cNvCxnSpPr>
+            <a:cxnSpLocks/>
+            <a:stCxn id="26" idx="3"/>
+            <a:endCxn id="5" idx="1"/>
+          </p:cNvCxnSpPr>
+          <p:nvPr/>
+        </p:nvCxnSpPr>
+        <p:spPr>
+          <a:xfrm flipV="1">
+            <a:off x="8833942" y="2113893"/>
+            <a:ext cx="1970688" cy="1315107"/>
+          </a:xfrm>
+          <a:prstGeom prst="straightConnector1">
+            <a:avLst/>
+          </a:prstGeom>
+          <a:ln>
+            <a:tailEnd type="triangle"/>
+          </a:ln>
+        </p:spPr>
+        <p:style>
+          <a:lnRef idx="3">
+            <a:schemeClr val="accent1"/>
+          </a:lnRef>
+          <a:fillRef idx="0">
+            <a:schemeClr val="accent1"/>
+          </a:fillRef>
+          <a:effectRef idx="2">
+            <a:schemeClr val="accent1"/>
+          </a:effectRef>
+          <a:fontRef idx="minor">
+            <a:schemeClr val="tx1"/>
+          </a:fontRef>
+        </p:style>
+      </p:cxnSp>
+      <p:sp>
+        <p:nvSpPr>
+          <p:cNvPr id="28" name="직사각형 27">
+            <a:extLst>
+              <a:ext uri="{FF2B5EF4-FFF2-40B4-BE49-F238E27FC236}">
+                <a16:creationId xmlns:a16="http://schemas.microsoft.com/office/drawing/2014/main" id="{0939574E-84F1-1BE7-144D-4956D7391FF7}"/>
+              </a:ext>
+            </a:extLst>
+          </p:cNvPr>
+          <p:cNvSpPr/>
+          <p:nvPr/>
+        </p:nvSpPr>
+        <p:spPr>
+          <a:xfrm>
+            <a:off x="9171295" y="3273971"/>
+            <a:ext cx="565517" cy="310057"/>
+          </a:xfrm>
+          <a:prstGeom prst="rect">
+            <a:avLst/>
+          </a:prstGeom>
+        </p:spPr>
+        <p:style>
+          <a:lnRef idx="2">
+            <a:schemeClr val="accent1"/>
+          </a:lnRef>
+          <a:fillRef idx="1">
+            <a:schemeClr val="lt1"/>
+          </a:fillRef>
+          <a:effectRef idx="0">
+            <a:schemeClr val="accent1"/>
+          </a:effectRef>
+          <a:fontRef idx="minor">
+            <a:schemeClr val="dk1"/>
+          </a:fontRef>
+        </p:style>
+        <p:txBody>
+          <a:bodyPr rtlCol="0" anchor="ctr"/>
+          <a:lstStyle/>
+          <a:p>
+            <a:pPr algn="ctr"/>
+            <a:r>
+              <a:rPr kumimoji="1" lang="en-US" altLang="ko-KR" sz="1000" dirty="0"/>
+              <a:t>owner</a:t>
+            </a:r>
+          </a:p>
+        </p:txBody>
+      </p:sp>
+      <p:sp>
+        <p:nvSpPr>
+          <p:cNvPr id="34" name="직사각형 33">
+            <a:extLst>
+              <a:ext uri="{FF2B5EF4-FFF2-40B4-BE49-F238E27FC236}">
+                <a16:creationId xmlns:a16="http://schemas.microsoft.com/office/drawing/2014/main" id="{92FAB5D8-6EC0-6999-55DE-1C599DCBC43E}"/>
+              </a:ext>
+            </a:extLst>
+          </p:cNvPr>
+          <p:cNvSpPr/>
+          <p:nvPr/>
+        </p:nvSpPr>
+        <p:spPr>
+          <a:xfrm>
+            <a:off x="9006774" y="2820692"/>
+            <a:ext cx="565517" cy="310057"/>
+          </a:xfrm>
+          <a:prstGeom prst="rect">
+            <a:avLst/>
+          </a:prstGeom>
+        </p:spPr>
+        <p:style>
+          <a:lnRef idx="2">
+            <a:schemeClr val="accent1"/>
+          </a:lnRef>
+          <a:fillRef idx="1">
+            <a:schemeClr val="lt1"/>
+          </a:fillRef>
+          <a:effectRef idx="0">
+            <a:schemeClr val="accent1"/>
+          </a:effectRef>
+          <a:fontRef idx="minor">
+            <a:schemeClr val="dk1"/>
+          </a:fontRef>
+        </p:style>
+        <p:txBody>
+          <a:bodyPr rtlCol="0" anchor="ctr"/>
+          <a:lstStyle/>
+          <a:p>
+            <a:pPr algn="ctr"/>
+            <a:r>
+              <a:rPr kumimoji="1" lang="en-US" altLang="ko-KR" sz="1000" dirty="0"/>
+              <a:t>owner</a:t>
+            </a:r>
+          </a:p>
+        </p:txBody>
+      </p:sp>
+      <p:sp>
+        <p:nvSpPr>
+          <p:cNvPr id="35" name="곱하기 34">
+            <a:extLst>
+              <a:ext uri="{FF2B5EF4-FFF2-40B4-BE49-F238E27FC236}">
+                <a16:creationId xmlns:a16="http://schemas.microsoft.com/office/drawing/2014/main" id="{E1DD2F93-A165-7267-7D65-67B9BA13207A}"/>
+              </a:ext>
+            </a:extLst>
+          </p:cNvPr>
+          <p:cNvSpPr/>
+          <p:nvPr/>
+        </p:nvSpPr>
+        <p:spPr>
+          <a:xfrm>
+            <a:off x="8960940" y="2743037"/>
+            <a:ext cx="657183" cy="448769"/>
+          </a:xfrm>
+          <a:prstGeom prst="mathMultiply">
+            <a:avLst/>
+          </a:prstGeom>
+          <a:solidFill>
+            <a:srgbClr val="C43EA7">
+              <a:alpha val="82000"/>
+            </a:srgbClr>
+          </a:solidFill>
+          <a:ln>
+            <a:solidFill>
+              <a:srgbClr val="C43EA7"/>
+            </a:solidFill>
+          </a:ln>
+        </p:spPr>
+        <p:style>
+          <a:lnRef idx="2">
+            <a:schemeClr val="accent1">
+              <a:shade val="50000"/>
+            </a:schemeClr>
+          </a:lnRef>
+          <a:fillRef idx="1">
+            <a:schemeClr val="accent1"/>
+          </a:fillRef>
+          <a:effectRef idx="0">
+            <a:schemeClr val="accent1"/>
+          </a:effectRef>
+          <a:fontRef idx="minor">
+            <a:schemeClr val="lt1"/>
+          </a:fontRef>
+        </p:style>
+        <p:txBody>
+          <a:bodyPr rtlCol="0" anchor="ctr"/>
+          <a:lstStyle/>
+          <a:p>
+            <a:pPr algn="ctr"/>
+            <a:endParaRPr kumimoji="1" lang="ko-Kore-KR" altLang="en-US" dirty="0"/>
+          </a:p>
+        </p:txBody>
+      </p:sp>
+      <p:sp>
+        <p:nvSpPr>
+          <p:cNvPr id="36" name="직사각형 35">
+            <a:extLst>
+              <a:ext uri="{FF2B5EF4-FFF2-40B4-BE49-F238E27FC236}">
+                <a16:creationId xmlns:a16="http://schemas.microsoft.com/office/drawing/2014/main" id="{F7F04AF6-3295-5AB3-A808-5B63D3EF6D8D}"/>
+              </a:ext>
+            </a:extLst>
+          </p:cNvPr>
+          <p:cNvSpPr/>
+          <p:nvPr/>
+        </p:nvSpPr>
+        <p:spPr>
+          <a:xfrm>
+            <a:off x="9626886" y="2827274"/>
+            <a:ext cx="565517" cy="310057"/>
+          </a:xfrm>
+          <a:prstGeom prst="rect">
+            <a:avLst/>
+          </a:prstGeom>
+        </p:spPr>
+        <p:style>
+          <a:lnRef idx="2">
+            <a:schemeClr val="accent1"/>
+          </a:lnRef>
+          <a:fillRef idx="1">
+            <a:schemeClr val="lt1"/>
+          </a:fillRef>
+          <a:effectRef idx="0">
+            <a:schemeClr val="accent1"/>
+          </a:effectRef>
+          <a:fontRef idx="minor">
+            <a:schemeClr val="dk1"/>
+          </a:fontRef>
+        </p:style>
+        <p:txBody>
+          <a:bodyPr rtlCol="0" anchor="ctr"/>
+          <a:lstStyle/>
+          <a:p>
+            <a:pPr algn="ctr"/>
+            <a:r>
+              <a:rPr kumimoji="1" lang="en-US" altLang="ko-KR" sz="1000" dirty="0"/>
+              <a:t>viewer</a:t>
+            </a:r>
+          </a:p>
+        </p:txBody>
+      </p:sp>
+      <p:sp>
+        <p:nvSpPr>
+          <p:cNvPr id="37" name="직사각형 36">
+            <a:extLst>
+              <a:ext uri="{FF2B5EF4-FFF2-40B4-BE49-F238E27FC236}">
+                <a16:creationId xmlns:a16="http://schemas.microsoft.com/office/drawing/2014/main" id="{812F6D5E-8225-735C-7844-4AE5640B347D}"/>
+              </a:ext>
+            </a:extLst>
+          </p:cNvPr>
+          <p:cNvSpPr/>
+          <p:nvPr/>
+        </p:nvSpPr>
+        <p:spPr>
+          <a:xfrm>
+            <a:off x="8213830" y="4564133"/>
+            <a:ext cx="620112" cy="462456"/>
+          </a:xfrm>
+          <a:prstGeom prst="rect">
+            <a:avLst/>
+          </a:prstGeom>
+        </p:spPr>
+        <p:style>
+          <a:lnRef idx="2">
+            <a:schemeClr val="accent1">
+              <a:shade val="50000"/>
+            </a:schemeClr>
+          </a:lnRef>
+          <a:fillRef idx="1">
+            <a:schemeClr val="accent1"/>
+          </a:fillRef>
+          <a:effectRef idx="0">
+            <a:schemeClr val="accent1"/>
+          </a:effectRef>
+          <a:fontRef idx="minor">
+            <a:schemeClr val="lt1"/>
+          </a:fontRef>
+        </p:style>
+        <p:txBody>
+          <a:bodyPr rtlCol="0" anchor="ctr"/>
+          <a:lstStyle/>
+          <a:p>
+            <a:pPr algn="ctr"/>
+            <a:r>
+              <a:rPr kumimoji="1" lang="en-US" altLang="ko-Kore-KR" sz="1600" dirty="0"/>
+              <a:t>DAO</a:t>
+            </a:r>
+            <a:endParaRPr kumimoji="1" lang="ko-Kore-KR" altLang="en-US" sz="1600" dirty="0"/>
+          </a:p>
+        </p:txBody>
+      </p:sp>
+      <p:cxnSp>
+        <p:nvCxnSpPr>
+          <p:cNvPr id="38" name="직선 화살표 연결선 37">
+            <a:extLst>
+              <a:ext uri="{FF2B5EF4-FFF2-40B4-BE49-F238E27FC236}">
+                <a16:creationId xmlns:a16="http://schemas.microsoft.com/office/drawing/2014/main" id="{70DB5FA8-3AC4-553F-64C5-E962D91ABF2B}"/>
+              </a:ext>
+            </a:extLst>
+          </p:cNvPr>
+          <p:cNvCxnSpPr>
+            <a:cxnSpLocks/>
+            <a:stCxn id="37" idx="3"/>
+            <a:endCxn id="8" idx="1"/>
+          </p:cNvCxnSpPr>
+          <p:nvPr/>
+        </p:nvCxnSpPr>
+        <p:spPr>
+          <a:xfrm flipV="1">
+            <a:off x="8833942" y="4782226"/>
+            <a:ext cx="1970688" cy="13135"/>
+          </a:xfrm>
+          <a:prstGeom prst="straightConnector1">
+            <a:avLst/>
+          </a:prstGeom>
+          <a:ln>
+            <a:tailEnd type="triangle"/>
+          </a:ln>
+        </p:spPr>
+        <p:style>
+          <a:lnRef idx="3">
+            <a:schemeClr val="accent1"/>
+          </a:lnRef>
+          <a:fillRef idx="0">
+            <a:schemeClr val="accent1"/>
+          </a:fillRef>
+          <a:effectRef idx="2">
+            <a:schemeClr val="accent1"/>
+          </a:effectRef>
+          <a:fontRef idx="minor">
+            <a:schemeClr val="tx1"/>
+          </a:fontRef>
+        </p:style>
+      </p:cxnSp>
+      <p:sp>
+        <p:nvSpPr>
+          <p:cNvPr id="39" name="직사각형 38">
+            <a:extLst>
+              <a:ext uri="{FF2B5EF4-FFF2-40B4-BE49-F238E27FC236}">
+                <a16:creationId xmlns:a16="http://schemas.microsoft.com/office/drawing/2014/main" id="{6EBB3EBD-3C2C-77A1-2384-476F9C505D53}"/>
+              </a:ext>
+            </a:extLst>
+          </p:cNvPr>
+          <p:cNvSpPr/>
+          <p:nvPr/>
+        </p:nvSpPr>
+        <p:spPr>
+          <a:xfrm>
+            <a:off x="9171295" y="4640332"/>
+            <a:ext cx="565517" cy="310057"/>
+          </a:xfrm>
+          <a:prstGeom prst="rect">
+            <a:avLst/>
+          </a:prstGeom>
+        </p:spPr>
+        <p:style>
+          <a:lnRef idx="2">
+            <a:schemeClr val="accent1"/>
+          </a:lnRef>
+          <a:fillRef idx="1">
+            <a:schemeClr val="lt1"/>
+          </a:fillRef>
+          <a:effectRef idx="0">
+            <a:schemeClr val="accent1"/>
+          </a:effectRef>
+          <a:fontRef idx="minor">
+            <a:schemeClr val="dk1"/>
+          </a:fontRef>
+        </p:style>
+        <p:txBody>
+          <a:bodyPr rtlCol="0" anchor="ctr"/>
+          <a:lstStyle/>
+          <a:p>
+            <a:pPr algn="ctr"/>
+            <a:r>
+              <a:rPr kumimoji="1" lang="en-US" altLang="ko-KR" sz="1000" dirty="0"/>
+              <a:t>owner</a:t>
+            </a:r>
+          </a:p>
+        </p:txBody>
+      </p:sp>
+      <p:sp>
+        <p:nvSpPr>
+          <p:cNvPr id="44" name="직사각형 43">
+            <a:extLst>
+              <a:ext uri="{FF2B5EF4-FFF2-40B4-BE49-F238E27FC236}">
+                <a16:creationId xmlns:a16="http://schemas.microsoft.com/office/drawing/2014/main" id="{CFA7B05F-69ED-D3EE-7951-AFD97FA0BA32}"/>
+              </a:ext>
+            </a:extLst>
+          </p:cNvPr>
+          <p:cNvSpPr/>
+          <p:nvPr/>
+        </p:nvSpPr>
+        <p:spPr>
+          <a:xfrm>
+            <a:off x="9171295" y="3795538"/>
+            <a:ext cx="565517" cy="310057"/>
+          </a:xfrm>
+          <a:prstGeom prst="rect">
+            <a:avLst/>
+          </a:prstGeom>
+        </p:spPr>
+        <p:style>
+          <a:lnRef idx="2">
+            <a:schemeClr val="accent1"/>
+          </a:lnRef>
+          <a:fillRef idx="1">
+            <a:schemeClr val="lt1"/>
+          </a:fillRef>
+          <a:effectRef idx="0">
+            <a:schemeClr val="accent1"/>
+          </a:effectRef>
+          <a:fontRef idx="minor">
+            <a:schemeClr val="dk1"/>
+          </a:fontRef>
+        </p:style>
+        <p:txBody>
+          <a:bodyPr rtlCol="0" anchor="ctr"/>
+          <a:lstStyle/>
+          <a:p>
+            <a:pPr algn="ctr"/>
+            <a:r>
+              <a:rPr kumimoji="1" lang="en-US" altLang="ko-KR" sz="1000" dirty="0"/>
+              <a:t>viewer</a:t>
+            </a:r>
+          </a:p>
+        </p:txBody>
+      </p:sp>
+      <p:sp>
+        <p:nvSpPr>
+          <p:cNvPr id="46" name="직사각형 45">
+            <a:extLst>
+              <a:ext uri="{FF2B5EF4-FFF2-40B4-BE49-F238E27FC236}">
+                <a16:creationId xmlns:a16="http://schemas.microsoft.com/office/drawing/2014/main" id="{BE8D1572-CA5B-D970-7323-18FD25AF408F}"/>
+              </a:ext>
+            </a:extLst>
+          </p:cNvPr>
+          <p:cNvSpPr/>
+          <p:nvPr/>
+        </p:nvSpPr>
+        <p:spPr>
+          <a:xfrm>
+            <a:off x="6243142" y="591804"/>
+            <a:ext cx="809299" cy="462456"/>
+          </a:xfrm>
+          <a:prstGeom prst="rect">
+            <a:avLst/>
+          </a:prstGeom>
+        </p:spPr>
+        <p:style>
+          <a:lnRef idx="2">
+            <a:schemeClr val="accent1">
+              <a:shade val="50000"/>
+            </a:schemeClr>
+          </a:lnRef>
+          <a:fillRef idx="1">
+            <a:schemeClr val="accent1"/>
+          </a:fillRef>
+          <a:effectRef idx="0">
+            <a:schemeClr val="accent1"/>
+          </a:effectRef>
+          <a:fontRef idx="minor">
+            <a:schemeClr val="lt1"/>
+          </a:fontRef>
+        </p:style>
+        <p:txBody>
+          <a:bodyPr rtlCol="0" anchor="ctr"/>
+          <a:lstStyle/>
+          <a:p>
+            <a:pPr algn="ctr"/>
+            <a:r>
+              <a:rPr kumimoji="1" lang="en-US" altLang="ko-Kore-KR" sz="1600" dirty="0"/>
+              <a:t>Service</a:t>
+            </a:r>
+            <a:endParaRPr kumimoji="1" lang="ko-Kore-KR" altLang="en-US" sz="1600" dirty="0"/>
+          </a:p>
+        </p:txBody>
+      </p:sp>
+      <p:cxnSp>
+        <p:nvCxnSpPr>
+          <p:cNvPr id="47" name="직선 화살표 연결선 46">
+            <a:extLst>
+              <a:ext uri="{FF2B5EF4-FFF2-40B4-BE49-F238E27FC236}">
+                <a16:creationId xmlns:a16="http://schemas.microsoft.com/office/drawing/2014/main" id="{9C5CD4A1-562C-2F2E-FCD0-3F9A8B995B6B}"/>
+              </a:ext>
+            </a:extLst>
+          </p:cNvPr>
+          <p:cNvCxnSpPr>
+            <a:cxnSpLocks/>
+            <a:stCxn id="46" idx="3"/>
+            <a:endCxn id="9" idx="1"/>
+          </p:cNvCxnSpPr>
+          <p:nvPr/>
+        </p:nvCxnSpPr>
+        <p:spPr>
+          <a:xfrm flipV="1">
+            <a:off x="7052441" y="819100"/>
+            <a:ext cx="1161389" cy="3932"/>
+          </a:xfrm>
+          <a:prstGeom prst="straightConnector1">
+            <a:avLst/>
+          </a:prstGeom>
+          <a:ln>
+            <a:tailEnd type="triangle"/>
+          </a:ln>
+        </p:spPr>
+        <p:style>
+          <a:lnRef idx="3">
+            <a:schemeClr val="accent1"/>
+          </a:lnRef>
+          <a:fillRef idx="0">
+            <a:schemeClr val="accent1"/>
+          </a:fillRef>
+          <a:effectRef idx="2">
+            <a:schemeClr val="accent1"/>
+          </a:effectRef>
+          <a:fontRef idx="minor">
+            <a:schemeClr val="tx1"/>
+          </a:fontRef>
+        </p:style>
+      </p:cxnSp>
+      <p:sp>
+        <p:nvSpPr>
+          <p:cNvPr id="51" name="직사각형 50">
+            <a:extLst>
+              <a:ext uri="{FF2B5EF4-FFF2-40B4-BE49-F238E27FC236}">
+                <a16:creationId xmlns:a16="http://schemas.microsoft.com/office/drawing/2014/main" id="{0E061C7C-6EE0-ADD1-9152-5C1477C98079}"/>
+              </a:ext>
+            </a:extLst>
+          </p:cNvPr>
+          <p:cNvSpPr/>
+          <p:nvPr/>
+        </p:nvSpPr>
+        <p:spPr>
+          <a:xfrm>
+            <a:off x="7223660" y="637156"/>
+            <a:ext cx="383411" cy="310057"/>
+          </a:xfrm>
+          <a:prstGeom prst="rect">
+            <a:avLst/>
+          </a:prstGeom>
+        </p:spPr>
+        <p:style>
+          <a:lnRef idx="2">
+            <a:schemeClr val="accent1"/>
+          </a:lnRef>
+          <a:fillRef idx="1">
+            <a:schemeClr val="lt1"/>
+          </a:fillRef>
+          <a:effectRef idx="0">
+            <a:schemeClr val="accent1"/>
+          </a:effectRef>
+          <a:fontRef idx="minor">
+            <a:schemeClr val="dk1"/>
+          </a:fontRef>
+        </p:style>
+        <p:txBody>
+          <a:bodyPr rtlCol="0" anchor="ctr"/>
+          <a:lstStyle/>
+          <a:p>
+            <a:pPr algn="ctr"/>
+            <a:r>
+              <a:rPr kumimoji="1" lang="en-US" altLang="ko-KR" sz="1000" dirty="0"/>
+              <a:t>use</a:t>
+            </a:r>
+          </a:p>
+        </p:txBody>
+      </p:sp>
+      <p:sp>
+        <p:nvSpPr>
+          <p:cNvPr id="52" name="직사각형 51">
+            <a:extLst>
+              <a:ext uri="{FF2B5EF4-FFF2-40B4-BE49-F238E27FC236}">
+                <a16:creationId xmlns:a16="http://schemas.microsoft.com/office/drawing/2014/main" id="{714186F4-0DE7-4DF5-4D1C-F8C93E7676A5}"/>
+              </a:ext>
+            </a:extLst>
+          </p:cNvPr>
+          <p:cNvSpPr/>
+          <p:nvPr/>
+        </p:nvSpPr>
+        <p:spPr>
+          <a:xfrm>
+            <a:off x="6243142" y="1876073"/>
+            <a:ext cx="809299" cy="462456"/>
+          </a:xfrm>
+          <a:prstGeom prst="rect">
+            <a:avLst/>
+          </a:prstGeom>
+        </p:spPr>
+        <p:style>
+          <a:lnRef idx="2">
+            <a:schemeClr val="accent1">
+              <a:shade val="50000"/>
+            </a:schemeClr>
+          </a:lnRef>
+          <a:fillRef idx="1">
+            <a:schemeClr val="accent1"/>
+          </a:fillRef>
+          <a:effectRef idx="0">
+            <a:schemeClr val="accent1"/>
+          </a:effectRef>
+          <a:fontRef idx="minor">
+            <a:schemeClr val="lt1"/>
+          </a:fontRef>
+        </p:style>
+        <p:txBody>
+          <a:bodyPr rtlCol="0" anchor="ctr"/>
+          <a:lstStyle/>
+          <a:p>
+            <a:pPr algn="ctr"/>
+            <a:r>
+              <a:rPr kumimoji="1" lang="en-US" altLang="ko-Kore-KR" sz="1600" dirty="0"/>
+              <a:t>Service</a:t>
+            </a:r>
+            <a:endParaRPr kumimoji="1" lang="ko-Kore-KR" altLang="en-US" sz="1600" dirty="0"/>
+          </a:p>
+        </p:txBody>
+      </p:sp>
+      <p:cxnSp>
+        <p:nvCxnSpPr>
+          <p:cNvPr id="53" name="직선 화살표 연결선 52">
+            <a:extLst>
+              <a:ext uri="{FF2B5EF4-FFF2-40B4-BE49-F238E27FC236}">
+                <a16:creationId xmlns:a16="http://schemas.microsoft.com/office/drawing/2014/main" id="{0080C22F-6D1D-F21E-E060-A11F3657D17A}"/>
+              </a:ext>
+            </a:extLst>
+          </p:cNvPr>
+          <p:cNvCxnSpPr>
+            <a:cxnSpLocks/>
+            <a:stCxn id="52" idx="3"/>
+            <a:endCxn id="13" idx="1"/>
+          </p:cNvCxnSpPr>
+          <p:nvPr/>
+        </p:nvCxnSpPr>
+        <p:spPr>
+          <a:xfrm flipV="1">
+            <a:off x="7052441" y="2094175"/>
+            <a:ext cx="1161389" cy="13126"/>
+          </a:xfrm>
+          <a:prstGeom prst="straightConnector1">
+            <a:avLst/>
+          </a:prstGeom>
+          <a:ln>
+            <a:tailEnd type="triangle"/>
+          </a:ln>
+        </p:spPr>
+        <p:style>
+          <a:lnRef idx="3">
+            <a:schemeClr val="accent1"/>
+          </a:lnRef>
+          <a:fillRef idx="0">
+            <a:schemeClr val="accent1"/>
+          </a:fillRef>
+          <a:effectRef idx="2">
+            <a:schemeClr val="accent1"/>
+          </a:effectRef>
+          <a:fontRef idx="minor">
+            <a:schemeClr val="tx1"/>
+          </a:fontRef>
+        </p:style>
+      </p:cxnSp>
+      <p:sp>
+        <p:nvSpPr>
+          <p:cNvPr id="54" name="직사각형 53">
+            <a:extLst>
+              <a:ext uri="{FF2B5EF4-FFF2-40B4-BE49-F238E27FC236}">
+                <a16:creationId xmlns:a16="http://schemas.microsoft.com/office/drawing/2014/main" id="{94C47B82-FB40-3514-710B-C6DBF840279D}"/>
+              </a:ext>
+            </a:extLst>
+          </p:cNvPr>
+          <p:cNvSpPr/>
+          <p:nvPr/>
+        </p:nvSpPr>
+        <p:spPr>
+          <a:xfrm>
+            <a:off x="7225579" y="1882656"/>
+            <a:ext cx="383411" cy="310057"/>
+          </a:xfrm>
+          <a:prstGeom prst="rect">
+            <a:avLst/>
+          </a:prstGeom>
+        </p:spPr>
+        <p:style>
+          <a:lnRef idx="2">
+            <a:schemeClr val="accent1"/>
+          </a:lnRef>
+          <a:fillRef idx="1">
+            <a:schemeClr val="lt1"/>
+          </a:fillRef>
+          <a:effectRef idx="0">
+            <a:schemeClr val="accent1"/>
+          </a:effectRef>
+          <a:fontRef idx="minor">
+            <a:schemeClr val="dk1"/>
+          </a:fontRef>
+        </p:style>
+        <p:txBody>
+          <a:bodyPr rtlCol="0" anchor="ctr"/>
+          <a:lstStyle/>
+          <a:p>
+            <a:pPr algn="ctr"/>
+            <a:r>
+              <a:rPr kumimoji="1" lang="en-US" altLang="ko-KR" sz="1000" dirty="0"/>
+              <a:t>use</a:t>
+            </a:r>
+          </a:p>
+        </p:txBody>
+      </p:sp>
+      <p:cxnSp>
+        <p:nvCxnSpPr>
+          <p:cNvPr id="56" name="직선 화살표 연결선 55">
+            <a:extLst>
+              <a:ext uri="{FF2B5EF4-FFF2-40B4-BE49-F238E27FC236}">
+                <a16:creationId xmlns:a16="http://schemas.microsoft.com/office/drawing/2014/main" id="{7C67D375-B0DD-D7EA-517B-8F204684AD9A}"/>
+              </a:ext>
+            </a:extLst>
+          </p:cNvPr>
+          <p:cNvCxnSpPr>
+            <a:cxnSpLocks/>
+            <a:stCxn id="52" idx="3"/>
+            <a:endCxn id="26" idx="1"/>
+          </p:cNvCxnSpPr>
+          <p:nvPr/>
+        </p:nvCxnSpPr>
+        <p:spPr>
+          <a:xfrm>
+            <a:off x="7052441" y="2107301"/>
+            <a:ext cx="1161389" cy="1321699"/>
+          </a:xfrm>
+          <a:prstGeom prst="straightConnector1">
+            <a:avLst/>
+          </a:prstGeom>
+          <a:ln>
+            <a:tailEnd type="triangle"/>
+          </a:ln>
+        </p:spPr>
+        <p:style>
+          <a:lnRef idx="3">
+            <a:schemeClr val="accent1"/>
+          </a:lnRef>
+          <a:fillRef idx="0">
+            <a:schemeClr val="accent1"/>
+          </a:fillRef>
+          <a:effectRef idx="2">
+            <a:schemeClr val="accent1"/>
+          </a:effectRef>
+          <a:fontRef idx="minor">
+            <a:schemeClr val="tx1"/>
+          </a:fontRef>
+        </p:style>
+      </p:cxnSp>
+      <p:sp>
+        <p:nvSpPr>
+          <p:cNvPr id="60" name="직사각형 59">
+            <a:extLst>
+              <a:ext uri="{FF2B5EF4-FFF2-40B4-BE49-F238E27FC236}">
+                <a16:creationId xmlns:a16="http://schemas.microsoft.com/office/drawing/2014/main" id="{C8AEBD78-3326-8BE2-8ADF-7C40D2D08B2F}"/>
+              </a:ext>
+            </a:extLst>
+          </p:cNvPr>
+          <p:cNvSpPr/>
+          <p:nvPr/>
+        </p:nvSpPr>
+        <p:spPr>
+          <a:xfrm>
+            <a:off x="7226601" y="2399625"/>
+            <a:ext cx="383411" cy="310057"/>
+          </a:xfrm>
+          <a:prstGeom prst="rect">
+            <a:avLst/>
+          </a:prstGeom>
+        </p:spPr>
+        <p:style>
+          <a:lnRef idx="2">
+            <a:schemeClr val="accent1"/>
+          </a:lnRef>
+          <a:fillRef idx="1">
+            <a:schemeClr val="lt1"/>
+          </a:fillRef>
+          <a:effectRef idx="0">
+            <a:schemeClr val="accent1"/>
+          </a:effectRef>
+          <a:fontRef idx="minor">
+            <a:schemeClr val="dk1"/>
+          </a:fontRef>
+        </p:style>
+        <p:txBody>
+          <a:bodyPr rtlCol="0" anchor="ctr"/>
+          <a:lstStyle/>
+          <a:p>
+            <a:pPr algn="ctr"/>
+            <a:r>
+              <a:rPr kumimoji="1" lang="en-US" altLang="ko-KR" sz="1000" dirty="0"/>
+              <a:t>use</a:t>
+            </a:r>
+          </a:p>
+        </p:txBody>
+      </p:sp>
+      <p:sp>
+        <p:nvSpPr>
+          <p:cNvPr id="61" name="직사각형 60">
+            <a:extLst>
+              <a:ext uri="{FF2B5EF4-FFF2-40B4-BE49-F238E27FC236}">
+                <a16:creationId xmlns:a16="http://schemas.microsoft.com/office/drawing/2014/main" id="{887D38AC-394D-BD79-ED60-E0E8B7617D2C}"/>
+              </a:ext>
+            </a:extLst>
+          </p:cNvPr>
+          <p:cNvSpPr/>
+          <p:nvPr/>
+        </p:nvSpPr>
+        <p:spPr>
+          <a:xfrm>
+            <a:off x="6252041" y="4564133"/>
+            <a:ext cx="809299" cy="462456"/>
+          </a:xfrm>
+          <a:prstGeom prst="rect">
+            <a:avLst/>
+          </a:prstGeom>
+        </p:spPr>
+        <p:style>
+          <a:lnRef idx="2">
+            <a:schemeClr val="accent1">
+              <a:shade val="50000"/>
+            </a:schemeClr>
+          </a:lnRef>
+          <a:fillRef idx="1">
+            <a:schemeClr val="accent1"/>
+          </a:fillRef>
+          <a:effectRef idx="0">
+            <a:schemeClr val="accent1"/>
+          </a:effectRef>
+          <a:fontRef idx="minor">
+            <a:schemeClr val="lt1"/>
+          </a:fontRef>
+        </p:style>
+        <p:txBody>
+          <a:bodyPr rtlCol="0" anchor="ctr"/>
+          <a:lstStyle/>
+          <a:p>
+            <a:pPr algn="ctr"/>
+            <a:r>
+              <a:rPr kumimoji="1" lang="en-US" altLang="ko-Kore-KR" sz="1600" dirty="0"/>
+              <a:t>Service</a:t>
+            </a:r>
+            <a:endParaRPr kumimoji="1" lang="ko-Kore-KR" altLang="en-US" sz="1600" dirty="0"/>
+          </a:p>
+        </p:txBody>
+      </p:sp>
+      <p:cxnSp>
+        <p:nvCxnSpPr>
+          <p:cNvPr id="62" name="직선 화살표 연결선 61">
+            <a:extLst>
+              <a:ext uri="{FF2B5EF4-FFF2-40B4-BE49-F238E27FC236}">
+                <a16:creationId xmlns:a16="http://schemas.microsoft.com/office/drawing/2014/main" id="{B82D68ED-9D40-2EB9-5F84-70F508328CC5}"/>
+              </a:ext>
+            </a:extLst>
+          </p:cNvPr>
+          <p:cNvCxnSpPr>
+            <a:cxnSpLocks/>
+            <a:stCxn id="61" idx="3"/>
+          </p:cNvCxnSpPr>
+          <p:nvPr/>
+        </p:nvCxnSpPr>
+        <p:spPr>
+          <a:xfrm flipV="1">
+            <a:off x="7061340" y="4782235"/>
+            <a:ext cx="1161389" cy="13126"/>
+          </a:xfrm>
+          <a:prstGeom prst="straightConnector1">
+            <a:avLst/>
+          </a:prstGeom>
+          <a:ln>
+            <a:tailEnd type="triangle"/>
+          </a:ln>
+        </p:spPr>
+        <p:style>
+          <a:lnRef idx="3">
+            <a:schemeClr val="accent1"/>
+          </a:lnRef>
+          <a:fillRef idx="0">
+            <a:schemeClr val="accent1"/>
+          </a:fillRef>
+          <a:effectRef idx="2">
+            <a:schemeClr val="accent1"/>
+          </a:effectRef>
+          <a:fontRef idx="minor">
+            <a:schemeClr val="tx1"/>
+          </a:fontRef>
+        </p:style>
+      </p:cxnSp>
+      <p:sp>
+        <p:nvSpPr>
+          <p:cNvPr id="63" name="직사각형 62">
+            <a:extLst>
+              <a:ext uri="{FF2B5EF4-FFF2-40B4-BE49-F238E27FC236}">
+                <a16:creationId xmlns:a16="http://schemas.microsoft.com/office/drawing/2014/main" id="{A075F795-B27B-57EE-0563-3AE036D8647D}"/>
+              </a:ext>
+            </a:extLst>
+          </p:cNvPr>
+          <p:cNvSpPr/>
+          <p:nvPr/>
+        </p:nvSpPr>
+        <p:spPr>
+          <a:xfrm>
+            <a:off x="7225580" y="4633764"/>
+            <a:ext cx="383411" cy="310057"/>
+          </a:xfrm>
+          <a:prstGeom prst="rect">
+            <a:avLst/>
+          </a:prstGeom>
+        </p:spPr>
+        <p:style>
+          <a:lnRef idx="2">
+            <a:schemeClr val="accent1"/>
+          </a:lnRef>
+          <a:fillRef idx="1">
+            <a:schemeClr val="lt1"/>
+          </a:fillRef>
+          <a:effectRef idx="0">
+            <a:schemeClr val="accent1"/>
+          </a:effectRef>
+          <a:fontRef idx="minor">
+            <a:schemeClr val="dk1"/>
+          </a:fontRef>
+        </p:style>
+        <p:txBody>
+          <a:bodyPr rtlCol="0" anchor="ctr"/>
+          <a:lstStyle/>
+          <a:p>
+            <a:pPr algn="ctr"/>
+            <a:r>
+              <a:rPr kumimoji="1" lang="en-US" altLang="ko-KR" sz="1000" dirty="0"/>
+              <a:t>use</a:t>
+            </a:r>
+          </a:p>
+        </p:txBody>
+      </p:sp>
+      <p:sp>
+        <p:nvSpPr>
+          <p:cNvPr id="65" name="직사각형 64">
+            <a:extLst>
+              <a:ext uri="{FF2B5EF4-FFF2-40B4-BE49-F238E27FC236}">
+                <a16:creationId xmlns:a16="http://schemas.microsoft.com/office/drawing/2014/main" id="{2DF7BA96-01FA-6B3B-C8A1-6AFA0E1EC98B}"/>
+              </a:ext>
+            </a:extLst>
+          </p:cNvPr>
+          <p:cNvSpPr/>
+          <p:nvPr/>
+        </p:nvSpPr>
+        <p:spPr>
+          <a:xfrm>
+            <a:off x="7225579" y="4189746"/>
+            <a:ext cx="383411" cy="310057"/>
+          </a:xfrm>
+          <a:prstGeom prst="rect">
+            <a:avLst/>
+          </a:prstGeom>
+        </p:spPr>
+        <p:style>
+          <a:lnRef idx="2">
+            <a:schemeClr val="accent1"/>
+          </a:lnRef>
+          <a:fillRef idx="1">
+            <a:schemeClr val="lt1"/>
+          </a:fillRef>
+          <a:effectRef idx="0">
+            <a:schemeClr val="accent1"/>
+          </a:effectRef>
+          <a:fontRef idx="minor">
+            <a:schemeClr val="dk1"/>
+          </a:fontRef>
+        </p:style>
+        <p:txBody>
+          <a:bodyPr rtlCol="0" anchor="ctr"/>
+          <a:lstStyle/>
+          <a:p>
+            <a:pPr algn="ctr"/>
+            <a:r>
+              <a:rPr kumimoji="1" lang="en-US" altLang="ko-KR" sz="1000" dirty="0"/>
+              <a:t>use</a:t>
+            </a:r>
+          </a:p>
+        </p:txBody>
+      </p:sp>
+      <p:sp>
+        <p:nvSpPr>
+          <p:cNvPr id="67" name="직사각형 66">
+            <a:extLst>
+              <a:ext uri="{FF2B5EF4-FFF2-40B4-BE49-F238E27FC236}">
+                <a16:creationId xmlns:a16="http://schemas.microsoft.com/office/drawing/2014/main" id="{CAB21EB9-3F95-D849-EC4C-865B60E31CA2}"/>
+              </a:ext>
+            </a:extLst>
+          </p:cNvPr>
+          <p:cNvSpPr/>
+          <p:nvPr/>
+        </p:nvSpPr>
+        <p:spPr>
+          <a:xfrm>
+            <a:off x="3836694" y="591804"/>
+            <a:ext cx="1138345" cy="462456"/>
+          </a:xfrm>
+          <a:prstGeom prst="rect">
+            <a:avLst/>
+          </a:prstGeom>
+        </p:spPr>
+        <p:style>
+          <a:lnRef idx="2">
+            <a:schemeClr val="accent1">
+              <a:shade val="50000"/>
+            </a:schemeClr>
+          </a:lnRef>
+          <a:fillRef idx="1">
+            <a:schemeClr val="accent1"/>
+          </a:fillRef>
+          <a:effectRef idx="0">
+            <a:schemeClr val="accent1"/>
+          </a:effectRef>
+          <a:fontRef idx="minor">
+            <a:schemeClr val="lt1"/>
+          </a:fontRef>
+        </p:style>
+        <p:txBody>
+          <a:bodyPr rtlCol="0" anchor="ctr"/>
+          <a:lstStyle/>
+          <a:p>
+            <a:pPr algn="ctr"/>
+            <a:r>
+              <a:rPr kumimoji="1" lang="en-US" altLang="ko-Kore-KR" sz="1600" dirty="0"/>
+              <a:t>Controller</a:t>
+            </a:r>
+            <a:endParaRPr kumimoji="1" lang="ko-Kore-KR" altLang="en-US" sz="1600" dirty="0"/>
+          </a:p>
+        </p:txBody>
+      </p:sp>
+      <p:cxnSp>
+        <p:nvCxnSpPr>
+          <p:cNvPr id="68" name="직선 화살표 연결선 67">
+            <a:extLst>
+              <a:ext uri="{FF2B5EF4-FFF2-40B4-BE49-F238E27FC236}">
+                <a16:creationId xmlns:a16="http://schemas.microsoft.com/office/drawing/2014/main" id="{67EED6AB-6919-5E25-6A6E-30EE7B2ABC62}"/>
+              </a:ext>
+            </a:extLst>
+          </p:cNvPr>
+          <p:cNvCxnSpPr>
+            <a:cxnSpLocks/>
+            <a:stCxn id="67" idx="3"/>
+            <a:endCxn id="46" idx="1"/>
+          </p:cNvCxnSpPr>
+          <p:nvPr/>
+        </p:nvCxnSpPr>
+        <p:spPr>
+          <a:xfrm>
+            <a:off x="4975039" y="823032"/>
+            <a:ext cx="1268103" cy="0"/>
+          </a:xfrm>
+          <a:prstGeom prst="straightConnector1">
+            <a:avLst/>
+          </a:prstGeom>
+          <a:ln>
+            <a:tailEnd type="triangle"/>
+          </a:ln>
+        </p:spPr>
+        <p:style>
+          <a:lnRef idx="3">
+            <a:schemeClr val="accent1"/>
+          </a:lnRef>
+          <a:fillRef idx="0">
+            <a:schemeClr val="accent1"/>
+          </a:fillRef>
+          <a:effectRef idx="2">
+            <a:schemeClr val="accent1"/>
+          </a:effectRef>
+          <a:fontRef idx="minor">
+            <a:schemeClr val="tx1"/>
+          </a:fontRef>
+        </p:style>
+      </p:cxnSp>
+      <p:sp>
+        <p:nvSpPr>
+          <p:cNvPr id="69" name="직사각형 68">
+            <a:extLst>
+              <a:ext uri="{FF2B5EF4-FFF2-40B4-BE49-F238E27FC236}">
+                <a16:creationId xmlns:a16="http://schemas.microsoft.com/office/drawing/2014/main" id="{4A138570-4C29-0961-FACC-FD87DB21ACF1}"/>
+              </a:ext>
+            </a:extLst>
+          </p:cNvPr>
+          <p:cNvSpPr/>
+          <p:nvPr/>
+        </p:nvSpPr>
+        <p:spPr>
+          <a:xfrm>
+            <a:off x="5112107" y="664071"/>
+            <a:ext cx="383411" cy="310057"/>
+          </a:xfrm>
+          <a:prstGeom prst="rect">
+            <a:avLst/>
+          </a:prstGeom>
+        </p:spPr>
+        <p:style>
+          <a:lnRef idx="2">
+            <a:schemeClr val="accent1"/>
+          </a:lnRef>
+          <a:fillRef idx="1">
+            <a:schemeClr val="lt1"/>
+          </a:fillRef>
+          <a:effectRef idx="0">
+            <a:schemeClr val="accent1"/>
+          </a:effectRef>
+          <a:fontRef idx="minor">
+            <a:schemeClr val="dk1"/>
+          </a:fontRef>
+        </p:style>
+        <p:txBody>
+          <a:bodyPr rtlCol="0" anchor="ctr"/>
+          <a:lstStyle/>
+          <a:p>
+            <a:pPr algn="ctr"/>
+            <a:r>
+              <a:rPr kumimoji="1" lang="en-US" altLang="ko-KR" sz="1000" dirty="0"/>
+              <a:t>use</a:t>
+            </a:r>
+          </a:p>
+        </p:txBody>
+      </p:sp>
+      <p:sp>
+        <p:nvSpPr>
+          <p:cNvPr id="74" name="직사각형 73">
+            <a:extLst>
+              <a:ext uri="{FF2B5EF4-FFF2-40B4-BE49-F238E27FC236}">
+                <a16:creationId xmlns:a16="http://schemas.microsoft.com/office/drawing/2014/main" id="{568C3D89-8401-64AD-D214-8953203B1606}"/>
+              </a:ext>
+            </a:extLst>
+          </p:cNvPr>
+          <p:cNvSpPr/>
+          <p:nvPr/>
+        </p:nvSpPr>
+        <p:spPr>
+          <a:xfrm>
+            <a:off x="3836694" y="1876073"/>
+            <a:ext cx="1138345" cy="462456"/>
+          </a:xfrm>
+          <a:prstGeom prst="rect">
+            <a:avLst/>
+          </a:prstGeom>
+        </p:spPr>
+        <p:style>
+          <a:lnRef idx="2">
+            <a:schemeClr val="accent1">
+              <a:shade val="50000"/>
+            </a:schemeClr>
+          </a:lnRef>
+          <a:fillRef idx="1">
+            <a:schemeClr val="accent1"/>
+          </a:fillRef>
+          <a:effectRef idx="0">
+            <a:schemeClr val="accent1"/>
+          </a:effectRef>
+          <a:fontRef idx="minor">
+            <a:schemeClr val="lt1"/>
+          </a:fontRef>
+        </p:style>
+        <p:txBody>
+          <a:bodyPr rtlCol="0" anchor="ctr"/>
+          <a:lstStyle/>
+          <a:p>
+            <a:pPr algn="ctr"/>
+            <a:r>
+              <a:rPr kumimoji="1" lang="en-US" altLang="ko-Kore-KR" sz="1600" dirty="0"/>
+              <a:t>Controller</a:t>
+            </a:r>
+            <a:endParaRPr kumimoji="1" lang="ko-Kore-KR" altLang="en-US" sz="1600" dirty="0"/>
+          </a:p>
+        </p:txBody>
+      </p:sp>
+      <p:cxnSp>
+        <p:nvCxnSpPr>
+          <p:cNvPr id="75" name="직선 화살표 연결선 74">
+            <a:extLst>
+              <a:ext uri="{FF2B5EF4-FFF2-40B4-BE49-F238E27FC236}">
+                <a16:creationId xmlns:a16="http://schemas.microsoft.com/office/drawing/2014/main" id="{E427C0AB-96CD-B2C8-F2A8-CDD0C0189AEC}"/>
+              </a:ext>
+            </a:extLst>
+          </p:cNvPr>
+          <p:cNvCxnSpPr>
+            <a:cxnSpLocks/>
+            <a:stCxn id="74" idx="3"/>
+            <a:endCxn id="52" idx="1"/>
+          </p:cNvCxnSpPr>
+          <p:nvPr/>
+        </p:nvCxnSpPr>
+        <p:spPr>
+          <a:xfrm>
+            <a:off x="4975039" y="2107301"/>
+            <a:ext cx="1268103" cy="0"/>
+          </a:xfrm>
+          <a:prstGeom prst="straightConnector1">
+            <a:avLst/>
+          </a:prstGeom>
+          <a:ln>
+            <a:tailEnd type="triangle"/>
+          </a:ln>
+        </p:spPr>
+        <p:style>
+          <a:lnRef idx="3">
+            <a:schemeClr val="accent1"/>
+          </a:lnRef>
+          <a:fillRef idx="0">
+            <a:schemeClr val="accent1"/>
+          </a:fillRef>
+          <a:effectRef idx="2">
+            <a:schemeClr val="accent1"/>
+          </a:effectRef>
+          <a:fontRef idx="minor">
+            <a:schemeClr val="tx1"/>
+          </a:fontRef>
+        </p:style>
+      </p:cxnSp>
+      <p:cxnSp>
+        <p:nvCxnSpPr>
+          <p:cNvPr id="78" name="직선 화살표 연결선 77">
+            <a:extLst>
+              <a:ext uri="{FF2B5EF4-FFF2-40B4-BE49-F238E27FC236}">
+                <a16:creationId xmlns:a16="http://schemas.microsoft.com/office/drawing/2014/main" id="{FA3AE5FE-6F01-8853-78D1-40BD10AEE510}"/>
+              </a:ext>
+            </a:extLst>
+          </p:cNvPr>
+          <p:cNvCxnSpPr>
+            <a:cxnSpLocks/>
+            <a:stCxn id="74" idx="3"/>
+            <a:endCxn id="46" idx="1"/>
+          </p:cNvCxnSpPr>
+          <p:nvPr/>
+        </p:nvCxnSpPr>
+        <p:spPr>
+          <a:xfrm flipV="1">
+            <a:off x="4975039" y="823032"/>
+            <a:ext cx="1268103" cy="1284269"/>
+          </a:xfrm>
+          <a:prstGeom prst="straightConnector1">
+            <a:avLst/>
+          </a:prstGeom>
+          <a:ln>
+            <a:tailEnd type="triangle"/>
+          </a:ln>
+        </p:spPr>
+        <p:style>
+          <a:lnRef idx="3">
+            <a:schemeClr val="accent1"/>
+          </a:lnRef>
+          <a:fillRef idx="0">
+            <a:schemeClr val="accent1"/>
+          </a:fillRef>
+          <a:effectRef idx="2">
+            <a:schemeClr val="accent1"/>
+          </a:effectRef>
+          <a:fontRef idx="minor">
+            <a:schemeClr val="tx1"/>
+          </a:fontRef>
+        </p:style>
+      </p:cxnSp>
+      <p:cxnSp>
+        <p:nvCxnSpPr>
+          <p:cNvPr id="81" name="직선 화살표 연결선 80">
+            <a:extLst>
+              <a:ext uri="{FF2B5EF4-FFF2-40B4-BE49-F238E27FC236}">
+                <a16:creationId xmlns:a16="http://schemas.microsoft.com/office/drawing/2014/main" id="{FA3DC889-A97D-8ED6-B86D-074499FC4057}"/>
+              </a:ext>
+            </a:extLst>
+          </p:cNvPr>
+          <p:cNvCxnSpPr>
+            <a:cxnSpLocks/>
+            <a:stCxn id="74" idx="3"/>
+            <a:endCxn id="61" idx="1"/>
+          </p:cNvCxnSpPr>
+          <p:nvPr/>
+        </p:nvCxnSpPr>
+        <p:spPr>
+          <a:xfrm>
+            <a:off x="4975039" y="2107301"/>
+            <a:ext cx="1277002" cy="2688060"/>
+          </a:xfrm>
+          <a:prstGeom prst="straightConnector1">
+            <a:avLst/>
+          </a:prstGeom>
+          <a:ln>
+            <a:tailEnd type="triangle"/>
+          </a:ln>
+        </p:spPr>
+        <p:style>
+          <a:lnRef idx="3">
+            <a:schemeClr val="accent1"/>
+          </a:lnRef>
+          <a:fillRef idx="0">
+            <a:schemeClr val="accent1"/>
+          </a:fillRef>
+          <a:effectRef idx="2">
+            <a:schemeClr val="accent1"/>
+          </a:effectRef>
+          <a:fontRef idx="minor">
+            <a:schemeClr val="tx1"/>
+          </a:fontRef>
+        </p:style>
+      </p:cxnSp>
+      <p:sp>
+        <p:nvSpPr>
+          <p:cNvPr id="84" name="직사각형 83">
+            <a:extLst>
+              <a:ext uri="{FF2B5EF4-FFF2-40B4-BE49-F238E27FC236}">
+                <a16:creationId xmlns:a16="http://schemas.microsoft.com/office/drawing/2014/main" id="{7DADC836-0970-1AB9-DC52-A24A30D72825}"/>
+              </a:ext>
+            </a:extLst>
+          </p:cNvPr>
+          <p:cNvSpPr/>
+          <p:nvPr/>
+        </p:nvSpPr>
+        <p:spPr>
+          <a:xfrm>
+            <a:off x="5116189" y="1960742"/>
+            <a:ext cx="383411" cy="310057"/>
+          </a:xfrm>
+          <a:prstGeom prst="rect">
+            <a:avLst/>
+          </a:prstGeom>
+        </p:spPr>
+        <p:style>
+          <a:lnRef idx="2">
+            <a:schemeClr val="accent1"/>
+          </a:lnRef>
+          <a:fillRef idx="1">
+            <a:schemeClr val="lt1"/>
+          </a:fillRef>
+          <a:effectRef idx="0">
+            <a:schemeClr val="accent1"/>
+          </a:effectRef>
+          <a:fontRef idx="minor">
+            <a:schemeClr val="dk1"/>
+          </a:fontRef>
+        </p:style>
+        <p:txBody>
+          <a:bodyPr rtlCol="0" anchor="ctr"/>
+          <a:lstStyle/>
+          <a:p>
+            <a:pPr algn="ctr"/>
+            <a:r>
+              <a:rPr kumimoji="1" lang="en-US" altLang="ko-KR" sz="1000" dirty="0"/>
+              <a:t>use</a:t>
+            </a:r>
+          </a:p>
+        </p:txBody>
+      </p:sp>
+      <p:sp>
+        <p:nvSpPr>
+          <p:cNvPr id="85" name="직사각형 84">
+            <a:extLst>
+              <a:ext uri="{FF2B5EF4-FFF2-40B4-BE49-F238E27FC236}">
+                <a16:creationId xmlns:a16="http://schemas.microsoft.com/office/drawing/2014/main" id="{366D3F62-E6CB-BF5A-0EC8-7AA92FA594A6}"/>
+              </a:ext>
+            </a:extLst>
+          </p:cNvPr>
+          <p:cNvSpPr/>
+          <p:nvPr/>
+        </p:nvSpPr>
+        <p:spPr>
+          <a:xfrm>
+            <a:off x="5112107" y="2454154"/>
+            <a:ext cx="383411" cy="310057"/>
+          </a:xfrm>
+          <a:prstGeom prst="rect">
+            <a:avLst/>
+          </a:prstGeom>
+        </p:spPr>
+        <p:style>
+          <a:lnRef idx="2">
+            <a:schemeClr val="accent1"/>
+          </a:lnRef>
+          <a:fillRef idx="1">
+            <a:schemeClr val="lt1"/>
+          </a:fillRef>
+          <a:effectRef idx="0">
+            <a:schemeClr val="accent1"/>
+          </a:effectRef>
+          <a:fontRef idx="minor">
+            <a:schemeClr val="dk1"/>
+          </a:fontRef>
+        </p:style>
+        <p:txBody>
+          <a:bodyPr rtlCol="0" anchor="ctr"/>
+          <a:lstStyle/>
+          <a:p>
+            <a:pPr algn="ctr"/>
+            <a:r>
+              <a:rPr kumimoji="1" lang="en-US" altLang="ko-KR" sz="1000" dirty="0"/>
+              <a:t>use</a:t>
+            </a:r>
+          </a:p>
+        </p:txBody>
+      </p:sp>
+      <p:cxnSp>
+        <p:nvCxnSpPr>
+          <p:cNvPr id="86" name="직선 화살표 연결선 85">
+            <a:extLst>
+              <a:ext uri="{FF2B5EF4-FFF2-40B4-BE49-F238E27FC236}">
+                <a16:creationId xmlns:a16="http://schemas.microsoft.com/office/drawing/2014/main" id="{E2381931-DB56-DFDF-D786-AE087D0CF949}"/>
+              </a:ext>
+            </a:extLst>
+          </p:cNvPr>
+          <p:cNvCxnSpPr>
+            <a:cxnSpLocks/>
+            <a:stCxn id="9" idx="2"/>
+            <a:endCxn id="13" idx="0"/>
+          </p:cNvCxnSpPr>
+          <p:nvPr/>
+        </p:nvCxnSpPr>
+        <p:spPr>
+          <a:xfrm>
+            <a:off x="8523886" y="1050328"/>
+            <a:ext cx="0" cy="812619"/>
+          </a:xfrm>
+          <a:prstGeom prst="straightConnector1">
+            <a:avLst/>
+          </a:prstGeom>
+          <a:ln>
+            <a:tailEnd type="triangle"/>
+          </a:ln>
+        </p:spPr>
+        <p:style>
+          <a:lnRef idx="3">
+            <a:schemeClr val="accent1"/>
+          </a:lnRef>
+          <a:fillRef idx="0">
+            <a:schemeClr val="accent1"/>
+          </a:fillRef>
+          <a:effectRef idx="2">
+            <a:schemeClr val="accent1"/>
+          </a:effectRef>
+          <a:fontRef idx="minor">
+            <a:schemeClr val="tx1"/>
+          </a:fontRef>
+        </p:style>
+      </p:cxnSp>
+      <p:cxnSp>
+        <p:nvCxnSpPr>
+          <p:cNvPr id="90" name="직선 화살표 연결선 89">
+            <a:extLst>
+              <a:ext uri="{FF2B5EF4-FFF2-40B4-BE49-F238E27FC236}">
+                <a16:creationId xmlns:a16="http://schemas.microsoft.com/office/drawing/2014/main" id="{E180D75C-BCBD-0456-0197-D0FB96BC72D0}"/>
+              </a:ext>
+            </a:extLst>
+          </p:cNvPr>
+          <p:cNvCxnSpPr>
+            <a:cxnSpLocks/>
+            <a:stCxn id="46" idx="2"/>
+            <a:endCxn id="52" idx="0"/>
+          </p:cNvCxnSpPr>
+          <p:nvPr/>
+        </p:nvCxnSpPr>
+        <p:spPr>
+          <a:xfrm>
+            <a:off x="6647792" y="1054260"/>
+            <a:ext cx="0" cy="821813"/>
+          </a:xfrm>
+          <a:prstGeom prst="straightConnector1">
+            <a:avLst/>
+          </a:prstGeom>
+          <a:ln>
+            <a:tailEnd type="triangle"/>
+          </a:ln>
+        </p:spPr>
+        <p:style>
+          <a:lnRef idx="3">
+            <a:schemeClr val="accent1"/>
+          </a:lnRef>
+          <a:fillRef idx="0">
+            <a:schemeClr val="accent1"/>
+          </a:fillRef>
+          <a:effectRef idx="2">
+            <a:schemeClr val="accent1"/>
+          </a:effectRef>
+          <a:fontRef idx="minor">
+            <a:schemeClr val="tx1"/>
+          </a:fontRef>
+        </p:style>
+      </p:cxnSp>
+      <p:cxnSp>
+        <p:nvCxnSpPr>
+          <p:cNvPr id="93" name="직선 화살표 연결선 92">
+            <a:extLst>
+              <a:ext uri="{FF2B5EF4-FFF2-40B4-BE49-F238E27FC236}">
+                <a16:creationId xmlns:a16="http://schemas.microsoft.com/office/drawing/2014/main" id="{D4BC8396-F853-43F4-6271-2AE14900DDDF}"/>
+              </a:ext>
+            </a:extLst>
+          </p:cNvPr>
+          <p:cNvCxnSpPr>
+            <a:cxnSpLocks/>
+            <a:stCxn id="67" idx="2"/>
+            <a:endCxn id="74" idx="0"/>
+          </p:cNvCxnSpPr>
+          <p:nvPr/>
+        </p:nvCxnSpPr>
+        <p:spPr>
+          <a:xfrm>
+            <a:off x="4405867" y="1054260"/>
+            <a:ext cx="0" cy="821813"/>
+          </a:xfrm>
+          <a:prstGeom prst="straightConnector1">
+            <a:avLst/>
+          </a:prstGeom>
+          <a:ln>
+            <a:tailEnd type="triangle"/>
+          </a:ln>
+        </p:spPr>
+        <p:style>
+          <a:lnRef idx="3">
+            <a:schemeClr val="accent1"/>
+          </a:lnRef>
+          <a:fillRef idx="0">
+            <a:schemeClr val="accent1"/>
+          </a:fillRef>
+          <a:effectRef idx="2">
+            <a:schemeClr val="accent1"/>
+          </a:effectRef>
+          <a:fontRef idx="minor">
+            <a:schemeClr val="tx1"/>
+          </a:fontRef>
+        </p:style>
+      </p:cxnSp>
+      <p:sp>
+        <p:nvSpPr>
+          <p:cNvPr id="103" name="곱하기 102">
+            <a:extLst>
+              <a:ext uri="{FF2B5EF4-FFF2-40B4-BE49-F238E27FC236}">
+                <a16:creationId xmlns:a16="http://schemas.microsoft.com/office/drawing/2014/main" id="{04E0C1EB-F73F-C007-BCA8-DC5A5D5FE788}"/>
+              </a:ext>
+            </a:extLst>
+          </p:cNvPr>
+          <p:cNvSpPr/>
+          <p:nvPr/>
+        </p:nvSpPr>
+        <p:spPr>
+          <a:xfrm>
+            <a:off x="8176759" y="1174683"/>
+            <a:ext cx="657183" cy="448769"/>
+          </a:xfrm>
+          <a:prstGeom prst="mathMultiply">
+            <a:avLst/>
+          </a:prstGeom>
+          <a:solidFill>
+            <a:srgbClr val="C43EA7">
+              <a:alpha val="82000"/>
+            </a:srgbClr>
+          </a:solidFill>
+          <a:ln>
+            <a:solidFill>
+              <a:srgbClr val="C43EA7"/>
+            </a:solidFill>
+          </a:ln>
+        </p:spPr>
+        <p:style>
+          <a:lnRef idx="2">
+            <a:schemeClr val="accent1">
+              <a:shade val="50000"/>
+            </a:schemeClr>
+          </a:lnRef>
+          <a:fillRef idx="1">
+            <a:schemeClr val="accent1"/>
+          </a:fillRef>
+          <a:effectRef idx="0">
+            <a:schemeClr val="accent1"/>
+          </a:effectRef>
+          <a:fontRef idx="minor">
+            <a:schemeClr val="lt1"/>
+          </a:fontRef>
+        </p:style>
+        <p:txBody>
+          <a:bodyPr rtlCol="0" anchor="ctr"/>
+          <a:lstStyle/>
+          <a:p>
+            <a:pPr algn="ctr"/>
+            <a:endParaRPr kumimoji="1" lang="ko-Kore-KR" altLang="en-US" dirty="0"/>
+          </a:p>
+        </p:txBody>
+      </p:sp>
+      <p:sp>
+        <p:nvSpPr>
+          <p:cNvPr id="104" name="곱하기 103">
+            <a:extLst>
+              <a:ext uri="{FF2B5EF4-FFF2-40B4-BE49-F238E27FC236}">
+                <a16:creationId xmlns:a16="http://schemas.microsoft.com/office/drawing/2014/main" id="{195DEBB2-8998-AFF9-952F-04073AEB2D56}"/>
+              </a:ext>
+            </a:extLst>
+          </p:cNvPr>
+          <p:cNvSpPr/>
+          <p:nvPr/>
+        </p:nvSpPr>
+        <p:spPr>
+          <a:xfrm>
+            <a:off x="6319199" y="1175875"/>
+            <a:ext cx="657183" cy="448769"/>
+          </a:xfrm>
+          <a:prstGeom prst="mathMultiply">
+            <a:avLst/>
+          </a:prstGeom>
+          <a:solidFill>
+            <a:srgbClr val="C43EA7">
+              <a:alpha val="82000"/>
+            </a:srgbClr>
+          </a:solidFill>
+          <a:ln>
+            <a:solidFill>
+              <a:srgbClr val="C43EA7"/>
+            </a:solidFill>
+          </a:ln>
+        </p:spPr>
+        <p:style>
+          <a:lnRef idx="2">
+            <a:schemeClr val="accent1">
+              <a:shade val="50000"/>
+            </a:schemeClr>
+          </a:lnRef>
+          <a:fillRef idx="1">
+            <a:schemeClr val="accent1"/>
+          </a:fillRef>
+          <a:effectRef idx="0">
+            <a:schemeClr val="accent1"/>
+          </a:effectRef>
+          <a:fontRef idx="minor">
+            <a:schemeClr val="lt1"/>
+          </a:fontRef>
+        </p:style>
+        <p:txBody>
+          <a:bodyPr rtlCol="0" anchor="ctr"/>
+          <a:lstStyle/>
+          <a:p>
+            <a:pPr algn="ctr"/>
+            <a:endParaRPr kumimoji="1" lang="ko-Kore-KR" altLang="en-US" dirty="0"/>
+          </a:p>
+        </p:txBody>
+      </p:sp>
+      <p:sp>
+        <p:nvSpPr>
+          <p:cNvPr id="105" name="곱하기 104">
+            <a:extLst>
+              <a:ext uri="{FF2B5EF4-FFF2-40B4-BE49-F238E27FC236}">
+                <a16:creationId xmlns:a16="http://schemas.microsoft.com/office/drawing/2014/main" id="{6024378B-419D-BE70-7285-57FC73A47725}"/>
+              </a:ext>
+            </a:extLst>
+          </p:cNvPr>
+          <p:cNvSpPr/>
+          <p:nvPr/>
+        </p:nvSpPr>
+        <p:spPr>
+          <a:xfrm>
+            <a:off x="4054356" y="1174683"/>
+            <a:ext cx="657183" cy="448769"/>
+          </a:xfrm>
+          <a:prstGeom prst="mathMultiply">
+            <a:avLst/>
+          </a:prstGeom>
+          <a:solidFill>
+            <a:srgbClr val="C43EA7">
+              <a:alpha val="82000"/>
+            </a:srgbClr>
+          </a:solidFill>
+          <a:ln>
+            <a:solidFill>
+              <a:srgbClr val="C43EA7"/>
+            </a:solidFill>
+          </a:ln>
+        </p:spPr>
+        <p:style>
+          <a:lnRef idx="2">
+            <a:schemeClr val="accent1">
+              <a:shade val="50000"/>
+            </a:schemeClr>
+          </a:lnRef>
+          <a:fillRef idx="1">
+            <a:schemeClr val="accent1"/>
+          </a:fillRef>
+          <a:effectRef idx="0">
+            <a:schemeClr val="accent1"/>
+          </a:effectRef>
+          <a:fontRef idx="minor">
+            <a:schemeClr val="lt1"/>
+          </a:fontRef>
+        </p:style>
+        <p:txBody>
+          <a:bodyPr rtlCol="0" anchor="ctr"/>
+          <a:lstStyle/>
+          <a:p>
+            <a:pPr algn="ctr"/>
+            <a:endParaRPr kumimoji="1" lang="ko-Kore-KR" altLang="en-US" dirty="0"/>
+          </a:p>
+        </p:txBody>
+      </p:sp>
+      <p:sp>
+        <p:nvSpPr>
+          <p:cNvPr id="106" name="직사각형 105">
+            <a:extLst>
+              <a:ext uri="{FF2B5EF4-FFF2-40B4-BE49-F238E27FC236}">
+                <a16:creationId xmlns:a16="http://schemas.microsoft.com/office/drawing/2014/main" id="{2FD7C941-8634-E777-1A1D-B21C0E00DB1E}"/>
+              </a:ext>
+            </a:extLst>
+          </p:cNvPr>
+          <p:cNvSpPr/>
+          <p:nvPr/>
+        </p:nvSpPr>
+        <p:spPr>
+          <a:xfrm>
+            <a:off x="1846174" y="592517"/>
+            <a:ext cx="809299" cy="462456"/>
+          </a:xfrm>
+          <a:prstGeom prst="rect">
+            <a:avLst/>
+          </a:prstGeom>
+        </p:spPr>
+        <p:style>
+          <a:lnRef idx="2">
+            <a:schemeClr val="accent1">
+              <a:shade val="50000"/>
+            </a:schemeClr>
+          </a:lnRef>
+          <a:fillRef idx="1">
+            <a:schemeClr val="accent1"/>
+          </a:fillRef>
+          <a:effectRef idx="0">
+            <a:schemeClr val="accent1"/>
+          </a:effectRef>
+          <a:fontRef idx="minor">
+            <a:schemeClr val="lt1"/>
+          </a:fontRef>
+        </p:style>
+        <p:txBody>
+          <a:bodyPr rtlCol="0" anchor="ctr"/>
+          <a:lstStyle/>
+          <a:p>
+            <a:pPr algn="ctr"/>
+            <a:r>
+              <a:rPr kumimoji="1" lang="en-US" altLang="ko-Kore-KR" sz="1600" dirty="0"/>
+              <a:t>Client</a:t>
+            </a:r>
+            <a:endParaRPr kumimoji="1" lang="ko-Kore-KR" altLang="en-US" sz="1600" dirty="0"/>
+          </a:p>
+        </p:txBody>
+      </p:sp>
+      <p:cxnSp>
+        <p:nvCxnSpPr>
+          <p:cNvPr id="107" name="직선 화살표 연결선 106">
+            <a:extLst>
+              <a:ext uri="{FF2B5EF4-FFF2-40B4-BE49-F238E27FC236}">
+                <a16:creationId xmlns:a16="http://schemas.microsoft.com/office/drawing/2014/main" id="{899F9482-F2F4-1A5C-8ACF-7AD7D2242806}"/>
+              </a:ext>
+            </a:extLst>
+          </p:cNvPr>
+          <p:cNvCxnSpPr>
+            <a:cxnSpLocks/>
+            <a:stCxn id="106" idx="3"/>
+            <a:endCxn id="67" idx="1"/>
+          </p:cNvCxnSpPr>
+          <p:nvPr/>
+        </p:nvCxnSpPr>
+        <p:spPr>
+          <a:xfrm flipV="1">
+            <a:off x="2655473" y="823032"/>
+            <a:ext cx="1181221" cy="713"/>
+          </a:xfrm>
+          <a:prstGeom prst="straightConnector1">
+            <a:avLst/>
+          </a:prstGeom>
+          <a:ln>
+            <a:tailEnd type="triangle"/>
+          </a:ln>
+        </p:spPr>
+        <p:style>
+          <a:lnRef idx="3">
+            <a:schemeClr val="accent1"/>
+          </a:lnRef>
+          <a:fillRef idx="0">
+            <a:schemeClr val="accent1"/>
+          </a:fillRef>
+          <a:effectRef idx="2">
+            <a:schemeClr val="accent1"/>
+          </a:effectRef>
+          <a:fontRef idx="minor">
+            <a:schemeClr val="tx1"/>
+          </a:fontRef>
+        </p:style>
+      </p:cxnSp>
+      <p:sp>
+        <p:nvSpPr>
+          <p:cNvPr id="110" name="직사각형 109">
+            <a:extLst>
+              <a:ext uri="{FF2B5EF4-FFF2-40B4-BE49-F238E27FC236}">
+                <a16:creationId xmlns:a16="http://schemas.microsoft.com/office/drawing/2014/main" id="{8DB6CA9E-FD9E-1A79-9160-2FCF6BB7F0B7}"/>
+              </a:ext>
+            </a:extLst>
+          </p:cNvPr>
+          <p:cNvSpPr/>
+          <p:nvPr/>
+        </p:nvSpPr>
+        <p:spPr>
+          <a:xfrm>
+            <a:off x="2790895" y="664070"/>
+            <a:ext cx="484690" cy="310057"/>
+          </a:xfrm>
+          <a:prstGeom prst="rect">
+            <a:avLst/>
+          </a:prstGeom>
+        </p:spPr>
+        <p:style>
+          <a:lnRef idx="2">
+            <a:schemeClr val="accent1"/>
+          </a:lnRef>
+          <a:fillRef idx="1">
+            <a:schemeClr val="lt1"/>
+          </a:fillRef>
+          <a:effectRef idx="0">
+            <a:schemeClr val="accent1"/>
+          </a:effectRef>
+          <a:fontRef idx="minor">
+            <a:schemeClr val="dk1"/>
+          </a:fontRef>
+        </p:style>
+        <p:txBody>
+          <a:bodyPr rtlCol="0" anchor="ctr"/>
+          <a:lstStyle/>
+          <a:p>
+            <a:pPr algn="ctr"/>
+            <a:r>
+              <a:rPr kumimoji="1" lang="ko-KR" altLang="en-US" sz="1000" dirty="0"/>
+              <a:t>요청</a:t>
+            </a:r>
+            <a:endParaRPr kumimoji="1" lang="en-US" altLang="ko-KR" sz="1000" dirty="0"/>
+          </a:p>
+        </p:txBody>
+      </p:sp>
+      <p:sp>
+        <p:nvSpPr>
+          <p:cNvPr id="111" name="직사각형 110">
+            <a:extLst>
+              <a:ext uri="{FF2B5EF4-FFF2-40B4-BE49-F238E27FC236}">
+                <a16:creationId xmlns:a16="http://schemas.microsoft.com/office/drawing/2014/main" id="{D6526085-4DCC-F6D4-EB8C-5DC36CF338FB}"/>
+              </a:ext>
+            </a:extLst>
+          </p:cNvPr>
+          <p:cNvSpPr/>
+          <p:nvPr/>
+        </p:nvSpPr>
+        <p:spPr>
+          <a:xfrm>
+            <a:off x="1849821" y="1882665"/>
+            <a:ext cx="809299" cy="462456"/>
+          </a:xfrm>
+          <a:prstGeom prst="rect">
+            <a:avLst/>
+          </a:prstGeom>
+        </p:spPr>
+        <p:style>
+          <a:lnRef idx="2">
+            <a:schemeClr val="accent1">
+              <a:shade val="50000"/>
+            </a:schemeClr>
+          </a:lnRef>
+          <a:fillRef idx="1">
+            <a:schemeClr val="accent1"/>
+          </a:fillRef>
+          <a:effectRef idx="0">
+            <a:schemeClr val="accent1"/>
+          </a:effectRef>
+          <a:fontRef idx="minor">
+            <a:schemeClr val="lt1"/>
+          </a:fontRef>
+        </p:style>
+        <p:txBody>
+          <a:bodyPr rtlCol="0" anchor="ctr"/>
+          <a:lstStyle/>
+          <a:p>
+            <a:pPr algn="ctr"/>
+            <a:r>
+              <a:rPr kumimoji="1" lang="en-US" altLang="ko-Kore-KR" sz="1600" dirty="0"/>
+              <a:t>Client</a:t>
+            </a:r>
+            <a:endParaRPr kumimoji="1" lang="ko-Kore-KR" altLang="en-US" sz="1600" dirty="0"/>
+          </a:p>
+        </p:txBody>
+      </p:sp>
+      <p:cxnSp>
+        <p:nvCxnSpPr>
+          <p:cNvPr id="112" name="직선 화살표 연결선 111">
+            <a:extLst>
+              <a:ext uri="{FF2B5EF4-FFF2-40B4-BE49-F238E27FC236}">
+                <a16:creationId xmlns:a16="http://schemas.microsoft.com/office/drawing/2014/main" id="{1CC86237-950C-CE99-AD94-AA6370482B5A}"/>
+              </a:ext>
+            </a:extLst>
+          </p:cNvPr>
+          <p:cNvCxnSpPr>
+            <a:cxnSpLocks/>
+            <a:stCxn id="111" idx="3"/>
+            <a:endCxn id="74" idx="1"/>
+          </p:cNvCxnSpPr>
+          <p:nvPr/>
+        </p:nvCxnSpPr>
+        <p:spPr>
+          <a:xfrm flipV="1">
+            <a:off x="2659120" y="2107301"/>
+            <a:ext cx="1177574" cy="6592"/>
+          </a:xfrm>
+          <a:prstGeom prst="straightConnector1">
+            <a:avLst/>
+          </a:prstGeom>
+          <a:ln>
+            <a:tailEnd type="triangle"/>
+          </a:ln>
+        </p:spPr>
+        <p:style>
+          <a:lnRef idx="3">
+            <a:schemeClr val="accent1"/>
+          </a:lnRef>
+          <a:fillRef idx="0">
+            <a:schemeClr val="accent1"/>
+          </a:fillRef>
+          <a:effectRef idx="2">
+            <a:schemeClr val="accent1"/>
+          </a:effectRef>
+          <a:fontRef idx="minor">
+            <a:schemeClr val="tx1"/>
+          </a:fontRef>
+        </p:style>
+      </p:cxnSp>
+      <p:sp>
+        <p:nvSpPr>
+          <p:cNvPr id="113" name="직사각형 112">
+            <a:extLst>
+              <a:ext uri="{FF2B5EF4-FFF2-40B4-BE49-F238E27FC236}">
+                <a16:creationId xmlns:a16="http://schemas.microsoft.com/office/drawing/2014/main" id="{6674D601-40F6-C849-53B3-AC88AF1678D7}"/>
+              </a:ext>
+            </a:extLst>
+          </p:cNvPr>
+          <p:cNvSpPr/>
+          <p:nvPr/>
+        </p:nvSpPr>
+        <p:spPr>
+          <a:xfrm>
+            <a:off x="2794542" y="1954218"/>
+            <a:ext cx="484690" cy="310057"/>
+          </a:xfrm>
+          <a:prstGeom prst="rect">
+            <a:avLst/>
+          </a:prstGeom>
+        </p:spPr>
+        <p:style>
+          <a:lnRef idx="2">
+            <a:schemeClr val="accent1"/>
+          </a:lnRef>
+          <a:fillRef idx="1">
+            <a:schemeClr val="lt1"/>
+          </a:fillRef>
+          <a:effectRef idx="0">
+            <a:schemeClr val="accent1"/>
+          </a:effectRef>
+          <a:fontRef idx="minor">
+            <a:schemeClr val="dk1"/>
+          </a:fontRef>
+        </p:style>
+        <p:txBody>
+          <a:bodyPr rtlCol="0" anchor="ctr"/>
+          <a:lstStyle/>
+          <a:p>
+            <a:pPr algn="ctr"/>
+            <a:r>
+              <a:rPr kumimoji="1" lang="ko-KR" altLang="en-US" sz="1000" dirty="0"/>
+              <a:t>요청</a:t>
+            </a:r>
+            <a:endParaRPr kumimoji="1" lang="en-US" altLang="ko-KR" sz="1000" dirty="0"/>
+          </a:p>
+        </p:txBody>
+      </p:sp>
+      <p:sp>
+        <p:nvSpPr>
+          <p:cNvPr id="115" name="직사각형 114">
+            <a:extLst>
+              <a:ext uri="{FF2B5EF4-FFF2-40B4-BE49-F238E27FC236}">
+                <a16:creationId xmlns:a16="http://schemas.microsoft.com/office/drawing/2014/main" id="{274F5CC5-AD48-45F2-086C-D95CEDB60DCA}"/>
+              </a:ext>
+            </a:extLst>
+          </p:cNvPr>
+          <p:cNvSpPr/>
+          <p:nvPr/>
+        </p:nvSpPr>
+        <p:spPr>
+          <a:xfrm>
+            <a:off x="5116189" y="1497712"/>
+            <a:ext cx="383411" cy="310057"/>
+          </a:xfrm>
+          <a:prstGeom prst="rect">
+            <a:avLst/>
+          </a:prstGeom>
+        </p:spPr>
+        <p:style>
+          <a:lnRef idx="2">
+            <a:schemeClr val="accent1"/>
+          </a:lnRef>
+          <a:fillRef idx="1">
+            <a:schemeClr val="lt1"/>
+          </a:fillRef>
+          <a:effectRef idx="0">
+            <a:schemeClr val="accent1"/>
+          </a:effectRef>
+          <a:fontRef idx="minor">
+            <a:schemeClr val="dk1"/>
+          </a:fontRef>
+        </p:style>
+        <p:txBody>
+          <a:bodyPr rtlCol="0" anchor="ctr"/>
+          <a:lstStyle/>
+          <a:p>
+            <a:pPr algn="ctr"/>
+            <a:r>
+              <a:rPr kumimoji="1" lang="en-US" altLang="ko-KR" sz="1000" dirty="0"/>
+              <a:t>use</a:t>
+            </a:r>
+          </a:p>
+        </p:txBody>
+      </p:sp>
+      <p:sp>
+        <p:nvSpPr>
+          <p:cNvPr id="116" name="직사각형 115">
+            <a:extLst>
+              <a:ext uri="{FF2B5EF4-FFF2-40B4-BE49-F238E27FC236}">
+                <a16:creationId xmlns:a16="http://schemas.microsoft.com/office/drawing/2014/main" id="{A8B464CC-FA00-6EA1-E738-C05EB417A357}"/>
+              </a:ext>
+            </a:extLst>
+          </p:cNvPr>
+          <p:cNvSpPr/>
+          <p:nvPr/>
+        </p:nvSpPr>
+        <p:spPr>
+          <a:xfrm>
+            <a:off x="9032616" y="2269908"/>
+            <a:ext cx="565517" cy="310057"/>
+          </a:xfrm>
+          <a:prstGeom prst="rect">
+            <a:avLst/>
+          </a:prstGeom>
+        </p:spPr>
+        <p:style>
+          <a:lnRef idx="2">
+            <a:schemeClr val="accent1"/>
+          </a:lnRef>
+          <a:fillRef idx="1">
+            <a:schemeClr val="lt1"/>
+          </a:fillRef>
+          <a:effectRef idx="0">
+            <a:schemeClr val="accent1"/>
+          </a:effectRef>
+          <a:fontRef idx="minor">
+            <a:schemeClr val="dk1"/>
+          </a:fontRef>
+        </p:style>
+        <p:txBody>
+          <a:bodyPr rtlCol="0" anchor="ctr"/>
+          <a:lstStyle/>
+          <a:p>
+            <a:pPr algn="ctr"/>
+            <a:r>
+              <a:rPr kumimoji="1" lang="en-US" altLang="ko-KR" sz="1000" dirty="0"/>
+              <a:t>owner</a:t>
+            </a:r>
+          </a:p>
+        </p:txBody>
+      </p:sp>
+      <p:sp>
+        <p:nvSpPr>
+          <p:cNvPr id="15" name="직사각형 14">
+            <a:extLst>
+              <a:ext uri="{FF2B5EF4-FFF2-40B4-BE49-F238E27FC236}">
+                <a16:creationId xmlns:a16="http://schemas.microsoft.com/office/drawing/2014/main" id="{8DF7A3E7-FEA0-190A-3E26-41493322832E}"/>
+              </a:ext>
+            </a:extLst>
+          </p:cNvPr>
+          <p:cNvSpPr/>
+          <p:nvPr/>
+        </p:nvSpPr>
+        <p:spPr>
+          <a:xfrm>
+            <a:off x="9006772" y="1875234"/>
+            <a:ext cx="565517" cy="310057"/>
+          </a:xfrm>
+          <a:prstGeom prst="rect">
+            <a:avLst/>
+          </a:prstGeom>
+        </p:spPr>
+        <p:style>
+          <a:lnRef idx="2">
+            <a:schemeClr val="accent1"/>
+          </a:lnRef>
+          <a:fillRef idx="1">
+            <a:schemeClr val="lt1"/>
+          </a:fillRef>
+          <a:effectRef idx="0">
+            <a:schemeClr val="accent1"/>
+          </a:effectRef>
+          <a:fontRef idx="minor">
+            <a:schemeClr val="dk1"/>
+          </a:fontRef>
+        </p:style>
+        <p:txBody>
+          <a:bodyPr rtlCol="0" anchor="ctr"/>
+          <a:lstStyle/>
+          <a:p>
+            <a:pPr algn="ctr"/>
+            <a:r>
+              <a:rPr kumimoji="1" lang="en-US" altLang="ko-KR" sz="1000" dirty="0"/>
+              <a:t>owner</a:t>
+            </a:r>
+          </a:p>
+        </p:txBody>
+      </p:sp>
+    </p:spTree>
+    <p:extLst>
+      <p:ext uri="{BB962C8B-B14F-4D97-AF65-F5344CB8AC3E}">
+        <p14:creationId xmlns:p14="http://schemas.microsoft.com/office/powerpoint/2010/main" val="3784421377"/>
       </p:ext>
     </p:extLst>
   </p:cSld>

--- a/study-note/자바/2022-10-06 내용정리.pptx
+++ b/study-note/자바/2022-10-06 내용정리.pptx
@@ -5,7 +5,7 @@
     <p:sldMasterId id="2147483648" r:id="rId1"/>
   </p:sldMasterIdLst>
   <p:notesMasterIdLst>
-    <p:notesMasterId r:id="rId30"/>
+    <p:notesMasterId r:id="rId33"/>
   </p:notesMasterIdLst>
   <p:sldIdLst>
     <p:sldId id="256" r:id="rId2"/>
@@ -36,6 +36,9 @@
     <p:sldId id="281" r:id="rId27"/>
     <p:sldId id="282" r:id="rId28"/>
     <p:sldId id="283" r:id="rId29"/>
+    <p:sldId id="284" r:id="rId30"/>
+    <p:sldId id="285" r:id="rId31"/>
+    <p:sldId id="286" r:id="rId32"/>
   </p:sldIdLst>
   <p:sldSz cx="12192000" cy="6858000"/>
   <p:notesSz cx="6858000" cy="9144000"/>
@@ -35707,6 +35710,557 @@
 </p:sld>
 </file>
 
+<file path=ppt/slides/slide29.xml><?xml version="1.0" encoding="utf-8"?>
+<p:sld xmlns:a="http://schemas.openxmlformats.org/drawingml/2006/main" xmlns:r="http://schemas.openxmlformats.org/officeDocument/2006/relationships" xmlns:p="http://schemas.openxmlformats.org/presentationml/2006/main">
+  <p:cSld>
+    <p:spTree>
+      <p:nvGrpSpPr>
+        <p:cNvPr id="1" name=""/>
+        <p:cNvGrpSpPr/>
+        <p:nvPr/>
+      </p:nvGrpSpPr>
+      <p:grpSpPr>
+        <a:xfrm>
+          <a:off x="0" y="0"/>
+          <a:ext cx="0" cy="0"/>
+          <a:chOff x="0" y="0"/>
+          <a:chExt cx="0" cy="0"/>
+        </a:xfrm>
+      </p:grpSpPr>
+      <p:sp>
+        <p:nvSpPr>
+          <p:cNvPr id="106" name="직사각형 105">
+            <a:extLst>
+              <a:ext uri="{FF2B5EF4-FFF2-40B4-BE49-F238E27FC236}">
+                <a16:creationId xmlns:a16="http://schemas.microsoft.com/office/drawing/2014/main" id="{2FD7C941-8634-E777-1A1D-B21C0E00DB1E}"/>
+              </a:ext>
+            </a:extLst>
+          </p:cNvPr>
+          <p:cNvSpPr/>
+          <p:nvPr/>
+        </p:nvSpPr>
+        <p:spPr>
+          <a:xfrm>
+            <a:off x="1846174" y="592517"/>
+            <a:ext cx="809299" cy="462456"/>
+          </a:xfrm>
+          <a:prstGeom prst="rect">
+            <a:avLst/>
+          </a:prstGeom>
+        </p:spPr>
+        <p:style>
+          <a:lnRef idx="2">
+            <a:schemeClr val="accent1">
+              <a:shade val="50000"/>
+            </a:schemeClr>
+          </a:lnRef>
+          <a:fillRef idx="1">
+            <a:schemeClr val="accent1"/>
+          </a:fillRef>
+          <a:effectRef idx="0">
+            <a:schemeClr val="accent1"/>
+          </a:effectRef>
+          <a:fontRef idx="minor">
+            <a:schemeClr val="lt1"/>
+          </a:fontRef>
+        </p:style>
+        <p:txBody>
+          <a:bodyPr rtlCol="0" anchor="ctr"/>
+          <a:lstStyle/>
+          <a:p>
+            <a:pPr algn="ctr"/>
+            <a:r>
+              <a:rPr kumimoji="1" lang="en-US" altLang="ko-Kore-KR" sz="1600" dirty="0"/>
+              <a:t>DAO</a:t>
+            </a:r>
+            <a:endParaRPr kumimoji="1" lang="ko-Kore-KR" altLang="en-US" sz="1600" dirty="0"/>
+          </a:p>
+        </p:txBody>
+      </p:sp>
+      <p:cxnSp>
+        <p:nvCxnSpPr>
+          <p:cNvPr id="107" name="직선 화살표 연결선 106">
+            <a:extLst>
+              <a:ext uri="{FF2B5EF4-FFF2-40B4-BE49-F238E27FC236}">
+                <a16:creationId xmlns:a16="http://schemas.microsoft.com/office/drawing/2014/main" id="{899F9482-F2F4-1A5C-8ACF-7AD7D2242806}"/>
+              </a:ext>
+            </a:extLst>
+          </p:cNvPr>
+          <p:cNvCxnSpPr>
+            <a:cxnSpLocks/>
+            <a:stCxn id="106" idx="3"/>
+            <a:endCxn id="2" idx="1"/>
+          </p:cNvCxnSpPr>
+          <p:nvPr/>
+        </p:nvCxnSpPr>
+        <p:spPr>
+          <a:xfrm>
+            <a:off x="2655473" y="823745"/>
+            <a:ext cx="1308535" cy="0"/>
+          </a:xfrm>
+          <a:prstGeom prst="straightConnector1">
+            <a:avLst/>
+          </a:prstGeom>
+          <a:ln>
+            <a:tailEnd type="triangle"/>
+          </a:ln>
+        </p:spPr>
+        <p:style>
+          <a:lnRef idx="3">
+            <a:schemeClr val="accent1"/>
+          </a:lnRef>
+          <a:fillRef idx="0">
+            <a:schemeClr val="accent1"/>
+          </a:fillRef>
+          <a:effectRef idx="2">
+            <a:schemeClr val="accent1"/>
+          </a:effectRef>
+          <a:fontRef idx="minor">
+            <a:schemeClr val="tx1"/>
+          </a:fontRef>
+        </p:style>
+      </p:cxnSp>
+      <p:sp>
+        <p:nvSpPr>
+          <p:cNvPr id="2" name="직사각형 1">
+            <a:extLst>
+              <a:ext uri="{FF2B5EF4-FFF2-40B4-BE49-F238E27FC236}">
+                <a16:creationId xmlns:a16="http://schemas.microsoft.com/office/drawing/2014/main" id="{62490965-3650-9C66-55D5-3BC2FACE3103}"/>
+              </a:ext>
+            </a:extLst>
+          </p:cNvPr>
+          <p:cNvSpPr/>
+          <p:nvPr/>
+        </p:nvSpPr>
+        <p:spPr>
+          <a:xfrm>
+            <a:off x="3964008" y="592517"/>
+            <a:ext cx="1228102" cy="462456"/>
+          </a:xfrm>
+          <a:prstGeom prst="rect">
+            <a:avLst/>
+          </a:prstGeom>
+        </p:spPr>
+        <p:style>
+          <a:lnRef idx="2">
+            <a:schemeClr val="accent1">
+              <a:shade val="50000"/>
+            </a:schemeClr>
+          </a:lnRef>
+          <a:fillRef idx="1">
+            <a:schemeClr val="accent1"/>
+          </a:fillRef>
+          <a:effectRef idx="0">
+            <a:schemeClr val="accent1"/>
+          </a:effectRef>
+          <a:fontRef idx="minor">
+            <a:schemeClr val="lt1"/>
+          </a:fontRef>
+        </p:style>
+        <p:txBody>
+          <a:bodyPr rtlCol="0" anchor="ctr"/>
+          <a:lstStyle/>
+          <a:p>
+            <a:pPr algn="ctr"/>
+            <a:r>
+              <a:rPr kumimoji="1" lang="en-US" altLang="ko-Kore-KR" sz="1600" dirty="0" err="1"/>
+              <a:t>DataSource</a:t>
+            </a:r>
+            <a:endParaRPr kumimoji="1" lang="ko-Kore-KR" altLang="en-US" sz="1600" dirty="0"/>
+          </a:p>
+        </p:txBody>
+      </p:sp>
+      <p:sp>
+        <p:nvSpPr>
+          <p:cNvPr id="17" name="직사각형 16">
+            <a:extLst>
+              <a:ext uri="{FF2B5EF4-FFF2-40B4-BE49-F238E27FC236}">
+                <a16:creationId xmlns:a16="http://schemas.microsoft.com/office/drawing/2014/main" id="{C7A9E5DA-2E77-BB86-F91F-4A6B76A737E9}"/>
+              </a:ext>
+            </a:extLst>
+          </p:cNvPr>
+          <p:cNvSpPr/>
+          <p:nvPr/>
+        </p:nvSpPr>
+        <p:spPr>
+          <a:xfrm>
+            <a:off x="5048762" y="149062"/>
+            <a:ext cx="2094475" cy="310057"/>
+          </a:xfrm>
+          <a:prstGeom prst="rect">
+            <a:avLst/>
+          </a:prstGeom>
+          <a:ln>
+            <a:solidFill>
+              <a:srgbClr val="C43EA7"/>
+            </a:solidFill>
+          </a:ln>
+        </p:spPr>
+        <p:style>
+          <a:lnRef idx="2">
+            <a:schemeClr val="accent1"/>
+          </a:lnRef>
+          <a:fillRef idx="1">
+            <a:schemeClr val="lt1"/>
+          </a:fillRef>
+          <a:effectRef idx="0">
+            <a:schemeClr val="accent1"/>
+          </a:effectRef>
+          <a:fontRef idx="minor">
+            <a:schemeClr val="dk1"/>
+          </a:fontRef>
+        </p:style>
+        <p:txBody>
+          <a:bodyPr rtlCol="0" anchor="ctr"/>
+          <a:lstStyle/>
+          <a:p>
+            <a:pPr algn="ctr"/>
+            <a:r>
+              <a:rPr kumimoji="1" lang="en-US" altLang="ko-KR" sz="1000" dirty="0"/>
+              <a:t>Thread</a:t>
+            </a:r>
+            <a:r>
+              <a:rPr kumimoji="1" lang="ko-KR" altLang="en-US" sz="1000" dirty="0"/>
+              <a:t>전용</a:t>
+            </a:r>
+            <a:r>
+              <a:rPr kumimoji="1" lang="en-US" altLang="ko-KR" sz="1000" dirty="0"/>
+              <a:t>DB</a:t>
+            </a:r>
+            <a:r>
+              <a:rPr kumimoji="1" lang="ko-KR" altLang="en-US" sz="1000" dirty="0"/>
+              <a:t> 커넥션 제공</a:t>
+            </a:r>
+            <a:endParaRPr kumimoji="1" lang="en-US" altLang="ko-KR" sz="1000" dirty="0"/>
+          </a:p>
+        </p:txBody>
+      </p:sp>
+      <p:cxnSp>
+        <p:nvCxnSpPr>
+          <p:cNvPr id="20" name="구부러진 연결선[U] 19">
+            <a:extLst>
+              <a:ext uri="{FF2B5EF4-FFF2-40B4-BE49-F238E27FC236}">
+                <a16:creationId xmlns:a16="http://schemas.microsoft.com/office/drawing/2014/main" id="{E451E5FB-6871-526C-BE37-25550ABDAD96}"/>
+              </a:ext>
+            </a:extLst>
+          </p:cNvPr>
+          <p:cNvCxnSpPr>
+            <a:stCxn id="17" idx="1"/>
+            <a:endCxn id="2" idx="0"/>
+          </p:cNvCxnSpPr>
+          <p:nvPr/>
+        </p:nvCxnSpPr>
+        <p:spPr>
+          <a:xfrm rot="10800000" flipV="1">
+            <a:off x="4578060" y="304091"/>
+            <a:ext cx="470703" cy="288426"/>
+          </a:xfrm>
+          <a:prstGeom prst="curvedConnector2">
+            <a:avLst/>
+          </a:prstGeom>
+          <a:ln>
+            <a:solidFill>
+              <a:srgbClr val="C43EA7"/>
+            </a:solidFill>
+            <a:tailEnd type="triangle"/>
+          </a:ln>
+        </p:spPr>
+        <p:style>
+          <a:lnRef idx="3">
+            <a:schemeClr val="accent1"/>
+          </a:lnRef>
+          <a:fillRef idx="0">
+            <a:schemeClr val="accent1"/>
+          </a:fillRef>
+          <a:effectRef idx="2">
+            <a:schemeClr val="accent1"/>
+          </a:effectRef>
+          <a:fontRef idx="minor">
+            <a:schemeClr val="tx1"/>
+          </a:fontRef>
+        </p:style>
+      </p:cxnSp>
+      <p:sp>
+        <p:nvSpPr>
+          <p:cNvPr id="21" name="직사각형 20">
+            <a:extLst>
+              <a:ext uri="{FF2B5EF4-FFF2-40B4-BE49-F238E27FC236}">
+                <a16:creationId xmlns:a16="http://schemas.microsoft.com/office/drawing/2014/main" id="{D015C273-A5CD-7684-F9A0-319163523C66}"/>
+              </a:ext>
+            </a:extLst>
+          </p:cNvPr>
+          <p:cNvSpPr/>
+          <p:nvPr/>
+        </p:nvSpPr>
+        <p:spPr>
+          <a:xfrm>
+            <a:off x="3964008" y="1428090"/>
+            <a:ext cx="1228102" cy="462456"/>
+          </a:xfrm>
+          <a:prstGeom prst="rect">
+            <a:avLst/>
+          </a:prstGeom>
+        </p:spPr>
+        <p:style>
+          <a:lnRef idx="2">
+            <a:schemeClr val="accent1">
+              <a:shade val="50000"/>
+            </a:schemeClr>
+          </a:lnRef>
+          <a:fillRef idx="1">
+            <a:schemeClr val="accent1"/>
+          </a:fillRef>
+          <a:effectRef idx="0">
+            <a:schemeClr val="accent1"/>
+          </a:effectRef>
+          <a:fontRef idx="minor">
+            <a:schemeClr val="lt1"/>
+          </a:fontRef>
+        </p:style>
+        <p:txBody>
+          <a:bodyPr rtlCol="0" anchor="ctr"/>
+          <a:lstStyle/>
+          <a:p>
+            <a:pPr algn="ctr"/>
+            <a:r>
+              <a:rPr kumimoji="1" lang="en-US" altLang="ko-Kore-KR" sz="1600" dirty="0"/>
+              <a:t>Connection</a:t>
+            </a:r>
+            <a:endParaRPr kumimoji="1" lang="ko-Kore-KR" altLang="en-US" sz="1600" dirty="0"/>
+          </a:p>
+        </p:txBody>
+      </p:sp>
+      <p:cxnSp>
+        <p:nvCxnSpPr>
+          <p:cNvPr id="22" name="직선 화살표 연결선 21">
+            <a:extLst>
+              <a:ext uri="{FF2B5EF4-FFF2-40B4-BE49-F238E27FC236}">
+                <a16:creationId xmlns:a16="http://schemas.microsoft.com/office/drawing/2014/main" id="{6B698888-364D-6175-D36D-23C7678ECB2A}"/>
+              </a:ext>
+            </a:extLst>
+          </p:cNvPr>
+          <p:cNvCxnSpPr>
+            <a:cxnSpLocks/>
+            <a:stCxn id="2" idx="2"/>
+            <a:endCxn id="21" idx="0"/>
+          </p:cNvCxnSpPr>
+          <p:nvPr/>
+        </p:nvCxnSpPr>
+        <p:spPr>
+          <a:xfrm>
+            <a:off x="4578059" y="1054973"/>
+            <a:ext cx="0" cy="373117"/>
+          </a:xfrm>
+          <a:prstGeom prst="straightConnector1">
+            <a:avLst/>
+          </a:prstGeom>
+          <a:ln>
+            <a:tailEnd type="triangle"/>
+          </a:ln>
+        </p:spPr>
+        <p:style>
+          <a:lnRef idx="3">
+            <a:schemeClr val="accent1"/>
+          </a:lnRef>
+          <a:fillRef idx="0">
+            <a:schemeClr val="accent1"/>
+          </a:fillRef>
+          <a:effectRef idx="2">
+            <a:schemeClr val="accent1"/>
+          </a:effectRef>
+          <a:fontRef idx="minor">
+            <a:schemeClr val="tx1"/>
+          </a:fontRef>
+        </p:style>
+      </p:cxnSp>
+      <p:sp>
+        <p:nvSpPr>
+          <p:cNvPr id="25" name="직사각형 24">
+            <a:extLst>
+              <a:ext uri="{FF2B5EF4-FFF2-40B4-BE49-F238E27FC236}">
+                <a16:creationId xmlns:a16="http://schemas.microsoft.com/office/drawing/2014/main" id="{99A46C3F-5093-D7B0-A085-50540B72C2CD}"/>
+              </a:ext>
+            </a:extLst>
+          </p:cNvPr>
+          <p:cNvSpPr/>
+          <p:nvPr/>
+        </p:nvSpPr>
+        <p:spPr>
+          <a:xfrm>
+            <a:off x="1744504" y="1286201"/>
+            <a:ext cx="1012638" cy="1081256"/>
+          </a:xfrm>
+          <a:prstGeom prst="rect">
+            <a:avLst/>
+          </a:prstGeom>
+        </p:spPr>
+        <p:style>
+          <a:lnRef idx="2">
+            <a:schemeClr val="accent1"/>
+          </a:lnRef>
+          <a:fillRef idx="1">
+            <a:schemeClr val="lt1"/>
+          </a:fillRef>
+          <a:effectRef idx="0">
+            <a:schemeClr val="accent1"/>
+          </a:effectRef>
+          <a:fontRef idx="minor">
+            <a:schemeClr val="dk1"/>
+          </a:fontRef>
+        </p:style>
+        <p:txBody>
+          <a:bodyPr rtlCol="0" anchor="ctr"/>
+          <a:lstStyle/>
+          <a:p>
+            <a:pPr marL="171450" indent="-171450" algn="ctr">
+              <a:buFont typeface="Arial" panose="020B0604020202020204" pitchFamily="34" charset="0"/>
+              <a:buChar char="•"/>
+            </a:pPr>
+            <a:r>
+              <a:rPr kumimoji="1" lang="en-US" altLang="ko-KR" sz="1000" dirty="0"/>
+              <a:t>insert()</a:t>
+            </a:r>
+          </a:p>
+          <a:p>
+            <a:pPr marL="171450" indent="-171450" algn="ctr">
+              <a:buFont typeface="Arial" panose="020B0604020202020204" pitchFamily="34" charset="0"/>
+              <a:buChar char="•"/>
+            </a:pPr>
+            <a:r>
+              <a:rPr kumimoji="1" lang="en-US" altLang="ko-KR" sz="1000" dirty="0" err="1"/>
+              <a:t>insertFiles</a:t>
+            </a:r>
+            <a:r>
+              <a:rPr kumimoji="1" lang="en-US" altLang="ko-KR" sz="1000" dirty="0"/>
+              <a:t>()</a:t>
+            </a:r>
+          </a:p>
+          <a:p>
+            <a:pPr marL="171450" indent="-171450" algn="ctr">
+              <a:buFont typeface="Arial" panose="020B0604020202020204" pitchFamily="34" charset="0"/>
+              <a:buChar char="•"/>
+            </a:pPr>
+            <a:r>
+              <a:rPr kumimoji="1" lang="en-US" altLang="ko-KR" sz="1000" dirty="0"/>
+              <a:t>update()</a:t>
+            </a:r>
+          </a:p>
+          <a:p>
+            <a:pPr marL="171450" indent="-171450" algn="ctr">
+              <a:buFont typeface="Arial" panose="020B0604020202020204" pitchFamily="34" charset="0"/>
+              <a:buChar char="•"/>
+            </a:pPr>
+            <a:r>
+              <a:rPr kumimoji="1" lang="en-US" altLang="ko-KR" sz="1000" dirty="0"/>
+              <a:t>delete()</a:t>
+            </a:r>
+          </a:p>
+        </p:txBody>
+      </p:sp>
+      <p:cxnSp>
+        <p:nvCxnSpPr>
+          <p:cNvPr id="29" name="직선 화살표 연결선 28">
+            <a:extLst>
+              <a:ext uri="{FF2B5EF4-FFF2-40B4-BE49-F238E27FC236}">
+                <a16:creationId xmlns:a16="http://schemas.microsoft.com/office/drawing/2014/main" id="{9E3CBC92-2C5F-7F4E-93A9-744DA2CC9D70}"/>
+              </a:ext>
+            </a:extLst>
+          </p:cNvPr>
+          <p:cNvCxnSpPr>
+            <a:cxnSpLocks/>
+            <a:stCxn id="25" idx="3"/>
+            <a:endCxn id="21" idx="1"/>
+          </p:cNvCxnSpPr>
+          <p:nvPr/>
+        </p:nvCxnSpPr>
+        <p:spPr>
+          <a:xfrm flipV="1">
+            <a:off x="2757142" y="1659318"/>
+            <a:ext cx="1206866" cy="167511"/>
+          </a:xfrm>
+          <a:prstGeom prst="straightConnector1">
+            <a:avLst/>
+          </a:prstGeom>
+          <a:ln>
+            <a:tailEnd type="triangle"/>
+          </a:ln>
+        </p:spPr>
+        <p:style>
+          <a:lnRef idx="3">
+            <a:schemeClr val="accent1"/>
+          </a:lnRef>
+          <a:fillRef idx="0">
+            <a:schemeClr val="accent1"/>
+          </a:fillRef>
+          <a:effectRef idx="2">
+            <a:schemeClr val="accent1"/>
+          </a:effectRef>
+          <a:fontRef idx="minor">
+            <a:schemeClr val="tx1"/>
+          </a:fontRef>
+        </p:style>
+      </p:cxnSp>
+      <p:sp>
+        <p:nvSpPr>
+          <p:cNvPr id="110" name="직사각형 109">
+            <a:extLst>
+              <a:ext uri="{FF2B5EF4-FFF2-40B4-BE49-F238E27FC236}">
+                <a16:creationId xmlns:a16="http://schemas.microsoft.com/office/drawing/2014/main" id="{8DB6CA9E-FD9E-1A79-9160-2FCF6BB7F0B7}"/>
+              </a:ext>
+            </a:extLst>
+          </p:cNvPr>
+          <p:cNvSpPr/>
+          <p:nvPr/>
+        </p:nvSpPr>
+        <p:spPr>
+          <a:xfrm>
+            <a:off x="3128848" y="1588044"/>
+            <a:ext cx="484690" cy="310057"/>
+          </a:xfrm>
+          <a:prstGeom prst="rect">
+            <a:avLst/>
+          </a:prstGeom>
+        </p:spPr>
+        <p:style>
+          <a:lnRef idx="2">
+            <a:schemeClr val="accent1"/>
+          </a:lnRef>
+          <a:fillRef idx="1">
+            <a:schemeClr val="lt1"/>
+          </a:fillRef>
+          <a:effectRef idx="0">
+            <a:schemeClr val="accent1"/>
+          </a:effectRef>
+          <a:fontRef idx="minor">
+            <a:schemeClr val="dk1"/>
+          </a:fontRef>
+        </p:style>
+        <p:txBody>
+          <a:bodyPr rtlCol="0" anchor="ctr"/>
+          <a:lstStyle/>
+          <a:p>
+            <a:pPr algn="ctr"/>
+            <a:r>
+              <a:rPr kumimoji="1" lang="ko-KR" altLang="en-US" sz="1000" dirty="0"/>
+              <a:t>사용</a:t>
+            </a:r>
+            <a:endParaRPr kumimoji="1" lang="en-US" altLang="ko-KR" sz="1000" dirty="0"/>
+          </a:p>
+        </p:txBody>
+      </p:sp>
+    </p:spTree>
+    <p:extLst>
+      <p:ext uri="{BB962C8B-B14F-4D97-AF65-F5344CB8AC3E}">
+        <p14:creationId xmlns:p14="http://schemas.microsoft.com/office/powerpoint/2010/main" val="1831850790"/>
+      </p:ext>
+    </p:extLst>
+  </p:cSld>
+  <p:clrMapOvr>
+    <a:masterClrMapping/>
+  </p:clrMapOvr>
+</p:sld>
+</file>
+
 <file path=ppt/slides/slide3.xml><?xml version="1.0" encoding="utf-8"?>
 <p:sld xmlns:a="http://schemas.openxmlformats.org/drawingml/2006/main" xmlns:r="http://schemas.openxmlformats.org/officeDocument/2006/relationships" xmlns:p="http://schemas.openxmlformats.org/presentationml/2006/main">
   <p:cSld>
@@ -37508,6 +38062,3202 @@
     <p:extLst>
       <p:ext uri="{BB962C8B-B14F-4D97-AF65-F5344CB8AC3E}">
         <p14:creationId xmlns:p14="http://schemas.microsoft.com/office/powerpoint/2010/main" val="649873090"/>
+      </p:ext>
+    </p:extLst>
+  </p:cSld>
+  <p:clrMapOvr>
+    <a:masterClrMapping/>
+  </p:clrMapOvr>
+</p:sld>
+</file>
+
+<file path=ppt/slides/slide30.xml><?xml version="1.0" encoding="utf-8"?>
+<p:sld xmlns:a="http://schemas.openxmlformats.org/drawingml/2006/main" xmlns:r="http://schemas.openxmlformats.org/officeDocument/2006/relationships" xmlns:p="http://schemas.openxmlformats.org/presentationml/2006/main">
+  <p:cSld>
+    <p:spTree>
+      <p:nvGrpSpPr>
+        <p:cNvPr id="1" name=""/>
+        <p:cNvGrpSpPr/>
+        <p:nvPr/>
+      </p:nvGrpSpPr>
+      <p:grpSpPr>
+        <a:xfrm>
+          <a:off x="0" y="0"/>
+          <a:ext cx="0" cy="0"/>
+          <a:chOff x="0" y="0"/>
+          <a:chExt cx="0" cy="0"/>
+        </a:xfrm>
+      </p:grpSpPr>
+      <p:sp>
+        <p:nvSpPr>
+          <p:cNvPr id="106" name="직사각형 105">
+            <a:extLst>
+              <a:ext uri="{FF2B5EF4-FFF2-40B4-BE49-F238E27FC236}">
+                <a16:creationId xmlns:a16="http://schemas.microsoft.com/office/drawing/2014/main" id="{2FD7C941-8634-E777-1A1D-B21C0E00DB1E}"/>
+              </a:ext>
+            </a:extLst>
+          </p:cNvPr>
+          <p:cNvSpPr/>
+          <p:nvPr/>
+        </p:nvSpPr>
+        <p:spPr>
+          <a:xfrm>
+            <a:off x="1846174" y="592517"/>
+            <a:ext cx="809299" cy="462456"/>
+          </a:xfrm>
+          <a:prstGeom prst="rect">
+            <a:avLst/>
+          </a:prstGeom>
+        </p:spPr>
+        <p:style>
+          <a:lnRef idx="2">
+            <a:schemeClr val="accent1">
+              <a:shade val="50000"/>
+            </a:schemeClr>
+          </a:lnRef>
+          <a:fillRef idx="1">
+            <a:schemeClr val="accent1"/>
+          </a:fillRef>
+          <a:effectRef idx="0">
+            <a:schemeClr val="accent1"/>
+          </a:effectRef>
+          <a:fontRef idx="minor">
+            <a:schemeClr val="lt1"/>
+          </a:fontRef>
+        </p:style>
+        <p:txBody>
+          <a:bodyPr rtlCol="0" anchor="ctr"/>
+          <a:lstStyle/>
+          <a:p>
+            <a:pPr algn="ctr"/>
+            <a:r>
+              <a:rPr kumimoji="1" lang="en-US" altLang="ko-Kore-KR" sz="1600" dirty="0"/>
+              <a:t>DAO</a:t>
+            </a:r>
+            <a:endParaRPr kumimoji="1" lang="ko-Kore-KR" altLang="en-US" sz="1600" dirty="0"/>
+          </a:p>
+        </p:txBody>
+      </p:sp>
+      <p:cxnSp>
+        <p:nvCxnSpPr>
+          <p:cNvPr id="107" name="직선 화살표 연결선 106">
+            <a:extLst>
+              <a:ext uri="{FF2B5EF4-FFF2-40B4-BE49-F238E27FC236}">
+                <a16:creationId xmlns:a16="http://schemas.microsoft.com/office/drawing/2014/main" id="{899F9482-F2F4-1A5C-8ACF-7AD7D2242806}"/>
+              </a:ext>
+            </a:extLst>
+          </p:cNvPr>
+          <p:cNvCxnSpPr>
+            <a:cxnSpLocks/>
+            <a:stCxn id="106" idx="3"/>
+            <a:endCxn id="2" idx="1"/>
+          </p:cNvCxnSpPr>
+          <p:nvPr/>
+        </p:nvCxnSpPr>
+        <p:spPr>
+          <a:xfrm>
+            <a:off x="2655473" y="823745"/>
+            <a:ext cx="1308535" cy="0"/>
+          </a:xfrm>
+          <a:prstGeom prst="straightConnector1">
+            <a:avLst/>
+          </a:prstGeom>
+          <a:ln>
+            <a:tailEnd type="triangle"/>
+          </a:ln>
+        </p:spPr>
+        <p:style>
+          <a:lnRef idx="3">
+            <a:schemeClr val="accent1"/>
+          </a:lnRef>
+          <a:fillRef idx="0">
+            <a:schemeClr val="accent1"/>
+          </a:fillRef>
+          <a:effectRef idx="2">
+            <a:schemeClr val="accent1"/>
+          </a:effectRef>
+          <a:fontRef idx="minor">
+            <a:schemeClr val="tx1"/>
+          </a:fontRef>
+        </p:style>
+      </p:cxnSp>
+      <p:sp>
+        <p:nvSpPr>
+          <p:cNvPr id="2" name="직사각형 1">
+            <a:extLst>
+              <a:ext uri="{FF2B5EF4-FFF2-40B4-BE49-F238E27FC236}">
+                <a16:creationId xmlns:a16="http://schemas.microsoft.com/office/drawing/2014/main" id="{62490965-3650-9C66-55D5-3BC2FACE3103}"/>
+              </a:ext>
+            </a:extLst>
+          </p:cNvPr>
+          <p:cNvSpPr/>
+          <p:nvPr/>
+        </p:nvSpPr>
+        <p:spPr>
+          <a:xfrm>
+            <a:off x="3964008" y="592517"/>
+            <a:ext cx="1228102" cy="462456"/>
+          </a:xfrm>
+          <a:prstGeom prst="rect">
+            <a:avLst/>
+          </a:prstGeom>
+        </p:spPr>
+        <p:style>
+          <a:lnRef idx="2">
+            <a:schemeClr val="accent1">
+              <a:shade val="50000"/>
+            </a:schemeClr>
+          </a:lnRef>
+          <a:fillRef idx="1">
+            <a:schemeClr val="accent1"/>
+          </a:fillRef>
+          <a:effectRef idx="0">
+            <a:schemeClr val="accent1"/>
+          </a:effectRef>
+          <a:fontRef idx="minor">
+            <a:schemeClr val="lt1"/>
+          </a:fontRef>
+        </p:style>
+        <p:txBody>
+          <a:bodyPr rtlCol="0" anchor="ctr"/>
+          <a:lstStyle/>
+          <a:p>
+            <a:pPr algn="ctr"/>
+            <a:r>
+              <a:rPr kumimoji="1" lang="en-US" altLang="ko-Kore-KR" sz="1600" dirty="0" err="1"/>
+              <a:t>DataSource</a:t>
+            </a:r>
+            <a:endParaRPr kumimoji="1" lang="ko-Kore-KR" altLang="en-US" sz="1600" dirty="0"/>
+          </a:p>
+        </p:txBody>
+      </p:sp>
+      <p:sp>
+        <p:nvSpPr>
+          <p:cNvPr id="17" name="직사각형 16">
+            <a:extLst>
+              <a:ext uri="{FF2B5EF4-FFF2-40B4-BE49-F238E27FC236}">
+                <a16:creationId xmlns:a16="http://schemas.microsoft.com/office/drawing/2014/main" id="{C7A9E5DA-2E77-BB86-F91F-4A6B76A737E9}"/>
+              </a:ext>
+            </a:extLst>
+          </p:cNvPr>
+          <p:cNvSpPr/>
+          <p:nvPr/>
+        </p:nvSpPr>
+        <p:spPr>
+          <a:xfrm>
+            <a:off x="5048762" y="149062"/>
+            <a:ext cx="2094475" cy="310057"/>
+          </a:xfrm>
+          <a:prstGeom prst="rect">
+            <a:avLst/>
+          </a:prstGeom>
+          <a:ln>
+            <a:solidFill>
+              <a:srgbClr val="C43EA7"/>
+            </a:solidFill>
+          </a:ln>
+        </p:spPr>
+        <p:style>
+          <a:lnRef idx="2">
+            <a:schemeClr val="accent1"/>
+          </a:lnRef>
+          <a:fillRef idx="1">
+            <a:schemeClr val="lt1"/>
+          </a:fillRef>
+          <a:effectRef idx="0">
+            <a:schemeClr val="accent1"/>
+          </a:effectRef>
+          <a:fontRef idx="minor">
+            <a:schemeClr val="dk1"/>
+          </a:fontRef>
+        </p:style>
+        <p:txBody>
+          <a:bodyPr rtlCol="0" anchor="ctr"/>
+          <a:lstStyle/>
+          <a:p>
+            <a:pPr algn="ctr"/>
+            <a:r>
+              <a:rPr kumimoji="1" lang="en-US" altLang="ko-KR" sz="1000" dirty="0"/>
+              <a:t>Thread</a:t>
+            </a:r>
+            <a:r>
+              <a:rPr kumimoji="1" lang="ko-KR" altLang="en-US" sz="1000" dirty="0"/>
+              <a:t>전용</a:t>
+            </a:r>
+            <a:r>
+              <a:rPr kumimoji="1" lang="en-US" altLang="ko-KR" sz="1000" dirty="0"/>
+              <a:t>DB</a:t>
+            </a:r>
+            <a:r>
+              <a:rPr kumimoji="1" lang="ko-KR" altLang="en-US" sz="1000" dirty="0"/>
+              <a:t> 커넥션 제공</a:t>
+            </a:r>
+            <a:endParaRPr kumimoji="1" lang="en-US" altLang="ko-KR" sz="1000" dirty="0"/>
+          </a:p>
+        </p:txBody>
+      </p:sp>
+      <p:cxnSp>
+        <p:nvCxnSpPr>
+          <p:cNvPr id="20" name="구부러진 연결선[U] 19">
+            <a:extLst>
+              <a:ext uri="{FF2B5EF4-FFF2-40B4-BE49-F238E27FC236}">
+                <a16:creationId xmlns:a16="http://schemas.microsoft.com/office/drawing/2014/main" id="{E451E5FB-6871-526C-BE37-25550ABDAD96}"/>
+              </a:ext>
+            </a:extLst>
+          </p:cNvPr>
+          <p:cNvCxnSpPr>
+            <a:stCxn id="17" idx="1"/>
+            <a:endCxn id="2" idx="0"/>
+          </p:cNvCxnSpPr>
+          <p:nvPr/>
+        </p:nvCxnSpPr>
+        <p:spPr>
+          <a:xfrm rot="10800000" flipV="1">
+            <a:off x="4578060" y="304091"/>
+            <a:ext cx="470703" cy="288426"/>
+          </a:xfrm>
+          <a:prstGeom prst="curvedConnector2">
+            <a:avLst/>
+          </a:prstGeom>
+          <a:ln>
+            <a:solidFill>
+              <a:srgbClr val="C43EA7"/>
+            </a:solidFill>
+            <a:tailEnd type="triangle"/>
+          </a:ln>
+        </p:spPr>
+        <p:style>
+          <a:lnRef idx="3">
+            <a:schemeClr val="accent1"/>
+          </a:lnRef>
+          <a:fillRef idx="0">
+            <a:schemeClr val="accent1"/>
+          </a:fillRef>
+          <a:effectRef idx="2">
+            <a:schemeClr val="accent1"/>
+          </a:effectRef>
+          <a:fontRef idx="minor">
+            <a:schemeClr val="tx1"/>
+          </a:fontRef>
+        </p:style>
+      </p:cxnSp>
+      <p:sp>
+        <p:nvSpPr>
+          <p:cNvPr id="21" name="직사각형 20">
+            <a:extLst>
+              <a:ext uri="{FF2B5EF4-FFF2-40B4-BE49-F238E27FC236}">
+                <a16:creationId xmlns:a16="http://schemas.microsoft.com/office/drawing/2014/main" id="{D015C273-A5CD-7684-F9A0-319163523C66}"/>
+              </a:ext>
+            </a:extLst>
+          </p:cNvPr>
+          <p:cNvSpPr/>
+          <p:nvPr/>
+        </p:nvSpPr>
+        <p:spPr>
+          <a:xfrm>
+            <a:off x="3964008" y="1428090"/>
+            <a:ext cx="1228102" cy="462456"/>
+          </a:xfrm>
+          <a:prstGeom prst="rect">
+            <a:avLst/>
+          </a:prstGeom>
+        </p:spPr>
+        <p:style>
+          <a:lnRef idx="2">
+            <a:schemeClr val="accent1">
+              <a:shade val="50000"/>
+            </a:schemeClr>
+          </a:lnRef>
+          <a:fillRef idx="1">
+            <a:schemeClr val="accent1"/>
+          </a:fillRef>
+          <a:effectRef idx="0">
+            <a:schemeClr val="accent1"/>
+          </a:effectRef>
+          <a:fontRef idx="minor">
+            <a:schemeClr val="lt1"/>
+          </a:fontRef>
+        </p:style>
+        <p:txBody>
+          <a:bodyPr rtlCol="0" anchor="ctr"/>
+          <a:lstStyle/>
+          <a:p>
+            <a:pPr algn="ctr"/>
+            <a:r>
+              <a:rPr kumimoji="1" lang="en-US" altLang="ko-Kore-KR" sz="1600" dirty="0"/>
+              <a:t>Connection</a:t>
+            </a:r>
+            <a:endParaRPr kumimoji="1" lang="ko-Kore-KR" altLang="en-US" sz="1600" dirty="0"/>
+          </a:p>
+        </p:txBody>
+      </p:sp>
+      <p:cxnSp>
+        <p:nvCxnSpPr>
+          <p:cNvPr id="22" name="직선 화살표 연결선 21">
+            <a:extLst>
+              <a:ext uri="{FF2B5EF4-FFF2-40B4-BE49-F238E27FC236}">
+                <a16:creationId xmlns:a16="http://schemas.microsoft.com/office/drawing/2014/main" id="{6B698888-364D-6175-D36D-23C7678ECB2A}"/>
+              </a:ext>
+            </a:extLst>
+          </p:cNvPr>
+          <p:cNvCxnSpPr>
+            <a:cxnSpLocks/>
+            <a:stCxn id="2" idx="2"/>
+            <a:endCxn id="21" idx="0"/>
+          </p:cNvCxnSpPr>
+          <p:nvPr/>
+        </p:nvCxnSpPr>
+        <p:spPr>
+          <a:xfrm>
+            <a:off x="4578059" y="1054973"/>
+            <a:ext cx="0" cy="373117"/>
+          </a:xfrm>
+          <a:prstGeom prst="straightConnector1">
+            <a:avLst/>
+          </a:prstGeom>
+          <a:ln>
+            <a:tailEnd type="triangle"/>
+          </a:ln>
+        </p:spPr>
+        <p:style>
+          <a:lnRef idx="3">
+            <a:schemeClr val="accent1"/>
+          </a:lnRef>
+          <a:fillRef idx="0">
+            <a:schemeClr val="accent1"/>
+          </a:fillRef>
+          <a:effectRef idx="2">
+            <a:schemeClr val="accent1"/>
+          </a:effectRef>
+          <a:fontRef idx="minor">
+            <a:schemeClr val="tx1"/>
+          </a:fontRef>
+        </p:style>
+      </p:cxnSp>
+      <p:sp>
+        <p:nvSpPr>
+          <p:cNvPr id="25" name="직사각형 24">
+            <a:extLst>
+              <a:ext uri="{FF2B5EF4-FFF2-40B4-BE49-F238E27FC236}">
+                <a16:creationId xmlns:a16="http://schemas.microsoft.com/office/drawing/2014/main" id="{99A46C3F-5093-D7B0-A085-50540B72C2CD}"/>
+              </a:ext>
+            </a:extLst>
+          </p:cNvPr>
+          <p:cNvSpPr/>
+          <p:nvPr/>
+        </p:nvSpPr>
+        <p:spPr>
+          <a:xfrm>
+            <a:off x="1744504" y="1286201"/>
+            <a:ext cx="1012638" cy="1081256"/>
+          </a:xfrm>
+          <a:prstGeom prst="rect">
+            <a:avLst/>
+          </a:prstGeom>
+        </p:spPr>
+        <p:style>
+          <a:lnRef idx="2">
+            <a:schemeClr val="accent1"/>
+          </a:lnRef>
+          <a:fillRef idx="1">
+            <a:schemeClr val="lt1"/>
+          </a:fillRef>
+          <a:effectRef idx="0">
+            <a:schemeClr val="accent1"/>
+          </a:effectRef>
+          <a:fontRef idx="minor">
+            <a:schemeClr val="dk1"/>
+          </a:fontRef>
+        </p:style>
+        <p:txBody>
+          <a:bodyPr rtlCol="0" anchor="ctr"/>
+          <a:lstStyle/>
+          <a:p>
+            <a:pPr marL="171450" indent="-171450" algn="ctr">
+              <a:buFont typeface="Arial" panose="020B0604020202020204" pitchFamily="34" charset="0"/>
+              <a:buChar char="•"/>
+            </a:pPr>
+            <a:r>
+              <a:rPr kumimoji="1" lang="en-US" altLang="ko-KR" sz="1000" dirty="0"/>
+              <a:t>insert()</a:t>
+            </a:r>
+          </a:p>
+          <a:p>
+            <a:pPr marL="171450" indent="-171450" algn="ctr">
+              <a:buFont typeface="Arial" panose="020B0604020202020204" pitchFamily="34" charset="0"/>
+              <a:buChar char="•"/>
+            </a:pPr>
+            <a:r>
+              <a:rPr kumimoji="1" lang="en-US" altLang="ko-KR" sz="1000" dirty="0" err="1"/>
+              <a:t>insertFiles</a:t>
+            </a:r>
+            <a:r>
+              <a:rPr kumimoji="1" lang="en-US" altLang="ko-KR" sz="1000" dirty="0"/>
+              <a:t>()</a:t>
+            </a:r>
+          </a:p>
+          <a:p>
+            <a:pPr marL="171450" indent="-171450" algn="ctr">
+              <a:buFont typeface="Arial" panose="020B0604020202020204" pitchFamily="34" charset="0"/>
+              <a:buChar char="•"/>
+            </a:pPr>
+            <a:r>
+              <a:rPr kumimoji="1" lang="en-US" altLang="ko-KR" sz="1000" dirty="0"/>
+              <a:t>update()</a:t>
+            </a:r>
+          </a:p>
+          <a:p>
+            <a:pPr marL="171450" indent="-171450" algn="ctr">
+              <a:buFont typeface="Arial" panose="020B0604020202020204" pitchFamily="34" charset="0"/>
+              <a:buChar char="•"/>
+            </a:pPr>
+            <a:r>
+              <a:rPr kumimoji="1" lang="en-US" altLang="ko-KR" sz="1000" dirty="0"/>
+              <a:t>delete()</a:t>
+            </a:r>
+          </a:p>
+        </p:txBody>
+      </p:sp>
+      <p:cxnSp>
+        <p:nvCxnSpPr>
+          <p:cNvPr id="29" name="직선 화살표 연결선 28">
+            <a:extLst>
+              <a:ext uri="{FF2B5EF4-FFF2-40B4-BE49-F238E27FC236}">
+                <a16:creationId xmlns:a16="http://schemas.microsoft.com/office/drawing/2014/main" id="{9E3CBC92-2C5F-7F4E-93A9-744DA2CC9D70}"/>
+              </a:ext>
+            </a:extLst>
+          </p:cNvPr>
+          <p:cNvCxnSpPr>
+            <a:cxnSpLocks/>
+            <a:stCxn id="25" idx="3"/>
+            <a:endCxn id="21" idx="1"/>
+          </p:cNvCxnSpPr>
+          <p:nvPr/>
+        </p:nvCxnSpPr>
+        <p:spPr>
+          <a:xfrm flipV="1">
+            <a:off x="2757142" y="1659318"/>
+            <a:ext cx="1206866" cy="167511"/>
+          </a:xfrm>
+          <a:prstGeom prst="straightConnector1">
+            <a:avLst/>
+          </a:prstGeom>
+          <a:ln>
+            <a:tailEnd type="triangle"/>
+          </a:ln>
+        </p:spPr>
+        <p:style>
+          <a:lnRef idx="3">
+            <a:schemeClr val="accent1"/>
+          </a:lnRef>
+          <a:fillRef idx="0">
+            <a:schemeClr val="accent1"/>
+          </a:fillRef>
+          <a:effectRef idx="2">
+            <a:schemeClr val="accent1"/>
+          </a:effectRef>
+          <a:fontRef idx="minor">
+            <a:schemeClr val="tx1"/>
+          </a:fontRef>
+        </p:style>
+      </p:cxnSp>
+      <p:sp>
+        <p:nvSpPr>
+          <p:cNvPr id="110" name="직사각형 109">
+            <a:extLst>
+              <a:ext uri="{FF2B5EF4-FFF2-40B4-BE49-F238E27FC236}">
+                <a16:creationId xmlns:a16="http://schemas.microsoft.com/office/drawing/2014/main" id="{8DB6CA9E-FD9E-1A79-9160-2FCF6BB7F0B7}"/>
+              </a:ext>
+            </a:extLst>
+          </p:cNvPr>
+          <p:cNvSpPr/>
+          <p:nvPr/>
+        </p:nvSpPr>
+        <p:spPr>
+          <a:xfrm>
+            <a:off x="3128848" y="1588044"/>
+            <a:ext cx="484690" cy="310057"/>
+          </a:xfrm>
+          <a:prstGeom prst="rect">
+            <a:avLst/>
+          </a:prstGeom>
+        </p:spPr>
+        <p:style>
+          <a:lnRef idx="2">
+            <a:schemeClr val="accent1"/>
+          </a:lnRef>
+          <a:fillRef idx="1">
+            <a:schemeClr val="lt1"/>
+          </a:fillRef>
+          <a:effectRef idx="0">
+            <a:schemeClr val="accent1"/>
+          </a:effectRef>
+          <a:fontRef idx="minor">
+            <a:schemeClr val="dk1"/>
+          </a:fontRef>
+        </p:style>
+        <p:txBody>
+          <a:bodyPr rtlCol="0" anchor="ctr"/>
+          <a:lstStyle/>
+          <a:p>
+            <a:pPr algn="ctr"/>
+            <a:r>
+              <a:rPr kumimoji="1" lang="ko-KR" altLang="en-US" sz="1000" dirty="0"/>
+              <a:t>사용</a:t>
+            </a:r>
+            <a:endParaRPr kumimoji="1" lang="en-US" altLang="ko-KR" sz="1000" dirty="0"/>
+          </a:p>
+        </p:txBody>
+      </p:sp>
+      <p:sp>
+        <p:nvSpPr>
+          <p:cNvPr id="4" name="직사각형 3">
+            <a:extLst>
+              <a:ext uri="{FF2B5EF4-FFF2-40B4-BE49-F238E27FC236}">
+                <a16:creationId xmlns:a16="http://schemas.microsoft.com/office/drawing/2014/main" id="{4FFE819F-21CD-6098-2B26-3A031DF62956}"/>
+              </a:ext>
+            </a:extLst>
+          </p:cNvPr>
+          <p:cNvSpPr/>
+          <p:nvPr/>
+        </p:nvSpPr>
+        <p:spPr>
+          <a:xfrm>
+            <a:off x="3964008" y="3355428"/>
+            <a:ext cx="1228102" cy="462456"/>
+          </a:xfrm>
+          <a:prstGeom prst="rect">
+            <a:avLst/>
+          </a:prstGeom>
+        </p:spPr>
+        <p:style>
+          <a:lnRef idx="2">
+            <a:schemeClr val="accent1">
+              <a:shade val="50000"/>
+            </a:schemeClr>
+          </a:lnRef>
+          <a:fillRef idx="1">
+            <a:schemeClr val="accent1"/>
+          </a:fillRef>
+          <a:effectRef idx="0">
+            <a:schemeClr val="accent1"/>
+          </a:effectRef>
+          <a:fontRef idx="minor">
+            <a:schemeClr val="lt1"/>
+          </a:fontRef>
+        </p:style>
+        <p:txBody>
+          <a:bodyPr rtlCol="0" anchor="ctr"/>
+          <a:lstStyle/>
+          <a:p>
+            <a:pPr algn="ctr"/>
+            <a:r>
+              <a:rPr kumimoji="1" lang="en-US" altLang="ko-Kore-KR" sz="1600" dirty="0"/>
+              <a:t>Controller</a:t>
+            </a:r>
+            <a:endParaRPr kumimoji="1" lang="ko-Kore-KR" altLang="en-US" sz="1600" dirty="0"/>
+          </a:p>
+        </p:txBody>
+      </p:sp>
+      <p:sp>
+        <p:nvSpPr>
+          <p:cNvPr id="5" name="직사각형 4">
+            <a:extLst>
+              <a:ext uri="{FF2B5EF4-FFF2-40B4-BE49-F238E27FC236}">
+                <a16:creationId xmlns:a16="http://schemas.microsoft.com/office/drawing/2014/main" id="{6463899E-AF6F-978F-CF2C-51389E54F8BD}"/>
+              </a:ext>
+            </a:extLst>
+          </p:cNvPr>
+          <p:cNvSpPr/>
+          <p:nvPr/>
+        </p:nvSpPr>
+        <p:spPr>
+          <a:xfrm>
+            <a:off x="6007468" y="3355428"/>
+            <a:ext cx="1228102" cy="462456"/>
+          </a:xfrm>
+          <a:prstGeom prst="rect">
+            <a:avLst/>
+          </a:prstGeom>
+        </p:spPr>
+        <p:style>
+          <a:lnRef idx="2">
+            <a:schemeClr val="accent1">
+              <a:shade val="50000"/>
+            </a:schemeClr>
+          </a:lnRef>
+          <a:fillRef idx="1">
+            <a:schemeClr val="accent1"/>
+          </a:fillRef>
+          <a:effectRef idx="0">
+            <a:schemeClr val="accent1"/>
+          </a:effectRef>
+          <a:fontRef idx="minor">
+            <a:schemeClr val="lt1"/>
+          </a:fontRef>
+        </p:style>
+        <p:txBody>
+          <a:bodyPr rtlCol="0" anchor="ctr"/>
+          <a:lstStyle/>
+          <a:p>
+            <a:pPr algn="ctr"/>
+            <a:r>
+              <a:rPr kumimoji="1" lang="en-US" altLang="ko-Kore-KR" sz="1600" dirty="0"/>
+              <a:t>Service</a:t>
+            </a:r>
+            <a:endParaRPr kumimoji="1" lang="ko-Kore-KR" altLang="en-US" sz="1600" dirty="0"/>
+          </a:p>
+        </p:txBody>
+      </p:sp>
+      <p:sp>
+        <p:nvSpPr>
+          <p:cNvPr id="6" name="타원 5">
+            <a:extLst>
+              <a:ext uri="{FF2B5EF4-FFF2-40B4-BE49-F238E27FC236}">
+                <a16:creationId xmlns:a16="http://schemas.microsoft.com/office/drawing/2014/main" id="{11292D43-7B5D-8A6F-FB16-5A91B2126D94}"/>
+              </a:ext>
+            </a:extLst>
+          </p:cNvPr>
+          <p:cNvSpPr/>
+          <p:nvPr/>
+        </p:nvSpPr>
+        <p:spPr>
+          <a:xfrm>
+            <a:off x="2721162" y="3281858"/>
+            <a:ext cx="609598" cy="609598"/>
+          </a:xfrm>
+          <a:prstGeom prst="ellipse">
+            <a:avLst/>
+          </a:prstGeom>
+        </p:spPr>
+        <p:style>
+          <a:lnRef idx="2">
+            <a:schemeClr val="accent1">
+              <a:shade val="50000"/>
+            </a:schemeClr>
+          </a:lnRef>
+          <a:fillRef idx="1">
+            <a:schemeClr val="accent1"/>
+          </a:fillRef>
+          <a:effectRef idx="0">
+            <a:schemeClr val="accent1"/>
+          </a:effectRef>
+          <a:fontRef idx="minor">
+            <a:schemeClr val="lt1"/>
+          </a:fontRef>
+        </p:style>
+        <p:txBody>
+          <a:bodyPr rtlCol="0" anchor="ctr"/>
+          <a:lstStyle/>
+          <a:p>
+            <a:pPr algn="ctr"/>
+            <a:r>
+              <a:rPr kumimoji="1" lang="en-US" altLang="ko-Kore-KR" sz="1600" dirty="0"/>
+              <a:t>T1</a:t>
+            </a:r>
+            <a:endParaRPr kumimoji="1" lang="ko-Kore-KR" altLang="en-US" sz="1600" dirty="0"/>
+          </a:p>
+        </p:txBody>
+      </p:sp>
+      <p:sp>
+        <p:nvSpPr>
+          <p:cNvPr id="7" name="직사각형 6">
+            <a:extLst>
+              <a:ext uri="{FF2B5EF4-FFF2-40B4-BE49-F238E27FC236}">
+                <a16:creationId xmlns:a16="http://schemas.microsoft.com/office/drawing/2014/main" id="{B11F7179-DB58-1BEC-1E51-122F1EBED267}"/>
+              </a:ext>
+            </a:extLst>
+          </p:cNvPr>
+          <p:cNvSpPr/>
+          <p:nvPr/>
+        </p:nvSpPr>
+        <p:spPr>
+          <a:xfrm>
+            <a:off x="514352" y="3355429"/>
+            <a:ext cx="809299" cy="462456"/>
+          </a:xfrm>
+          <a:prstGeom prst="rect">
+            <a:avLst/>
+          </a:prstGeom>
+        </p:spPr>
+        <p:style>
+          <a:lnRef idx="2">
+            <a:schemeClr val="accent1">
+              <a:shade val="50000"/>
+            </a:schemeClr>
+          </a:lnRef>
+          <a:fillRef idx="1">
+            <a:schemeClr val="accent1"/>
+          </a:fillRef>
+          <a:effectRef idx="0">
+            <a:schemeClr val="accent1"/>
+          </a:effectRef>
+          <a:fontRef idx="minor">
+            <a:schemeClr val="lt1"/>
+          </a:fontRef>
+        </p:style>
+        <p:txBody>
+          <a:bodyPr rtlCol="0" anchor="ctr"/>
+          <a:lstStyle/>
+          <a:p>
+            <a:pPr algn="ctr"/>
+            <a:r>
+              <a:rPr kumimoji="1" lang="en-US" altLang="ko-Kore-KR" sz="1600" dirty="0"/>
+              <a:t>Client</a:t>
+            </a:r>
+            <a:endParaRPr kumimoji="1" lang="ko-Kore-KR" altLang="en-US" sz="1600" dirty="0"/>
+          </a:p>
+        </p:txBody>
+      </p:sp>
+      <p:cxnSp>
+        <p:nvCxnSpPr>
+          <p:cNvPr id="8" name="직선 화살표 연결선 7">
+            <a:extLst>
+              <a:ext uri="{FF2B5EF4-FFF2-40B4-BE49-F238E27FC236}">
+                <a16:creationId xmlns:a16="http://schemas.microsoft.com/office/drawing/2014/main" id="{E154E2DB-EA18-27E6-8464-9BDFBBD71E49}"/>
+              </a:ext>
+            </a:extLst>
+          </p:cNvPr>
+          <p:cNvCxnSpPr>
+            <a:cxnSpLocks/>
+            <a:stCxn id="7" idx="3"/>
+            <a:endCxn id="6" idx="2"/>
+          </p:cNvCxnSpPr>
+          <p:nvPr/>
+        </p:nvCxnSpPr>
+        <p:spPr>
+          <a:xfrm>
+            <a:off x="1323651" y="3586657"/>
+            <a:ext cx="1397511" cy="0"/>
+          </a:xfrm>
+          <a:prstGeom prst="straightConnector1">
+            <a:avLst/>
+          </a:prstGeom>
+          <a:ln>
+            <a:tailEnd type="triangle"/>
+          </a:ln>
+        </p:spPr>
+        <p:style>
+          <a:lnRef idx="3">
+            <a:schemeClr val="accent1"/>
+          </a:lnRef>
+          <a:fillRef idx="0">
+            <a:schemeClr val="accent1"/>
+          </a:fillRef>
+          <a:effectRef idx="2">
+            <a:schemeClr val="accent1"/>
+          </a:effectRef>
+          <a:fontRef idx="minor">
+            <a:schemeClr val="tx1"/>
+          </a:fontRef>
+        </p:style>
+      </p:cxnSp>
+      <p:sp>
+        <p:nvSpPr>
+          <p:cNvPr id="9" name="직사각형 8">
+            <a:extLst>
+              <a:ext uri="{FF2B5EF4-FFF2-40B4-BE49-F238E27FC236}">
+                <a16:creationId xmlns:a16="http://schemas.microsoft.com/office/drawing/2014/main" id="{402D5083-4B7A-F714-5DC3-57068CAC4A36}"/>
+              </a:ext>
+            </a:extLst>
+          </p:cNvPr>
+          <p:cNvSpPr/>
+          <p:nvPr/>
+        </p:nvSpPr>
+        <p:spPr>
+          <a:xfrm>
+            <a:off x="1712928" y="3431628"/>
+            <a:ext cx="484690" cy="310057"/>
+          </a:xfrm>
+          <a:prstGeom prst="rect">
+            <a:avLst/>
+          </a:prstGeom>
+        </p:spPr>
+        <p:style>
+          <a:lnRef idx="2">
+            <a:schemeClr val="accent1"/>
+          </a:lnRef>
+          <a:fillRef idx="1">
+            <a:schemeClr val="lt1"/>
+          </a:fillRef>
+          <a:effectRef idx="0">
+            <a:schemeClr val="accent1"/>
+          </a:effectRef>
+          <a:fontRef idx="minor">
+            <a:schemeClr val="dk1"/>
+          </a:fontRef>
+        </p:style>
+        <p:txBody>
+          <a:bodyPr rtlCol="0" anchor="ctr"/>
+          <a:lstStyle/>
+          <a:p>
+            <a:pPr algn="ctr"/>
+            <a:r>
+              <a:rPr kumimoji="1" lang="ko-KR" altLang="en-US" sz="1000" dirty="0"/>
+              <a:t>요청</a:t>
+            </a:r>
+            <a:endParaRPr kumimoji="1" lang="en-US" altLang="ko-KR" sz="1000" dirty="0"/>
+          </a:p>
+        </p:txBody>
+      </p:sp>
+      <p:cxnSp>
+        <p:nvCxnSpPr>
+          <p:cNvPr id="13" name="직선 화살표 연결선 12">
+            <a:extLst>
+              <a:ext uri="{FF2B5EF4-FFF2-40B4-BE49-F238E27FC236}">
+                <a16:creationId xmlns:a16="http://schemas.microsoft.com/office/drawing/2014/main" id="{5B477DEA-1BCD-0D89-BC46-BF0D40C45EA5}"/>
+              </a:ext>
+            </a:extLst>
+          </p:cNvPr>
+          <p:cNvCxnSpPr>
+            <a:cxnSpLocks/>
+            <a:stCxn id="6" idx="6"/>
+            <a:endCxn id="4" idx="1"/>
+          </p:cNvCxnSpPr>
+          <p:nvPr/>
+        </p:nvCxnSpPr>
+        <p:spPr>
+          <a:xfrm flipV="1">
+            <a:off x="3330760" y="3586656"/>
+            <a:ext cx="633248" cy="1"/>
+          </a:xfrm>
+          <a:prstGeom prst="straightConnector1">
+            <a:avLst/>
+          </a:prstGeom>
+          <a:ln>
+            <a:tailEnd type="triangle"/>
+          </a:ln>
+        </p:spPr>
+        <p:style>
+          <a:lnRef idx="3">
+            <a:schemeClr val="accent1"/>
+          </a:lnRef>
+          <a:fillRef idx="0">
+            <a:schemeClr val="accent1"/>
+          </a:fillRef>
+          <a:effectRef idx="2">
+            <a:schemeClr val="accent1"/>
+          </a:effectRef>
+          <a:fontRef idx="minor">
+            <a:schemeClr val="tx1"/>
+          </a:fontRef>
+        </p:style>
+      </p:cxnSp>
+      <p:cxnSp>
+        <p:nvCxnSpPr>
+          <p:cNvPr id="18" name="직선 화살표 연결선 17">
+            <a:extLst>
+              <a:ext uri="{FF2B5EF4-FFF2-40B4-BE49-F238E27FC236}">
+                <a16:creationId xmlns:a16="http://schemas.microsoft.com/office/drawing/2014/main" id="{CFB82109-C0A6-D233-E933-880AD5136C75}"/>
+              </a:ext>
+            </a:extLst>
+          </p:cNvPr>
+          <p:cNvCxnSpPr>
+            <a:cxnSpLocks/>
+            <a:stCxn id="4" idx="3"/>
+            <a:endCxn id="5" idx="1"/>
+          </p:cNvCxnSpPr>
+          <p:nvPr/>
+        </p:nvCxnSpPr>
+        <p:spPr>
+          <a:xfrm>
+            <a:off x="5192110" y="3586656"/>
+            <a:ext cx="815358" cy="0"/>
+          </a:xfrm>
+          <a:prstGeom prst="straightConnector1">
+            <a:avLst/>
+          </a:prstGeom>
+          <a:ln>
+            <a:tailEnd type="triangle"/>
+          </a:ln>
+        </p:spPr>
+        <p:style>
+          <a:lnRef idx="3">
+            <a:schemeClr val="accent1"/>
+          </a:lnRef>
+          <a:fillRef idx="0">
+            <a:schemeClr val="accent1"/>
+          </a:fillRef>
+          <a:effectRef idx="2">
+            <a:schemeClr val="accent1"/>
+          </a:effectRef>
+          <a:fontRef idx="minor">
+            <a:schemeClr val="tx1"/>
+          </a:fontRef>
+        </p:style>
+      </p:cxnSp>
+      <p:sp>
+        <p:nvSpPr>
+          <p:cNvPr id="26" name="직사각형 25">
+            <a:extLst>
+              <a:ext uri="{FF2B5EF4-FFF2-40B4-BE49-F238E27FC236}">
+                <a16:creationId xmlns:a16="http://schemas.microsoft.com/office/drawing/2014/main" id="{A0BF038C-D9E7-ECF3-D5AF-54F6BD8E2CA6}"/>
+              </a:ext>
+            </a:extLst>
+          </p:cNvPr>
+          <p:cNvSpPr/>
+          <p:nvPr/>
+        </p:nvSpPr>
+        <p:spPr>
+          <a:xfrm>
+            <a:off x="8050928" y="3354112"/>
+            <a:ext cx="620112" cy="462456"/>
+          </a:xfrm>
+          <a:prstGeom prst="rect">
+            <a:avLst/>
+          </a:prstGeom>
+        </p:spPr>
+        <p:style>
+          <a:lnRef idx="2">
+            <a:schemeClr val="accent1">
+              <a:shade val="50000"/>
+            </a:schemeClr>
+          </a:lnRef>
+          <a:fillRef idx="1">
+            <a:schemeClr val="accent1"/>
+          </a:fillRef>
+          <a:effectRef idx="0">
+            <a:schemeClr val="accent1"/>
+          </a:effectRef>
+          <a:fontRef idx="minor">
+            <a:schemeClr val="lt1"/>
+          </a:fontRef>
+        </p:style>
+        <p:txBody>
+          <a:bodyPr rtlCol="0" anchor="ctr"/>
+          <a:lstStyle/>
+          <a:p>
+            <a:pPr algn="ctr"/>
+            <a:r>
+              <a:rPr kumimoji="1" lang="en-US" altLang="ko-Kore-KR" sz="1600" dirty="0"/>
+              <a:t>DAO</a:t>
+            </a:r>
+            <a:endParaRPr kumimoji="1" lang="ko-Kore-KR" altLang="en-US" sz="1600" dirty="0"/>
+          </a:p>
+        </p:txBody>
+      </p:sp>
+      <p:sp>
+        <p:nvSpPr>
+          <p:cNvPr id="27" name="직사각형 26">
+            <a:extLst>
+              <a:ext uri="{FF2B5EF4-FFF2-40B4-BE49-F238E27FC236}">
+                <a16:creationId xmlns:a16="http://schemas.microsoft.com/office/drawing/2014/main" id="{1A252AB5-1BAB-3DA3-50A8-9F3FA199F2C7}"/>
+              </a:ext>
+            </a:extLst>
+          </p:cNvPr>
+          <p:cNvSpPr/>
+          <p:nvPr/>
+        </p:nvSpPr>
+        <p:spPr>
+          <a:xfrm>
+            <a:off x="8053559" y="4347340"/>
+            <a:ext cx="620112" cy="462456"/>
+          </a:xfrm>
+          <a:prstGeom prst="rect">
+            <a:avLst/>
+          </a:prstGeom>
+        </p:spPr>
+        <p:style>
+          <a:lnRef idx="2">
+            <a:schemeClr val="accent1">
+              <a:shade val="50000"/>
+            </a:schemeClr>
+          </a:lnRef>
+          <a:fillRef idx="1">
+            <a:schemeClr val="accent1"/>
+          </a:fillRef>
+          <a:effectRef idx="0">
+            <a:schemeClr val="accent1"/>
+          </a:effectRef>
+          <a:fontRef idx="minor">
+            <a:schemeClr val="lt1"/>
+          </a:fontRef>
+        </p:style>
+        <p:txBody>
+          <a:bodyPr rtlCol="0" anchor="ctr"/>
+          <a:lstStyle/>
+          <a:p>
+            <a:pPr algn="ctr"/>
+            <a:r>
+              <a:rPr kumimoji="1" lang="en-US" altLang="ko-Kore-KR" sz="1600" dirty="0"/>
+              <a:t>DAO</a:t>
+            </a:r>
+            <a:endParaRPr kumimoji="1" lang="ko-Kore-KR" altLang="en-US" sz="1600" dirty="0"/>
+          </a:p>
+        </p:txBody>
+      </p:sp>
+      <p:cxnSp>
+        <p:nvCxnSpPr>
+          <p:cNvPr id="28" name="직선 화살표 연결선 27">
+            <a:extLst>
+              <a:ext uri="{FF2B5EF4-FFF2-40B4-BE49-F238E27FC236}">
+                <a16:creationId xmlns:a16="http://schemas.microsoft.com/office/drawing/2014/main" id="{4423B72B-DC4A-6637-EA94-FCA6F8D01F6D}"/>
+              </a:ext>
+            </a:extLst>
+          </p:cNvPr>
+          <p:cNvCxnSpPr>
+            <a:cxnSpLocks/>
+            <a:stCxn id="5" idx="3"/>
+            <a:endCxn id="26" idx="1"/>
+          </p:cNvCxnSpPr>
+          <p:nvPr/>
+        </p:nvCxnSpPr>
+        <p:spPr>
+          <a:xfrm flipV="1">
+            <a:off x="7235570" y="3585340"/>
+            <a:ext cx="815358" cy="1316"/>
+          </a:xfrm>
+          <a:prstGeom prst="straightConnector1">
+            <a:avLst/>
+          </a:prstGeom>
+          <a:ln>
+            <a:tailEnd type="triangle"/>
+          </a:ln>
+        </p:spPr>
+        <p:style>
+          <a:lnRef idx="3">
+            <a:schemeClr val="accent1"/>
+          </a:lnRef>
+          <a:fillRef idx="0">
+            <a:schemeClr val="accent1"/>
+          </a:fillRef>
+          <a:effectRef idx="2">
+            <a:schemeClr val="accent1"/>
+          </a:effectRef>
+          <a:fontRef idx="minor">
+            <a:schemeClr val="tx1"/>
+          </a:fontRef>
+        </p:style>
+      </p:cxnSp>
+      <p:cxnSp>
+        <p:nvCxnSpPr>
+          <p:cNvPr id="32" name="직선 화살표 연결선 31">
+            <a:extLst>
+              <a:ext uri="{FF2B5EF4-FFF2-40B4-BE49-F238E27FC236}">
+                <a16:creationId xmlns:a16="http://schemas.microsoft.com/office/drawing/2014/main" id="{039148EF-9B21-E1EB-3D42-0423547217DE}"/>
+              </a:ext>
+            </a:extLst>
+          </p:cNvPr>
+          <p:cNvCxnSpPr>
+            <a:cxnSpLocks/>
+            <a:stCxn id="5" idx="3"/>
+            <a:endCxn id="27" idx="1"/>
+          </p:cNvCxnSpPr>
+          <p:nvPr/>
+        </p:nvCxnSpPr>
+        <p:spPr>
+          <a:xfrm>
+            <a:off x="7235570" y="3586656"/>
+            <a:ext cx="817989" cy="991912"/>
+          </a:xfrm>
+          <a:prstGeom prst="straightConnector1">
+            <a:avLst/>
+          </a:prstGeom>
+          <a:ln>
+            <a:tailEnd type="triangle"/>
+          </a:ln>
+        </p:spPr>
+        <p:style>
+          <a:lnRef idx="3">
+            <a:schemeClr val="accent1"/>
+          </a:lnRef>
+          <a:fillRef idx="0">
+            <a:schemeClr val="accent1"/>
+          </a:fillRef>
+          <a:effectRef idx="2">
+            <a:schemeClr val="accent1"/>
+          </a:effectRef>
+          <a:fontRef idx="minor">
+            <a:schemeClr val="tx1"/>
+          </a:fontRef>
+        </p:style>
+      </p:cxnSp>
+      <p:sp>
+        <p:nvSpPr>
+          <p:cNvPr id="35" name="직사각형 34">
+            <a:extLst>
+              <a:ext uri="{FF2B5EF4-FFF2-40B4-BE49-F238E27FC236}">
+                <a16:creationId xmlns:a16="http://schemas.microsoft.com/office/drawing/2014/main" id="{45FE1F65-4BFF-3811-EF41-198F62D18799}"/>
+              </a:ext>
+            </a:extLst>
+          </p:cNvPr>
+          <p:cNvSpPr/>
+          <p:nvPr/>
+        </p:nvSpPr>
+        <p:spPr>
+          <a:xfrm>
+            <a:off x="3961377" y="5042343"/>
+            <a:ext cx="1228102" cy="462456"/>
+          </a:xfrm>
+          <a:prstGeom prst="rect">
+            <a:avLst/>
+          </a:prstGeom>
+        </p:spPr>
+        <p:style>
+          <a:lnRef idx="2">
+            <a:schemeClr val="accent1">
+              <a:shade val="50000"/>
+            </a:schemeClr>
+          </a:lnRef>
+          <a:fillRef idx="1">
+            <a:schemeClr val="accent1"/>
+          </a:fillRef>
+          <a:effectRef idx="0">
+            <a:schemeClr val="accent1"/>
+          </a:effectRef>
+          <a:fontRef idx="minor">
+            <a:schemeClr val="lt1"/>
+          </a:fontRef>
+        </p:style>
+        <p:txBody>
+          <a:bodyPr rtlCol="0" anchor="ctr"/>
+          <a:lstStyle/>
+          <a:p>
+            <a:pPr algn="ctr"/>
+            <a:r>
+              <a:rPr kumimoji="1" lang="en-US" altLang="ko-Kore-KR" sz="1600" dirty="0"/>
+              <a:t>Controller</a:t>
+            </a:r>
+            <a:endParaRPr kumimoji="1" lang="ko-Kore-KR" altLang="en-US" sz="1600" dirty="0"/>
+          </a:p>
+        </p:txBody>
+      </p:sp>
+      <p:sp>
+        <p:nvSpPr>
+          <p:cNvPr id="36" name="직사각형 35">
+            <a:extLst>
+              <a:ext uri="{FF2B5EF4-FFF2-40B4-BE49-F238E27FC236}">
+                <a16:creationId xmlns:a16="http://schemas.microsoft.com/office/drawing/2014/main" id="{40A64E36-BB6A-D77F-5761-84359B731A08}"/>
+              </a:ext>
+            </a:extLst>
+          </p:cNvPr>
+          <p:cNvSpPr/>
+          <p:nvPr/>
+        </p:nvSpPr>
+        <p:spPr>
+          <a:xfrm>
+            <a:off x="6004837" y="5042343"/>
+            <a:ext cx="1228102" cy="462456"/>
+          </a:xfrm>
+          <a:prstGeom prst="rect">
+            <a:avLst/>
+          </a:prstGeom>
+        </p:spPr>
+        <p:style>
+          <a:lnRef idx="2">
+            <a:schemeClr val="accent1">
+              <a:shade val="50000"/>
+            </a:schemeClr>
+          </a:lnRef>
+          <a:fillRef idx="1">
+            <a:schemeClr val="accent1"/>
+          </a:fillRef>
+          <a:effectRef idx="0">
+            <a:schemeClr val="accent1"/>
+          </a:effectRef>
+          <a:fontRef idx="minor">
+            <a:schemeClr val="lt1"/>
+          </a:fontRef>
+        </p:style>
+        <p:txBody>
+          <a:bodyPr rtlCol="0" anchor="ctr"/>
+          <a:lstStyle/>
+          <a:p>
+            <a:pPr algn="ctr"/>
+            <a:r>
+              <a:rPr kumimoji="1" lang="en-US" altLang="ko-Kore-KR" sz="1600" dirty="0"/>
+              <a:t>Service</a:t>
+            </a:r>
+            <a:endParaRPr kumimoji="1" lang="ko-Kore-KR" altLang="en-US" sz="1600" dirty="0"/>
+          </a:p>
+        </p:txBody>
+      </p:sp>
+      <p:sp>
+        <p:nvSpPr>
+          <p:cNvPr id="37" name="타원 36">
+            <a:extLst>
+              <a:ext uri="{FF2B5EF4-FFF2-40B4-BE49-F238E27FC236}">
+                <a16:creationId xmlns:a16="http://schemas.microsoft.com/office/drawing/2014/main" id="{3F52F2DB-0039-18D7-F29E-4E93B746D653}"/>
+              </a:ext>
+            </a:extLst>
+          </p:cNvPr>
+          <p:cNvSpPr/>
+          <p:nvPr/>
+        </p:nvSpPr>
+        <p:spPr>
+          <a:xfrm>
+            <a:off x="2718531" y="4968773"/>
+            <a:ext cx="609598" cy="609598"/>
+          </a:xfrm>
+          <a:prstGeom prst="ellipse">
+            <a:avLst/>
+          </a:prstGeom>
+        </p:spPr>
+        <p:style>
+          <a:lnRef idx="2">
+            <a:schemeClr val="accent1">
+              <a:shade val="50000"/>
+            </a:schemeClr>
+          </a:lnRef>
+          <a:fillRef idx="1">
+            <a:schemeClr val="accent1"/>
+          </a:fillRef>
+          <a:effectRef idx="0">
+            <a:schemeClr val="accent1"/>
+          </a:effectRef>
+          <a:fontRef idx="minor">
+            <a:schemeClr val="lt1"/>
+          </a:fontRef>
+        </p:style>
+        <p:txBody>
+          <a:bodyPr rtlCol="0" anchor="ctr"/>
+          <a:lstStyle/>
+          <a:p>
+            <a:pPr algn="ctr"/>
+            <a:r>
+              <a:rPr kumimoji="1" lang="en-US" altLang="ko-Kore-KR" sz="1600" dirty="0"/>
+              <a:t>T2</a:t>
+            </a:r>
+            <a:endParaRPr kumimoji="1" lang="ko-Kore-KR" altLang="en-US" sz="1600" dirty="0"/>
+          </a:p>
+        </p:txBody>
+      </p:sp>
+      <p:sp>
+        <p:nvSpPr>
+          <p:cNvPr id="38" name="직사각형 37">
+            <a:extLst>
+              <a:ext uri="{FF2B5EF4-FFF2-40B4-BE49-F238E27FC236}">
+                <a16:creationId xmlns:a16="http://schemas.microsoft.com/office/drawing/2014/main" id="{299CC43A-84C6-F2FA-0B92-D2D5849C8F1C}"/>
+              </a:ext>
+            </a:extLst>
+          </p:cNvPr>
+          <p:cNvSpPr/>
+          <p:nvPr/>
+        </p:nvSpPr>
+        <p:spPr>
+          <a:xfrm>
+            <a:off x="511721" y="5042344"/>
+            <a:ext cx="809299" cy="462456"/>
+          </a:xfrm>
+          <a:prstGeom prst="rect">
+            <a:avLst/>
+          </a:prstGeom>
+        </p:spPr>
+        <p:style>
+          <a:lnRef idx="2">
+            <a:schemeClr val="accent1">
+              <a:shade val="50000"/>
+            </a:schemeClr>
+          </a:lnRef>
+          <a:fillRef idx="1">
+            <a:schemeClr val="accent1"/>
+          </a:fillRef>
+          <a:effectRef idx="0">
+            <a:schemeClr val="accent1"/>
+          </a:effectRef>
+          <a:fontRef idx="minor">
+            <a:schemeClr val="lt1"/>
+          </a:fontRef>
+        </p:style>
+        <p:txBody>
+          <a:bodyPr rtlCol="0" anchor="ctr"/>
+          <a:lstStyle/>
+          <a:p>
+            <a:pPr algn="ctr"/>
+            <a:r>
+              <a:rPr kumimoji="1" lang="en-US" altLang="ko-Kore-KR" sz="1600" dirty="0"/>
+              <a:t>Client</a:t>
+            </a:r>
+            <a:endParaRPr kumimoji="1" lang="ko-Kore-KR" altLang="en-US" sz="1600" dirty="0"/>
+          </a:p>
+        </p:txBody>
+      </p:sp>
+      <p:cxnSp>
+        <p:nvCxnSpPr>
+          <p:cNvPr id="39" name="직선 화살표 연결선 38">
+            <a:extLst>
+              <a:ext uri="{FF2B5EF4-FFF2-40B4-BE49-F238E27FC236}">
+                <a16:creationId xmlns:a16="http://schemas.microsoft.com/office/drawing/2014/main" id="{FF888CDA-0E76-424B-D69C-02B6966EC7B5}"/>
+              </a:ext>
+            </a:extLst>
+          </p:cNvPr>
+          <p:cNvCxnSpPr>
+            <a:cxnSpLocks/>
+            <a:stCxn id="38" idx="3"/>
+            <a:endCxn id="37" idx="2"/>
+          </p:cNvCxnSpPr>
+          <p:nvPr/>
+        </p:nvCxnSpPr>
+        <p:spPr>
+          <a:xfrm>
+            <a:off x="1321020" y="5273572"/>
+            <a:ext cx="1397511" cy="0"/>
+          </a:xfrm>
+          <a:prstGeom prst="straightConnector1">
+            <a:avLst/>
+          </a:prstGeom>
+          <a:ln>
+            <a:tailEnd type="triangle"/>
+          </a:ln>
+        </p:spPr>
+        <p:style>
+          <a:lnRef idx="3">
+            <a:schemeClr val="accent1"/>
+          </a:lnRef>
+          <a:fillRef idx="0">
+            <a:schemeClr val="accent1"/>
+          </a:fillRef>
+          <a:effectRef idx="2">
+            <a:schemeClr val="accent1"/>
+          </a:effectRef>
+          <a:fontRef idx="minor">
+            <a:schemeClr val="tx1"/>
+          </a:fontRef>
+        </p:style>
+      </p:cxnSp>
+      <p:sp>
+        <p:nvSpPr>
+          <p:cNvPr id="40" name="직사각형 39">
+            <a:extLst>
+              <a:ext uri="{FF2B5EF4-FFF2-40B4-BE49-F238E27FC236}">
+                <a16:creationId xmlns:a16="http://schemas.microsoft.com/office/drawing/2014/main" id="{89BE9F6B-D122-7B04-CD36-4D7AA91D97CB}"/>
+              </a:ext>
+            </a:extLst>
+          </p:cNvPr>
+          <p:cNvSpPr/>
+          <p:nvPr/>
+        </p:nvSpPr>
+        <p:spPr>
+          <a:xfrm>
+            <a:off x="1710297" y="5118543"/>
+            <a:ext cx="484690" cy="310057"/>
+          </a:xfrm>
+          <a:prstGeom prst="rect">
+            <a:avLst/>
+          </a:prstGeom>
+        </p:spPr>
+        <p:style>
+          <a:lnRef idx="2">
+            <a:schemeClr val="accent1"/>
+          </a:lnRef>
+          <a:fillRef idx="1">
+            <a:schemeClr val="lt1"/>
+          </a:fillRef>
+          <a:effectRef idx="0">
+            <a:schemeClr val="accent1"/>
+          </a:effectRef>
+          <a:fontRef idx="minor">
+            <a:schemeClr val="dk1"/>
+          </a:fontRef>
+        </p:style>
+        <p:txBody>
+          <a:bodyPr rtlCol="0" anchor="ctr"/>
+          <a:lstStyle/>
+          <a:p>
+            <a:pPr algn="ctr"/>
+            <a:r>
+              <a:rPr kumimoji="1" lang="ko-KR" altLang="en-US" sz="1000" dirty="0"/>
+              <a:t>요청</a:t>
+            </a:r>
+            <a:endParaRPr kumimoji="1" lang="en-US" altLang="ko-KR" sz="1000" dirty="0"/>
+          </a:p>
+        </p:txBody>
+      </p:sp>
+      <p:cxnSp>
+        <p:nvCxnSpPr>
+          <p:cNvPr id="41" name="직선 화살표 연결선 40">
+            <a:extLst>
+              <a:ext uri="{FF2B5EF4-FFF2-40B4-BE49-F238E27FC236}">
+                <a16:creationId xmlns:a16="http://schemas.microsoft.com/office/drawing/2014/main" id="{77974FD9-C1CD-2B49-10F3-CD4B6ACF3690}"/>
+              </a:ext>
+            </a:extLst>
+          </p:cNvPr>
+          <p:cNvCxnSpPr>
+            <a:cxnSpLocks/>
+            <a:stCxn id="37" idx="6"/>
+            <a:endCxn id="35" idx="1"/>
+          </p:cNvCxnSpPr>
+          <p:nvPr/>
+        </p:nvCxnSpPr>
+        <p:spPr>
+          <a:xfrm flipV="1">
+            <a:off x="3328129" y="5273571"/>
+            <a:ext cx="633248" cy="1"/>
+          </a:xfrm>
+          <a:prstGeom prst="straightConnector1">
+            <a:avLst/>
+          </a:prstGeom>
+          <a:ln>
+            <a:tailEnd type="triangle"/>
+          </a:ln>
+        </p:spPr>
+        <p:style>
+          <a:lnRef idx="3">
+            <a:schemeClr val="accent1"/>
+          </a:lnRef>
+          <a:fillRef idx="0">
+            <a:schemeClr val="accent1"/>
+          </a:fillRef>
+          <a:effectRef idx="2">
+            <a:schemeClr val="accent1"/>
+          </a:effectRef>
+          <a:fontRef idx="minor">
+            <a:schemeClr val="tx1"/>
+          </a:fontRef>
+        </p:style>
+      </p:cxnSp>
+      <p:cxnSp>
+        <p:nvCxnSpPr>
+          <p:cNvPr id="42" name="직선 화살표 연결선 41">
+            <a:extLst>
+              <a:ext uri="{FF2B5EF4-FFF2-40B4-BE49-F238E27FC236}">
+                <a16:creationId xmlns:a16="http://schemas.microsoft.com/office/drawing/2014/main" id="{5C0E597C-114E-4E70-A419-594898C7AF5C}"/>
+              </a:ext>
+            </a:extLst>
+          </p:cNvPr>
+          <p:cNvCxnSpPr>
+            <a:cxnSpLocks/>
+            <a:stCxn id="35" idx="3"/>
+            <a:endCxn id="36" idx="1"/>
+          </p:cNvCxnSpPr>
+          <p:nvPr/>
+        </p:nvCxnSpPr>
+        <p:spPr>
+          <a:xfrm>
+            <a:off x="5189479" y="5273571"/>
+            <a:ext cx="815358" cy="0"/>
+          </a:xfrm>
+          <a:prstGeom prst="straightConnector1">
+            <a:avLst/>
+          </a:prstGeom>
+          <a:ln>
+            <a:tailEnd type="triangle"/>
+          </a:ln>
+        </p:spPr>
+        <p:style>
+          <a:lnRef idx="3">
+            <a:schemeClr val="accent1"/>
+          </a:lnRef>
+          <a:fillRef idx="0">
+            <a:schemeClr val="accent1"/>
+          </a:fillRef>
+          <a:effectRef idx="2">
+            <a:schemeClr val="accent1"/>
+          </a:effectRef>
+          <a:fontRef idx="minor">
+            <a:schemeClr val="tx1"/>
+          </a:fontRef>
+        </p:style>
+      </p:cxnSp>
+      <p:sp>
+        <p:nvSpPr>
+          <p:cNvPr id="43" name="직사각형 42">
+            <a:extLst>
+              <a:ext uri="{FF2B5EF4-FFF2-40B4-BE49-F238E27FC236}">
+                <a16:creationId xmlns:a16="http://schemas.microsoft.com/office/drawing/2014/main" id="{4A181E27-01F4-6D71-6C03-5E76BE3FAEAD}"/>
+              </a:ext>
+            </a:extLst>
+          </p:cNvPr>
+          <p:cNvSpPr/>
+          <p:nvPr/>
+        </p:nvSpPr>
+        <p:spPr>
+          <a:xfrm>
+            <a:off x="8048297" y="5041027"/>
+            <a:ext cx="620112" cy="462456"/>
+          </a:xfrm>
+          <a:prstGeom prst="rect">
+            <a:avLst/>
+          </a:prstGeom>
+        </p:spPr>
+        <p:style>
+          <a:lnRef idx="2">
+            <a:schemeClr val="accent1">
+              <a:shade val="50000"/>
+            </a:schemeClr>
+          </a:lnRef>
+          <a:fillRef idx="1">
+            <a:schemeClr val="accent1"/>
+          </a:fillRef>
+          <a:effectRef idx="0">
+            <a:schemeClr val="accent1"/>
+          </a:effectRef>
+          <a:fontRef idx="minor">
+            <a:schemeClr val="lt1"/>
+          </a:fontRef>
+        </p:style>
+        <p:txBody>
+          <a:bodyPr rtlCol="0" anchor="ctr"/>
+          <a:lstStyle/>
+          <a:p>
+            <a:pPr algn="ctr"/>
+            <a:r>
+              <a:rPr kumimoji="1" lang="en-US" altLang="ko-Kore-KR" sz="1600" dirty="0"/>
+              <a:t>DAO</a:t>
+            </a:r>
+            <a:endParaRPr kumimoji="1" lang="ko-Kore-KR" altLang="en-US" sz="1600" dirty="0"/>
+          </a:p>
+        </p:txBody>
+      </p:sp>
+      <p:cxnSp>
+        <p:nvCxnSpPr>
+          <p:cNvPr id="45" name="직선 화살표 연결선 44">
+            <a:extLst>
+              <a:ext uri="{FF2B5EF4-FFF2-40B4-BE49-F238E27FC236}">
+                <a16:creationId xmlns:a16="http://schemas.microsoft.com/office/drawing/2014/main" id="{36EB1BC5-14F3-6DB0-E376-C43E503B351D}"/>
+              </a:ext>
+            </a:extLst>
+          </p:cNvPr>
+          <p:cNvCxnSpPr>
+            <a:cxnSpLocks/>
+            <a:stCxn id="36" idx="3"/>
+            <a:endCxn id="43" idx="1"/>
+          </p:cNvCxnSpPr>
+          <p:nvPr/>
+        </p:nvCxnSpPr>
+        <p:spPr>
+          <a:xfrm flipV="1">
+            <a:off x="7232939" y="5272255"/>
+            <a:ext cx="815358" cy="1316"/>
+          </a:xfrm>
+          <a:prstGeom prst="straightConnector1">
+            <a:avLst/>
+          </a:prstGeom>
+          <a:ln>
+            <a:tailEnd type="triangle"/>
+          </a:ln>
+        </p:spPr>
+        <p:style>
+          <a:lnRef idx="3">
+            <a:schemeClr val="accent1"/>
+          </a:lnRef>
+          <a:fillRef idx="0">
+            <a:schemeClr val="accent1"/>
+          </a:fillRef>
+          <a:effectRef idx="2">
+            <a:schemeClr val="accent1"/>
+          </a:effectRef>
+          <a:fontRef idx="minor">
+            <a:schemeClr val="tx1"/>
+          </a:fontRef>
+        </p:style>
+      </p:cxnSp>
+      <p:sp>
+        <p:nvSpPr>
+          <p:cNvPr id="47" name="타원 46">
+            <a:extLst>
+              <a:ext uri="{FF2B5EF4-FFF2-40B4-BE49-F238E27FC236}">
+                <a16:creationId xmlns:a16="http://schemas.microsoft.com/office/drawing/2014/main" id="{9FF52199-A7CD-13D5-3BC0-FBDE2407CD25}"/>
+              </a:ext>
+            </a:extLst>
+          </p:cNvPr>
+          <p:cNvSpPr/>
+          <p:nvPr/>
+        </p:nvSpPr>
+        <p:spPr>
+          <a:xfrm>
+            <a:off x="9469232" y="3674933"/>
+            <a:ext cx="815358" cy="815358"/>
+          </a:xfrm>
+          <a:prstGeom prst="ellipse">
+            <a:avLst/>
+          </a:prstGeom>
+        </p:spPr>
+        <p:style>
+          <a:lnRef idx="2">
+            <a:schemeClr val="accent1">
+              <a:shade val="50000"/>
+            </a:schemeClr>
+          </a:lnRef>
+          <a:fillRef idx="1">
+            <a:schemeClr val="accent1"/>
+          </a:fillRef>
+          <a:effectRef idx="0">
+            <a:schemeClr val="accent1"/>
+          </a:effectRef>
+          <a:fontRef idx="minor">
+            <a:schemeClr val="lt1"/>
+          </a:fontRef>
+        </p:style>
+        <p:txBody>
+          <a:bodyPr rtlCol="0" anchor="ctr"/>
+          <a:lstStyle/>
+          <a:p>
+            <a:pPr algn="ctr"/>
+            <a:r>
+              <a:rPr kumimoji="1" lang="en-US" altLang="ko-Kore-KR" sz="1600" dirty="0"/>
+              <a:t>Con</a:t>
+            </a:r>
+            <a:endParaRPr kumimoji="1" lang="ko-Kore-KR" altLang="en-US" sz="1600" dirty="0"/>
+          </a:p>
+        </p:txBody>
+      </p:sp>
+      <p:sp>
+        <p:nvSpPr>
+          <p:cNvPr id="48" name="타원 47">
+            <a:extLst>
+              <a:ext uri="{FF2B5EF4-FFF2-40B4-BE49-F238E27FC236}">
+                <a16:creationId xmlns:a16="http://schemas.microsoft.com/office/drawing/2014/main" id="{4B3697A9-EFB3-9567-FA0A-67F7EB7A2173}"/>
+              </a:ext>
+            </a:extLst>
+          </p:cNvPr>
+          <p:cNvSpPr/>
+          <p:nvPr/>
+        </p:nvSpPr>
+        <p:spPr>
+          <a:xfrm>
+            <a:off x="9469232" y="4864576"/>
+            <a:ext cx="815358" cy="815358"/>
+          </a:xfrm>
+          <a:prstGeom prst="ellipse">
+            <a:avLst/>
+          </a:prstGeom>
+        </p:spPr>
+        <p:style>
+          <a:lnRef idx="2">
+            <a:schemeClr val="accent1">
+              <a:shade val="50000"/>
+            </a:schemeClr>
+          </a:lnRef>
+          <a:fillRef idx="1">
+            <a:schemeClr val="accent1"/>
+          </a:fillRef>
+          <a:effectRef idx="0">
+            <a:schemeClr val="accent1"/>
+          </a:effectRef>
+          <a:fontRef idx="minor">
+            <a:schemeClr val="lt1"/>
+          </a:fontRef>
+        </p:style>
+        <p:txBody>
+          <a:bodyPr rtlCol="0" anchor="ctr"/>
+          <a:lstStyle/>
+          <a:p>
+            <a:pPr algn="ctr"/>
+            <a:r>
+              <a:rPr kumimoji="1" lang="en-US" altLang="ko-Kore-KR" sz="1600" dirty="0"/>
+              <a:t>Con</a:t>
+            </a:r>
+            <a:endParaRPr kumimoji="1" lang="ko-Kore-KR" altLang="en-US" sz="1600" dirty="0"/>
+          </a:p>
+        </p:txBody>
+      </p:sp>
+      <p:cxnSp>
+        <p:nvCxnSpPr>
+          <p:cNvPr id="49" name="직선 화살표 연결선 48">
+            <a:extLst>
+              <a:ext uri="{FF2B5EF4-FFF2-40B4-BE49-F238E27FC236}">
+                <a16:creationId xmlns:a16="http://schemas.microsoft.com/office/drawing/2014/main" id="{7E390EB8-64E1-52B7-468E-E2FBBCD3EA49}"/>
+              </a:ext>
+            </a:extLst>
+          </p:cNvPr>
+          <p:cNvCxnSpPr>
+            <a:cxnSpLocks/>
+            <a:stCxn id="26" idx="3"/>
+            <a:endCxn id="47" idx="2"/>
+          </p:cNvCxnSpPr>
+          <p:nvPr/>
+        </p:nvCxnSpPr>
+        <p:spPr>
+          <a:xfrm>
+            <a:off x="8671040" y="3585340"/>
+            <a:ext cx="798192" cy="497272"/>
+          </a:xfrm>
+          <a:prstGeom prst="straightConnector1">
+            <a:avLst/>
+          </a:prstGeom>
+          <a:ln>
+            <a:tailEnd type="triangle"/>
+          </a:ln>
+        </p:spPr>
+        <p:style>
+          <a:lnRef idx="3">
+            <a:schemeClr val="accent1"/>
+          </a:lnRef>
+          <a:fillRef idx="0">
+            <a:schemeClr val="accent1"/>
+          </a:fillRef>
+          <a:effectRef idx="2">
+            <a:schemeClr val="accent1"/>
+          </a:effectRef>
+          <a:fontRef idx="minor">
+            <a:schemeClr val="tx1"/>
+          </a:fontRef>
+        </p:style>
+      </p:cxnSp>
+      <p:cxnSp>
+        <p:nvCxnSpPr>
+          <p:cNvPr id="52" name="직선 화살표 연결선 51">
+            <a:extLst>
+              <a:ext uri="{FF2B5EF4-FFF2-40B4-BE49-F238E27FC236}">
+                <a16:creationId xmlns:a16="http://schemas.microsoft.com/office/drawing/2014/main" id="{45AEDB92-B8F4-730C-F42D-DB0DF5ED1850}"/>
+              </a:ext>
+            </a:extLst>
+          </p:cNvPr>
+          <p:cNvCxnSpPr>
+            <a:cxnSpLocks/>
+            <a:stCxn id="27" idx="3"/>
+            <a:endCxn id="47" idx="2"/>
+          </p:cNvCxnSpPr>
+          <p:nvPr/>
+        </p:nvCxnSpPr>
+        <p:spPr>
+          <a:xfrm flipV="1">
+            <a:off x="8673671" y="4082612"/>
+            <a:ext cx="795561" cy="495956"/>
+          </a:xfrm>
+          <a:prstGeom prst="straightConnector1">
+            <a:avLst/>
+          </a:prstGeom>
+          <a:ln>
+            <a:tailEnd type="triangle"/>
+          </a:ln>
+        </p:spPr>
+        <p:style>
+          <a:lnRef idx="3">
+            <a:schemeClr val="accent1"/>
+          </a:lnRef>
+          <a:fillRef idx="0">
+            <a:schemeClr val="accent1"/>
+          </a:fillRef>
+          <a:effectRef idx="2">
+            <a:schemeClr val="accent1"/>
+          </a:effectRef>
+          <a:fontRef idx="minor">
+            <a:schemeClr val="tx1"/>
+          </a:fontRef>
+        </p:style>
+      </p:cxnSp>
+      <p:cxnSp>
+        <p:nvCxnSpPr>
+          <p:cNvPr id="55" name="직선 화살표 연결선 54">
+            <a:extLst>
+              <a:ext uri="{FF2B5EF4-FFF2-40B4-BE49-F238E27FC236}">
+                <a16:creationId xmlns:a16="http://schemas.microsoft.com/office/drawing/2014/main" id="{54718F45-089B-42D8-FB8B-5FEB307EE1F7}"/>
+              </a:ext>
+            </a:extLst>
+          </p:cNvPr>
+          <p:cNvCxnSpPr>
+            <a:cxnSpLocks/>
+            <a:stCxn id="43" idx="3"/>
+            <a:endCxn id="48" idx="2"/>
+          </p:cNvCxnSpPr>
+          <p:nvPr/>
+        </p:nvCxnSpPr>
+        <p:spPr>
+          <a:xfrm>
+            <a:off x="8668409" y="5272255"/>
+            <a:ext cx="800823" cy="0"/>
+          </a:xfrm>
+          <a:prstGeom prst="straightConnector1">
+            <a:avLst/>
+          </a:prstGeom>
+          <a:ln>
+            <a:tailEnd type="triangle"/>
+          </a:ln>
+        </p:spPr>
+        <p:style>
+          <a:lnRef idx="3">
+            <a:schemeClr val="accent1"/>
+          </a:lnRef>
+          <a:fillRef idx="0">
+            <a:schemeClr val="accent1"/>
+          </a:fillRef>
+          <a:effectRef idx="2">
+            <a:schemeClr val="accent1"/>
+          </a:effectRef>
+          <a:fontRef idx="minor">
+            <a:schemeClr val="tx1"/>
+          </a:fontRef>
+        </p:style>
+      </p:cxnSp>
+      <p:sp>
+        <p:nvSpPr>
+          <p:cNvPr id="58" name="타원 57">
+            <a:extLst>
+              <a:ext uri="{FF2B5EF4-FFF2-40B4-BE49-F238E27FC236}">
+                <a16:creationId xmlns:a16="http://schemas.microsoft.com/office/drawing/2014/main" id="{01C7E6C1-8F1D-5E85-8235-69BB97EB7FE6}"/>
+              </a:ext>
+            </a:extLst>
+          </p:cNvPr>
+          <p:cNvSpPr/>
+          <p:nvPr/>
+        </p:nvSpPr>
+        <p:spPr>
+          <a:xfrm>
+            <a:off x="11375480" y="3777813"/>
+            <a:ext cx="609598" cy="609598"/>
+          </a:xfrm>
+          <a:prstGeom prst="ellipse">
+            <a:avLst/>
+          </a:prstGeom>
+        </p:spPr>
+        <p:style>
+          <a:lnRef idx="2">
+            <a:schemeClr val="accent1">
+              <a:shade val="50000"/>
+            </a:schemeClr>
+          </a:lnRef>
+          <a:fillRef idx="1">
+            <a:schemeClr val="accent1"/>
+          </a:fillRef>
+          <a:effectRef idx="0">
+            <a:schemeClr val="accent1"/>
+          </a:effectRef>
+          <a:fontRef idx="minor">
+            <a:schemeClr val="lt1"/>
+          </a:fontRef>
+        </p:style>
+        <p:txBody>
+          <a:bodyPr rtlCol="0" anchor="ctr"/>
+          <a:lstStyle/>
+          <a:p>
+            <a:pPr algn="ctr"/>
+            <a:r>
+              <a:rPr kumimoji="1" lang="en-US" altLang="ko-Kore-KR" sz="1600" dirty="0"/>
+              <a:t>T</a:t>
+            </a:r>
+            <a:endParaRPr kumimoji="1" lang="ko-Kore-KR" altLang="en-US" sz="1600" dirty="0"/>
+          </a:p>
+        </p:txBody>
+      </p:sp>
+      <p:sp>
+        <p:nvSpPr>
+          <p:cNvPr id="59" name="타원 58">
+            <a:extLst>
+              <a:ext uri="{FF2B5EF4-FFF2-40B4-BE49-F238E27FC236}">
+                <a16:creationId xmlns:a16="http://schemas.microsoft.com/office/drawing/2014/main" id="{5ADC4855-9C04-D95E-1B64-BE4815A1D262}"/>
+              </a:ext>
+            </a:extLst>
+          </p:cNvPr>
+          <p:cNvSpPr/>
+          <p:nvPr/>
+        </p:nvSpPr>
+        <p:spPr>
+          <a:xfrm>
+            <a:off x="11375480" y="4968773"/>
+            <a:ext cx="609598" cy="609598"/>
+          </a:xfrm>
+          <a:prstGeom prst="ellipse">
+            <a:avLst/>
+          </a:prstGeom>
+        </p:spPr>
+        <p:style>
+          <a:lnRef idx="2">
+            <a:schemeClr val="accent1">
+              <a:shade val="50000"/>
+            </a:schemeClr>
+          </a:lnRef>
+          <a:fillRef idx="1">
+            <a:schemeClr val="accent1"/>
+          </a:fillRef>
+          <a:effectRef idx="0">
+            <a:schemeClr val="accent1"/>
+          </a:effectRef>
+          <a:fontRef idx="minor">
+            <a:schemeClr val="lt1"/>
+          </a:fontRef>
+        </p:style>
+        <p:txBody>
+          <a:bodyPr rtlCol="0" anchor="ctr"/>
+          <a:lstStyle/>
+          <a:p>
+            <a:pPr algn="ctr"/>
+            <a:r>
+              <a:rPr kumimoji="1" lang="en-US" altLang="ko-Kore-KR" sz="1600" dirty="0"/>
+              <a:t>T</a:t>
+            </a:r>
+            <a:endParaRPr kumimoji="1" lang="ko-Kore-KR" altLang="en-US" sz="1600" dirty="0"/>
+          </a:p>
+        </p:txBody>
+      </p:sp>
+      <p:cxnSp>
+        <p:nvCxnSpPr>
+          <p:cNvPr id="60" name="직선 화살표 연결선 59">
+            <a:extLst>
+              <a:ext uri="{FF2B5EF4-FFF2-40B4-BE49-F238E27FC236}">
+                <a16:creationId xmlns:a16="http://schemas.microsoft.com/office/drawing/2014/main" id="{C5E99895-58C6-B7E3-A00F-8910E0940AC8}"/>
+              </a:ext>
+            </a:extLst>
+          </p:cNvPr>
+          <p:cNvCxnSpPr>
+            <a:cxnSpLocks/>
+            <a:stCxn id="47" idx="6"/>
+            <a:endCxn id="58" idx="2"/>
+          </p:cNvCxnSpPr>
+          <p:nvPr/>
+        </p:nvCxnSpPr>
+        <p:spPr>
+          <a:xfrm>
+            <a:off x="10284590" y="4082612"/>
+            <a:ext cx="1090890" cy="0"/>
+          </a:xfrm>
+          <a:prstGeom prst="straightConnector1">
+            <a:avLst/>
+          </a:prstGeom>
+          <a:ln>
+            <a:tailEnd type="triangle"/>
+          </a:ln>
+        </p:spPr>
+        <p:style>
+          <a:lnRef idx="3">
+            <a:schemeClr val="accent1"/>
+          </a:lnRef>
+          <a:fillRef idx="0">
+            <a:schemeClr val="accent1"/>
+          </a:fillRef>
+          <a:effectRef idx="2">
+            <a:schemeClr val="accent1"/>
+          </a:effectRef>
+          <a:fontRef idx="minor">
+            <a:schemeClr val="tx1"/>
+          </a:fontRef>
+        </p:style>
+      </p:cxnSp>
+      <p:cxnSp>
+        <p:nvCxnSpPr>
+          <p:cNvPr id="63" name="직선 화살표 연결선 62">
+            <a:extLst>
+              <a:ext uri="{FF2B5EF4-FFF2-40B4-BE49-F238E27FC236}">
+                <a16:creationId xmlns:a16="http://schemas.microsoft.com/office/drawing/2014/main" id="{E7109DEB-64A9-4A36-2F7B-C637DFA3B8FC}"/>
+              </a:ext>
+            </a:extLst>
+          </p:cNvPr>
+          <p:cNvCxnSpPr>
+            <a:cxnSpLocks/>
+            <a:stCxn id="48" idx="6"/>
+            <a:endCxn id="59" idx="2"/>
+          </p:cNvCxnSpPr>
+          <p:nvPr/>
+        </p:nvCxnSpPr>
+        <p:spPr>
+          <a:xfrm>
+            <a:off x="10284590" y="5272255"/>
+            <a:ext cx="1090890" cy="1317"/>
+          </a:xfrm>
+          <a:prstGeom prst="straightConnector1">
+            <a:avLst/>
+          </a:prstGeom>
+          <a:ln>
+            <a:tailEnd type="triangle"/>
+          </a:ln>
+        </p:spPr>
+        <p:style>
+          <a:lnRef idx="3">
+            <a:schemeClr val="accent1"/>
+          </a:lnRef>
+          <a:fillRef idx="0">
+            <a:schemeClr val="accent1"/>
+          </a:fillRef>
+          <a:effectRef idx="2">
+            <a:schemeClr val="accent1"/>
+          </a:effectRef>
+          <a:fontRef idx="minor">
+            <a:schemeClr val="tx1"/>
+          </a:fontRef>
+        </p:style>
+      </p:cxnSp>
+      <p:sp>
+        <p:nvSpPr>
+          <p:cNvPr id="68" name="직사각형 67">
+            <a:extLst>
+              <a:ext uri="{FF2B5EF4-FFF2-40B4-BE49-F238E27FC236}">
+                <a16:creationId xmlns:a16="http://schemas.microsoft.com/office/drawing/2014/main" id="{1ADD8C5B-D40F-3736-6D0C-AF76FBF2E59D}"/>
+              </a:ext>
+            </a:extLst>
+          </p:cNvPr>
+          <p:cNvSpPr/>
+          <p:nvPr/>
+        </p:nvSpPr>
+        <p:spPr>
+          <a:xfrm>
+            <a:off x="8241130" y="2312269"/>
+            <a:ext cx="1228102" cy="462456"/>
+          </a:xfrm>
+          <a:prstGeom prst="rect">
+            <a:avLst/>
+          </a:prstGeom>
+        </p:spPr>
+        <p:style>
+          <a:lnRef idx="2">
+            <a:schemeClr val="accent1">
+              <a:shade val="50000"/>
+            </a:schemeClr>
+          </a:lnRef>
+          <a:fillRef idx="1">
+            <a:schemeClr val="accent1"/>
+          </a:fillRef>
+          <a:effectRef idx="0">
+            <a:schemeClr val="accent1"/>
+          </a:effectRef>
+          <a:fontRef idx="minor">
+            <a:schemeClr val="lt1"/>
+          </a:fontRef>
+        </p:style>
+        <p:txBody>
+          <a:bodyPr rtlCol="0" anchor="ctr"/>
+          <a:lstStyle/>
+          <a:p>
+            <a:pPr algn="ctr"/>
+            <a:r>
+              <a:rPr kumimoji="1" lang="en-US" altLang="ko-Kore-KR" sz="1600" dirty="0" err="1"/>
+              <a:t>DataSource</a:t>
+            </a:r>
+            <a:endParaRPr kumimoji="1" lang="ko-Kore-KR" altLang="en-US" sz="1600" dirty="0"/>
+          </a:p>
+        </p:txBody>
+      </p:sp>
+      <p:cxnSp>
+        <p:nvCxnSpPr>
+          <p:cNvPr id="70" name="구부러진 연결선[U] 69">
+            <a:extLst>
+              <a:ext uri="{FF2B5EF4-FFF2-40B4-BE49-F238E27FC236}">
+                <a16:creationId xmlns:a16="http://schemas.microsoft.com/office/drawing/2014/main" id="{070DB744-9CFD-AD4C-A106-80E2E6258B1F}"/>
+              </a:ext>
+            </a:extLst>
+          </p:cNvPr>
+          <p:cNvCxnSpPr>
+            <a:stCxn id="26" idx="0"/>
+            <a:endCxn id="68" idx="2"/>
+          </p:cNvCxnSpPr>
+          <p:nvPr/>
+        </p:nvCxnSpPr>
+        <p:spPr>
+          <a:xfrm rot="5400000" flipH="1" flipV="1">
+            <a:off x="8318389" y="2817321"/>
+            <a:ext cx="579387" cy="494197"/>
+          </a:xfrm>
+          <a:prstGeom prst="curvedConnector3">
+            <a:avLst/>
+          </a:prstGeom>
+          <a:ln>
+            <a:tailEnd type="triangle"/>
+          </a:ln>
+        </p:spPr>
+        <p:style>
+          <a:lnRef idx="3">
+            <a:schemeClr val="accent1"/>
+          </a:lnRef>
+          <a:fillRef idx="0">
+            <a:schemeClr val="accent1"/>
+          </a:fillRef>
+          <a:effectRef idx="2">
+            <a:schemeClr val="accent1"/>
+          </a:effectRef>
+          <a:fontRef idx="minor">
+            <a:schemeClr val="tx1"/>
+          </a:fontRef>
+        </p:style>
+      </p:cxnSp>
+      <p:cxnSp>
+        <p:nvCxnSpPr>
+          <p:cNvPr id="71" name="구부러진 연결선[U] 70">
+            <a:extLst>
+              <a:ext uri="{FF2B5EF4-FFF2-40B4-BE49-F238E27FC236}">
+                <a16:creationId xmlns:a16="http://schemas.microsoft.com/office/drawing/2014/main" id="{7E0B22A9-AAAF-2800-52FE-A1100CFD52CA}"/>
+              </a:ext>
+            </a:extLst>
+          </p:cNvPr>
+          <p:cNvCxnSpPr>
+            <a:cxnSpLocks/>
+            <a:stCxn id="27" idx="3"/>
+            <a:endCxn id="68" idx="2"/>
+          </p:cNvCxnSpPr>
+          <p:nvPr/>
+        </p:nvCxnSpPr>
+        <p:spPr>
+          <a:xfrm flipV="1">
+            <a:off x="8673671" y="2774725"/>
+            <a:ext cx="181510" cy="1803843"/>
+          </a:xfrm>
+          <a:prstGeom prst="curvedConnector2">
+            <a:avLst/>
+          </a:prstGeom>
+          <a:ln>
+            <a:tailEnd type="triangle"/>
+          </a:ln>
+        </p:spPr>
+        <p:style>
+          <a:lnRef idx="3">
+            <a:schemeClr val="accent1"/>
+          </a:lnRef>
+          <a:fillRef idx="0">
+            <a:schemeClr val="accent1"/>
+          </a:fillRef>
+          <a:effectRef idx="2">
+            <a:schemeClr val="accent1"/>
+          </a:effectRef>
+          <a:fontRef idx="minor">
+            <a:schemeClr val="tx1"/>
+          </a:fontRef>
+        </p:style>
+      </p:cxnSp>
+      <p:sp>
+        <p:nvSpPr>
+          <p:cNvPr id="75" name="직사각형 74">
+            <a:extLst>
+              <a:ext uri="{FF2B5EF4-FFF2-40B4-BE49-F238E27FC236}">
+                <a16:creationId xmlns:a16="http://schemas.microsoft.com/office/drawing/2014/main" id="{82335069-3AE6-C11C-3A35-49A5BD1A1B35}"/>
+              </a:ext>
+            </a:extLst>
+          </p:cNvPr>
+          <p:cNvSpPr/>
+          <p:nvPr/>
+        </p:nvSpPr>
+        <p:spPr>
+          <a:xfrm>
+            <a:off x="8074788" y="2982956"/>
+            <a:ext cx="1228103" cy="310057"/>
+          </a:xfrm>
+          <a:prstGeom prst="rect">
+            <a:avLst/>
+          </a:prstGeom>
+        </p:spPr>
+        <p:style>
+          <a:lnRef idx="2">
+            <a:schemeClr val="accent1"/>
+          </a:lnRef>
+          <a:fillRef idx="1">
+            <a:schemeClr val="lt1"/>
+          </a:fillRef>
+          <a:effectRef idx="0">
+            <a:schemeClr val="accent1"/>
+          </a:effectRef>
+          <a:fontRef idx="minor">
+            <a:schemeClr val="dk1"/>
+          </a:fontRef>
+        </p:style>
+        <p:txBody>
+          <a:bodyPr rtlCol="0" anchor="ctr"/>
+          <a:lstStyle/>
+          <a:p>
+            <a:pPr algn="ctr"/>
+            <a:r>
+              <a:rPr kumimoji="1" lang="en-US" altLang="ko-KR" sz="1000" dirty="0" err="1"/>
+              <a:t>getConnection</a:t>
+            </a:r>
+            <a:r>
+              <a:rPr kumimoji="1" lang="en-US" altLang="ko-KR" sz="1000" dirty="0"/>
+              <a:t>()</a:t>
+            </a:r>
+          </a:p>
+        </p:txBody>
+      </p:sp>
+      <p:cxnSp>
+        <p:nvCxnSpPr>
+          <p:cNvPr id="76" name="구부러진 연결선[U] 75">
+            <a:extLst>
+              <a:ext uri="{FF2B5EF4-FFF2-40B4-BE49-F238E27FC236}">
+                <a16:creationId xmlns:a16="http://schemas.microsoft.com/office/drawing/2014/main" id="{C5193D87-7B06-1255-B1CD-C144F3E07BE1}"/>
+              </a:ext>
+            </a:extLst>
+          </p:cNvPr>
+          <p:cNvCxnSpPr>
+            <a:cxnSpLocks/>
+            <a:stCxn id="68" idx="3"/>
+            <a:endCxn id="47" idx="0"/>
+          </p:cNvCxnSpPr>
+          <p:nvPr/>
+        </p:nvCxnSpPr>
+        <p:spPr>
+          <a:xfrm>
+            <a:off x="9469232" y="2543497"/>
+            <a:ext cx="407679" cy="1131436"/>
+          </a:xfrm>
+          <a:prstGeom prst="curvedConnector2">
+            <a:avLst/>
+          </a:prstGeom>
+          <a:ln>
+            <a:tailEnd type="triangle"/>
+          </a:ln>
+        </p:spPr>
+        <p:style>
+          <a:lnRef idx="3">
+            <a:schemeClr val="accent1"/>
+          </a:lnRef>
+          <a:fillRef idx="0">
+            <a:schemeClr val="accent1"/>
+          </a:fillRef>
+          <a:effectRef idx="2">
+            <a:schemeClr val="accent1"/>
+          </a:effectRef>
+          <a:fontRef idx="minor">
+            <a:schemeClr val="tx1"/>
+          </a:fontRef>
+        </p:style>
+      </p:cxnSp>
+      <p:sp>
+        <p:nvSpPr>
+          <p:cNvPr id="79" name="직사각형 78">
+            <a:extLst>
+              <a:ext uri="{FF2B5EF4-FFF2-40B4-BE49-F238E27FC236}">
+                <a16:creationId xmlns:a16="http://schemas.microsoft.com/office/drawing/2014/main" id="{AC31758A-F9A7-CE26-80A1-02BE522EB662}"/>
+              </a:ext>
+            </a:extLst>
+          </p:cNvPr>
+          <p:cNvSpPr/>
+          <p:nvPr/>
+        </p:nvSpPr>
+        <p:spPr>
+          <a:xfrm>
+            <a:off x="9437712" y="2977251"/>
+            <a:ext cx="1228103" cy="310057"/>
+          </a:xfrm>
+          <a:prstGeom prst="rect">
+            <a:avLst/>
+          </a:prstGeom>
+        </p:spPr>
+        <p:style>
+          <a:lnRef idx="2">
+            <a:schemeClr val="accent1"/>
+          </a:lnRef>
+          <a:fillRef idx="1">
+            <a:schemeClr val="lt1"/>
+          </a:fillRef>
+          <a:effectRef idx="0">
+            <a:schemeClr val="accent1"/>
+          </a:effectRef>
+          <a:fontRef idx="minor">
+            <a:schemeClr val="dk1"/>
+          </a:fontRef>
+        </p:style>
+        <p:txBody>
+          <a:bodyPr rtlCol="0" anchor="ctr"/>
+          <a:lstStyle/>
+          <a:p>
+            <a:pPr algn="ctr"/>
+            <a:r>
+              <a:rPr kumimoji="1" lang="ko-KR" altLang="en-US" sz="1000" dirty="0"/>
+              <a:t>생성 </a:t>
+            </a:r>
+            <a:r>
+              <a:rPr kumimoji="1" lang="en-US" altLang="ko-KR" sz="1000" dirty="0">
+                <a:sym typeface="Wingdings" pitchFamily="2" charset="2"/>
+              </a:rPr>
+              <a:t></a:t>
+            </a:r>
+            <a:r>
+              <a:rPr kumimoji="1" lang="ko-KR" altLang="en-US" sz="1000" dirty="0">
+                <a:sym typeface="Wingdings" pitchFamily="2" charset="2"/>
+              </a:rPr>
+              <a:t> 기존 객체 </a:t>
+            </a:r>
+            <a:endParaRPr kumimoji="1" lang="en-US" altLang="ko-KR" sz="1000" dirty="0">
+              <a:sym typeface="Wingdings" pitchFamily="2" charset="2"/>
+            </a:endParaRPr>
+          </a:p>
+          <a:p>
+            <a:pPr algn="ctr"/>
+            <a:r>
+              <a:rPr kumimoji="1" lang="ko-KR" altLang="en-US" sz="1000" dirty="0">
+                <a:sym typeface="Wingdings" pitchFamily="2" charset="2"/>
+              </a:rPr>
+              <a:t>리턴</a:t>
+            </a:r>
+            <a:endParaRPr kumimoji="1" lang="en-US" altLang="ko-KR" sz="1000" dirty="0"/>
+          </a:p>
+        </p:txBody>
+      </p:sp>
+    </p:spTree>
+    <p:extLst>
+      <p:ext uri="{BB962C8B-B14F-4D97-AF65-F5344CB8AC3E}">
+        <p14:creationId xmlns:p14="http://schemas.microsoft.com/office/powerpoint/2010/main" val="2359085672"/>
+      </p:ext>
+    </p:extLst>
+  </p:cSld>
+  <p:clrMapOvr>
+    <a:masterClrMapping/>
+  </p:clrMapOvr>
+</p:sld>
+</file>
+
+<file path=ppt/slides/slide31.xml><?xml version="1.0" encoding="utf-8"?>
+<p:sld xmlns:a="http://schemas.openxmlformats.org/drawingml/2006/main" xmlns:r="http://schemas.openxmlformats.org/officeDocument/2006/relationships" xmlns:p="http://schemas.openxmlformats.org/presentationml/2006/main">
+  <p:cSld>
+    <p:spTree>
+      <p:nvGrpSpPr>
+        <p:cNvPr id="1" name=""/>
+        <p:cNvGrpSpPr/>
+        <p:nvPr/>
+      </p:nvGrpSpPr>
+      <p:grpSpPr>
+        <a:xfrm>
+          <a:off x="0" y="0"/>
+          <a:ext cx="0" cy="0"/>
+          <a:chOff x="0" y="0"/>
+          <a:chExt cx="0" cy="0"/>
+        </a:xfrm>
+      </p:grpSpPr>
+      <p:sp>
+        <p:nvSpPr>
+          <p:cNvPr id="4" name="직사각형 3">
+            <a:extLst>
+              <a:ext uri="{FF2B5EF4-FFF2-40B4-BE49-F238E27FC236}">
+                <a16:creationId xmlns:a16="http://schemas.microsoft.com/office/drawing/2014/main" id="{2F7C8948-0836-33E6-65DD-94353BDE2A47}"/>
+              </a:ext>
+            </a:extLst>
+          </p:cNvPr>
+          <p:cNvSpPr/>
+          <p:nvPr/>
+        </p:nvSpPr>
+        <p:spPr>
+          <a:xfrm>
+            <a:off x="3007566" y="2220311"/>
+            <a:ext cx="2447303" cy="462456"/>
+          </a:xfrm>
+          <a:prstGeom prst="rect">
+            <a:avLst/>
+          </a:prstGeom>
+        </p:spPr>
+        <p:style>
+          <a:lnRef idx="2">
+            <a:schemeClr val="accent1">
+              <a:shade val="50000"/>
+            </a:schemeClr>
+          </a:lnRef>
+          <a:fillRef idx="1">
+            <a:schemeClr val="accent1"/>
+          </a:fillRef>
+          <a:effectRef idx="0">
+            <a:schemeClr val="accent1"/>
+          </a:effectRef>
+          <a:fontRef idx="minor">
+            <a:schemeClr val="lt1"/>
+          </a:fontRef>
+        </p:style>
+        <p:txBody>
+          <a:bodyPr rtlCol="0" anchor="ctr"/>
+          <a:lstStyle/>
+          <a:p>
+            <a:pPr algn="ctr"/>
+            <a:r>
+              <a:rPr kumimoji="1" lang="en-US" altLang="ko-Kore-KR" sz="1600" dirty="0" err="1"/>
+              <a:t>ThreadLocal</a:t>
+            </a:r>
+            <a:r>
+              <a:rPr kumimoji="1" lang="en-US" altLang="ko-Kore-KR" sz="1600" dirty="0"/>
+              <a:t>&lt;Connection&gt;</a:t>
+            </a:r>
+            <a:endParaRPr kumimoji="1" lang="ko-Kore-KR" altLang="en-US" sz="1600" dirty="0"/>
+          </a:p>
+        </p:txBody>
+      </p:sp>
+      <p:sp>
+        <p:nvSpPr>
+          <p:cNvPr id="5" name="타원 4">
+            <a:extLst>
+              <a:ext uri="{FF2B5EF4-FFF2-40B4-BE49-F238E27FC236}">
+                <a16:creationId xmlns:a16="http://schemas.microsoft.com/office/drawing/2014/main" id="{F6D10210-19D1-EF4E-6784-163A15C0684B}"/>
+              </a:ext>
+            </a:extLst>
+          </p:cNvPr>
+          <p:cNvSpPr/>
+          <p:nvPr/>
+        </p:nvSpPr>
+        <p:spPr>
+          <a:xfrm>
+            <a:off x="1232342" y="1292773"/>
+            <a:ext cx="609598" cy="609598"/>
+          </a:xfrm>
+          <a:prstGeom prst="ellipse">
+            <a:avLst/>
+          </a:prstGeom>
+        </p:spPr>
+        <p:style>
+          <a:lnRef idx="2">
+            <a:schemeClr val="accent1">
+              <a:shade val="50000"/>
+            </a:schemeClr>
+          </a:lnRef>
+          <a:fillRef idx="1">
+            <a:schemeClr val="accent1"/>
+          </a:fillRef>
+          <a:effectRef idx="0">
+            <a:schemeClr val="accent1"/>
+          </a:effectRef>
+          <a:fontRef idx="minor">
+            <a:schemeClr val="lt1"/>
+          </a:fontRef>
+        </p:style>
+        <p:txBody>
+          <a:bodyPr rtlCol="0" anchor="ctr"/>
+          <a:lstStyle/>
+          <a:p>
+            <a:pPr algn="ctr"/>
+            <a:r>
+              <a:rPr kumimoji="1" lang="en-US" altLang="ko-Kore-KR" sz="1600" dirty="0"/>
+              <a:t>T1</a:t>
+            </a:r>
+            <a:endParaRPr kumimoji="1" lang="ko-Kore-KR" altLang="en-US" sz="1600" dirty="0"/>
+          </a:p>
+        </p:txBody>
+      </p:sp>
+      <p:graphicFrame>
+        <p:nvGraphicFramePr>
+          <p:cNvPr id="9" name="표 9">
+            <a:extLst>
+              <a:ext uri="{FF2B5EF4-FFF2-40B4-BE49-F238E27FC236}">
+                <a16:creationId xmlns:a16="http://schemas.microsoft.com/office/drawing/2014/main" id="{F34442C3-1CDD-5AD6-A4BC-9C71668FB1C1}"/>
+              </a:ext>
+            </a:extLst>
+          </p:cNvPr>
+          <p:cNvGraphicFramePr>
+            <a:graphicFrameLocks noGrp="1"/>
+          </p:cNvGraphicFramePr>
+          <p:nvPr>
+            <p:extLst>
+              <p:ext uri="{D42A27DB-BD31-4B8C-83A1-F6EECF244321}">
+                <p14:modId xmlns:p14="http://schemas.microsoft.com/office/powerpoint/2010/main" val="2200004411"/>
+              </p:ext>
+            </p:extLst>
+          </p:nvPr>
+        </p:nvGraphicFramePr>
+        <p:xfrm>
+          <a:off x="7430814" y="1339019"/>
+          <a:ext cx="3832772" cy="2225040"/>
+        </p:xfrm>
+        <a:graphic>
+          <a:graphicData uri="http://schemas.openxmlformats.org/drawingml/2006/table">
+            <a:tbl>
+              <a:tblPr firstRow="1" bandRow="1">
+                <a:tableStyleId>{5C22544A-7EE6-4342-B048-85BDC9FD1C3A}</a:tableStyleId>
+              </a:tblPr>
+              <a:tblGrid>
+                <a:gridCol w="1916386">
+                  <a:extLst>
+                    <a:ext uri="{9D8B030D-6E8A-4147-A177-3AD203B41FA5}">
+                      <a16:colId xmlns:a16="http://schemas.microsoft.com/office/drawing/2014/main" val="3952851839"/>
+                    </a:ext>
+                  </a:extLst>
+                </a:gridCol>
+                <a:gridCol w="1916386">
+                  <a:extLst>
+                    <a:ext uri="{9D8B030D-6E8A-4147-A177-3AD203B41FA5}">
+                      <a16:colId xmlns:a16="http://schemas.microsoft.com/office/drawing/2014/main" val="847999274"/>
+                    </a:ext>
+                  </a:extLst>
+                </a:gridCol>
+              </a:tblGrid>
+              <a:tr h="370840">
+                <a:tc>
+                  <a:txBody>
+                    <a:bodyPr/>
+                    <a:lstStyle/>
+                    <a:p>
+                      <a:pPr algn="ctr"/>
+                      <a:r>
+                        <a:rPr lang="ko-KR" altLang="en-US" dirty="0" err="1"/>
+                        <a:t>스레드명</a:t>
+                      </a:r>
+                      <a:endParaRPr lang="ko-Kore-KR" altLang="en-US" dirty="0"/>
+                    </a:p>
+                  </a:txBody>
+                  <a:tcPr/>
+                </a:tc>
+                <a:tc>
+                  <a:txBody>
+                    <a:bodyPr/>
+                    <a:lstStyle/>
+                    <a:p>
+                      <a:pPr algn="ctr"/>
+                      <a:r>
+                        <a:rPr lang="ko-Kore-KR" altLang="en-US" dirty="0"/>
+                        <a:t>객체</a:t>
+                      </a:r>
+                    </a:p>
+                  </a:txBody>
+                  <a:tcPr/>
+                </a:tc>
+                <a:extLst>
+                  <a:ext uri="{0D108BD9-81ED-4DB2-BD59-A6C34878D82A}">
+                    <a16:rowId xmlns:a16="http://schemas.microsoft.com/office/drawing/2014/main" val="913280094"/>
+                  </a:ext>
+                </a:extLst>
+              </a:tr>
+              <a:tr h="370840">
+                <a:tc>
+                  <a:txBody>
+                    <a:bodyPr/>
+                    <a:lstStyle/>
+                    <a:p>
+                      <a:pPr algn="ctr"/>
+                      <a:r>
+                        <a:rPr lang="en-US" altLang="ko-Kore-KR" dirty="0"/>
+                        <a:t>T1</a:t>
+                      </a:r>
+                      <a:endParaRPr lang="ko-Kore-KR" altLang="en-US" dirty="0"/>
+                    </a:p>
+                  </a:txBody>
+                  <a:tcPr/>
+                </a:tc>
+                <a:tc>
+                  <a:txBody>
+                    <a:bodyPr/>
+                    <a:lstStyle/>
+                    <a:p>
+                      <a:pPr algn="ctr"/>
+                      <a:r>
+                        <a:rPr lang="en-US" altLang="ko-Kore-KR" dirty="0"/>
+                        <a:t>A</a:t>
+                      </a:r>
+                      <a:endParaRPr lang="ko-Kore-KR" altLang="en-US" dirty="0"/>
+                    </a:p>
+                  </a:txBody>
+                  <a:tcPr/>
+                </a:tc>
+                <a:extLst>
+                  <a:ext uri="{0D108BD9-81ED-4DB2-BD59-A6C34878D82A}">
+                    <a16:rowId xmlns:a16="http://schemas.microsoft.com/office/drawing/2014/main" val="2414066968"/>
+                  </a:ext>
+                </a:extLst>
+              </a:tr>
+              <a:tr h="370840">
+                <a:tc>
+                  <a:txBody>
+                    <a:bodyPr/>
+                    <a:lstStyle/>
+                    <a:p>
+                      <a:pPr algn="ctr"/>
+                      <a:r>
+                        <a:rPr lang="en-US" altLang="ko-Kore-KR" dirty="0"/>
+                        <a:t>T2</a:t>
+                      </a:r>
+                      <a:endParaRPr lang="ko-Kore-KR" altLang="en-US" dirty="0"/>
+                    </a:p>
+                  </a:txBody>
+                  <a:tcPr/>
+                </a:tc>
+                <a:tc>
+                  <a:txBody>
+                    <a:bodyPr/>
+                    <a:lstStyle/>
+                    <a:p>
+                      <a:pPr algn="ctr"/>
+                      <a:r>
+                        <a:rPr lang="en-US" altLang="ko-Kore-KR" dirty="0"/>
+                        <a:t>B</a:t>
+                      </a:r>
+                      <a:endParaRPr lang="ko-Kore-KR" altLang="en-US" dirty="0"/>
+                    </a:p>
+                  </a:txBody>
+                  <a:tcPr/>
+                </a:tc>
+                <a:extLst>
+                  <a:ext uri="{0D108BD9-81ED-4DB2-BD59-A6C34878D82A}">
+                    <a16:rowId xmlns:a16="http://schemas.microsoft.com/office/drawing/2014/main" val="753386608"/>
+                  </a:ext>
+                </a:extLst>
+              </a:tr>
+              <a:tr h="370840">
+                <a:tc>
+                  <a:txBody>
+                    <a:bodyPr/>
+                    <a:lstStyle/>
+                    <a:p>
+                      <a:pPr algn="ctr"/>
+                      <a:endParaRPr lang="ko-Kore-KR" altLang="en-US"/>
+                    </a:p>
+                  </a:txBody>
+                  <a:tcPr/>
+                </a:tc>
+                <a:tc>
+                  <a:txBody>
+                    <a:bodyPr/>
+                    <a:lstStyle/>
+                    <a:p>
+                      <a:pPr algn="ctr"/>
+                      <a:endParaRPr lang="ko-Kore-KR" altLang="en-US" dirty="0"/>
+                    </a:p>
+                  </a:txBody>
+                  <a:tcPr/>
+                </a:tc>
+                <a:extLst>
+                  <a:ext uri="{0D108BD9-81ED-4DB2-BD59-A6C34878D82A}">
+                    <a16:rowId xmlns:a16="http://schemas.microsoft.com/office/drawing/2014/main" val="2044091278"/>
+                  </a:ext>
+                </a:extLst>
+              </a:tr>
+              <a:tr h="370840">
+                <a:tc>
+                  <a:txBody>
+                    <a:bodyPr/>
+                    <a:lstStyle/>
+                    <a:p>
+                      <a:pPr algn="ctr"/>
+                      <a:endParaRPr lang="ko-Kore-KR" altLang="en-US"/>
+                    </a:p>
+                  </a:txBody>
+                  <a:tcPr/>
+                </a:tc>
+                <a:tc>
+                  <a:txBody>
+                    <a:bodyPr/>
+                    <a:lstStyle/>
+                    <a:p>
+                      <a:pPr algn="ctr"/>
+                      <a:endParaRPr lang="ko-Kore-KR" altLang="en-US" dirty="0"/>
+                    </a:p>
+                  </a:txBody>
+                  <a:tcPr/>
+                </a:tc>
+                <a:extLst>
+                  <a:ext uri="{0D108BD9-81ED-4DB2-BD59-A6C34878D82A}">
+                    <a16:rowId xmlns:a16="http://schemas.microsoft.com/office/drawing/2014/main" val="3403791502"/>
+                  </a:ext>
+                </a:extLst>
+              </a:tr>
+              <a:tr h="370840">
+                <a:tc>
+                  <a:txBody>
+                    <a:bodyPr/>
+                    <a:lstStyle/>
+                    <a:p>
+                      <a:pPr algn="ctr"/>
+                      <a:endParaRPr lang="ko-Kore-KR" altLang="en-US" dirty="0"/>
+                    </a:p>
+                  </a:txBody>
+                  <a:tcPr/>
+                </a:tc>
+                <a:tc>
+                  <a:txBody>
+                    <a:bodyPr/>
+                    <a:lstStyle/>
+                    <a:p>
+                      <a:pPr algn="ctr"/>
+                      <a:endParaRPr lang="ko-Kore-KR" altLang="en-US" dirty="0"/>
+                    </a:p>
+                  </a:txBody>
+                  <a:tcPr/>
+                </a:tc>
+                <a:extLst>
+                  <a:ext uri="{0D108BD9-81ED-4DB2-BD59-A6C34878D82A}">
+                    <a16:rowId xmlns:a16="http://schemas.microsoft.com/office/drawing/2014/main" val="2177741011"/>
+                  </a:ext>
+                </a:extLst>
+              </a:tr>
+            </a:tbl>
+          </a:graphicData>
+        </a:graphic>
+      </p:graphicFrame>
+      <p:cxnSp>
+        <p:nvCxnSpPr>
+          <p:cNvPr id="10" name="직선 화살표 연결선 9">
+            <a:extLst>
+              <a:ext uri="{FF2B5EF4-FFF2-40B4-BE49-F238E27FC236}">
+                <a16:creationId xmlns:a16="http://schemas.microsoft.com/office/drawing/2014/main" id="{8F93936E-F0D3-BC40-084C-AB74783A6062}"/>
+              </a:ext>
+            </a:extLst>
+          </p:cNvPr>
+          <p:cNvCxnSpPr>
+            <a:cxnSpLocks/>
+            <a:stCxn id="4" idx="3"/>
+            <a:endCxn id="9" idx="1"/>
+          </p:cNvCxnSpPr>
+          <p:nvPr/>
+        </p:nvCxnSpPr>
+        <p:spPr>
+          <a:xfrm>
+            <a:off x="5454869" y="2451539"/>
+            <a:ext cx="1975945" cy="0"/>
+          </a:xfrm>
+          <a:prstGeom prst="straightConnector1">
+            <a:avLst/>
+          </a:prstGeom>
+          <a:ln>
+            <a:tailEnd type="triangle"/>
+          </a:ln>
+        </p:spPr>
+        <p:style>
+          <a:lnRef idx="3">
+            <a:schemeClr val="accent1"/>
+          </a:lnRef>
+          <a:fillRef idx="0">
+            <a:schemeClr val="accent1"/>
+          </a:fillRef>
+          <a:effectRef idx="2">
+            <a:schemeClr val="accent1"/>
+          </a:effectRef>
+          <a:fontRef idx="minor">
+            <a:schemeClr val="tx1"/>
+          </a:fontRef>
+        </p:style>
+      </p:cxnSp>
+      <p:sp>
+        <p:nvSpPr>
+          <p:cNvPr id="14" name="직사각형 13">
+            <a:extLst>
+              <a:ext uri="{FF2B5EF4-FFF2-40B4-BE49-F238E27FC236}">
+                <a16:creationId xmlns:a16="http://schemas.microsoft.com/office/drawing/2014/main" id="{337C930E-EAB6-0A6F-2C8B-7A621D5D9CBE}"/>
+              </a:ext>
+            </a:extLst>
+          </p:cNvPr>
+          <p:cNvSpPr/>
+          <p:nvPr/>
+        </p:nvSpPr>
+        <p:spPr>
+          <a:xfrm>
+            <a:off x="5860028" y="2024554"/>
+            <a:ext cx="1165626" cy="758056"/>
+          </a:xfrm>
+          <a:prstGeom prst="rect">
+            <a:avLst/>
+          </a:prstGeom>
+        </p:spPr>
+        <p:style>
+          <a:lnRef idx="2">
+            <a:schemeClr val="accent1"/>
+          </a:lnRef>
+          <a:fillRef idx="1">
+            <a:schemeClr val="lt1"/>
+          </a:fillRef>
+          <a:effectRef idx="0">
+            <a:schemeClr val="accent1"/>
+          </a:effectRef>
+          <a:fontRef idx="minor">
+            <a:schemeClr val="dk1"/>
+          </a:fontRef>
+        </p:style>
+        <p:txBody>
+          <a:bodyPr rtlCol="0" anchor="ctr"/>
+          <a:lstStyle/>
+          <a:p>
+            <a:pPr algn="ctr"/>
+            <a:r>
+              <a:rPr kumimoji="1" lang="ko-KR" altLang="en-US" sz="1000" dirty="0"/>
+              <a:t>스레드 전용 객체를 찾는다</a:t>
+            </a:r>
+            <a:r>
+              <a:rPr kumimoji="1" lang="en-US" altLang="ko-KR" sz="1000" dirty="0"/>
+              <a:t>.</a:t>
+            </a:r>
+          </a:p>
+        </p:txBody>
+      </p:sp>
+      <p:sp>
+        <p:nvSpPr>
+          <p:cNvPr id="16" name="타원 15">
+            <a:extLst>
+              <a:ext uri="{FF2B5EF4-FFF2-40B4-BE49-F238E27FC236}">
+                <a16:creationId xmlns:a16="http://schemas.microsoft.com/office/drawing/2014/main" id="{C962F807-5597-8C0D-4926-86F3F351E2E0}"/>
+              </a:ext>
+            </a:extLst>
+          </p:cNvPr>
+          <p:cNvSpPr/>
+          <p:nvPr/>
+        </p:nvSpPr>
+        <p:spPr>
+          <a:xfrm>
+            <a:off x="1232342" y="3477609"/>
+            <a:ext cx="609598" cy="609598"/>
+          </a:xfrm>
+          <a:prstGeom prst="ellipse">
+            <a:avLst/>
+          </a:prstGeom>
+        </p:spPr>
+        <p:style>
+          <a:lnRef idx="2">
+            <a:schemeClr val="accent1">
+              <a:shade val="50000"/>
+            </a:schemeClr>
+          </a:lnRef>
+          <a:fillRef idx="1">
+            <a:schemeClr val="accent1"/>
+          </a:fillRef>
+          <a:effectRef idx="0">
+            <a:schemeClr val="accent1"/>
+          </a:effectRef>
+          <a:fontRef idx="minor">
+            <a:schemeClr val="lt1"/>
+          </a:fontRef>
+        </p:style>
+        <p:txBody>
+          <a:bodyPr rtlCol="0" anchor="ctr"/>
+          <a:lstStyle/>
+          <a:p>
+            <a:pPr algn="ctr"/>
+            <a:r>
+              <a:rPr kumimoji="1" lang="en-US" altLang="ko-Kore-KR" sz="1600" dirty="0"/>
+              <a:t>T2</a:t>
+            </a:r>
+            <a:endParaRPr kumimoji="1" lang="ko-Kore-KR" altLang="en-US" sz="1600" dirty="0"/>
+          </a:p>
+        </p:txBody>
+      </p:sp>
+      <p:cxnSp>
+        <p:nvCxnSpPr>
+          <p:cNvPr id="19" name="구부러진 연결선[U] 18">
+            <a:extLst>
+              <a:ext uri="{FF2B5EF4-FFF2-40B4-BE49-F238E27FC236}">
+                <a16:creationId xmlns:a16="http://schemas.microsoft.com/office/drawing/2014/main" id="{391AE6DF-6A30-6274-C74A-F3A482C17491}"/>
+              </a:ext>
+            </a:extLst>
+          </p:cNvPr>
+          <p:cNvCxnSpPr>
+            <a:stCxn id="4" idx="1"/>
+            <a:endCxn id="5" idx="4"/>
+          </p:cNvCxnSpPr>
+          <p:nvPr/>
+        </p:nvCxnSpPr>
+        <p:spPr>
+          <a:xfrm rot="10800000">
+            <a:off x="1537142" y="1902371"/>
+            <a:ext cx="1470425" cy="549168"/>
+          </a:xfrm>
+          <a:prstGeom prst="curvedConnector2">
+            <a:avLst/>
+          </a:prstGeom>
+          <a:ln>
+            <a:tailEnd type="triangle"/>
+          </a:ln>
+        </p:spPr>
+        <p:style>
+          <a:lnRef idx="3">
+            <a:schemeClr val="accent1"/>
+          </a:lnRef>
+          <a:fillRef idx="0">
+            <a:schemeClr val="accent1"/>
+          </a:fillRef>
+          <a:effectRef idx="2">
+            <a:schemeClr val="accent1"/>
+          </a:effectRef>
+          <a:fontRef idx="minor">
+            <a:schemeClr val="tx1"/>
+          </a:fontRef>
+        </p:style>
+      </p:cxnSp>
+      <p:sp>
+        <p:nvSpPr>
+          <p:cNvPr id="23" name="직사각형 22">
+            <a:extLst>
+              <a:ext uri="{FF2B5EF4-FFF2-40B4-BE49-F238E27FC236}">
+                <a16:creationId xmlns:a16="http://schemas.microsoft.com/office/drawing/2014/main" id="{3973F13F-101A-039F-F86D-36BFF863ED0B}"/>
+              </a:ext>
+            </a:extLst>
+          </p:cNvPr>
+          <p:cNvSpPr/>
+          <p:nvPr/>
+        </p:nvSpPr>
+        <p:spPr>
+          <a:xfrm>
+            <a:off x="1951046" y="2251842"/>
+            <a:ext cx="484690" cy="310057"/>
+          </a:xfrm>
+          <a:prstGeom prst="rect">
+            <a:avLst/>
+          </a:prstGeom>
+        </p:spPr>
+        <p:style>
+          <a:lnRef idx="2">
+            <a:schemeClr val="accent1"/>
+          </a:lnRef>
+          <a:fillRef idx="1">
+            <a:schemeClr val="lt1"/>
+          </a:fillRef>
+          <a:effectRef idx="0">
+            <a:schemeClr val="accent1"/>
+          </a:effectRef>
+          <a:fontRef idx="minor">
+            <a:schemeClr val="dk1"/>
+          </a:fontRef>
+        </p:style>
+        <p:txBody>
+          <a:bodyPr rtlCol="0" anchor="ctr"/>
+          <a:lstStyle/>
+          <a:p>
+            <a:pPr algn="ctr"/>
+            <a:r>
+              <a:rPr kumimoji="1" lang="en-US" altLang="ko-KR" sz="1000" dirty="0"/>
+              <a:t>A </a:t>
+            </a:r>
+            <a:r>
+              <a:rPr kumimoji="1" lang="ko-KR" altLang="en-US" sz="1000" dirty="0"/>
+              <a:t>리턴</a:t>
+            </a:r>
+            <a:endParaRPr kumimoji="1" lang="en-US" altLang="ko-KR" sz="1000" dirty="0"/>
+          </a:p>
+        </p:txBody>
+      </p:sp>
+      <p:cxnSp>
+        <p:nvCxnSpPr>
+          <p:cNvPr id="24" name="직선 화살표 연결선 23">
+            <a:extLst>
+              <a:ext uri="{FF2B5EF4-FFF2-40B4-BE49-F238E27FC236}">
+                <a16:creationId xmlns:a16="http://schemas.microsoft.com/office/drawing/2014/main" id="{1BF6C302-0687-3791-1EAE-14807209AFC1}"/>
+              </a:ext>
+            </a:extLst>
+          </p:cNvPr>
+          <p:cNvCxnSpPr>
+            <a:cxnSpLocks/>
+            <a:stCxn id="16" idx="6"/>
+            <a:endCxn id="4" idx="1"/>
+          </p:cNvCxnSpPr>
+          <p:nvPr/>
+        </p:nvCxnSpPr>
+        <p:spPr>
+          <a:xfrm flipV="1">
+            <a:off x="1841940" y="2451539"/>
+            <a:ext cx="1165626" cy="1330869"/>
+          </a:xfrm>
+          <a:prstGeom prst="straightConnector1">
+            <a:avLst/>
+          </a:prstGeom>
+          <a:ln>
+            <a:tailEnd type="triangle"/>
+          </a:ln>
+        </p:spPr>
+        <p:style>
+          <a:lnRef idx="3">
+            <a:schemeClr val="accent1"/>
+          </a:lnRef>
+          <a:fillRef idx="0">
+            <a:schemeClr val="accent1"/>
+          </a:fillRef>
+          <a:effectRef idx="2">
+            <a:schemeClr val="accent1"/>
+          </a:effectRef>
+          <a:fontRef idx="minor">
+            <a:schemeClr val="tx1"/>
+          </a:fontRef>
+        </p:style>
+      </p:cxnSp>
+      <p:cxnSp>
+        <p:nvCxnSpPr>
+          <p:cNvPr id="27" name="구부러진 연결선[U] 26">
+            <a:extLst>
+              <a:ext uri="{FF2B5EF4-FFF2-40B4-BE49-F238E27FC236}">
+                <a16:creationId xmlns:a16="http://schemas.microsoft.com/office/drawing/2014/main" id="{96E068CF-9415-C5CE-1C22-1EC9768EF6D1}"/>
+              </a:ext>
+            </a:extLst>
+          </p:cNvPr>
+          <p:cNvCxnSpPr>
+            <a:cxnSpLocks/>
+            <a:stCxn id="4" idx="2"/>
+            <a:endCxn id="16" idx="4"/>
+          </p:cNvCxnSpPr>
+          <p:nvPr/>
+        </p:nvCxnSpPr>
+        <p:spPr>
+          <a:xfrm rot="5400000">
+            <a:off x="2181960" y="2037949"/>
+            <a:ext cx="1404440" cy="2694077"/>
+          </a:xfrm>
+          <a:prstGeom prst="curvedConnector3">
+            <a:avLst>
+              <a:gd name="adj1" fmla="val 116277"/>
+            </a:avLst>
+          </a:prstGeom>
+          <a:ln>
+            <a:tailEnd type="triangle"/>
+          </a:ln>
+        </p:spPr>
+        <p:style>
+          <a:lnRef idx="3">
+            <a:schemeClr val="accent1"/>
+          </a:lnRef>
+          <a:fillRef idx="0">
+            <a:schemeClr val="accent1"/>
+          </a:fillRef>
+          <a:effectRef idx="2">
+            <a:schemeClr val="accent1"/>
+          </a:effectRef>
+          <a:fontRef idx="minor">
+            <a:schemeClr val="tx1"/>
+          </a:fontRef>
+        </p:style>
+      </p:cxnSp>
+      <p:sp>
+        <p:nvSpPr>
+          <p:cNvPr id="28" name="직사각형 27">
+            <a:extLst>
+              <a:ext uri="{FF2B5EF4-FFF2-40B4-BE49-F238E27FC236}">
+                <a16:creationId xmlns:a16="http://schemas.microsoft.com/office/drawing/2014/main" id="{144DA135-64FF-18F0-119E-BF67ADA13F2D}"/>
+              </a:ext>
+            </a:extLst>
+          </p:cNvPr>
+          <p:cNvSpPr/>
+          <p:nvPr/>
+        </p:nvSpPr>
+        <p:spPr>
+          <a:xfrm>
+            <a:off x="2957047" y="4042543"/>
+            <a:ext cx="484690" cy="310057"/>
+          </a:xfrm>
+          <a:prstGeom prst="rect">
+            <a:avLst/>
+          </a:prstGeom>
+        </p:spPr>
+        <p:style>
+          <a:lnRef idx="2">
+            <a:schemeClr val="accent1"/>
+          </a:lnRef>
+          <a:fillRef idx="1">
+            <a:schemeClr val="lt1"/>
+          </a:fillRef>
+          <a:effectRef idx="0">
+            <a:schemeClr val="accent1"/>
+          </a:effectRef>
+          <a:fontRef idx="minor">
+            <a:schemeClr val="dk1"/>
+          </a:fontRef>
+        </p:style>
+        <p:txBody>
+          <a:bodyPr rtlCol="0" anchor="ctr"/>
+          <a:lstStyle/>
+          <a:p>
+            <a:pPr algn="ctr"/>
+            <a:r>
+              <a:rPr kumimoji="1" lang="en-US" altLang="ko-KR" sz="1000" dirty="0"/>
+              <a:t>B </a:t>
+            </a:r>
+            <a:r>
+              <a:rPr kumimoji="1" lang="ko-KR" altLang="en-US" sz="1000" dirty="0"/>
+              <a:t>리턴</a:t>
+            </a:r>
+            <a:endParaRPr kumimoji="1" lang="en-US" altLang="ko-KR" sz="1000" dirty="0"/>
+          </a:p>
+        </p:txBody>
+      </p:sp>
+      <p:sp>
+        <p:nvSpPr>
+          <p:cNvPr id="26" name="직사각형 25">
+            <a:extLst>
+              <a:ext uri="{FF2B5EF4-FFF2-40B4-BE49-F238E27FC236}">
+                <a16:creationId xmlns:a16="http://schemas.microsoft.com/office/drawing/2014/main" id="{BC13919E-E6E8-0012-F571-4104DF465B82}"/>
+              </a:ext>
+            </a:extLst>
+          </p:cNvPr>
+          <p:cNvSpPr/>
+          <p:nvPr/>
+        </p:nvSpPr>
+        <p:spPr>
+          <a:xfrm>
+            <a:off x="1848837" y="3238498"/>
+            <a:ext cx="484690" cy="310057"/>
+          </a:xfrm>
+          <a:prstGeom prst="rect">
+            <a:avLst/>
+          </a:prstGeom>
+        </p:spPr>
+        <p:style>
+          <a:lnRef idx="2">
+            <a:schemeClr val="accent1"/>
+          </a:lnRef>
+          <a:fillRef idx="1">
+            <a:schemeClr val="lt1"/>
+          </a:fillRef>
+          <a:effectRef idx="0">
+            <a:schemeClr val="accent1"/>
+          </a:effectRef>
+          <a:fontRef idx="minor">
+            <a:schemeClr val="dk1"/>
+          </a:fontRef>
+        </p:style>
+        <p:txBody>
+          <a:bodyPr rtlCol="0" anchor="ctr"/>
+          <a:lstStyle/>
+          <a:p>
+            <a:pPr algn="ctr"/>
+            <a:r>
+              <a:rPr kumimoji="1" lang="en-US" altLang="ko-KR" sz="1000" dirty="0"/>
+              <a:t>get()</a:t>
+            </a:r>
+          </a:p>
+        </p:txBody>
+      </p:sp>
+      <p:cxnSp>
+        <p:nvCxnSpPr>
+          <p:cNvPr id="37" name="구부러진 연결선[U] 36">
+            <a:extLst>
+              <a:ext uri="{FF2B5EF4-FFF2-40B4-BE49-F238E27FC236}">
+                <a16:creationId xmlns:a16="http://schemas.microsoft.com/office/drawing/2014/main" id="{2BD71346-CDB4-0506-AE19-29C346EADC1D}"/>
+              </a:ext>
+            </a:extLst>
+          </p:cNvPr>
+          <p:cNvCxnSpPr>
+            <a:cxnSpLocks/>
+            <a:stCxn id="5" idx="6"/>
+            <a:endCxn id="4" idx="0"/>
+          </p:cNvCxnSpPr>
+          <p:nvPr/>
+        </p:nvCxnSpPr>
+        <p:spPr>
+          <a:xfrm>
+            <a:off x="1841940" y="1597572"/>
+            <a:ext cx="2389278" cy="622739"/>
+          </a:xfrm>
+          <a:prstGeom prst="curvedConnector2">
+            <a:avLst/>
+          </a:prstGeom>
+          <a:ln>
+            <a:tailEnd type="triangle"/>
+          </a:ln>
+        </p:spPr>
+        <p:style>
+          <a:lnRef idx="3">
+            <a:schemeClr val="accent1"/>
+          </a:lnRef>
+          <a:fillRef idx="0">
+            <a:schemeClr val="accent1"/>
+          </a:fillRef>
+          <a:effectRef idx="2">
+            <a:schemeClr val="accent1"/>
+          </a:effectRef>
+          <a:fontRef idx="minor">
+            <a:schemeClr val="tx1"/>
+          </a:fontRef>
+        </p:style>
+      </p:cxnSp>
+      <p:sp>
+        <p:nvSpPr>
+          <p:cNvPr id="8" name="직사각형 7">
+            <a:extLst>
+              <a:ext uri="{FF2B5EF4-FFF2-40B4-BE49-F238E27FC236}">
+                <a16:creationId xmlns:a16="http://schemas.microsoft.com/office/drawing/2014/main" id="{26FA4638-AD2E-67C1-15F1-295EFE5BD202}"/>
+              </a:ext>
+            </a:extLst>
+          </p:cNvPr>
+          <p:cNvSpPr/>
+          <p:nvPr/>
+        </p:nvSpPr>
+        <p:spPr>
+          <a:xfrm>
+            <a:off x="2916007" y="1594943"/>
+            <a:ext cx="484690" cy="310057"/>
+          </a:xfrm>
+          <a:prstGeom prst="rect">
+            <a:avLst/>
+          </a:prstGeom>
+        </p:spPr>
+        <p:style>
+          <a:lnRef idx="2">
+            <a:schemeClr val="accent1"/>
+          </a:lnRef>
+          <a:fillRef idx="1">
+            <a:schemeClr val="lt1"/>
+          </a:fillRef>
+          <a:effectRef idx="0">
+            <a:schemeClr val="accent1"/>
+          </a:effectRef>
+          <a:fontRef idx="minor">
+            <a:schemeClr val="dk1"/>
+          </a:fontRef>
+        </p:style>
+        <p:txBody>
+          <a:bodyPr rtlCol="0" anchor="ctr"/>
+          <a:lstStyle/>
+          <a:p>
+            <a:pPr algn="ctr"/>
+            <a:r>
+              <a:rPr kumimoji="1" lang="en-US" altLang="ko-KR" sz="1000" dirty="0"/>
+              <a:t>get()</a:t>
+            </a:r>
+          </a:p>
+        </p:txBody>
+      </p:sp>
+    </p:spTree>
+    <p:extLst>
+      <p:ext uri="{BB962C8B-B14F-4D97-AF65-F5344CB8AC3E}">
+        <p14:creationId xmlns:p14="http://schemas.microsoft.com/office/powerpoint/2010/main" val="1080112598"/>
       </p:ext>
     </p:extLst>
   </p:cSld>

--- a/study-note/자바/2022-10-06 내용정리.pptx
+++ b/study-note/자바/2022-10-06 내용정리.pptx
@@ -5,7 +5,7 @@
     <p:sldMasterId id="2147483648" r:id="rId1"/>
   </p:sldMasterIdLst>
   <p:notesMasterIdLst>
-    <p:notesMasterId r:id="rId33"/>
+    <p:notesMasterId r:id="rId34"/>
   </p:notesMasterIdLst>
   <p:sldIdLst>
     <p:sldId id="256" r:id="rId2"/>
@@ -39,6 +39,7 @@
     <p:sldId id="284" r:id="rId30"/>
     <p:sldId id="285" r:id="rId31"/>
     <p:sldId id="286" r:id="rId32"/>
+    <p:sldId id="287" r:id="rId33"/>
   </p:sldIdLst>
   <p:sldSz cx="12192000" cy="6858000"/>
   <p:notesSz cx="6858000" cy="9144000"/>
@@ -41254,10 +41255,1105 @@
           </a:p>
         </p:txBody>
       </p:sp>
+      <p:sp>
+        <p:nvSpPr>
+          <p:cNvPr id="40" name="타원 39">
+            <a:extLst>
+              <a:ext uri="{FF2B5EF4-FFF2-40B4-BE49-F238E27FC236}">
+                <a16:creationId xmlns:a16="http://schemas.microsoft.com/office/drawing/2014/main" id="{B759195D-C8C8-0AFF-27F5-0A3BBB6B04DC}"/>
+              </a:ext>
+            </a:extLst>
+          </p:cNvPr>
+          <p:cNvSpPr/>
+          <p:nvPr/>
+        </p:nvSpPr>
+        <p:spPr>
+          <a:xfrm>
+            <a:off x="1232342" y="5113276"/>
+            <a:ext cx="609598" cy="609598"/>
+          </a:xfrm>
+          <a:prstGeom prst="ellipse">
+            <a:avLst/>
+          </a:prstGeom>
+        </p:spPr>
+        <p:style>
+          <a:lnRef idx="2">
+            <a:schemeClr val="accent1">
+              <a:shade val="50000"/>
+            </a:schemeClr>
+          </a:lnRef>
+          <a:fillRef idx="1">
+            <a:schemeClr val="accent1"/>
+          </a:fillRef>
+          <a:effectRef idx="0">
+            <a:schemeClr val="accent1"/>
+          </a:effectRef>
+          <a:fontRef idx="minor">
+            <a:schemeClr val="lt1"/>
+          </a:fontRef>
+        </p:style>
+        <p:txBody>
+          <a:bodyPr rtlCol="0" anchor="ctr"/>
+          <a:lstStyle/>
+          <a:p>
+            <a:pPr algn="ctr"/>
+            <a:r>
+              <a:rPr kumimoji="1" lang="en-US" altLang="ko-Kore-KR" sz="1600" dirty="0"/>
+              <a:t>T2</a:t>
+            </a:r>
+            <a:endParaRPr kumimoji="1" lang="ko-Kore-KR" altLang="en-US" sz="1600" dirty="0"/>
+          </a:p>
+        </p:txBody>
+      </p:sp>
     </p:spTree>
     <p:extLst>
       <p:ext uri="{BB962C8B-B14F-4D97-AF65-F5344CB8AC3E}">
         <p14:creationId xmlns:p14="http://schemas.microsoft.com/office/powerpoint/2010/main" val="1080112598"/>
+      </p:ext>
+    </p:extLst>
+  </p:cSld>
+  <p:clrMapOvr>
+    <a:masterClrMapping/>
+  </p:clrMapOvr>
+</p:sld>
+</file>
+
+<file path=ppt/slides/slide32.xml><?xml version="1.0" encoding="utf-8"?>
+<p:sld xmlns:a="http://schemas.openxmlformats.org/drawingml/2006/main" xmlns:r="http://schemas.openxmlformats.org/officeDocument/2006/relationships" xmlns:p="http://schemas.openxmlformats.org/presentationml/2006/main">
+  <p:cSld>
+    <p:spTree>
+      <p:nvGrpSpPr>
+        <p:cNvPr id="1" name=""/>
+        <p:cNvGrpSpPr/>
+        <p:nvPr/>
+      </p:nvGrpSpPr>
+      <p:grpSpPr>
+        <a:xfrm>
+          <a:off x="0" y="0"/>
+          <a:ext cx="0" cy="0"/>
+          <a:chOff x="0" y="0"/>
+          <a:chExt cx="0" cy="0"/>
+        </a:xfrm>
+      </p:grpSpPr>
+      <p:sp>
+        <p:nvSpPr>
+          <p:cNvPr id="4" name="직사각형 3">
+            <a:extLst>
+              <a:ext uri="{FF2B5EF4-FFF2-40B4-BE49-F238E27FC236}">
+                <a16:creationId xmlns:a16="http://schemas.microsoft.com/office/drawing/2014/main" id="{41C90841-5600-DDF6-FE59-FC21A3E455CF}"/>
+              </a:ext>
+            </a:extLst>
+          </p:cNvPr>
+          <p:cNvSpPr/>
+          <p:nvPr/>
+        </p:nvSpPr>
+        <p:spPr>
+          <a:xfrm>
+            <a:off x="1530061" y="1694793"/>
+            <a:ext cx="1228102" cy="462456"/>
+          </a:xfrm>
+          <a:prstGeom prst="rect">
+            <a:avLst/>
+          </a:prstGeom>
+        </p:spPr>
+        <p:style>
+          <a:lnRef idx="2">
+            <a:schemeClr val="accent1">
+              <a:shade val="50000"/>
+            </a:schemeClr>
+          </a:lnRef>
+          <a:fillRef idx="1">
+            <a:schemeClr val="accent1"/>
+          </a:fillRef>
+          <a:effectRef idx="0">
+            <a:schemeClr val="accent1"/>
+          </a:effectRef>
+          <a:fontRef idx="minor">
+            <a:schemeClr val="lt1"/>
+          </a:fontRef>
+        </p:style>
+        <p:txBody>
+          <a:bodyPr rtlCol="0" anchor="ctr"/>
+          <a:lstStyle/>
+          <a:p>
+            <a:pPr algn="ctr"/>
+            <a:r>
+              <a:rPr kumimoji="1" lang="en-US" altLang="ko-Kore-KR" sz="1600" dirty="0"/>
+              <a:t>Service</a:t>
+            </a:r>
+            <a:endParaRPr kumimoji="1" lang="ko-Kore-KR" altLang="en-US" sz="1600" dirty="0"/>
+          </a:p>
+        </p:txBody>
+      </p:sp>
+      <p:sp>
+        <p:nvSpPr>
+          <p:cNvPr id="5" name="직사각형 4">
+            <a:extLst>
+              <a:ext uri="{FF2B5EF4-FFF2-40B4-BE49-F238E27FC236}">
+                <a16:creationId xmlns:a16="http://schemas.microsoft.com/office/drawing/2014/main" id="{2C85E2A0-6C95-9EC9-81B6-88CE8424CDC3}"/>
+              </a:ext>
+            </a:extLst>
+          </p:cNvPr>
+          <p:cNvSpPr/>
+          <p:nvPr/>
+        </p:nvSpPr>
+        <p:spPr>
+          <a:xfrm>
+            <a:off x="4404640" y="1694793"/>
+            <a:ext cx="2742394" cy="462456"/>
+          </a:xfrm>
+          <a:prstGeom prst="rect">
+            <a:avLst/>
+          </a:prstGeom>
+        </p:spPr>
+        <p:style>
+          <a:lnRef idx="2">
+            <a:schemeClr val="accent1">
+              <a:shade val="50000"/>
+            </a:schemeClr>
+          </a:lnRef>
+          <a:fillRef idx="1">
+            <a:schemeClr val="accent1"/>
+          </a:fillRef>
+          <a:effectRef idx="0">
+            <a:schemeClr val="accent1"/>
+          </a:effectRef>
+          <a:fontRef idx="minor">
+            <a:schemeClr val="lt1"/>
+          </a:fontRef>
+        </p:style>
+        <p:txBody>
+          <a:bodyPr rtlCol="0" anchor="ctr"/>
+          <a:lstStyle/>
+          <a:p>
+            <a:pPr algn="ctr"/>
+            <a:r>
+              <a:rPr kumimoji="1" lang="en-US" altLang="ko-Kore-KR" sz="1600" dirty="0" err="1"/>
+              <a:t>TransactionManager</a:t>
+            </a:r>
+            <a:endParaRPr kumimoji="1" lang="ko-Kore-KR" altLang="en-US" sz="1600" dirty="0"/>
+          </a:p>
+        </p:txBody>
+      </p:sp>
+      <p:cxnSp>
+        <p:nvCxnSpPr>
+          <p:cNvPr id="6" name="직선 화살표 연결선 5">
+            <a:extLst>
+              <a:ext uri="{FF2B5EF4-FFF2-40B4-BE49-F238E27FC236}">
+                <a16:creationId xmlns:a16="http://schemas.microsoft.com/office/drawing/2014/main" id="{BFF65658-8044-A397-FCEF-0527000DDCF3}"/>
+              </a:ext>
+            </a:extLst>
+          </p:cNvPr>
+          <p:cNvCxnSpPr>
+            <a:cxnSpLocks/>
+            <a:stCxn id="4" idx="3"/>
+            <a:endCxn id="5" idx="1"/>
+          </p:cNvCxnSpPr>
+          <p:nvPr/>
+        </p:nvCxnSpPr>
+        <p:spPr>
+          <a:xfrm>
+            <a:off x="2758163" y="1926021"/>
+            <a:ext cx="1646477" cy="0"/>
+          </a:xfrm>
+          <a:prstGeom prst="straightConnector1">
+            <a:avLst/>
+          </a:prstGeom>
+          <a:ln>
+            <a:tailEnd type="triangle"/>
+          </a:ln>
+        </p:spPr>
+        <p:style>
+          <a:lnRef idx="3">
+            <a:schemeClr val="accent1"/>
+          </a:lnRef>
+          <a:fillRef idx="0">
+            <a:schemeClr val="accent1"/>
+          </a:fillRef>
+          <a:effectRef idx="2">
+            <a:schemeClr val="accent1"/>
+          </a:effectRef>
+          <a:fontRef idx="minor">
+            <a:schemeClr val="tx1"/>
+          </a:fontRef>
+        </p:style>
+      </p:cxnSp>
+      <p:sp>
+        <p:nvSpPr>
+          <p:cNvPr id="9" name="직사각형 8">
+            <a:extLst>
+              <a:ext uri="{FF2B5EF4-FFF2-40B4-BE49-F238E27FC236}">
+                <a16:creationId xmlns:a16="http://schemas.microsoft.com/office/drawing/2014/main" id="{08F7F0E6-3DC9-E738-2A10-7F73A309CB78}"/>
+              </a:ext>
+            </a:extLst>
+          </p:cNvPr>
+          <p:cNvSpPr/>
+          <p:nvPr/>
+        </p:nvSpPr>
+        <p:spPr>
+          <a:xfrm>
+            <a:off x="6299493" y="1137034"/>
+            <a:ext cx="2094475" cy="310057"/>
+          </a:xfrm>
+          <a:prstGeom prst="rect">
+            <a:avLst/>
+          </a:prstGeom>
+          <a:ln>
+            <a:solidFill>
+              <a:srgbClr val="C43EA7"/>
+            </a:solidFill>
+          </a:ln>
+        </p:spPr>
+        <p:style>
+          <a:lnRef idx="2">
+            <a:schemeClr val="accent1"/>
+          </a:lnRef>
+          <a:fillRef idx="1">
+            <a:schemeClr val="lt1"/>
+          </a:fillRef>
+          <a:effectRef idx="0">
+            <a:schemeClr val="accent1"/>
+          </a:effectRef>
+          <a:fontRef idx="minor">
+            <a:schemeClr val="dk1"/>
+          </a:fontRef>
+        </p:style>
+        <p:txBody>
+          <a:bodyPr rtlCol="0" anchor="ctr"/>
+          <a:lstStyle/>
+          <a:p>
+            <a:pPr algn="ctr"/>
+            <a:r>
+              <a:rPr kumimoji="1" lang="en-US" altLang="ko-KR" sz="1000" dirty="0"/>
+              <a:t>commit/rollback </a:t>
+            </a:r>
+            <a:r>
+              <a:rPr kumimoji="1" lang="ko-KR" altLang="en-US" sz="1000" dirty="0"/>
+              <a:t>수행</a:t>
+            </a:r>
+            <a:endParaRPr kumimoji="1" lang="en-US" altLang="ko-KR" sz="1000" dirty="0"/>
+          </a:p>
+        </p:txBody>
+      </p:sp>
+      <p:cxnSp>
+        <p:nvCxnSpPr>
+          <p:cNvPr id="10" name="구부러진 연결선[U] 9">
+            <a:extLst>
+              <a:ext uri="{FF2B5EF4-FFF2-40B4-BE49-F238E27FC236}">
+                <a16:creationId xmlns:a16="http://schemas.microsoft.com/office/drawing/2014/main" id="{F750EF3D-09C8-74BC-069B-9755EF2D1FF8}"/>
+              </a:ext>
+            </a:extLst>
+          </p:cNvPr>
+          <p:cNvCxnSpPr>
+            <a:cxnSpLocks/>
+            <a:stCxn id="9" idx="1"/>
+            <a:endCxn id="5" idx="0"/>
+          </p:cNvCxnSpPr>
+          <p:nvPr/>
+        </p:nvCxnSpPr>
+        <p:spPr>
+          <a:xfrm rot="10800000" flipV="1">
+            <a:off x="5775837" y="1292063"/>
+            <a:ext cx="523656" cy="402730"/>
+          </a:xfrm>
+          <a:prstGeom prst="curvedConnector2">
+            <a:avLst/>
+          </a:prstGeom>
+          <a:ln>
+            <a:solidFill>
+              <a:srgbClr val="C43EA7"/>
+            </a:solidFill>
+            <a:tailEnd type="triangle"/>
+          </a:ln>
+        </p:spPr>
+        <p:style>
+          <a:lnRef idx="3">
+            <a:schemeClr val="accent1"/>
+          </a:lnRef>
+          <a:fillRef idx="0">
+            <a:schemeClr val="accent1"/>
+          </a:fillRef>
+          <a:effectRef idx="2">
+            <a:schemeClr val="accent1"/>
+          </a:effectRef>
+          <a:fontRef idx="minor">
+            <a:schemeClr val="tx1"/>
+          </a:fontRef>
+        </p:style>
+      </p:cxnSp>
+      <p:sp>
+        <p:nvSpPr>
+          <p:cNvPr id="12" name="직사각형 11">
+            <a:extLst>
+              <a:ext uri="{FF2B5EF4-FFF2-40B4-BE49-F238E27FC236}">
+                <a16:creationId xmlns:a16="http://schemas.microsoft.com/office/drawing/2014/main" id="{963F1ECD-E3A9-9A8B-17FE-213C0D1FD3D6}"/>
+              </a:ext>
+            </a:extLst>
+          </p:cNvPr>
+          <p:cNvSpPr/>
+          <p:nvPr/>
+        </p:nvSpPr>
+        <p:spPr>
+          <a:xfrm>
+            <a:off x="4404640" y="3197772"/>
+            <a:ext cx="2742394" cy="462456"/>
+          </a:xfrm>
+          <a:prstGeom prst="rect">
+            <a:avLst/>
+          </a:prstGeom>
+        </p:spPr>
+        <p:style>
+          <a:lnRef idx="2">
+            <a:schemeClr val="accent1">
+              <a:shade val="50000"/>
+            </a:schemeClr>
+          </a:lnRef>
+          <a:fillRef idx="1">
+            <a:schemeClr val="accent1"/>
+          </a:fillRef>
+          <a:effectRef idx="0">
+            <a:schemeClr val="accent1"/>
+          </a:effectRef>
+          <a:fontRef idx="minor">
+            <a:schemeClr val="lt1"/>
+          </a:fontRef>
+        </p:style>
+        <p:txBody>
+          <a:bodyPr rtlCol="0" anchor="ctr"/>
+          <a:lstStyle/>
+          <a:p>
+            <a:pPr algn="ctr"/>
+            <a:r>
+              <a:rPr kumimoji="1" lang="en-US" altLang="ko-Kore-KR" sz="1600" dirty="0" err="1"/>
+              <a:t>TransactionStatus</a:t>
+            </a:r>
+            <a:endParaRPr kumimoji="1" lang="ko-Kore-KR" altLang="en-US" sz="1600" dirty="0"/>
+          </a:p>
+        </p:txBody>
+      </p:sp>
+      <p:cxnSp>
+        <p:nvCxnSpPr>
+          <p:cNvPr id="13" name="직선 화살표 연결선 12">
+            <a:extLst>
+              <a:ext uri="{FF2B5EF4-FFF2-40B4-BE49-F238E27FC236}">
+                <a16:creationId xmlns:a16="http://schemas.microsoft.com/office/drawing/2014/main" id="{E7123B81-087B-C652-1FB1-F1378B49AE17}"/>
+              </a:ext>
+            </a:extLst>
+          </p:cNvPr>
+          <p:cNvCxnSpPr>
+            <a:cxnSpLocks/>
+            <a:stCxn id="5" idx="2"/>
+            <a:endCxn id="12" idx="0"/>
+          </p:cNvCxnSpPr>
+          <p:nvPr/>
+        </p:nvCxnSpPr>
+        <p:spPr>
+          <a:xfrm>
+            <a:off x="5775837" y="2157249"/>
+            <a:ext cx="0" cy="1040523"/>
+          </a:xfrm>
+          <a:prstGeom prst="straightConnector1">
+            <a:avLst/>
+          </a:prstGeom>
+          <a:ln>
+            <a:tailEnd type="triangle"/>
+          </a:ln>
+        </p:spPr>
+        <p:style>
+          <a:lnRef idx="3">
+            <a:schemeClr val="accent1"/>
+          </a:lnRef>
+          <a:fillRef idx="0">
+            <a:schemeClr val="accent1"/>
+          </a:fillRef>
+          <a:effectRef idx="2">
+            <a:schemeClr val="accent1"/>
+          </a:effectRef>
+          <a:fontRef idx="minor">
+            <a:schemeClr val="tx1"/>
+          </a:fontRef>
+        </p:style>
+      </p:cxnSp>
+      <p:cxnSp>
+        <p:nvCxnSpPr>
+          <p:cNvPr id="17" name="직선 화살표 연결선 16">
+            <a:extLst>
+              <a:ext uri="{FF2B5EF4-FFF2-40B4-BE49-F238E27FC236}">
+                <a16:creationId xmlns:a16="http://schemas.microsoft.com/office/drawing/2014/main" id="{0DA589B5-635A-8F30-CE63-944E0B05D4EB}"/>
+              </a:ext>
+            </a:extLst>
+          </p:cNvPr>
+          <p:cNvCxnSpPr>
+            <a:cxnSpLocks/>
+            <a:stCxn id="12" idx="3"/>
+            <a:endCxn id="19" idx="1"/>
+          </p:cNvCxnSpPr>
+          <p:nvPr/>
+        </p:nvCxnSpPr>
+        <p:spPr>
+          <a:xfrm flipV="1">
+            <a:off x="7147034" y="3426370"/>
+            <a:ext cx="1078116" cy="2630"/>
+          </a:xfrm>
+          <a:prstGeom prst="straightConnector1">
+            <a:avLst/>
+          </a:prstGeom>
+          <a:ln>
+            <a:tailEnd type="triangle"/>
+          </a:ln>
+        </p:spPr>
+        <p:style>
+          <a:lnRef idx="3">
+            <a:schemeClr val="accent1"/>
+          </a:lnRef>
+          <a:fillRef idx="0">
+            <a:schemeClr val="accent1"/>
+          </a:fillRef>
+          <a:effectRef idx="2">
+            <a:schemeClr val="accent1"/>
+          </a:effectRef>
+          <a:fontRef idx="minor">
+            <a:schemeClr val="tx1"/>
+          </a:fontRef>
+        </p:style>
+      </p:cxnSp>
+      <p:sp>
+        <p:nvSpPr>
+          <p:cNvPr id="19" name="직사각형 18">
+            <a:extLst>
+              <a:ext uri="{FF2B5EF4-FFF2-40B4-BE49-F238E27FC236}">
+                <a16:creationId xmlns:a16="http://schemas.microsoft.com/office/drawing/2014/main" id="{37B9AD77-BFDC-96D1-DB63-0FDB5BD7DE7F}"/>
+              </a:ext>
+            </a:extLst>
+          </p:cNvPr>
+          <p:cNvSpPr/>
+          <p:nvPr/>
+        </p:nvSpPr>
+        <p:spPr>
+          <a:xfrm>
+            <a:off x="8225150" y="3195142"/>
+            <a:ext cx="2742394" cy="462456"/>
+          </a:xfrm>
+          <a:prstGeom prst="rect">
+            <a:avLst/>
+          </a:prstGeom>
+        </p:spPr>
+        <p:style>
+          <a:lnRef idx="2">
+            <a:schemeClr val="accent1">
+              <a:shade val="50000"/>
+            </a:schemeClr>
+          </a:lnRef>
+          <a:fillRef idx="1">
+            <a:schemeClr val="accent1"/>
+          </a:fillRef>
+          <a:effectRef idx="0">
+            <a:schemeClr val="accent1"/>
+          </a:effectRef>
+          <a:fontRef idx="minor">
+            <a:schemeClr val="lt1"/>
+          </a:fontRef>
+        </p:style>
+        <p:txBody>
+          <a:bodyPr rtlCol="0" anchor="ctr"/>
+          <a:lstStyle/>
+          <a:p>
+            <a:pPr algn="ctr"/>
+            <a:r>
+              <a:rPr kumimoji="1" lang="en-US" altLang="ko-Kore-KR" sz="1600" dirty="0"/>
+              <a:t>Connection</a:t>
+            </a:r>
+            <a:endParaRPr kumimoji="1" lang="ko-Kore-KR" altLang="en-US" sz="1600" dirty="0"/>
+          </a:p>
+        </p:txBody>
+      </p:sp>
+      <p:cxnSp>
+        <p:nvCxnSpPr>
+          <p:cNvPr id="21" name="직선 화살표 연결선 20">
+            <a:extLst>
+              <a:ext uri="{FF2B5EF4-FFF2-40B4-BE49-F238E27FC236}">
+                <a16:creationId xmlns:a16="http://schemas.microsoft.com/office/drawing/2014/main" id="{0BFCFBA9-D0E3-7D74-5BF0-2287C67F95CA}"/>
+              </a:ext>
+            </a:extLst>
+          </p:cNvPr>
+          <p:cNvCxnSpPr>
+            <a:cxnSpLocks/>
+            <a:stCxn id="5" idx="3"/>
+            <a:endCxn id="22" idx="1"/>
+          </p:cNvCxnSpPr>
+          <p:nvPr/>
+        </p:nvCxnSpPr>
+        <p:spPr>
+          <a:xfrm>
+            <a:off x="7147034" y="1926021"/>
+            <a:ext cx="1078116" cy="0"/>
+          </a:xfrm>
+          <a:prstGeom prst="straightConnector1">
+            <a:avLst/>
+          </a:prstGeom>
+          <a:ln>
+            <a:tailEnd type="triangle"/>
+          </a:ln>
+        </p:spPr>
+        <p:style>
+          <a:lnRef idx="3">
+            <a:schemeClr val="accent1"/>
+          </a:lnRef>
+          <a:fillRef idx="0">
+            <a:schemeClr val="accent1"/>
+          </a:fillRef>
+          <a:effectRef idx="2">
+            <a:schemeClr val="accent1"/>
+          </a:effectRef>
+          <a:fontRef idx="minor">
+            <a:schemeClr val="tx1"/>
+          </a:fontRef>
+        </p:style>
+      </p:cxnSp>
+      <p:sp>
+        <p:nvSpPr>
+          <p:cNvPr id="22" name="직사각형 21">
+            <a:extLst>
+              <a:ext uri="{FF2B5EF4-FFF2-40B4-BE49-F238E27FC236}">
+                <a16:creationId xmlns:a16="http://schemas.microsoft.com/office/drawing/2014/main" id="{260FA168-4946-6706-AE39-35A8734C4220}"/>
+              </a:ext>
+            </a:extLst>
+          </p:cNvPr>
+          <p:cNvSpPr/>
+          <p:nvPr/>
+        </p:nvSpPr>
+        <p:spPr>
+          <a:xfrm>
+            <a:off x="8225150" y="1694793"/>
+            <a:ext cx="2742394" cy="462456"/>
+          </a:xfrm>
+          <a:prstGeom prst="rect">
+            <a:avLst/>
+          </a:prstGeom>
+        </p:spPr>
+        <p:style>
+          <a:lnRef idx="2">
+            <a:schemeClr val="accent1">
+              <a:shade val="50000"/>
+            </a:schemeClr>
+          </a:lnRef>
+          <a:fillRef idx="1">
+            <a:schemeClr val="accent1"/>
+          </a:fillRef>
+          <a:effectRef idx="0">
+            <a:schemeClr val="accent1"/>
+          </a:effectRef>
+          <a:fontRef idx="minor">
+            <a:schemeClr val="lt1"/>
+          </a:fontRef>
+        </p:style>
+        <p:txBody>
+          <a:bodyPr rtlCol="0" anchor="ctr"/>
+          <a:lstStyle/>
+          <a:p>
+            <a:pPr algn="ctr"/>
+            <a:r>
+              <a:rPr kumimoji="1" lang="en-US" altLang="ko-Kore-KR" sz="1600" dirty="0" err="1"/>
+              <a:t>DataSource</a:t>
+            </a:r>
+            <a:endParaRPr kumimoji="1" lang="ko-Kore-KR" altLang="en-US" sz="1600" dirty="0"/>
+          </a:p>
+        </p:txBody>
+      </p:sp>
+      <p:cxnSp>
+        <p:nvCxnSpPr>
+          <p:cNvPr id="24" name="직선 화살표 연결선 23">
+            <a:extLst>
+              <a:ext uri="{FF2B5EF4-FFF2-40B4-BE49-F238E27FC236}">
+                <a16:creationId xmlns:a16="http://schemas.microsoft.com/office/drawing/2014/main" id="{8CE10228-DFFE-0D43-491D-981CBEC2124D}"/>
+              </a:ext>
+            </a:extLst>
+          </p:cNvPr>
+          <p:cNvCxnSpPr>
+            <a:cxnSpLocks/>
+            <a:stCxn id="22" idx="2"/>
+            <a:endCxn id="19" idx="0"/>
+          </p:cNvCxnSpPr>
+          <p:nvPr/>
+        </p:nvCxnSpPr>
+        <p:spPr>
+          <a:xfrm>
+            <a:off x="9596347" y="2157249"/>
+            <a:ext cx="0" cy="1037893"/>
+          </a:xfrm>
+          <a:prstGeom prst="straightConnector1">
+            <a:avLst/>
+          </a:prstGeom>
+          <a:ln>
+            <a:tailEnd type="triangle"/>
+          </a:ln>
+        </p:spPr>
+        <p:style>
+          <a:lnRef idx="3">
+            <a:schemeClr val="accent1"/>
+          </a:lnRef>
+          <a:fillRef idx="0">
+            <a:schemeClr val="accent1"/>
+          </a:fillRef>
+          <a:effectRef idx="2">
+            <a:schemeClr val="accent1"/>
+          </a:effectRef>
+          <a:fontRef idx="minor">
+            <a:schemeClr val="tx1"/>
+          </a:fontRef>
+        </p:style>
+      </p:cxnSp>
+      <p:sp>
+        <p:nvSpPr>
+          <p:cNvPr id="28" name="직사각형 27">
+            <a:extLst>
+              <a:ext uri="{FF2B5EF4-FFF2-40B4-BE49-F238E27FC236}">
+                <a16:creationId xmlns:a16="http://schemas.microsoft.com/office/drawing/2014/main" id="{9C5B9010-597E-67DB-2888-273EBC93DFDC}"/>
+              </a:ext>
+            </a:extLst>
+          </p:cNvPr>
+          <p:cNvSpPr/>
+          <p:nvPr/>
+        </p:nvSpPr>
+        <p:spPr>
+          <a:xfrm>
+            <a:off x="9207362" y="2334609"/>
+            <a:ext cx="777970" cy="570192"/>
+          </a:xfrm>
+          <a:prstGeom prst="rect">
+            <a:avLst/>
+          </a:prstGeom>
+        </p:spPr>
+        <p:style>
+          <a:lnRef idx="2">
+            <a:schemeClr val="accent1"/>
+          </a:lnRef>
+          <a:fillRef idx="1">
+            <a:schemeClr val="lt1"/>
+          </a:fillRef>
+          <a:effectRef idx="0">
+            <a:schemeClr val="accent1"/>
+          </a:effectRef>
+          <a:fontRef idx="minor">
+            <a:schemeClr val="dk1"/>
+          </a:fontRef>
+        </p:style>
+        <p:txBody>
+          <a:bodyPr rtlCol="0" anchor="ctr"/>
+          <a:lstStyle/>
+          <a:p>
+            <a:pPr algn="ctr"/>
+            <a:r>
+              <a:rPr kumimoji="1" lang="ko-KR" altLang="en-US" sz="1000" dirty="0"/>
+              <a:t>생성 또는 기존 객체 리턴</a:t>
+            </a:r>
+            <a:endParaRPr kumimoji="1" lang="en-US" altLang="ko-KR" sz="1000" dirty="0"/>
+          </a:p>
+        </p:txBody>
+      </p:sp>
+      <p:sp>
+        <p:nvSpPr>
+          <p:cNvPr id="29" name="직사각형 28">
+            <a:extLst>
+              <a:ext uri="{FF2B5EF4-FFF2-40B4-BE49-F238E27FC236}">
+                <a16:creationId xmlns:a16="http://schemas.microsoft.com/office/drawing/2014/main" id="{27B4B656-8485-4D8F-6B46-51B0D8E7BBBE}"/>
+              </a:ext>
+            </a:extLst>
+          </p:cNvPr>
+          <p:cNvSpPr/>
+          <p:nvPr/>
+        </p:nvSpPr>
+        <p:spPr>
+          <a:xfrm>
+            <a:off x="1530061" y="2364173"/>
+            <a:ext cx="1012638" cy="1081256"/>
+          </a:xfrm>
+          <a:prstGeom prst="rect">
+            <a:avLst/>
+          </a:prstGeom>
+        </p:spPr>
+        <p:style>
+          <a:lnRef idx="2">
+            <a:schemeClr val="accent1"/>
+          </a:lnRef>
+          <a:fillRef idx="1">
+            <a:schemeClr val="lt1"/>
+          </a:fillRef>
+          <a:effectRef idx="0">
+            <a:schemeClr val="accent1"/>
+          </a:effectRef>
+          <a:fontRef idx="minor">
+            <a:schemeClr val="dk1"/>
+          </a:fontRef>
+        </p:style>
+        <p:txBody>
+          <a:bodyPr rtlCol="0" anchor="ctr"/>
+          <a:lstStyle/>
+          <a:p>
+            <a:pPr marL="171450" indent="-171450" algn="ctr">
+              <a:buFont typeface="Arial" panose="020B0604020202020204" pitchFamily="34" charset="0"/>
+              <a:buChar char="•"/>
+            </a:pPr>
+            <a:r>
+              <a:rPr kumimoji="1" lang="en-US" altLang="ko-KR" sz="1000" dirty="0"/>
+              <a:t>add()</a:t>
+            </a:r>
+          </a:p>
+          <a:p>
+            <a:pPr marL="171450" indent="-171450" algn="ctr">
+              <a:buFont typeface="Arial" panose="020B0604020202020204" pitchFamily="34" charset="0"/>
+              <a:buChar char="•"/>
+            </a:pPr>
+            <a:r>
+              <a:rPr kumimoji="1" lang="en-US" altLang="ko-KR" sz="1000" dirty="0"/>
+              <a:t>update()</a:t>
+            </a:r>
+          </a:p>
+          <a:p>
+            <a:pPr marL="171450" indent="-171450" algn="ctr">
+              <a:buFont typeface="Arial" panose="020B0604020202020204" pitchFamily="34" charset="0"/>
+              <a:buChar char="•"/>
+            </a:pPr>
+            <a:r>
+              <a:rPr kumimoji="1" lang="en-US" altLang="ko-KR" sz="1000" dirty="0"/>
+              <a:t>delete()</a:t>
+            </a:r>
+          </a:p>
+        </p:txBody>
+      </p:sp>
+      <p:cxnSp>
+        <p:nvCxnSpPr>
+          <p:cNvPr id="30" name="구부러진 연결선[U] 29">
+            <a:extLst>
+              <a:ext uri="{FF2B5EF4-FFF2-40B4-BE49-F238E27FC236}">
+                <a16:creationId xmlns:a16="http://schemas.microsoft.com/office/drawing/2014/main" id="{51963A0F-DA00-2629-2065-84DD41F67633}"/>
+              </a:ext>
+            </a:extLst>
+          </p:cNvPr>
+          <p:cNvCxnSpPr>
+            <a:cxnSpLocks/>
+            <a:stCxn id="29" idx="3"/>
+            <a:endCxn id="5" idx="2"/>
+          </p:cNvCxnSpPr>
+          <p:nvPr/>
+        </p:nvCxnSpPr>
+        <p:spPr>
+          <a:xfrm flipV="1">
+            <a:off x="2542699" y="2157249"/>
+            <a:ext cx="3233138" cy="747552"/>
+          </a:xfrm>
+          <a:prstGeom prst="curvedConnector2">
+            <a:avLst/>
+          </a:prstGeom>
+          <a:ln>
+            <a:solidFill>
+              <a:srgbClr val="C43EA7"/>
+            </a:solidFill>
+            <a:tailEnd type="triangle"/>
+          </a:ln>
+        </p:spPr>
+        <p:style>
+          <a:lnRef idx="3">
+            <a:schemeClr val="accent1"/>
+          </a:lnRef>
+          <a:fillRef idx="0">
+            <a:schemeClr val="accent1"/>
+          </a:fillRef>
+          <a:effectRef idx="2">
+            <a:schemeClr val="accent1"/>
+          </a:effectRef>
+          <a:fontRef idx="minor">
+            <a:schemeClr val="tx1"/>
+          </a:fontRef>
+        </p:style>
+      </p:cxnSp>
+      <p:cxnSp>
+        <p:nvCxnSpPr>
+          <p:cNvPr id="33" name="구부러진 연결선[U] 32">
+            <a:extLst>
+              <a:ext uri="{FF2B5EF4-FFF2-40B4-BE49-F238E27FC236}">
+                <a16:creationId xmlns:a16="http://schemas.microsoft.com/office/drawing/2014/main" id="{93489EED-2E08-1340-254D-544106ADCD90}"/>
+              </a:ext>
+            </a:extLst>
+          </p:cNvPr>
+          <p:cNvCxnSpPr>
+            <a:cxnSpLocks/>
+            <a:stCxn id="29" idx="3"/>
+            <a:endCxn id="12" idx="0"/>
+          </p:cNvCxnSpPr>
+          <p:nvPr/>
+        </p:nvCxnSpPr>
+        <p:spPr>
+          <a:xfrm>
+            <a:off x="2542699" y="2904801"/>
+            <a:ext cx="3233138" cy="292971"/>
+          </a:xfrm>
+          <a:prstGeom prst="curvedConnector2">
+            <a:avLst/>
+          </a:prstGeom>
+          <a:ln>
+            <a:solidFill>
+              <a:srgbClr val="C43EA7"/>
+            </a:solidFill>
+            <a:tailEnd type="triangle"/>
+          </a:ln>
+        </p:spPr>
+        <p:style>
+          <a:lnRef idx="3">
+            <a:schemeClr val="accent1"/>
+          </a:lnRef>
+          <a:fillRef idx="0">
+            <a:schemeClr val="accent1"/>
+          </a:fillRef>
+          <a:effectRef idx="2">
+            <a:schemeClr val="accent1"/>
+          </a:effectRef>
+          <a:fontRef idx="minor">
+            <a:schemeClr val="tx1"/>
+          </a:fontRef>
+        </p:style>
+      </p:cxnSp>
+      <p:sp>
+        <p:nvSpPr>
+          <p:cNvPr id="36" name="직사각형 35">
+            <a:extLst>
+              <a:ext uri="{FF2B5EF4-FFF2-40B4-BE49-F238E27FC236}">
+                <a16:creationId xmlns:a16="http://schemas.microsoft.com/office/drawing/2014/main" id="{5B9328BF-9B5B-4F05-F2E4-80F9CBD18539}"/>
+              </a:ext>
+            </a:extLst>
+          </p:cNvPr>
+          <p:cNvSpPr/>
+          <p:nvPr/>
+        </p:nvSpPr>
+        <p:spPr>
+          <a:xfrm>
+            <a:off x="2682931" y="2749772"/>
+            <a:ext cx="595090" cy="310057"/>
+          </a:xfrm>
+          <a:prstGeom prst="rect">
+            <a:avLst/>
+          </a:prstGeom>
+          <a:ln>
+            <a:solidFill>
+              <a:srgbClr val="C43EA7"/>
+            </a:solidFill>
+          </a:ln>
+        </p:spPr>
+        <p:style>
+          <a:lnRef idx="2">
+            <a:schemeClr val="accent1"/>
+          </a:lnRef>
+          <a:fillRef idx="1">
+            <a:schemeClr val="lt1"/>
+          </a:fillRef>
+          <a:effectRef idx="0">
+            <a:schemeClr val="accent1"/>
+          </a:effectRef>
+          <a:fontRef idx="minor">
+            <a:schemeClr val="dk1"/>
+          </a:fontRef>
+        </p:style>
+        <p:txBody>
+          <a:bodyPr rtlCol="0" anchor="ctr"/>
+          <a:lstStyle/>
+          <a:p>
+            <a:pPr algn="ctr"/>
+            <a:r>
+              <a:rPr kumimoji="1" lang="ko-KR" altLang="en-US" sz="1000" dirty="0"/>
+              <a:t>사용</a:t>
+            </a:r>
+            <a:endParaRPr kumimoji="1" lang="en-US" altLang="ko-KR" sz="1000" dirty="0"/>
+          </a:p>
+        </p:txBody>
+      </p:sp>
+      <p:sp>
+        <p:nvSpPr>
+          <p:cNvPr id="37" name="직사각형 36">
+            <a:extLst>
+              <a:ext uri="{FF2B5EF4-FFF2-40B4-BE49-F238E27FC236}">
+                <a16:creationId xmlns:a16="http://schemas.microsoft.com/office/drawing/2014/main" id="{BC1C4E01-5582-9A4B-298E-9E1831471713}"/>
+              </a:ext>
+            </a:extLst>
+          </p:cNvPr>
+          <p:cNvSpPr/>
+          <p:nvPr/>
+        </p:nvSpPr>
+        <p:spPr>
+          <a:xfrm>
+            <a:off x="5533493" y="2518545"/>
+            <a:ext cx="484690" cy="310057"/>
+          </a:xfrm>
+          <a:prstGeom prst="rect">
+            <a:avLst/>
+          </a:prstGeom>
+        </p:spPr>
+        <p:style>
+          <a:lnRef idx="2">
+            <a:schemeClr val="accent1"/>
+          </a:lnRef>
+          <a:fillRef idx="1">
+            <a:schemeClr val="lt1"/>
+          </a:fillRef>
+          <a:effectRef idx="0">
+            <a:schemeClr val="accent1"/>
+          </a:effectRef>
+          <a:fontRef idx="minor">
+            <a:schemeClr val="dk1"/>
+          </a:fontRef>
+        </p:style>
+        <p:txBody>
+          <a:bodyPr rtlCol="0" anchor="ctr"/>
+          <a:lstStyle/>
+          <a:p>
+            <a:pPr algn="ctr"/>
+            <a:r>
+              <a:rPr kumimoji="1" lang="ko-KR" altLang="en-US" sz="1000" dirty="0"/>
+              <a:t>생성</a:t>
+            </a:r>
+            <a:endParaRPr kumimoji="1" lang="en-US" altLang="ko-KR" sz="1000" dirty="0"/>
+          </a:p>
+        </p:txBody>
+      </p:sp>
+      <p:sp>
+        <p:nvSpPr>
+          <p:cNvPr id="38" name="직사각형 37">
+            <a:extLst>
+              <a:ext uri="{FF2B5EF4-FFF2-40B4-BE49-F238E27FC236}">
+                <a16:creationId xmlns:a16="http://schemas.microsoft.com/office/drawing/2014/main" id="{3EBCB80C-10E5-A0F2-2A43-206C310AF885}"/>
+              </a:ext>
+            </a:extLst>
+          </p:cNvPr>
+          <p:cNvSpPr/>
+          <p:nvPr/>
+        </p:nvSpPr>
+        <p:spPr>
+          <a:xfrm>
+            <a:off x="4404640" y="4210694"/>
+            <a:ext cx="5888420" cy="1492458"/>
+          </a:xfrm>
+          <a:prstGeom prst="rect">
+            <a:avLst/>
+          </a:prstGeom>
+        </p:spPr>
+        <p:style>
+          <a:lnRef idx="2">
+            <a:schemeClr val="accent1"/>
+          </a:lnRef>
+          <a:fillRef idx="1">
+            <a:schemeClr val="lt1"/>
+          </a:fillRef>
+          <a:effectRef idx="0">
+            <a:schemeClr val="accent1"/>
+          </a:effectRef>
+          <a:fontRef idx="minor">
+            <a:schemeClr val="dk1"/>
+          </a:fontRef>
+        </p:style>
+        <p:txBody>
+          <a:bodyPr rtlCol="0" anchor="ctr"/>
+          <a:lstStyle/>
+          <a:p>
+            <a:r>
+              <a:rPr kumimoji="1" lang="en-US" altLang="ko-Kore-KR" sz="1200" dirty="0" err="1"/>
+              <a:t>TransactionStatus</a:t>
+            </a:r>
+            <a:r>
+              <a:rPr kumimoji="1" lang="ko-KR" altLang="en-US" sz="1200" dirty="0"/>
+              <a:t> </a:t>
+            </a:r>
+            <a:r>
+              <a:rPr kumimoji="1" lang="en-US" altLang="ko-KR" sz="1200" dirty="0"/>
+              <a:t>status = </a:t>
+            </a:r>
+            <a:r>
+              <a:rPr kumimoji="1" lang="en-US" altLang="ko-KR" sz="1200" dirty="0" err="1"/>
+              <a:t>txManager.getTransaction</a:t>
+            </a:r>
+            <a:r>
+              <a:rPr kumimoji="1" lang="en-US" altLang="ko-KR" sz="1200" dirty="0"/>
+              <a:t>();</a:t>
+            </a:r>
+          </a:p>
+          <a:p>
+            <a:r>
+              <a:rPr kumimoji="1" lang="en-US" altLang="ko-Kore-KR" sz="1200" dirty="0"/>
+              <a:t>try{</a:t>
+            </a:r>
+          </a:p>
+          <a:p>
+            <a:r>
+              <a:rPr kumimoji="1" lang="en-US" altLang="ko-Kore-KR" sz="1200" dirty="0"/>
+              <a:t>//</a:t>
+            </a:r>
+            <a:r>
+              <a:rPr kumimoji="1" lang="ko-KR" altLang="en-US" sz="1200" dirty="0"/>
+              <a:t> 데이터 변경</a:t>
+            </a:r>
+            <a:r>
+              <a:rPr kumimoji="1" lang="en-US" altLang="ko-KR" sz="1200" dirty="0"/>
+              <a:t>,</a:t>
+            </a:r>
+            <a:r>
+              <a:rPr kumimoji="1" lang="ko-KR" altLang="en-US" sz="1200" dirty="0"/>
+              <a:t> 입력</a:t>
+            </a:r>
+            <a:r>
+              <a:rPr kumimoji="1" lang="en-US" altLang="ko-KR" sz="1200" dirty="0"/>
+              <a:t>,</a:t>
+            </a:r>
+            <a:r>
+              <a:rPr kumimoji="1" lang="ko-KR" altLang="en-US" sz="1200" dirty="0"/>
+              <a:t> 삭제 작업</a:t>
+            </a:r>
+            <a:endParaRPr kumimoji="1" lang="en-US" altLang="ko-KR" sz="1200" dirty="0"/>
+          </a:p>
+          <a:p>
+            <a:r>
+              <a:rPr kumimoji="1" lang="en-US" altLang="ko-Kore-KR" sz="1200" dirty="0"/>
+              <a:t>  </a:t>
+            </a:r>
+            <a:r>
+              <a:rPr kumimoji="1" lang="en-US" altLang="ko-Kore-KR" sz="1200" dirty="0" err="1"/>
+              <a:t>txManager.commit</a:t>
+            </a:r>
+            <a:r>
+              <a:rPr kumimoji="1" lang="en-US" altLang="ko-Kore-KR" sz="1200" dirty="0"/>
+              <a:t>(status);</a:t>
+            </a:r>
+          </a:p>
+          <a:p>
+            <a:r>
+              <a:rPr kumimoji="1" lang="en-US" altLang="ko-Kore-KR" sz="1200" dirty="0"/>
+              <a:t>} catch(Exception e) {</a:t>
+            </a:r>
+          </a:p>
+          <a:p>
+            <a:r>
+              <a:rPr kumimoji="1" lang="en-US" altLang="ko-Kore-KR" sz="1200" dirty="0"/>
+              <a:t>  </a:t>
+            </a:r>
+            <a:r>
+              <a:rPr kumimoji="1" lang="en-US" altLang="ko-Kore-KR" sz="1200" dirty="0" err="1"/>
+              <a:t>txManager.rollback</a:t>
+            </a:r>
+            <a:r>
+              <a:rPr kumimoji="1" lang="en-US" altLang="ko-Kore-KR" sz="1200" dirty="0"/>
+              <a:t>(status);</a:t>
+            </a:r>
+          </a:p>
+          <a:p>
+            <a:r>
+              <a:rPr kumimoji="1" lang="en-US" altLang="ko-Kore-KR" sz="1200" dirty="0"/>
+              <a:t>}</a:t>
+            </a:r>
+            <a:endParaRPr kumimoji="1" lang="ko-Kore-KR" altLang="en-US" sz="1200" dirty="0"/>
+          </a:p>
+        </p:txBody>
+      </p:sp>
+    </p:spTree>
+    <p:extLst>
+      <p:ext uri="{BB962C8B-B14F-4D97-AF65-F5344CB8AC3E}">
+        <p14:creationId xmlns:p14="http://schemas.microsoft.com/office/powerpoint/2010/main" val="1042919223"/>
       </p:ext>
     </p:extLst>
   </p:cSld>

--- a/study-note/자바/2022-10-06 내용정리.pptx
+++ b/study-note/자바/2022-10-06 내용정리.pptx
@@ -41299,9 +41299,196 @@
             <a:pPr algn="ctr"/>
             <a:r>
               <a:rPr kumimoji="1" lang="en-US" altLang="ko-Kore-KR" sz="1600" dirty="0"/>
-              <a:t>T2</a:t>
+              <a:t>T3</a:t>
             </a:r>
             <a:endParaRPr kumimoji="1" lang="ko-Kore-KR" altLang="en-US" sz="1600" dirty="0"/>
+          </a:p>
+        </p:txBody>
+      </p:sp>
+      <p:cxnSp>
+        <p:nvCxnSpPr>
+          <p:cNvPr id="42" name="구부러진 연결선[U] 41">
+            <a:extLst>
+              <a:ext uri="{FF2B5EF4-FFF2-40B4-BE49-F238E27FC236}">
+                <a16:creationId xmlns:a16="http://schemas.microsoft.com/office/drawing/2014/main" id="{754A70EC-95FC-F44B-26E6-F36AF9ECA14A}"/>
+              </a:ext>
+            </a:extLst>
+          </p:cNvPr>
+          <p:cNvCxnSpPr>
+            <a:cxnSpLocks/>
+            <a:stCxn id="4" idx="2"/>
+            <a:endCxn id="40" idx="6"/>
+          </p:cNvCxnSpPr>
+          <p:nvPr/>
+        </p:nvCxnSpPr>
+        <p:spPr>
+          <a:xfrm rot="5400000">
+            <a:off x="1668925" y="2855782"/>
+            <a:ext cx="2735308" cy="2389278"/>
+          </a:xfrm>
+          <a:prstGeom prst="curvedConnector2">
+            <a:avLst/>
+          </a:prstGeom>
+          <a:ln>
+            <a:tailEnd type="triangle"/>
+          </a:ln>
+        </p:spPr>
+        <p:style>
+          <a:lnRef idx="3">
+            <a:schemeClr val="accent1"/>
+          </a:lnRef>
+          <a:fillRef idx="0">
+            <a:schemeClr val="accent1"/>
+          </a:fillRef>
+          <a:effectRef idx="2">
+            <a:schemeClr val="accent1"/>
+          </a:effectRef>
+          <a:fontRef idx="minor">
+            <a:schemeClr val="tx1"/>
+          </a:fontRef>
+        </p:style>
+      </p:cxnSp>
+      <p:sp>
+        <p:nvSpPr>
+          <p:cNvPr id="43" name="직사각형 42">
+            <a:extLst>
+              <a:ext uri="{FF2B5EF4-FFF2-40B4-BE49-F238E27FC236}">
+                <a16:creationId xmlns:a16="http://schemas.microsoft.com/office/drawing/2014/main" id="{AA5A4594-3391-3496-EA2C-A57215722249}"/>
+              </a:ext>
+            </a:extLst>
+          </p:cNvPr>
+          <p:cNvSpPr/>
+          <p:nvPr/>
+        </p:nvSpPr>
+        <p:spPr>
+          <a:xfrm>
+            <a:off x="2673662" y="4949053"/>
+            <a:ext cx="484690" cy="310057"/>
+          </a:xfrm>
+          <a:prstGeom prst="rect">
+            <a:avLst/>
+          </a:prstGeom>
+        </p:spPr>
+        <p:style>
+          <a:lnRef idx="2">
+            <a:schemeClr val="accent1"/>
+          </a:lnRef>
+          <a:fillRef idx="1">
+            <a:schemeClr val="lt1"/>
+          </a:fillRef>
+          <a:effectRef idx="0">
+            <a:schemeClr val="accent1"/>
+          </a:effectRef>
+          <a:fontRef idx="minor">
+            <a:schemeClr val="dk1"/>
+          </a:fontRef>
+        </p:style>
+        <p:txBody>
+          <a:bodyPr rtlCol="0" anchor="ctr"/>
+          <a:lstStyle/>
+          <a:p>
+            <a:pPr algn="ctr"/>
+            <a:r>
+              <a:rPr kumimoji="1" lang="en-US" altLang="ko-KR" sz="1000"/>
+              <a:t>null </a:t>
+            </a:r>
+            <a:r>
+              <a:rPr kumimoji="1" lang="ko-KR" altLang="en-US" sz="1000" dirty="0"/>
+              <a:t>리턴</a:t>
+            </a:r>
+            <a:endParaRPr kumimoji="1" lang="en-US" altLang="ko-KR" sz="1000" dirty="0"/>
+          </a:p>
+        </p:txBody>
+      </p:sp>
+      <p:cxnSp>
+        <p:nvCxnSpPr>
+          <p:cNvPr id="46" name="구부러진 연결선[U] 45">
+            <a:extLst>
+              <a:ext uri="{FF2B5EF4-FFF2-40B4-BE49-F238E27FC236}">
+                <a16:creationId xmlns:a16="http://schemas.microsoft.com/office/drawing/2014/main" id="{026E1F8A-64B8-8C2E-0944-203CF8FC31E7}"/>
+              </a:ext>
+            </a:extLst>
+          </p:cNvPr>
+          <p:cNvCxnSpPr>
+            <a:cxnSpLocks/>
+            <a:stCxn id="40" idx="0"/>
+            <a:endCxn id="4" idx="2"/>
+          </p:cNvCxnSpPr>
+          <p:nvPr/>
+        </p:nvCxnSpPr>
+        <p:spPr>
+          <a:xfrm rot="5400000" flipH="1" flipV="1">
+            <a:off x="1668925" y="2550984"/>
+            <a:ext cx="2430509" cy="2694077"/>
+          </a:xfrm>
+          <a:prstGeom prst="curvedConnector3">
+            <a:avLst>
+              <a:gd name="adj1" fmla="val 50000"/>
+            </a:avLst>
+          </a:prstGeom>
+          <a:ln>
+            <a:tailEnd type="triangle"/>
+          </a:ln>
+        </p:spPr>
+        <p:style>
+          <a:lnRef idx="3">
+            <a:schemeClr val="accent1"/>
+          </a:lnRef>
+          <a:fillRef idx="0">
+            <a:schemeClr val="accent1"/>
+          </a:fillRef>
+          <a:effectRef idx="2">
+            <a:schemeClr val="accent1"/>
+          </a:effectRef>
+          <a:fontRef idx="minor">
+            <a:schemeClr val="tx1"/>
+          </a:fontRef>
+        </p:style>
+      </p:cxnSp>
+      <p:sp>
+        <p:nvSpPr>
+          <p:cNvPr id="44" name="직사각형 43">
+            <a:extLst>
+              <a:ext uri="{FF2B5EF4-FFF2-40B4-BE49-F238E27FC236}">
+                <a16:creationId xmlns:a16="http://schemas.microsoft.com/office/drawing/2014/main" id="{72919B29-E091-674F-AFE6-3B860E6C426B}"/>
+              </a:ext>
+            </a:extLst>
+          </p:cNvPr>
+          <p:cNvSpPr/>
+          <p:nvPr/>
+        </p:nvSpPr>
+        <p:spPr>
+          <a:xfrm>
+            <a:off x="1374111" y="4507613"/>
+            <a:ext cx="484690" cy="310057"/>
+          </a:xfrm>
+          <a:prstGeom prst="rect">
+            <a:avLst/>
+          </a:prstGeom>
+        </p:spPr>
+        <p:style>
+          <a:lnRef idx="2">
+            <a:schemeClr val="accent1"/>
+          </a:lnRef>
+          <a:fillRef idx="1">
+            <a:schemeClr val="lt1"/>
+          </a:fillRef>
+          <a:effectRef idx="0">
+            <a:schemeClr val="accent1"/>
+          </a:effectRef>
+          <a:fontRef idx="minor">
+            <a:schemeClr val="dk1"/>
+          </a:fontRef>
+        </p:style>
+        <p:txBody>
+          <a:bodyPr rtlCol="0" anchor="ctr"/>
+          <a:lstStyle/>
+          <a:p>
+            <a:pPr algn="ctr"/>
+            <a:r>
+              <a:rPr kumimoji="1" lang="en-US" altLang="ko-KR" sz="1000" dirty="0"/>
+              <a:t>get()</a:t>
+            </a:r>
           </a:p>
         </p:txBody>
       </p:sp>
